--- a/2019_0627_Git_Share_HA.pptx
+++ b/2019_0627_Git_Share_HA.pptx
@@ -216,7 +216,7 @@
           <a:p>
             <a:fld id="{1020193D-3E15-4DE7-AF14-4CFBD309F305}" type="datetimeFigureOut">
               <a:rPr lang="zh-TW" altLang="en-US" smtClean="0"/>
-              <a:t>2019/6/24</a:t>
+              <a:t>2019/6/26</a:t>
             </a:fld>
             <a:endParaRPr lang="zh-TW" altLang="en-US"/>
           </a:p>
@@ -665,7 +665,7 @@
           <a:p>
             <a:fld id="{6557CA0B-44A0-46DF-9575-675995B7D994}" type="datetime1">
               <a:rPr lang="zh-TW" altLang="en-US" smtClean="0"/>
-              <a:t>2019/6/24</a:t>
+              <a:t>2019/6/26</a:t>
             </a:fld>
             <a:endParaRPr lang="zh-TW" altLang="en-US"/>
           </a:p>
@@ -853,7 +853,7 @@
           <a:p>
             <a:fld id="{94CE1821-AA83-4DFE-B773-D50ABB5EE20C}" type="datetime1">
               <a:rPr lang="zh-TW" altLang="en-US" smtClean="0"/>
-              <a:t>2019/6/24</a:t>
+              <a:t>2019/6/26</a:t>
             </a:fld>
             <a:endParaRPr lang="zh-TW" altLang="en-US"/>
           </a:p>
@@ -1046,7 +1046,7 @@
           <a:p>
             <a:fld id="{CD5A2D0D-8378-42A6-8CC9-17E6F6BFEBE6}" type="datetime1">
               <a:rPr lang="zh-TW" altLang="en-US" smtClean="0"/>
-              <a:t>2019/6/24</a:t>
+              <a:t>2019/6/26</a:t>
             </a:fld>
             <a:endParaRPr lang="zh-TW" altLang="en-US"/>
           </a:p>
@@ -1234,7 +1234,7 @@
           <a:p>
             <a:fld id="{EF4B4EE8-D012-4A67-8D2F-173E88634E81}" type="datetime1">
               <a:rPr lang="zh-TW" altLang="en-US" smtClean="0"/>
-              <a:t>2019/6/24</a:t>
+              <a:t>2019/6/26</a:t>
             </a:fld>
             <a:endParaRPr lang="zh-TW" altLang="en-US"/>
           </a:p>
@@ -1494,7 +1494,7 @@
           <a:p>
             <a:fld id="{12586C6D-0339-4861-BBBF-642C97DC2484}" type="datetime1">
               <a:rPr lang="zh-TW" altLang="en-US" smtClean="0"/>
-              <a:t>2019/6/24</a:t>
+              <a:t>2019/6/26</a:t>
             </a:fld>
             <a:endParaRPr lang="zh-TW" altLang="en-US"/>
           </a:p>
@@ -1799,7 +1799,7 @@
           <a:p>
             <a:fld id="{0B36E52F-8F45-4325-AE18-B30FC88A2BAC}" type="datetime1">
               <a:rPr lang="zh-TW" altLang="en-US" smtClean="0"/>
-              <a:t>2019/6/24</a:t>
+              <a:t>2019/6/26</a:t>
             </a:fld>
             <a:endParaRPr lang="zh-TW" altLang="en-US"/>
           </a:p>
@@ -2238,7 +2238,7 @@
           <a:p>
             <a:fld id="{E44E3730-7353-4401-90EB-901B141DC3FB}" type="datetime1">
               <a:rPr lang="zh-TW" altLang="en-US" smtClean="0"/>
-              <a:t>2019/6/24</a:t>
+              <a:t>2019/6/26</a:t>
             </a:fld>
             <a:endParaRPr lang="zh-TW" altLang="en-US"/>
           </a:p>
@@ -2375,7 +2375,7 @@
           <a:p>
             <a:fld id="{8AA719F8-B8A0-482A-822A-9860CC09EAB9}" type="datetime1">
               <a:rPr lang="zh-TW" altLang="en-US" smtClean="0"/>
-              <a:t>2019/6/24</a:t>
+              <a:t>2019/6/26</a:t>
             </a:fld>
             <a:endParaRPr lang="zh-TW" altLang="en-US"/>
           </a:p>
@@ -2482,7 +2482,7 @@
           <a:p>
             <a:fld id="{FB67C268-4C5A-4C10-AC41-DDD28B6F209D}" type="datetime1">
               <a:rPr lang="zh-TW" altLang="en-US" smtClean="0"/>
-              <a:t>2019/6/24</a:t>
+              <a:t>2019/6/26</a:t>
             </a:fld>
             <a:endParaRPr lang="zh-TW" altLang="en-US"/>
           </a:p>
@@ -2772,7 +2772,7 @@
           <a:p>
             <a:fld id="{36E9F627-8147-46D9-8817-52518B33E601}" type="datetime1">
               <a:rPr lang="zh-TW" altLang="en-US" smtClean="0"/>
-              <a:t>2019/6/24</a:t>
+              <a:t>2019/6/26</a:t>
             </a:fld>
             <a:endParaRPr lang="zh-TW" altLang="en-US"/>
           </a:p>
@@ -3039,7 +3039,7 @@
           <a:p>
             <a:fld id="{366AC5D3-4E9D-42B0-AA81-8DD878BAC64D}" type="datetime1">
               <a:rPr lang="zh-TW" altLang="en-US" smtClean="0"/>
-              <a:t>2019/6/24</a:t>
+              <a:t>2019/6/26</a:t>
             </a:fld>
             <a:endParaRPr lang="zh-TW" altLang="en-US"/>
           </a:p>
@@ -3230,7 +3230,7 @@
           <a:p>
             <a:fld id="{4DE26776-C032-4FBA-8950-1C40D4FD3E5E}" type="datetime1">
               <a:rPr lang="zh-TW" altLang="en-US" smtClean="0"/>
-              <a:t>2019/6/24</a:t>
+              <a:t>2019/6/26</a:t>
             </a:fld>
             <a:endParaRPr lang="zh-TW" altLang="en-US"/>
           </a:p>
@@ -3917,38 +3917,101 @@
         </p:nvSpPr>
         <p:spPr/>
         <p:txBody>
-          <a:bodyPr/>
+          <a:bodyPr>
+            <a:normAutofit fontScale="85000" lnSpcReduction="10000"/>
+          </a:bodyPr>
           <a:lstStyle/>
           <a:p>
             <a:r>
               <a:rPr lang="en-US" altLang="zh-TW" dirty="0"/>
-              <a:t>Commit</a:t>
-            </a:r>
-          </a:p>
-          <a:p>
+              <a:t>Git</a:t>
+            </a:r>
+            <a:r>
+              <a:rPr lang="zh-TW" altLang="en-US" dirty="0"/>
+              <a:t>的特性 </a:t>
+            </a:r>
             <a:r>
               <a:rPr lang="en-US" altLang="zh-TW" dirty="0"/>
-              <a:t>Operate Commit</a:t>
-            </a:r>
-          </a:p>
-          <a:p>
+              <a:t>(</a:t>
+            </a:r>
+            <a:r>
+              <a:rPr lang="en-US" altLang="zh-TW" dirty="0" err="1"/>
+              <a:t>svn</a:t>
+            </a:r>
             <a:r>
               <a:rPr lang="en-US" altLang="zh-TW" dirty="0"/>
-              <a:t>Branch / pull / push</a:t>
-            </a:r>
-          </a:p>
-          <a:p>
+              <a:t> -&gt; git)</a:t>
+            </a:r>
+          </a:p>
+          <a:p>
+            <a:r>
+              <a:rPr lang="en-US" altLang="zh-TW" dirty="0"/>
+              <a:t>Git</a:t>
+            </a:r>
+            <a:r>
+              <a:rPr lang="zh-TW" altLang="en-US" dirty="0"/>
+              <a:t>相關工具</a:t>
+            </a:r>
+            <a:endParaRPr lang="en-US" altLang="zh-TW" dirty="0"/>
+          </a:p>
+          <a:p>
+            <a:r>
+              <a:rPr lang="en-US" altLang="zh-TW" dirty="0"/>
+              <a:t>commit </a:t>
+            </a:r>
             <a:r>
               <a:rPr lang="en-US" altLang="zh-TW" dirty="0" err="1"/>
-              <a:t>Github</a:t>
-            </a:r>
-            <a:r>
-              <a:rPr lang="zh-TW" altLang="en-US" dirty="0"/>
-              <a:t> </a:t>
+              <a:t>worktree</a:t>
             </a:r>
             <a:r>
               <a:rPr lang="en-US" altLang="zh-TW" dirty="0"/>
-              <a:t>/ Issue Tracking</a:t>
+              <a:t>(untracked, changed, unmerged), staged files, commit with amend</a:t>
+            </a:r>
+          </a:p>
+          <a:p>
+            <a:r>
+              <a:rPr lang="en-US" altLang="zh-TW" dirty="0"/>
+              <a:t>commit-operator reset, revert, cherry-pick</a:t>
+            </a:r>
+          </a:p>
+          <a:p>
+            <a:r>
+              <a:rPr lang="en-US" altLang="zh-TW" dirty="0"/>
+              <a:t>branch tracking(remote), merge, rebase, pull, push</a:t>
+            </a:r>
+          </a:p>
+          <a:p>
+            <a:r>
+              <a:rPr lang="en-US" altLang="zh-TW" dirty="0"/>
+              <a:t>Gitlab issue tracking, branch by issue(?), pull request</a:t>
+            </a:r>
+          </a:p>
+          <a:p>
+            <a:r>
+              <a:rPr lang="en-US" altLang="zh-TW" dirty="0"/>
+              <a:t>addition </a:t>
+            </a:r>
+            <a:r>
+              <a:rPr lang="en-US" altLang="zh-TW" dirty="0" err="1"/>
+              <a:t>gitignore</a:t>
+            </a:r>
+            <a:r>
+              <a:rPr lang="en-US" altLang="zh-TW" dirty="0"/>
+              <a:t>, </a:t>
+            </a:r>
+            <a:r>
+              <a:rPr lang="en-US" altLang="zh-TW" dirty="0" err="1"/>
+              <a:t>gitattribute</a:t>
+            </a:r>
+            <a:r>
+              <a:rPr lang="en-US" altLang="zh-TW" dirty="0"/>
+              <a:t>, git-hook</a:t>
+            </a:r>
+          </a:p>
+          <a:p>
+            <a:r>
+              <a:rPr lang="en-US" altLang="zh-TW" dirty="0"/>
+              <a:t>Reference</a:t>
             </a:r>
           </a:p>
         </p:txBody>

--- a/2019_0627_Git_Share_HA.pptx
+++ b/2019_0627_Git_Share_HA.pptx
@@ -3915,10 +3915,15 @@
             <p:ph idx="1"/>
           </p:nvPr>
         </p:nvSpPr>
-        <p:spPr/>
+        <p:spPr>
+          <a:xfrm>
+            <a:off x="457200" y="1628800"/>
+            <a:ext cx="8229600" cy="4525963"/>
+          </a:xfrm>
+        </p:spPr>
         <p:txBody>
           <a:bodyPr>
-            <a:normAutofit fontScale="85000" lnSpcReduction="10000"/>
+            <a:normAutofit fontScale="92500" lnSpcReduction="20000"/>
           </a:bodyPr>
           <a:lstStyle/>
           <a:p>
@@ -3950,50 +3955,31 @@
             </a:r>
             <a:r>
               <a:rPr lang="zh-TW" altLang="en-US" dirty="0"/>
-              <a:t>相關工具</a:t>
-            </a:r>
-            <a:endParaRPr lang="en-US" altLang="zh-TW" dirty="0"/>
-          </a:p>
-          <a:p>
+              <a:t> </a:t>
+            </a:r>
             <a:r>
               <a:rPr lang="en-US" altLang="zh-TW" dirty="0"/>
-              <a:t>commit </a:t>
+              <a:t>tools</a:t>
+            </a:r>
+            <a:r>
+              <a:rPr lang="zh-TW" altLang="en-US" dirty="0"/>
+              <a:t> </a:t>
+            </a:r>
+            <a:r>
+              <a:rPr lang="en-US" altLang="zh-TW" dirty="0"/>
+              <a:t>(</a:t>
             </a:r>
             <a:r>
               <a:rPr lang="en-US" altLang="zh-TW" dirty="0" err="1"/>
-              <a:t>worktree</a:t>
+              <a:t>gitlab</a:t>
             </a:r>
             <a:r>
               <a:rPr lang="en-US" altLang="zh-TW" dirty="0"/>
-              <a:t>(untracked, changed, unmerged), staged files, commit with amend</a:t>
-            </a:r>
-          </a:p>
-          <a:p>
-            <a:r>
-              <a:rPr lang="en-US" altLang="zh-TW" dirty="0"/>
-              <a:t>commit-operator reset, revert, cherry-pick</a:t>
-            </a:r>
-          </a:p>
-          <a:p>
-            <a:r>
-              <a:rPr lang="en-US" altLang="zh-TW" dirty="0"/>
-              <a:t>branch tracking(remote), merge, rebase, pull, push</a:t>
-            </a:r>
-          </a:p>
-          <a:p>
-            <a:r>
-              <a:rPr lang="en-US" altLang="zh-TW" dirty="0"/>
-              <a:t>Gitlab issue tracking, branch by issue(?), pull request</a:t>
-            </a:r>
-          </a:p>
-          <a:p>
-            <a:r>
-              <a:rPr lang="en-US" altLang="zh-TW" dirty="0"/>
-              <a:t>addition </a:t>
+              <a:t>, bash, </a:t>
             </a:r>
             <a:r>
               <a:rPr lang="en-US" altLang="zh-TW" dirty="0" err="1"/>
-              <a:t>gitignore</a:t>
+              <a:t>vscode</a:t>
             </a:r>
             <a:r>
               <a:rPr lang="en-US" altLang="zh-TW" dirty="0"/>
@@ -4001,11 +3987,49 @@
             </a:r>
             <a:r>
               <a:rPr lang="en-US" altLang="zh-TW" dirty="0" err="1"/>
-              <a:t>gitattribute</a:t>
+              <a:t>tortoiseGit</a:t>
             </a:r>
             <a:r>
               <a:rPr lang="en-US" altLang="zh-TW" dirty="0"/>
-              <a:t>, git-hook</a:t>
+              <a:t>, </a:t>
+            </a:r>
+            <a:r>
+              <a:rPr lang="en-US" altLang="zh-TW" dirty="0" err="1"/>
+              <a:t>sourceTree</a:t>
+            </a:r>
+            <a:r>
+              <a:rPr lang="en-US" altLang="zh-TW" dirty="0"/>
+              <a:t>)</a:t>
+            </a:r>
+          </a:p>
+          <a:p>
+            <a:r>
+              <a:rPr lang="en-US" altLang="zh-TW" dirty="0"/>
+              <a:t>commit (work-tree/staged, commit with amend)</a:t>
+            </a:r>
+          </a:p>
+          <a:p>
+            <a:r>
+              <a:rPr lang="en-US" altLang="zh-TW" dirty="0"/>
+              <a:t>commit-operator (reset, revert, cherry-pick)</a:t>
+            </a:r>
+          </a:p>
+          <a:p>
+            <a:r>
+              <a:rPr lang="en-US" altLang="zh-TW" dirty="0"/>
+              <a:t>branch (tracking, merge, rebase, pull, push)</a:t>
+            </a:r>
+          </a:p>
+          <a:p>
+            <a:r>
+              <a:rPr lang="en-US" altLang="zh-TW" dirty="0"/>
+              <a:t>Gitlab (issue tracking, branch by issue(?), pull request)</a:t>
+            </a:r>
+          </a:p>
+          <a:p>
+            <a:r>
+              <a:rPr lang="en-US" altLang="zh-TW" dirty="0"/>
+              <a:t>Further (config, ignore, attribute, hook)</a:t>
             </a:r>
           </a:p>
           <a:p>
@@ -4099,21 +4123,13 @@
           <a:lstStyle/>
           <a:p>
             <a:r>
-              <a:rPr lang="en-US" altLang="zh-TW" dirty="0" err="1"/>
-              <a:t>CallBack</a:t>
-            </a:r>
-            <a:r>
               <a:rPr lang="en-US" altLang="zh-TW" dirty="0"/>
-              <a:t> Hell </a:t>
-            </a:r>
-            <a:br>
-              <a:rPr lang="en-US" altLang="zh-TW" dirty="0"/>
-            </a:br>
-            <a:r>
-              <a:rPr lang="en-US" altLang="zh-TW" dirty="0"/>
-              <a:t>(The doom of pyramid)</a:t>
-            </a:r>
-            <a:endParaRPr lang="zh-TW" altLang="en-US" dirty="0"/>
+              <a:t>Git</a:t>
+            </a:r>
+            <a:r>
+              <a:rPr lang="zh-TW" altLang="en-US" dirty="0"/>
+              <a:t>特性</a:t>
+            </a:r>
           </a:p>
         </p:txBody>
       </p:sp>

--- a/2019_0627_Git_Share_HA.pptx
+++ b/2019_0627_Git_Share_HA.pptx
@@ -5,18 +5,20 @@
     <p:sldMasterId id="2147483648" r:id="rId1"/>
   </p:sldMasterIdLst>
   <p:notesMasterIdLst>
-    <p:notesMasterId r:id="rId11"/>
+    <p:notesMasterId r:id="rId13"/>
   </p:notesMasterIdLst>
   <p:sldIdLst>
     <p:sldId id="256" r:id="rId2"/>
     <p:sldId id="257" r:id="rId3"/>
     <p:sldId id="259" r:id="rId4"/>
-    <p:sldId id="260" r:id="rId5"/>
-    <p:sldId id="261" r:id="rId6"/>
-    <p:sldId id="262" r:id="rId7"/>
-    <p:sldId id="264" r:id="rId8"/>
-    <p:sldId id="263" r:id="rId9"/>
-    <p:sldId id="258" r:id="rId10"/>
+    <p:sldId id="265" r:id="rId5"/>
+    <p:sldId id="266" r:id="rId6"/>
+    <p:sldId id="260" r:id="rId7"/>
+    <p:sldId id="261" r:id="rId8"/>
+    <p:sldId id="262" r:id="rId9"/>
+    <p:sldId id="264" r:id="rId10"/>
+    <p:sldId id="263" r:id="rId11"/>
+    <p:sldId id="258" r:id="rId12"/>
   </p:sldIdLst>
   <p:sldSz cx="9144000" cy="6858000" type="screen4x3"/>
   <p:notesSz cx="6858000" cy="9144000"/>
@@ -3866,7 +3868,7 @@
 </p:sld>
 </file>
 
-<file path=ppt/slides/slide2.xml><?xml version="1.0" encoding="utf-8"?>
+<file path=ppt/slides/slide10.xml><?xml version="1.0" encoding="utf-8"?>
 <p:sld xmlns:a="http://schemas.openxmlformats.org/drawingml/2006/main" xmlns:r="http://schemas.openxmlformats.org/officeDocument/2006/relationships" xmlns:p="http://schemas.openxmlformats.org/presentationml/2006/main">
   <p:cSld>
     <p:spTree>
@@ -3885,1203 +3887,6 @@
       </p:grpSpPr>
       <p:sp>
         <p:nvSpPr>
-          <p:cNvPr id="2" name="標題 1"/>
-          <p:cNvSpPr>
-            <a:spLocks noGrp="1"/>
-          </p:cNvSpPr>
-          <p:nvPr>
-            <p:ph type="title"/>
-          </p:nvPr>
-        </p:nvSpPr>
-        <p:spPr/>
-        <p:txBody>
-          <a:bodyPr/>
-          <a:lstStyle/>
-          <a:p>
-            <a:r>
-              <a:rPr lang="zh-TW" altLang="en-US" dirty="0"/>
-              <a:t>內容</a:t>
-            </a:r>
-          </a:p>
-        </p:txBody>
-      </p:sp>
-      <p:sp>
-        <p:nvSpPr>
-          <p:cNvPr id="3" name="內容版面配置區 2"/>
-          <p:cNvSpPr>
-            <a:spLocks noGrp="1"/>
-          </p:cNvSpPr>
-          <p:nvPr>
-            <p:ph idx="1"/>
-          </p:nvPr>
-        </p:nvSpPr>
-        <p:spPr>
-          <a:xfrm>
-            <a:off x="457200" y="1628800"/>
-            <a:ext cx="8229600" cy="4525963"/>
-          </a:xfrm>
-        </p:spPr>
-        <p:txBody>
-          <a:bodyPr>
-            <a:normAutofit fontScale="92500" lnSpcReduction="20000"/>
-          </a:bodyPr>
-          <a:lstStyle/>
-          <a:p>
-            <a:r>
-              <a:rPr lang="en-US" altLang="zh-TW" dirty="0"/>
-              <a:t>Git</a:t>
-            </a:r>
-            <a:r>
-              <a:rPr lang="zh-TW" altLang="en-US" dirty="0"/>
-              <a:t>的特性 </a:t>
-            </a:r>
-            <a:r>
-              <a:rPr lang="en-US" altLang="zh-TW" dirty="0"/>
-              <a:t>(</a:t>
-            </a:r>
-            <a:r>
-              <a:rPr lang="en-US" altLang="zh-TW" dirty="0" err="1"/>
-              <a:t>svn</a:t>
-            </a:r>
-            <a:r>
-              <a:rPr lang="en-US" altLang="zh-TW" dirty="0"/>
-              <a:t> -&gt; git)</a:t>
-            </a:r>
-          </a:p>
-          <a:p>
-            <a:r>
-              <a:rPr lang="en-US" altLang="zh-TW" dirty="0"/>
-              <a:t>Git</a:t>
-            </a:r>
-            <a:r>
-              <a:rPr lang="zh-TW" altLang="en-US" dirty="0"/>
-              <a:t> </a:t>
-            </a:r>
-            <a:r>
-              <a:rPr lang="en-US" altLang="zh-TW" dirty="0"/>
-              <a:t>tools</a:t>
-            </a:r>
-            <a:r>
-              <a:rPr lang="zh-TW" altLang="en-US" dirty="0"/>
-              <a:t> </a:t>
-            </a:r>
-            <a:r>
-              <a:rPr lang="en-US" altLang="zh-TW" dirty="0"/>
-              <a:t>(</a:t>
-            </a:r>
-            <a:r>
-              <a:rPr lang="en-US" altLang="zh-TW" dirty="0" err="1"/>
-              <a:t>gitlab</a:t>
-            </a:r>
-            <a:r>
-              <a:rPr lang="en-US" altLang="zh-TW" dirty="0"/>
-              <a:t>, bash, </a:t>
-            </a:r>
-            <a:r>
-              <a:rPr lang="en-US" altLang="zh-TW" dirty="0" err="1"/>
-              <a:t>vscode</a:t>
-            </a:r>
-            <a:r>
-              <a:rPr lang="en-US" altLang="zh-TW" dirty="0"/>
-              <a:t>, </a:t>
-            </a:r>
-            <a:r>
-              <a:rPr lang="en-US" altLang="zh-TW" dirty="0" err="1"/>
-              <a:t>tortoiseGit</a:t>
-            </a:r>
-            <a:r>
-              <a:rPr lang="en-US" altLang="zh-TW" dirty="0"/>
-              <a:t>, </a:t>
-            </a:r>
-            <a:r>
-              <a:rPr lang="en-US" altLang="zh-TW" dirty="0" err="1"/>
-              <a:t>sourceTree</a:t>
-            </a:r>
-            <a:r>
-              <a:rPr lang="en-US" altLang="zh-TW" dirty="0"/>
-              <a:t>)</a:t>
-            </a:r>
-          </a:p>
-          <a:p>
-            <a:r>
-              <a:rPr lang="en-US" altLang="zh-TW" dirty="0"/>
-              <a:t>commit (work-tree/staged, commit with amend)</a:t>
-            </a:r>
-          </a:p>
-          <a:p>
-            <a:r>
-              <a:rPr lang="en-US" altLang="zh-TW" dirty="0"/>
-              <a:t>commit-operator (reset, revert, cherry-pick)</a:t>
-            </a:r>
-          </a:p>
-          <a:p>
-            <a:r>
-              <a:rPr lang="en-US" altLang="zh-TW" dirty="0"/>
-              <a:t>branch (tracking, merge, rebase, pull, push)</a:t>
-            </a:r>
-          </a:p>
-          <a:p>
-            <a:r>
-              <a:rPr lang="en-US" altLang="zh-TW" dirty="0"/>
-              <a:t>Gitlab (issue tracking, branch by issue(?), pull request)</a:t>
-            </a:r>
-          </a:p>
-          <a:p>
-            <a:r>
-              <a:rPr lang="en-US" altLang="zh-TW" dirty="0"/>
-              <a:t>Further (config, ignore, attribute, hook)</a:t>
-            </a:r>
-          </a:p>
-          <a:p>
-            <a:r>
-              <a:rPr lang="en-US" altLang="zh-TW" dirty="0"/>
-              <a:t>Reference</a:t>
-            </a:r>
-          </a:p>
-        </p:txBody>
-      </p:sp>
-      <p:sp>
-        <p:nvSpPr>
-          <p:cNvPr id="5" name="頁尾版面配置區 4"/>
-          <p:cNvSpPr>
-            <a:spLocks noGrp="1"/>
-          </p:cNvSpPr>
-          <p:nvPr>
-            <p:ph type="ftr" sz="quarter" idx="11"/>
-          </p:nvPr>
-        </p:nvSpPr>
-        <p:spPr/>
-        <p:txBody>
-          <a:bodyPr/>
-          <a:lstStyle/>
-          <a:p>
-            <a:r>
-              <a:rPr lang="en-US" altLang="zh-TW"/>
-              <a:t>104</a:t>
-            </a:r>
-            <a:r>
-              <a:rPr lang="zh-TW" altLang="en-US"/>
-              <a:t>人資學院  </a:t>
-            </a:r>
-            <a:r>
-              <a:rPr lang="en-US" altLang="zh-TW"/>
-              <a:t>All Rights Reserved</a:t>
-            </a:r>
-            <a:endParaRPr lang="zh-TW" altLang="en-US"/>
-          </a:p>
-        </p:txBody>
-      </p:sp>
-    </p:spTree>
-    <p:extLst>
-      <p:ext uri="{BB962C8B-B14F-4D97-AF65-F5344CB8AC3E}">
-        <p14:creationId xmlns:p14="http://schemas.microsoft.com/office/powerpoint/2010/main" val="4274691960"/>
-      </p:ext>
-    </p:extLst>
-  </p:cSld>
-  <p:clrMapOvr>
-    <a:masterClrMapping/>
-  </p:clrMapOvr>
-</p:sld>
-</file>
-
-<file path=ppt/slides/slide3.xml><?xml version="1.0" encoding="utf-8"?>
-<p:sld xmlns:a="http://schemas.openxmlformats.org/drawingml/2006/main" xmlns:r="http://schemas.openxmlformats.org/officeDocument/2006/relationships" xmlns:p="http://schemas.openxmlformats.org/presentationml/2006/main">
-  <p:cSld>
-    <p:spTree>
-      <p:nvGrpSpPr>
-        <p:cNvPr id="1" name=""/>
-        <p:cNvGrpSpPr/>
-        <p:nvPr/>
-      </p:nvGrpSpPr>
-      <p:grpSpPr>
-        <a:xfrm>
-          <a:off x="0" y="0"/>
-          <a:ext cx="0" cy="0"/>
-          <a:chOff x="0" y="0"/>
-          <a:chExt cx="0" cy="0"/>
-        </a:xfrm>
-      </p:grpSpPr>
-      <p:sp>
-        <p:nvSpPr>
-          <p:cNvPr id="2" name="標題 1">
-            <a:extLst>
-              <a:ext uri="{FF2B5EF4-FFF2-40B4-BE49-F238E27FC236}">
-                <a16:creationId xmlns:a16="http://schemas.microsoft.com/office/drawing/2014/main" id="{BF6D624E-CCBB-4E03-A8FD-7FC5FEC7B1A9}"/>
-              </a:ext>
-            </a:extLst>
-          </p:cNvPr>
-          <p:cNvSpPr>
-            <a:spLocks noGrp="1"/>
-          </p:cNvSpPr>
-          <p:nvPr>
-            <p:ph type="title"/>
-          </p:nvPr>
-        </p:nvSpPr>
-        <p:spPr/>
-        <p:txBody>
-          <a:bodyPr/>
-          <a:lstStyle/>
-          <a:p>
-            <a:r>
-              <a:rPr lang="en-US" altLang="zh-TW" dirty="0"/>
-              <a:t>Git</a:t>
-            </a:r>
-            <a:r>
-              <a:rPr lang="zh-TW" altLang="en-US" dirty="0"/>
-              <a:t>特性</a:t>
-            </a:r>
-          </a:p>
-        </p:txBody>
-      </p:sp>
-      <p:sp>
-        <p:nvSpPr>
-          <p:cNvPr id="3" name="內容版面配置區 2">
-            <a:extLst>
-              <a:ext uri="{FF2B5EF4-FFF2-40B4-BE49-F238E27FC236}">
-                <a16:creationId xmlns:a16="http://schemas.microsoft.com/office/drawing/2014/main" id="{444E510F-E2DA-465C-BCB9-76045CEF4FCC}"/>
-              </a:ext>
-            </a:extLst>
-          </p:cNvPr>
-          <p:cNvSpPr>
-            <a:spLocks noGrp="1"/>
-          </p:cNvSpPr>
-          <p:nvPr>
-            <p:ph idx="1"/>
-          </p:nvPr>
-        </p:nvSpPr>
-        <p:spPr/>
-        <p:txBody>
-          <a:bodyPr/>
-          <a:lstStyle/>
-          <a:p>
-            <a:r>
-              <a:rPr lang="en-US" altLang="zh-TW" dirty="0">
-                <a:sym typeface="Wingdings" panose="05000000000000000000" pitchFamily="2" charset="2"/>
-              </a:rPr>
-              <a:t>/Ehrms2portal_SC</a:t>
-            </a:r>
-            <a:br>
-              <a:rPr lang="en-US" altLang="zh-TW" dirty="0">
-                <a:sym typeface="Wingdings" panose="05000000000000000000" pitchFamily="2" charset="2"/>
-              </a:rPr>
-            </a:br>
-            <a:r>
-              <a:rPr lang="en-US" altLang="zh-TW" dirty="0">
-                <a:sym typeface="Wingdings" panose="05000000000000000000" pitchFamily="2" charset="2"/>
-              </a:rPr>
-              <a:t>/api-auth-acUser.js LINE</a:t>
-            </a:r>
-            <a:r>
-              <a:rPr lang="en-US" altLang="zh-TW" dirty="0">
-                <a:sym typeface="Wingdings" panose="05000000000000000000" pitchFamily="2" charset="2"/>
-                <a:hlinkClick r:id="rId2"/>
-              </a:rPr>
-              <a:t> 1095</a:t>
-            </a:r>
-            <a:endParaRPr lang="en-US" altLang="zh-TW" dirty="0">
-              <a:sym typeface="Wingdings" panose="05000000000000000000" pitchFamily="2" charset="2"/>
-            </a:endParaRPr>
-          </a:p>
-        </p:txBody>
-      </p:sp>
-      <p:sp>
-        <p:nvSpPr>
-          <p:cNvPr id="4" name="頁尾版面配置區 3">
-            <a:extLst>
-              <a:ext uri="{FF2B5EF4-FFF2-40B4-BE49-F238E27FC236}">
-                <a16:creationId xmlns:a16="http://schemas.microsoft.com/office/drawing/2014/main" id="{906666CF-5A60-4C06-B04C-164D753A21A4}"/>
-              </a:ext>
-            </a:extLst>
-          </p:cNvPr>
-          <p:cNvSpPr>
-            <a:spLocks noGrp="1"/>
-          </p:cNvSpPr>
-          <p:nvPr>
-            <p:ph type="ftr" sz="quarter" idx="11"/>
-          </p:nvPr>
-        </p:nvSpPr>
-        <p:spPr/>
-        <p:txBody>
-          <a:bodyPr/>
-          <a:lstStyle/>
-          <a:p>
-            <a:r>
-              <a:rPr lang="en-US" altLang="zh-TW"/>
-              <a:t>104</a:t>
-            </a:r>
-            <a:r>
-              <a:rPr lang="zh-TW" altLang="en-US"/>
-              <a:t>人資學院  </a:t>
-            </a:r>
-            <a:r>
-              <a:rPr lang="en-US" altLang="zh-TW"/>
-              <a:t>All Rights Reserved</a:t>
-            </a:r>
-            <a:endParaRPr lang="zh-TW" altLang="en-US"/>
-          </a:p>
-        </p:txBody>
-      </p:sp>
-      <p:pic>
-        <p:nvPicPr>
-          <p:cNvPr id="5" name="圖片 4">
-            <a:extLst>
-              <a:ext uri="{FF2B5EF4-FFF2-40B4-BE49-F238E27FC236}">
-                <a16:creationId xmlns:a16="http://schemas.microsoft.com/office/drawing/2014/main" id="{CCFA6BC6-C040-43FD-ACAE-D033534C4B9A}"/>
-              </a:ext>
-            </a:extLst>
-          </p:cNvPr>
-          <p:cNvPicPr>
-            <a:picLocks noChangeAspect="1"/>
-          </p:cNvPicPr>
-          <p:nvPr/>
-        </p:nvPicPr>
-        <p:blipFill>
-          <a:blip r:embed="rId3"/>
-          <a:stretch>
-            <a:fillRect/>
-          </a:stretch>
-        </p:blipFill>
-        <p:spPr>
-          <a:xfrm>
-            <a:off x="1341204" y="2749872"/>
-            <a:ext cx="7346560" cy="3376291"/>
-          </a:xfrm>
-          <a:prstGeom prst="rect">
-            <a:avLst/>
-          </a:prstGeom>
-        </p:spPr>
-      </p:pic>
-    </p:spTree>
-    <p:extLst>
-      <p:ext uri="{BB962C8B-B14F-4D97-AF65-F5344CB8AC3E}">
-        <p14:creationId xmlns:p14="http://schemas.microsoft.com/office/powerpoint/2010/main" val="423122223"/>
-      </p:ext>
-    </p:extLst>
-  </p:cSld>
-  <p:clrMapOvr>
-    <a:masterClrMapping/>
-  </p:clrMapOvr>
-</p:sld>
-</file>
-
-<file path=ppt/slides/slide4.xml><?xml version="1.0" encoding="utf-8"?>
-<p:sld xmlns:a="http://schemas.openxmlformats.org/drawingml/2006/main" xmlns:r="http://schemas.openxmlformats.org/officeDocument/2006/relationships" xmlns:p="http://schemas.openxmlformats.org/presentationml/2006/main">
-  <p:cSld>
-    <p:spTree>
-      <p:nvGrpSpPr>
-        <p:cNvPr id="1" name=""/>
-        <p:cNvGrpSpPr/>
-        <p:nvPr/>
-      </p:nvGrpSpPr>
-      <p:grpSpPr>
-        <a:xfrm>
-          <a:off x="0" y="0"/>
-          <a:ext cx="0" cy="0"/>
-          <a:chOff x="0" y="0"/>
-          <a:chExt cx="0" cy="0"/>
-        </a:xfrm>
-      </p:grpSpPr>
-      <p:sp>
-        <p:nvSpPr>
-          <p:cNvPr id="2" name="標題 1">
-            <a:extLst>
-              <a:ext uri="{FF2B5EF4-FFF2-40B4-BE49-F238E27FC236}">
-                <a16:creationId xmlns:a16="http://schemas.microsoft.com/office/drawing/2014/main" id="{1F53BFC4-38C1-46A5-8967-4D5F3CB1B717}"/>
-              </a:ext>
-            </a:extLst>
-          </p:cNvPr>
-          <p:cNvSpPr>
-            <a:spLocks noGrp="1"/>
-          </p:cNvSpPr>
-          <p:nvPr>
-            <p:ph type="title"/>
-          </p:nvPr>
-        </p:nvSpPr>
-        <p:spPr/>
-        <p:txBody>
-          <a:bodyPr/>
-          <a:lstStyle/>
-          <a:p>
-            <a:r>
-              <a:rPr lang="en-US" altLang="zh-TW" dirty="0"/>
-              <a:t>Promise </a:t>
-            </a:r>
-            <a:r>
-              <a:rPr lang="en-US" altLang="zh-TW" dirty="0" err="1"/>
-              <a:t>concat</a:t>
-            </a:r>
-            <a:endParaRPr lang="zh-TW" altLang="en-US" dirty="0"/>
-          </a:p>
-        </p:txBody>
-      </p:sp>
-      <p:sp>
-        <p:nvSpPr>
-          <p:cNvPr id="3" name="內容版面配置區 2">
-            <a:extLst>
-              <a:ext uri="{FF2B5EF4-FFF2-40B4-BE49-F238E27FC236}">
-                <a16:creationId xmlns:a16="http://schemas.microsoft.com/office/drawing/2014/main" id="{ED6A5C43-F74E-4DBC-AC33-4FB90C3BE8D6}"/>
-              </a:ext>
-            </a:extLst>
-          </p:cNvPr>
-          <p:cNvSpPr>
-            <a:spLocks noGrp="1"/>
-          </p:cNvSpPr>
-          <p:nvPr>
-            <p:ph idx="1"/>
-          </p:nvPr>
-        </p:nvSpPr>
-        <p:spPr/>
-        <p:txBody>
-          <a:bodyPr/>
-          <a:lstStyle/>
-          <a:p>
-            <a:r>
-              <a:rPr lang="en-US" altLang="zh-TW" dirty="0">
-                <a:sym typeface="Wingdings" panose="05000000000000000000" pitchFamily="2" charset="2"/>
-              </a:rPr>
-              <a:t>/Ehrms2portal_SC/api-auth-acUser.js LINE </a:t>
-            </a:r>
-            <a:r>
-              <a:rPr lang="en-US" altLang="zh-TW" dirty="0">
-                <a:sym typeface="Wingdings" panose="05000000000000000000" pitchFamily="2" charset="2"/>
-                <a:hlinkClick r:id="rId2"/>
-              </a:rPr>
-              <a:t>927</a:t>
-            </a:r>
-            <a:endParaRPr lang="en-US" altLang="zh-TW" dirty="0">
-              <a:sym typeface="Wingdings" panose="05000000000000000000" pitchFamily="2" charset="2"/>
-            </a:endParaRPr>
-          </a:p>
-          <a:p>
-            <a:endParaRPr lang="en-US" altLang="zh-TW" dirty="0">
-              <a:sym typeface="Wingdings" panose="05000000000000000000" pitchFamily="2" charset="2"/>
-            </a:endParaRPr>
-          </a:p>
-        </p:txBody>
-      </p:sp>
-      <p:sp>
-        <p:nvSpPr>
-          <p:cNvPr id="4" name="頁尾版面配置區 3">
-            <a:extLst>
-              <a:ext uri="{FF2B5EF4-FFF2-40B4-BE49-F238E27FC236}">
-                <a16:creationId xmlns:a16="http://schemas.microsoft.com/office/drawing/2014/main" id="{9C15FB9A-0695-4774-8738-81A625865030}"/>
-              </a:ext>
-            </a:extLst>
-          </p:cNvPr>
-          <p:cNvSpPr>
-            <a:spLocks noGrp="1"/>
-          </p:cNvSpPr>
-          <p:nvPr>
-            <p:ph type="ftr" sz="quarter" idx="11"/>
-          </p:nvPr>
-        </p:nvSpPr>
-        <p:spPr/>
-        <p:txBody>
-          <a:bodyPr/>
-          <a:lstStyle/>
-          <a:p>
-            <a:r>
-              <a:rPr lang="en-US" altLang="zh-TW"/>
-              <a:t>104</a:t>
-            </a:r>
-            <a:r>
-              <a:rPr lang="zh-TW" altLang="en-US"/>
-              <a:t>人資學院  </a:t>
-            </a:r>
-            <a:r>
-              <a:rPr lang="en-US" altLang="zh-TW"/>
-              <a:t>All Rights Reserved</a:t>
-            </a:r>
-            <a:endParaRPr lang="zh-TW" altLang="en-US"/>
-          </a:p>
-        </p:txBody>
-      </p:sp>
-      <p:pic>
-        <p:nvPicPr>
-          <p:cNvPr id="5" name="圖片 4">
-            <a:extLst>
-              <a:ext uri="{FF2B5EF4-FFF2-40B4-BE49-F238E27FC236}">
-                <a16:creationId xmlns:a16="http://schemas.microsoft.com/office/drawing/2014/main" id="{58663B3E-3A13-4FFA-B551-C659A514A42A}"/>
-              </a:ext>
-            </a:extLst>
-          </p:cNvPr>
-          <p:cNvPicPr>
-            <a:picLocks noChangeAspect="1"/>
-          </p:cNvPicPr>
-          <p:nvPr/>
-        </p:nvPicPr>
-        <p:blipFill>
-          <a:blip r:embed="rId3"/>
-          <a:stretch>
-            <a:fillRect/>
-          </a:stretch>
-        </p:blipFill>
-        <p:spPr>
-          <a:xfrm>
-            <a:off x="505244" y="2276872"/>
-            <a:ext cx="8269654" cy="4052746"/>
-          </a:xfrm>
-          <a:prstGeom prst="rect">
-            <a:avLst/>
-          </a:prstGeom>
-        </p:spPr>
-      </p:pic>
-    </p:spTree>
-    <p:extLst>
-      <p:ext uri="{BB962C8B-B14F-4D97-AF65-F5344CB8AC3E}">
-        <p14:creationId xmlns:p14="http://schemas.microsoft.com/office/powerpoint/2010/main" val="280376510"/>
-      </p:ext>
-    </p:extLst>
-  </p:cSld>
-  <p:clrMapOvr>
-    <a:masterClrMapping/>
-  </p:clrMapOvr>
-</p:sld>
-</file>
-
-<file path=ppt/slides/slide5.xml><?xml version="1.0" encoding="utf-8"?>
-<p:sld xmlns:a="http://schemas.openxmlformats.org/drawingml/2006/main" xmlns:r="http://schemas.openxmlformats.org/officeDocument/2006/relationships" xmlns:p="http://schemas.openxmlformats.org/presentationml/2006/main">
-  <p:cSld>
-    <p:spTree>
-      <p:nvGrpSpPr>
-        <p:cNvPr id="1" name=""/>
-        <p:cNvGrpSpPr/>
-        <p:nvPr/>
-      </p:nvGrpSpPr>
-      <p:grpSpPr>
-        <a:xfrm>
-          <a:off x="0" y="0"/>
-          <a:ext cx="0" cy="0"/>
-          <a:chOff x="0" y="0"/>
-          <a:chExt cx="0" cy="0"/>
-        </a:xfrm>
-      </p:grpSpPr>
-      <p:sp>
-        <p:nvSpPr>
-          <p:cNvPr id="2" name="標題 1">
-            <a:extLst>
-              <a:ext uri="{FF2B5EF4-FFF2-40B4-BE49-F238E27FC236}">
-                <a16:creationId xmlns:a16="http://schemas.microsoft.com/office/drawing/2014/main" id="{51841209-40F9-48A5-9D1B-ED5369596D62}"/>
-              </a:ext>
-            </a:extLst>
-          </p:cNvPr>
-          <p:cNvSpPr>
-            <a:spLocks noGrp="1"/>
-          </p:cNvSpPr>
-          <p:nvPr>
-            <p:ph type="title"/>
-          </p:nvPr>
-        </p:nvSpPr>
-        <p:spPr/>
-        <p:txBody>
-          <a:bodyPr/>
-          <a:lstStyle/>
-          <a:p>
-            <a:r>
-              <a:rPr lang="en-US" altLang="zh-TW" dirty="0" err="1"/>
-              <a:t>Async</a:t>
-            </a:r>
-            <a:r>
-              <a:rPr lang="en-US" altLang="zh-TW" dirty="0"/>
-              <a:t> try-catch-finally</a:t>
-            </a:r>
-            <a:endParaRPr lang="zh-TW" altLang="en-US" dirty="0"/>
-          </a:p>
-        </p:txBody>
-      </p:sp>
-      <p:sp>
-        <p:nvSpPr>
-          <p:cNvPr id="3" name="內容版面配置區 2">
-            <a:extLst>
-              <a:ext uri="{FF2B5EF4-FFF2-40B4-BE49-F238E27FC236}">
-                <a16:creationId xmlns:a16="http://schemas.microsoft.com/office/drawing/2014/main" id="{F478725F-0E0D-47B3-9E2B-1F4D255BF391}"/>
-              </a:ext>
-            </a:extLst>
-          </p:cNvPr>
-          <p:cNvSpPr>
-            <a:spLocks noGrp="1"/>
-          </p:cNvSpPr>
-          <p:nvPr>
-            <p:ph idx="1"/>
-          </p:nvPr>
-        </p:nvSpPr>
-        <p:spPr/>
-        <p:txBody>
-          <a:bodyPr/>
-          <a:lstStyle/>
-          <a:p>
-            <a:r>
-              <a:rPr lang="en-US" altLang="zh-TW" dirty="0">
-                <a:sym typeface="Wingdings" panose="05000000000000000000" pitchFamily="2" charset="2"/>
-              </a:rPr>
-              <a:t>/Ehrms2portal_SC/api-auth-acUser.js LINE </a:t>
-            </a:r>
-            <a:r>
-              <a:rPr lang="en-US" altLang="zh-TW" dirty="0">
-                <a:sym typeface="Wingdings" panose="05000000000000000000" pitchFamily="2" charset="2"/>
-                <a:hlinkClick r:id="rId2"/>
-              </a:rPr>
-              <a:t>954</a:t>
-            </a:r>
-            <a:br>
-              <a:rPr lang="en-US" altLang="zh-TW" dirty="0">
-                <a:sym typeface="Wingdings" panose="05000000000000000000" pitchFamily="2" charset="2"/>
-              </a:rPr>
-            </a:br>
-            <a:br>
-              <a:rPr lang="en-US" altLang="zh-TW" dirty="0">
-                <a:sym typeface="Wingdings" panose="05000000000000000000" pitchFamily="2" charset="2"/>
-              </a:rPr>
-            </a:br>
-            <a:endParaRPr lang="en-US" altLang="zh-TW" dirty="0">
-              <a:sym typeface="Wingdings" panose="05000000000000000000" pitchFamily="2" charset="2"/>
-            </a:endParaRPr>
-          </a:p>
-        </p:txBody>
-      </p:sp>
-      <p:sp>
-        <p:nvSpPr>
-          <p:cNvPr id="4" name="頁尾版面配置區 3">
-            <a:extLst>
-              <a:ext uri="{FF2B5EF4-FFF2-40B4-BE49-F238E27FC236}">
-                <a16:creationId xmlns:a16="http://schemas.microsoft.com/office/drawing/2014/main" id="{F27157E0-4972-47AE-BAEE-01518FBF20C6}"/>
-              </a:ext>
-            </a:extLst>
-          </p:cNvPr>
-          <p:cNvSpPr>
-            <a:spLocks noGrp="1"/>
-          </p:cNvSpPr>
-          <p:nvPr>
-            <p:ph type="ftr" sz="quarter" idx="11"/>
-          </p:nvPr>
-        </p:nvSpPr>
-        <p:spPr/>
-        <p:txBody>
-          <a:bodyPr/>
-          <a:lstStyle/>
-          <a:p>
-            <a:r>
-              <a:rPr lang="en-US" altLang="zh-TW"/>
-              <a:t>104</a:t>
-            </a:r>
-            <a:r>
-              <a:rPr lang="zh-TW" altLang="en-US"/>
-              <a:t>人資學院  </a:t>
-            </a:r>
-            <a:r>
-              <a:rPr lang="en-US" altLang="zh-TW"/>
-              <a:t>All Rights Reserved</a:t>
-            </a:r>
-            <a:endParaRPr lang="zh-TW" altLang="en-US"/>
-          </a:p>
-        </p:txBody>
-      </p:sp>
-      <p:pic>
-        <p:nvPicPr>
-          <p:cNvPr id="5" name="圖片 4">
-            <a:extLst>
-              <a:ext uri="{FF2B5EF4-FFF2-40B4-BE49-F238E27FC236}">
-                <a16:creationId xmlns:a16="http://schemas.microsoft.com/office/drawing/2014/main" id="{35A7F754-E147-45E8-8627-5B09F096336F}"/>
-              </a:ext>
-            </a:extLst>
-          </p:cNvPr>
-          <p:cNvPicPr>
-            <a:picLocks noChangeAspect="1"/>
-          </p:cNvPicPr>
-          <p:nvPr/>
-        </p:nvPicPr>
-        <p:blipFill>
-          <a:blip r:embed="rId3"/>
-          <a:stretch>
-            <a:fillRect/>
-          </a:stretch>
-        </p:blipFill>
-        <p:spPr>
-          <a:xfrm>
-            <a:off x="228158" y="2564904"/>
-            <a:ext cx="8645615" cy="3743821"/>
-          </a:xfrm>
-          <a:prstGeom prst="rect">
-            <a:avLst/>
-          </a:prstGeom>
-        </p:spPr>
-      </p:pic>
-    </p:spTree>
-    <p:extLst>
-      <p:ext uri="{BB962C8B-B14F-4D97-AF65-F5344CB8AC3E}">
-        <p14:creationId xmlns:p14="http://schemas.microsoft.com/office/powerpoint/2010/main" val="909642701"/>
-      </p:ext>
-    </p:extLst>
-  </p:cSld>
-  <p:clrMapOvr>
-    <a:masterClrMapping/>
-  </p:clrMapOvr>
-</p:sld>
-</file>
-
-<file path=ppt/slides/slide6.xml><?xml version="1.0" encoding="utf-8"?>
-<p:sld xmlns:a="http://schemas.openxmlformats.org/drawingml/2006/main" xmlns:r="http://schemas.openxmlformats.org/officeDocument/2006/relationships" xmlns:p="http://schemas.openxmlformats.org/presentationml/2006/main">
-  <p:cSld>
-    <p:spTree>
-      <p:nvGrpSpPr>
-        <p:cNvPr id="1" name=""/>
-        <p:cNvGrpSpPr/>
-        <p:nvPr/>
-      </p:nvGrpSpPr>
-      <p:grpSpPr>
-        <a:xfrm>
-          <a:off x="0" y="0"/>
-          <a:ext cx="0" cy="0"/>
-          <a:chOff x="0" y="0"/>
-          <a:chExt cx="0" cy="0"/>
-        </a:xfrm>
-      </p:grpSpPr>
-      <p:sp>
-        <p:nvSpPr>
-          <p:cNvPr id="2" name="標題 1">
-            <a:extLst>
-              <a:ext uri="{FF2B5EF4-FFF2-40B4-BE49-F238E27FC236}">
-                <a16:creationId xmlns:a16="http://schemas.microsoft.com/office/drawing/2014/main" id="{1765C254-721E-4166-AA1E-F93E7AD9AEF6}"/>
-              </a:ext>
-            </a:extLst>
-          </p:cNvPr>
-          <p:cNvSpPr>
-            <a:spLocks noGrp="1"/>
-          </p:cNvSpPr>
-          <p:nvPr>
-            <p:ph type="title"/>
-          </p:nvPr>
-        </p:nvSpPr>
-        <p:spPr/>
-        <p:txBody>
-          <a:bodyPr/>
-          <a:lstStyle/>
-          <a:p>
-            <a:r>
-              <a:rPr lang="en-US" altLang="zh-TW" dirty="0" err="1"/>
-              <a:t>Async.Waterfall</a:t>
-            </a:r>
-            <a:r>
-              <a:rPr lang="en-US" altLang="zh-TW" dirty="0"/>
-              <a:t> </a:t>
-            </a:r>
-            <a:endParaRPr lang="zh-TW" altLang="en-US" dirty="0"/>
-          </a:p>
-        </p:txBody>
-      </p:sp>
-      <p:sp>
-        <p:nvSpPr>
-          <p:cNvPr id="3" name="內容版面配置區 2">
-            <a:extLst>
-              <a:ext uri="{FF2B5EF4-FFF2-40B4-BE49-F238E27FC236}">
-                <a16:creationId xmlns:a16="http://schemas.microsoft.com/office/drawing/2014/main" id="{6C92636B-C021-4799-85C3-9700D8CBB79B}"/>
-              </a:ext>
-            </a:extLst>
-          </p:cNvPr>
-          <p:cNvSpPr>
-            <a:spLocks noGrp="1"/>
-          </p:cNvSpPr>
-          <p:nvPr>
-            <p:ph idx="1"/>
-          </p:nvPr>
-        </p:nvSpPr>
-        <p:spPr/>
-        <p:txBody>
-          <a:bodyPr/>
-          <a:lstStyle/>
-          <a:p>
-            <a:r>
-              <a:rPr lang="en-US" altLang="zh-TW" dirty="0">
-                <a:sym typeface="Wingdings" panose="05000000000000000000" pitchFamily="2" charset="2"/>
-              </a:rPr>
-              <a:t>/Ehrms2portal_SC/api-auth-acPwdRule.js LINE </a:t>
-            </a:r>
-            <a:r>
-              <a:rPr lang="en-US" altLang="zh-TW" dirty="0">
-                <a:sym typeface="Wingdings" panose="05000000000000000000" pitchFamily="2" charset="2"/>
-                <a:hlinkClick r:id="rId2"/>
-              </a:rPr>
-              <a:t>531</a:t>
-            </a:r>
-            <a:br>
-              <a:rPr lang="en-US" altLang="zh-TW" dirty="0">
-                <a:sym typeface="Wingdings" panose="05000000000000000000" pitchFamily="2" charset="2"/>
-              </a:rPr>
-            </a:br>
-            <a:br>
-              <a:rPr lang="en-US" altLang="zh-TW" dirty="0">
-                <a:sym typeface="Wingdings" panose="05000000000000000000" pitchFamily="2" charset="2"/>
-              </a:rPr>
-            </a:br>
-            <a:endParaRPr lang="en-US" altLang="zh-TW" dirty="0">
-              <a:sym typeface="Wingdings" panose="05000000000000000000" pitchFamily="2" charset="2"/>
-            </a:endParaRPr>
-          </a:p>
-          <a:p>
-            <a:endParaRPr lang="zh-TW" altLang="en-US" dirty="0"/>
-          </a:p>
-        </p:txBody>
-      </p:sp>
-      <p:sp>
-        <p:nvSpPr>
-          <p:cNvPr id="4" name="頁尾版面配置區 3">
-            <a:extLst>
-              <a:ext uri="{FF2B5EF4-FFF2-40B4-BE49-F238E27FC236}">
-                <a16:creationId xmlns:a16="http://schemas.microsoft.com/office/drawing/2014/main" id="{B4E2C0EB-CD7F-4DE2-AAF7-9F290C4E6697}"/>
-              </a:ext>
-            </a:extLst>
-          </p:cNvPr>
-          <p:cNvSpPr>
-            <a:spLocks noGrp="1"/>
-          </p:cNvSpPr>
-          <p:nvPr>
-            <p:ph type="ftr" sz="quarter" idx="11"/>
-          </p:nvPr>
-        </p:nvSpPr>
-        <p:spPr/>
-        <p:txBody>
-          <a:bodyPr/>
-          <a:lstStyle/>
-          <a:p>
-            <a:r>
-              <a:rPr lang="en-US" altLang="zh-TW"/>
-              <a:t>104</a:t>
-            </a:r>
-            <a:r>
-              <a:rPr lang="zh-TW" altLang="en-US"/>
-              <a:t>人資學院  </a:t>
-            </a:r>
-            <a:r>
-              <a:rPr lang="en-US" altLang="zh-TW"/>
-              <a:t>All Rights Reserved</a:t>
-            </a:r>
-            <a:endParaRPr lang="zh-TW" altLang="en-US"/>
-          </a:p>
-        </p:txBody>
-      </p:sp>
-      <p:pic>
-        <p:nvPicPr>
-          <p:cNvPr id="5" name="圖片 4">
-            <a:extLst>
-              <a:ext uri="{FF2B5EF4-FFF2-40B4-BE49-F238E27FC236}">
-                <a16:creationId xmlns:a16="http://schemas.microsoft.com/office/drawing/2014/main" id="{33488B55-F97A-4C63-921A-A7408E2D6A35}"/>
-              </a:ext>
-            </a:extLst>
-          </p:cNvPr>
-          <p:cNvPicPr>
-            <a:picLocks noChangeAspect="1"/>
-          </p:cNvPicPr>
-          <p:nvPr/>
-        </p:nvPicPr>
-        <p:blipFill>
-          <a:blip r:embed="rId3"/>
-          <a:stretch>
-            <a:fillRect/>
-          </a:stretch>
-        </p:blipFill>
-        <p:spPr>
-          <a:xfrm>
-            <a:off x="533005" y="2852936"/>
-            <a:ext cx="8153796" cy="3530848"/>
-          </a:xfrm>
-          <a:prstGeom prst="rect">
-            <a:avLst/>
-          </a:prstGeom>
-        </p:spPr>
-      </p:pic>
-    </p:spTree>
-    <p:extLst>
-      <p:ext uri="{BB962C8B-B14F-4D97-AF65-F5344CB8AC3E}">
-        <p14:creationId xmlns:p14="http://schemas.microsoft.com/office/powerpoint/2010/main" val="1886309669"/>
-      </p:ext>
-    </p:extLst>
-  </p:cSld>
-  <p:clrMapOvr>
-    <a:masterClrMapping/>
-  </p:clrMapOvr>
-</p:sld>
-</file>
-
-<file path=ppt/slides/slide7.xml><?xml version="1.0" encoding="utf-8"?>
-<p:sld xmlns:a="http://schemas.openxmlformats.org/drawingml/2006/main" xmlns:r="http://schemas.openxmlformats.org/officeDocument/2006/relationships" xmlns:p="http://schemas.openxmlformats.org/presentationml/2006/main">
-  <p:cSld>
-    <p:spTree>
-      <p:nvGrpSpPr>
-        <p:cNvPr id="1" name=""/>
-        <p:cNvGrpSpPr/>
-        <p:nvPr/>
-      </p:nvGrpSpPr>
-      <p:grpSpPr>
-        <a:xfrm>
-          <a:off x="0" y="0"/>
-          <a:ext cx="0" cy="0"/>
-          <a:chOff x="0" y="0"/>
-          <a:chExt cx="0" cy="0"/>
-        </a:xfrm>
-      </p:grpSpPr>
-      <p:sp>
-        <p:nvSpPr>
-          <p:cNvPr id="2" name="標題 1">
-            <a:extLst>
-              <a:ext uri="{FF2B5EF4-FFF2-40B4-BE49-F238E27FC236}">
-                <a16:creationId xmlns:a16="http://schemas.microsoft.com/office/drawing/2014/main" id="{647F4C66-668A-4D8A-8F51-F198A2B4C458}"/>
-              </a:ext>
-            </a:extLst>
-          </p:cNvPr>
-          <p:cNvSpPr>
-            <a:spLocks noGrp="1"/>
-          </p:cNvSpPr>
-          <p:nvPr>
-            <p:ph type="title"/>
-          </p:nvPr>
-        </p:nvSpPr>
-        <p:spPr/>
-        <p:txBody>
-          <a:bodyPr/>
-          <a:lstStyle/>
-          <a:p>
-            <a:r>
-              <a:rPr lang="en-US" altLang="zh-TW" dirty="0"/>
-              <a:t>ASYNC</a:t>
-            </a:r>
-            <a:r>
-              <a:rPr lang="zh-TW" altLang="en-US" dirty="0"/>
-              <a:t>整理</a:t>
-            </a:r>
-          </a:p>
-        </p:txBody>
-      </p:sp>
-      <p:sp>
-        <p:nvSpPr>
-          <p:cNvPr id="3" name="內容版面配置區 2">
-            <a:extLst>
-              <a:ext uri="{FF2B5EF4-FFF2-40B4-BE49-F238E27FC236}">
-                <a16:creationId xmlns:a16="http://schemas.microsoft.com/office/drawing/2014/main" id="{67B283EE-D519-443B-B399-B4DAAC0EE76D}"/>
-              </a:ext>
-            </a:extLst>
-          </p:cNvPr>
-          <p:cNvSpPr>
-            <a:spLocks noGrp="1"/>
-          </p:cNvSpPr>
-          <p:nvPr>
-            <p:ph idx="1"/>
-          </p:nvPr>
-        </p:nvSpPr>
-        <p:spPr/>
-        <p:txBody>
-          <a:bodyPr/>
-          <a:lstStyle/>
-          <a:p>
-            <a:r>
-              <a:rPr lang="en-US" altLang="zh-TW" dirty="0" err="1"/>
-              <a:t>CallBack</a:t>
-            </a:r>
-            <a:r>
-              <a:rPr lang="en-US" altLang="zh-TW" dirty="0"/>
-              <a:t> </a:t>
-            </a:r>
-            <a:r>
-              <a:rPr lang="zh-TW" altLang="en-US" dirty="0"/>
-              <a:t>是</a:t>
-            </a:r>
-            <a:r>
-              <a:rPr lang="en-US" altLang="zh-TW" dirty="0" err="1"/>
-              <a:t>js</a:t>
-            </a:r>
-            <a:r>
-              <a:rPr lang="zh-TW" altLang="en-US" dirty="0"/>
-              <a:t>在處理</a:t>
-            </a:r>
-            <a:r>
-              <a:rPr lang="en-US" altLang="zh-TW" dirty="0"/>
-              <a:t>non-</a:t>
-            </a:r>
-            <a:r>
-              <a:rPr lang="en-US" altLang="zh-TW" dirty="0" err="1"/>
-              <a:t>blockin</a:t>
-            </a:r>
-            <a:r>
-              <a:rPr lang="zh-TW" altLang="en-US" dirty="0"/>
-              <a:t>的設計方式</a:t>
-            </a:r>
-            <a:r>
-              <a:rPr lang="en-US" altLang="zh-TW" dirty="0"/>
-              <a:t>(</a:t>
-            </a:r>
-            <a:r>
-              <a:rPr lang="en-US" altLang="zh-TW" dirty="0" err="1"/>
-              <a:t>async</a:t>
-            </a:r>
-            <a:r>
-              <a:rPr lang="en-US" altLang="zh-TW" dirty="0"/>
-              <a:t>)</a:t>
-            </a:r>
-          </a:p>
-          <a:p>
-            <a:r>
-              <a:rPr lang="zh-TW" altLang="en-US" dirty="0"/>
-              <a:t>解決</a:t>
-            </a:r>
-            <a:r>
-              <a:rPr lang="en-US" altLang="zh-TW" dirty="0" err="1"/>
-              <a:t>CallBack</a:t>
-            </a:r>
-            <a:r>
-              <a:rPr lang="zh-TW" altLang="en-US" dirty="0"/>
-              <a:t> </a:t>
-            </a:r>
-            <a:r>
-              <a:rPr lang="en-US" altLang="zh-TW" dirty="0"/>
-              <a:t>Hell</a:t>
-            </a:r>
-          </a:p>
-          <a:p>
-            <a:pPr lvl="1"/>
-            <a:r>
-              <a:rPr lang="en-US" altLang="zh-TW" dirty="0"/>
-              <a:t>ES6 </a:t>
-            </a:r>
-            <a:r>
-              <a:rPr lang="en-US" altLang="zh-TW" dirty="0">
-                <a:sym typeface="Wingdings" panose="05000000000000000000" pitchFamily="2" charset="2"/>
-              </a:rPr>
-              <a:t> </a:t>
-            </a:r>
-            <a:r>
-              <a:rPr lang="en-US" altLang="zh-TW" dirty="0"/>
-              <a:t>promise</a:t>
-            </a:r>
-          </a:p>
-          <a:p>
-            <a:pPr lvl="1"/>
-            <a:r>
-              <a:rPr lang="en-US" altLang="zh-TW" dirty="0" err="1"/>
-              <a:t>Async</a:t>
-            </a:r>
-            <a:r>
-              <a:rPr lang="en-US" altLang="zh-TW" dirty="0"/>
-              <a:t> </a:t>
-            </a:r>
-            <a:r>
-              <a:rPr lang="en-US" altLang="zh-TW" dirty="0">
-                <a:sym typeface="Wingdings" panose="05000000000000000000" pitchFamily="2" charset="2"/>
-              </a:rPr>
-              <a:t> waterfall, each …</a:t>
-            </a:r>
-            <a:endParaRPr lang="en-US" altLang="zh-TW" dirty="0"/>
-          </a:p>
-          <a:p>
-            <a:pPr lvl="1"/>
-            <a:r>
-              <a:rPr lang="en-US" altLang="zh-TW" dirty="0"/>
-              <a:t>ES7 </a:t>
-            </a:r>
-            <a:r>
-              <a:rPr lang="en-US" altLang="zh-TW" dirty="0">
-                <a:sym typeface="Wingdings" panose="05000000000000000000" pitchFamily="2" charset="2"/>
-              </a:rPr>
-              <a:t> </a:t>
-            </a:r>
-            <a:r>
-              <a:rPr lang="en-US" altLang="zh-TW" dirty="0" err="1"/>
-              <a:t>async</a:t>
-            </a:r>
-            <a:r>
-              <a:rPr lang="en-US" altLang="zh-TW" dirty="0"/>
-              <a:t> await</a:t>
-            </a:r>
-          </a:p>
-          <a:p>
-            <a:pPr lvl="1"/>
-            <a:r>
-              <a:rPr lang="en-US" altLang="zh-TW" dirty="0" err="1"/>
-              <a:t>nodejs</a:t>
-            </a:r>
-            <a:r>
-              <a:rPr lang="en-US" altLang="zh-TW" dirty="0">
-                <a:sym typeface="Wingdings" panose="05000000000000000000" pitchFamily="2" charset="2"/>
-              </a:rPr>
-              <a:t>  </a:t>
-            </a:r>
-            <a:r>
-              <a:rPr lang="en-US" altLang="zh-TW" dirty="0" err="1">
-                <a:sym typeface="Wingdings" panose="05000000000000000000" pitchFamily="2" charset="2"/>
-              </a:rPr>
-              <a:t>promisify</a:t>
-            </a:r>
-            <a:endParaRPr lang="en-US" altLang="zh-TW" dirty="0"/>
-          </a:p>
-        </p:txBody>
-      </p:sp>
-      <p:sp>
-        <p:nvSpPr>
-          <p:cNvPr id="4" name="頁尾版面配置區 3">
-            <a:extLst>
-              <a:ext uri="{FF2B5EF4-FFF2-40B4-BE49-F238E27FC236}">
-                <a16:creationId xmlns:a16="http://schemas.microsoft.com/office/drawing/2014/main" id="{06890AFF-36AE-4479-A2BD-6831DAAAB459}"/>
-              </a:ext>
-            </a:extLst>
-          </p:cNvPr>
-          <p:cNvSpPr>
-            <a:spLocks noGrp="1"/>
-          </p:cNvSpPr>
-          <p:nvPr>
-            <p:ph type="ftr" sz="quarter" idx="11"/>
-          </p:nvPr>
-        </p:nvSpPr>
-        <p:spPr/>
-        <p:txBody>
-          <a:bodyPr/>
-          <a:lstStyle/>
-          <a:p>
-            <a:r>
-              <a:rPr lang="en-US" altLang="zh-TW"/>
-              <a:t>104</a:t>
-            </a:r>
-            <a:r>
-              <a:rPr lang="zh-TW" altLang="en-US"/>
-              <a:t>人資學院  </a:t>
-            </a:r>
-            <a:r>
-              <a:rPr lang="en-US" altLang="zh-TW"/>
-              <a:t>All Rights Reserved</a:t>
-            </a:r>
-            <a:endParaRPr lang="zh-TW" altLang="en-US"/>
-          </a:p>
-        </p:txBody>
-      </p:sp>
-    </p:spTree>
-    <p:extLst>
-      <p:ext uri="{BB962C8B-B14F-4D97-AF65-F5344CB8AC3E}">
-        <p14:creationId xmlns:p14="http://schemas.microsoft.com/office/powerpoint/2010/main" val="477108725"/>
-      </p:ext>
-    </p:extLst>
-  </p:cSld>
-  <p:clrMapOvr>
-    <a:masterClrMapping/>
-  </p:clrMapOvr>
-</p:sld>
-</file>
-
-<file path=ppt/slides/slide8.xml><?xml version="1.0" encoding="utf-8"?>
-<p:sld xmlns:a="http://schemas.openxmlformats.org/drawingml/2006/main" xmlns:r="http://schemas.openxmlformats.org/officeDocument/2006/relationships" xmlns:p="http://schemas.openxmlformats.org/presentationml/2006/main">
-  <p:cSld>
-    <p:spTree>
-      <p:nvGrpSpPr>
-        <p:cNvPr id="1" name=""/>
-        <p:cNvGrpSpPr/>
-        <p:nvPr/>
-      </p:nvGrpSpPr>
-      <p:grpSpPr>
-        <a:xfrm>
-          <a:off x="0" y="0"/>
-          <a:ext cx="0" cy="0"/>
-          <a:chOff x="0" y="0"/>
-          <a:chExt cx="0" cy="0"/>
-        </a:xfrm>
-      </p:grpSpPr>
-      <p:sp>
-        <p:nvSpPr>
           <p:cNvPr id="2" name="標題 1">
             <a:extLst>
               <a:ext uri="{FF2B5EF4-FFF2-40B4-BE49-F238E27FC236}">
@@ -5292,7 +4097,7 @@
 </p:sld>
 </file>
 
-<file path=ppt/slides/slide9.xml><?xml version="1.0" encoding="utf-8"?>
+<file path=ppt/slides/slide11.xml><?xml version="1.0" encoding="utf-8"?>
 <p:sld xmlns:a="http://schemas.openxmlformats.org/drawingml/2006/main" xmlns:r="http://schemas.openxmlformats.org/officeDocument/2006/relationships" xmlns:p="http://schemas.openxmlformats.org/presentationml/2006/main">
   <p:cSld>
     <p:spTree>
@@ -5512,6 +4317,1680 @@
     <p:extLst>
       <p:ext uri="{BB962C8B-B14F-4D97-AF65-F5344CB8AC3E}">
         <p14:creationId xmlns:p14="http://schemas.microsoft.com/office/powerpoint/2010/main" val="4002757761"/>
+      </p:ext>
+    </p:extLst>
+  </p:cSld>
+  <p:clrMapOvr>
+    <a:masterClrMapping/>
+  </p:clrMapOvr>
+</p:sld>
+</file>
+
+<file path=ppt/slides/slide2.xml><?xml version="1.0" encoding="utf-8"?>
+<p:sld xmlns:a="http://schemas.openxmlformats.org/drawingml/2006/main" xmlns:r="http://schemas.openxmlformats.org/officeDocument/2006/relationships" xmlns:p="http://schemas.openxmlformats.org/presentationml/2006/main">
+  <p:cSld>
+    <p:spTree>
+      <p:nvGrpSpPr>
+        <p:cNvPr id="1" name=""/>
+        <p:cNvGrpSpPr/>
+        <p:nvPr/>
+      </p:nvGrpSpPr>
+      <p:grpSpPr>
+        <a:xfrm>
+          <a:off x="0" y="0"/>
+          <a:ext cx="0" cy="0"/>
+          <a:chOff x="0" y="0"/>
+          <a:chExt cx="0" cy="0"/>
+        </a:xfrm>
+      </p:grpSpPr>
+      <p:sp>
+        <p:nvSpPr>
+          <p:cNvPr id="2" name="標題 1"/>
+          <p:cNvSpPr>
+            <a:spLocks noGrp="1"/>
+          </p:cNvSpPr>
+          <p:nvPr>
+            <p:ph type="title"/>
+          </p:nvPr>
+        </p:nvSpPr>
+        <p:spPr/>
+        <p:txBody>
+          <a:bodyPr/>
+          <a:lstStyle/>
+          <a:p>
+            <a:r>
+              <a:rPr lang="zh-TW" altLang="en-US" dirty="0"/>
+              <a:t>內容</a:t>
+            </a:r>
+          </a:p>
+        </p:txBody>
+      </p:sp>
+      <p:sp>
+        <p:nvSpPr>
+          <p:cNvPr id="3" name="內容版面配置區 2"/>
+          <p:cNvSpPr>
+            <a:spLocks noGrp="1"/>
+          </p:cNvSpPr>
+          <p:nvPr>
+            <p:ph idx="1"/>
+          </p:nvPr>
+        </p:nvSpPr>
+        <p:spPr>
+          <a:xfrm>
+            <a:off x="457200" y="1628800"/>
+            <a:ext cx="8229600" cy="4525963"/>
+          </a:xfrm>
+        </p:spPr>
+        <p:txBody>
+          <a:bodyPr>
+            <a:normAutofit fontScale="92500" lnSpcReduction="20000"/>
+          </a:bodyPr>
+          <a:lstStyle/>
+          <a:p>
+            <a:r>
+              <a:rPr lang="en-US" altLang="zh-TW" dirty="0"/>
+              <a:t>Git</a:t>
+            </a:r>
+            <a:r>
+              <a:rPr lang="zh-TW" altLang="en-US" dirty="0"/>
+              <a:t>的特性 </a:t>
+            </a:r>
+            <a:r>
+              <a:rPr lang="en-US" altLang="zh-TW" dirty="0"/>
+              <a:t>(</a:t>
+            </a:r>
+            <a:r>
+              <a:rPr lang="en-US" altLang="zh-TW" dirty="0" err="1"/>
+              <a:t>svn</a:t>
+            </a:r>
+            <a:r>
+              <a:rPr lang="en-US" altLang="zh-TW" dirty="0"/>
+              <a:t> -&gt; git)</a:t>
+            </a:r>
+          </a:p>
+          <a:p>
+            <a:r>
+              <a:rPr lang="en-US" altLang="zh-TW" dirty="0"/>
+              <a:t>Git</a:t>
+            </a:r>
+            <a:r>
+              <a:rPr lang="zh-TW" altLang="en-US" dirty="0"/>
+              <a:t> </a:t>
+            </a:r>
+            <a:r>
+              <a:rPr lang="en-US" altLang="zh-TW" dirty="0"/>
+              <a:t>tools</a:t>
+            </a:r>
+            <a:r>
+              <a:rPr lang="zh-TW" altLang="en-US" dirty="0"/>
+              <a:t> </a:t>
+            </a:r>
+            <a:r>
+              <a:rPr lang="en-US" altLang="zh-TW" dirty="0"/>
+              <a:t>(</a:t>
+            </a:r>
+            <a:r>
+              <a:rPr lang="en-US" altLang="zh-TW" dirty="0" err="1"/>
+              <a:t>gitlab</a:t>
+            </a:r>
+            <a:r>
+              <a:rPr lang="en-US" altLang="zh-TW" dirty="0"/>
+              <a:t>, bash, </a:t>
+            </a:r>
+            <a:r>
+              <a:rPr lang="en-US" altLang="zh-TW" dirty="0" err="1"/>
+              <a:t>vscode</a:t>
+            </a:r>
+            <a:r>
+              <a:rPr lang="en-US" altLang="zh-TW" dirty="0"/>
+              <a:t>, </a:t>
+            </a:r>
+            <a:r>
+              <a:rPr lang="en-US" altLang="zh-TW" dirty="0" err="1"/>
+              <a:t>tortoiseGit</a:t>
+            </a:r>
+            <a:r>
+              <a:rPr lang="en-US" altLang="zh-TW" dirty="0"/>
+              <a:t>, </a:t>
+            </a:r>
+            <a:r>
+              <a:rPr lang="en-US" altLang="zh-TW" dirty="0" err="1"/>
+              <a:t>sourceTree</a:t>
+            </a:r>
+            <a:r>
+              <a:rPr lang="en-US" altLang="zh-TW" dirty="0"/>
+              <a:t>)</a:t>
+            </a:r>
+          </a:p>
+          <a:p>
+            <a:r>
+              <a:rPr lang="en-US" altLang="zh-TW" dirty="0"/>
+              <a:t>commit (work-tree/staged, commit with amend)</a:t>
+            </a:r>
+          </a:p>
+          <a:p>
+            <a:r>
+              <a:rPr lang="en-US" altLang="zh-TW" dirty="0"/>
+              <a:t>commit-operator (reset, revert, cherry-pick)</a:t>
+            </a:r>
+          </a:p>
+          <a:p>
+            <a:r>
+              <a:rPr lang="en-US" altLang="zh-TW" dirty="0"/>
+              <a:t>branch (tracking, merge, rebase, pull, push)</a:t>
+            </a:r>
+          </a:p>
+          <a:p>
+            <a:r>
+              <a:rPr lang="en-US" altLang="zh-TW" dirty="0"/>
+              <a:t>Gitlab (issue tracking, branch by issue(?), pull request)</a:t>
+            </a:r>
+          </a:p>
+          <a:p>
+            <a:r>
+              <a:rPr lang="en-US" altLang="zh-TW" dirty="0"/>
+              <a:t>Further (config, ignore, attribute, hook)</a:t>
+            </a:r>
+          </a:p>
+          <a:p>
+            <a:r>
+              <a:rPr lang="en-US" altLang="zh-TW" dirty="0"/>
+              <a:t>Reference</a:t>
+            </a:r>
+          </a:p>
+        </p:txBody>
+      </p:sp>
+      <p:sp>
+        <p:nvSpPr>
+          <p:cNvPr id="5" name="頁尾版面配置區 4"/>
+          <p:cNvSpPr>
+            <a:spLocks noGrp="1"/>
+          </p:cNvSpPr>
+          <p:nvPr>
+            <p:ph type="ftr" sz="quarter" idx="11"/>
+          </p:nvPr>
+        </p:nvSpPr>
+        <p:spPr/>
+        <p:txBody>
+          <a:bodyPr/>
+          <a:lstStyle/>
+          <a:p>
+            <a:r>
+              <a:rPr lang="en-US" altLang="zh-TW"/>
+              <a:t>104</a:t>
+            </a:r>
+            <a:r>
+              <a:rPr lang="zh-TW" altLang="en-US"/>
+              <a:t>人資學院  </a:t>
+            </a:r>
+            <a:r>
+              <a:rPr lang="en-US" altLang="zh-TW"/>
+              <a:t>All Rights Reserved</a:t>
+            </a:r>
+            <a:endParaRPr lang="zh-TW" altLang="en-US"/>
+          </a:p>
+        </p:txBody>
+      </p:sp>
+    </p:spTree>
+    <p:extLst>
+      <p:ext uri="{BB962C8B-B14F-4D97-AF65-F5344CB8AC3E}">
+        <p14:creationId xmlns:p14="http://schemas.microsoft.com/office/powerpoint/2010/main" val="4274691960"/>
+      </p:ext>
+    </p:extLst>
+  </p:cSld>
+  <p:clrMapOvr>
+    <a:masterClrMapping/>
+  </p:clrMapOvr>
+</p:sld>
+</file>
+
+<file path=ppt/slides/slide3.xml><?xml version="1.0" encoding="utf-8"?>
+<p:sld xmlns:a="http://schemas.openxmlformats.org/drawingml/2006/main" xmlns:r="http://schemas.openxmlformats.org/officeDocument/2006/relationships" xmlns:p="http://schemas.openxmlformats.org/presentationml/2006/main">
+  <p:cSld>
+    <p:spTree>
+      <p:nvGrpSpPr>
+        <p:cNvPr id="1" name=""/>
+        <p:cNvGrpSpPr/>
+        <p:nvPr/>
+      </p:nvGrpSpPr>
+      <p:grpSpPr>
+        <a:xfrm>
+          <a:off x="0" y="0"/>
+          <a:ext cx="0" cy="0"/>
+          <a:chOff x="0" y="0"/>
+          <a:chExt cx="0" cy="0"/>
+        </a:xfrm>
+      </p:grpSpPr>
+      <p:sp>
+        <p:nvSpPr>
+          <p:cNvPr id="2" name="標題 1">
+            <a:extLst>
+              <a:ext uri="{FF2B5EF4-FFF2-40B4-BE49-F238E27FC236}">
+                <a16:creationId xmlns:a16="http://schemas.microsoft.com/office/drawing/2014/main" id="{BF6D624E-CCBB-4E03-A8FD-7FC5FEC7B1A9}"/>
+              </a:ext>
+            </a:extLst>
+          </p:cNvPr>
+          <p:cNvSpPr>
+            <a:spLocks noGrp="1"/>
+          </p:cNvSpPr>
+          <p:nvPr>
+            <p:ph type="title"/>
+          </p:nvPr>
+        </p:nvSpPr>
+        <p:spPr/>
+        <p:txBody>
+          <a:bodyPr/>
+          <a:lstStyle/>
+          <a:p>
+            <a:r>
+              <a:rPr lang="en-US" altLang="zh-TW" dirty="0"/>
+              <a:t>SVN</a:t>
+            </a:r>
+            <a:r>
+              <a:rPr lang="zh-TW" altLang="en-US" dirty="0"/>
+              <a:t> 操作流程</a:t>
+            </a:r>
+          </a:p>
+        </p:txBody>
+      </p:sp>
+      <p:pic>
+        <p:nvPicPr>
+          <p:cNvPr id="7" name="內容版面配置區 6">
+            <a:extLst>
+              <a:ext uri="{FF2B5EF4-FFF2-40B4-BE49-F238E27FC236}">
+                <a16:creationId xmlns:a16="http://schemas.microsoft.com/office/drawing/2014/main" id="{F381AE29-6A7C-447C-BDA6-D3E7EA360644}"/>
+              </a:ext>
+            </a:extLst>
+          </p:cNvPr>
+          <p:cNvPicPr>
+            <a:picLocks noGrp="1" noChangeAspect="1"/>
+          </p:cNvPicPr>
+          <p:nvPr>
+            <p:ph idx="1"/>
+          </p:nvPr>
+        </p:nvPicPr>
+        <p:blipFill>
+          <a:blip r:embed="rId2">
+            <a:extLst>
+              <a:ext uri="{28A0092B-C50C-407E-A947-70E740481C1C}">
+                <a14:useLocalDpi xmlns:a14="http://schemas.microsoft.com/office/drawing/2010/main" val="0"/>
+              </a:ext>
+            </a:extLst>
+          </a:blip>
+          <a:stretch>
+            <a:fillRect/>
+          </a:stretch>
+        </p:blipFill>
+        <p:spPr>
+          <a:xfrm>
+            <a:off x="1067191" y="1600200"/>
+            <a:ext cx="7009617" cy="4525963"/>
+          </a:xfrm>
+        </p:spPr>
+      </p:pic>
+      <p:sp>
+        <p:nvSpPr>
+          <p:cNvPr id="4" name="頁尾版面配置區 3">
+            <a:extLst>
+              <a:ext uri="{FF2B5EF4-FFF2-40B4-BE49-F238E27FC236}">
+                <a16:creationId xmlns:a16="http://schemas.microsoft.com/office/drawing/2014/main" id="{906666CF-5A60-4C06-B04C-164D753A21A4}"/>
+              </a:ext>
+            </a:extLst>
+          </p:cNvPr>
+          <p:cNvSpPr>
+            <a:spLocks noGrp="1"/>
+          </p:cNvSpPr>
+          <p:nvPr>
+            <p:ph type="ftr" sz="quarter" idx="11"/>
+          </p:nvPr>
+        </p:nvSpPr>
+        <p:spPr/>
+        <p:txBody>
+          <a:bodyPr/>
+          <a:lstStyle/>
+          <a:p>
+            <a:r>
+              <a:rPr lang="en-US" altLang="zh-TW"/>
+              <a:t>104</a:t>
+            </a:r>
+            <a:r>
+              <a:rPr lang="zh-TW" altLang="en-US"/>
+              <a:t>人資學院  </a:t>
+            </a:r>
+            <a:r>
+              <a:rPr lang="en-US" altLang="zh-TW"/>
+              <a:t>All Rights Reserved</a:t>
+            </a:r>
+            <a:endParaRPr lang="zh-TW" altLang="en-US"/>
+          </a:p>
+        </p:txBody>
+      </p:sp>
+    </p:spTree>
+    <p:extLst>
+      <p:ext uri="{BB962C8B-B14F-4D97-AF65-F5344CB8AC3E}">
+        <p14:creationId xmlns:p14="http://schemas.microsoft.com/office/powerpoint/2010/main" val="423122223"/>
+      </p:ext>
+    </p:extLst>
+  </p:cSld>
+  <p:clrMapOvr>
+    <a:masterClrMapping/>
+  </p:clrMapOvr>
+</p:sld>
+</file>
+
+<file path=ppt/slides/slide4.xml><?xml version="1.0" encoding="utf-8"?>
+<p:sld xmlns:a="http://schemas.openxmlformats.org/drawingml/2006/main" xmlns:r="http://schemas.openxmlformats.org/officeDocument/2006/relationships" xmlns:p="http://schemas.openxmlformats.org/presentationml/2006/main">
+  <p:cSld>
+    <p:spTree>
+      <p:nvGrpSpPr>
+        <p:cNvPr id="1" name=""/>
+        <p:cNvGrpSpPr/>
+        <p:nvPr/>
+      </p:nvGrpSpPr>
+      <p:grpSpPr>
+        <a:xfrm>
+          <a:off x="0" y="0"/>
+          <a:ext cx="0" cy="0"/>
+          <a:chOff x="0" y="0"/>
+          <a:chExt cx="0" cy="0"/>
+        </a:xfrm>
+      </p:grpSpPr>
+      <p:sp>
+        <p:nvSpPr>
+          <p:cNvPr id="2" name="標題 1">
+            <a:extLst>
+              <a:ext uri="{FF2B5EF4-FFF2-40B4-BE49-F238E27FC236}">
+                <a16:creationId xmlns:a16="http://schemas.microsoft.com/office/drawing/2014/main" id="{F88E10E9-D69B-457E-94FC-6C7FBA39086D}"/>
+              </a:ext>
+            </a:extLst>
+          </p:cNvPr>
+          <p:cNvSpPr>
+            <a:spLocks noGrp="1"/>
+          </p:cNvSpPr>
+          <p:nvPr>
+            <p:ph type="title"/>
+          </p:nvPr>
+        </p:nvSpPr>
+        <p:spPr/>
+        <p:txBody>
+          <a:bodyPr/>
+          <a:lstStyle/>
+          <a:p>
+            <a:r>
+              <a:rPr lang="en-US" altLang="zh-TW" dirty="0"/>
+              <a:t>SVN</a:t>
+            </a:r>
+            <a:r>
+              <a:rPr lang="zh-TW" altLang="en-US" dirty="0"/>
+              <a:t> 工作模式</a:t>
+            </a:r>
+          </a:p>
+        </p:txBody>
+      </p:sp>
+      <p:pic>
+        <p:nvPicPr>
+          <p:cNvPr id="6" name="內容版面配置區 5">
+            <a:extLst>
+              <a:ext uri="{FF2B5EF4-FFF2-40B4-BE49-F238E27FC236}">
+                <a16:creationId xmlns:a16="http://schemas.microsoft.com/office/drawing/2014/main" id="{EE64C05D-4C45-4093-8156-1D0C0787ADB0}"/>
+              </a:ext>
+            </a:extLst>
+          </p:cNvPr>
+          <p:cNvPicPr>
+            <a:picLocks noGrp="1" noChangeAspect="1"/>
+          </p:cNvPicPr>
+          <p:nvPr>
+            <p:ph idx="1"/>
+          </p:nvPr>
+        </p:nvPicPr>
+        <p:blipFill>
+          <a:blip r:embed="rId2">
+            <a:extLst>
+              <a:ext uri="{28A0092B-C50C-407E-A947-70E740481C1C}">
+                <a14:useLocalDpi xmlns:a14="http://schemas.microsoft.com/office/drawing/2010/main" val="0"/>
+              </a:ext>
+            </a:extLst>
+          </a:blip>
+          <a:stretch>
+            <a:fillRect/>
+          </a:stretch>
+        </p:blipFill>
+        <p:spPr>
+          <a:xfrm>
+            <a:off x="1187624" y="1206392"/>
+            <a:ext cx="5521271" cy="4525963"/>
+          </a:xfrm>
+        </p:spPr>
+      </p:pic>
+      <p:sp>
+        <p:nvSpPr>
+          <p:cNvPr id="4" name="頁尾版面配置區 3">
+            <a:extLst>
+              <a:ext uri="{FF2B5EF4-FFF2-40B4-BE49-F238E27FC236}">
+                <a16:creationId xmlns:a16="http://schemas.microsoft.com/office/drawing/2014/main" id="{3C19FCBE-9131-4EE2-9AF0-C0EB6A126F9C}"/>
+              </a:ext>
+            </a:extLst>
+          </p:cNvPr>
+          <p:cNvSpPr>
+            <a:spLocks noGrp="1"/>
+          </p:cNvSpPr>
+          <p:nvPr>
+            <p:ph type="ftr" sz="quarter" idx="11"/>
+          </p:nvPr>
+        </p:nvSpPr>
+        <p:spPr/>
+        <p:txBody>
+          <a:bodyPr/>
+          <a:lstStyle/>
+          <a:p>
+            <a:r>
+              <a:rPr lang="en-US" altLang="zh-TW"/>
+              <a:t>104</a:t>
+            </a:r>
+            <a:r>
+              <a:rPr lang="zh-TW" altLang="en-US"/>
+              <a:t>人資學院  </a:t>
+            </a:r>
+            <a:r>
+              <a:rPr lang="en-US" altLang="zh-TW"/>
+              <a:t>All Rights Reserved</a:t>
+            </a:r>
+            <a:endParaRPr lang="zh-TW" altLang="en-US"/>
+          </a:p>
+        </p:txBody>
+      </p:sp>
+      <p:sp>
+        <p:nvSpPr>
+          <p:cNvPr id="9" name="文字方塊 8">
+            <a:extLst>
+              <a:ext uri="{FF2B5EF4-FFF2-40B4-BE49-F238E27FC236}">
+                <a16:creationId xmlns:a16="http://schemas.microsoft.com/office/drawing/2014/main" id="{5112AA7F-A0AE-4B27-8F06-50F5EEE23C4F}"/>
+              </a:ext>
+            </a:extLst>
+          </p:cNvPr>
+          <p:cNvSpPr txBox="1"/>
+          <p:nvPr/>
+        </p:nvSpPr>
+        <p:spPr>
+          <a:xfrm>
+            <a:off x="6156176" y="5832686"/>
+            <a:ext cx="2839239" cy="369332"/>
+          </a:xfrm>
+          <a:prstGeom prst="rect">
+            <a:avLst/>
+          </a:prstGeom>
+          <a:noFill/>
+        </p:spPr>
+        <p:txBody>
+          <a:bodyPr wrap="none" rtlCol="0">
+            <a:spAutoFit/>
+          </a:bodyPr>
+          <a:lstStyle/>
+          <a:p>
+            <a:r>
+              <a:rPr lang="en-US" altLang="zh-TW" dirty="0"/>
+              <a:t>*</a:t>
+            </a:r>
+            <a:r>
+              <a:rPr lang="zh-TW" altLang="en-US" dirty="0"/>
+              <a:t>分支切換等同資料夾切換</a:t>
+            </a:r>
+          </a:p>
+        </p:txBody>
+      </p:sp>
+      <p:sp>
+        <p:nvSpPr>
+          <p:cNvPr id="10" name="文字方塊 9">
+            <a:extLst>
+              <a:ext uri="{FF2B5EF4-FFF2-40B4-BE49-F238E27FC236}">
+                <a16:creationId xmlns:a16="http://schemas.microsoft.com/office/drawing/2014/main" id="{22776831-C75F-4005-B7B8-B4FF5B58DFE8}"/>
+              </a:ext>
+            </a:extLst>
+          </p:cNvPr>
+          <p:cNvSpPr txBox="1"/>
+          <p:nvPr/>
+        </p:nvSpPr>
+        <p:spPr>
+          <a:xfrm>
+            <a:off x="6156176" y="6214030"/>
+            <a:ext cx="2916696" cy="369332"/>
+          </a:xfrm>
+          <a:prstGeom prst="rect">
+            <a:avLst/>
+          </a:prstGeom>
+          <a:noFill/>
+        </p:spPr>
+        <p:txBody>
+          <a:bodyPr wrap="none" rtlCol="0">
+            <a:spAutoFit/>
+          </a:bodyPr>
+          <a:lstStyle/>
+          <a:p>
+            <a:r>
+              <a:rPr lang="en-US" altLang="zh-TW" dirty="0"/>
+              <a:t>*</a:t>
+            </a:r>
+            <a:r>
+              <a:rPr lang="zh-TW" altLang="en-US" dirty="0"/>
+              <a:t>程式比對</a:t>
+            </a:r>
+            <a:r>
+              <a:rPr lang="en-US" altLang="zh-TW" dirty="0"/>
+              <a:t>, beyond compare</a:t>
+            </a:r>
+            <a:endParaRPr lang="zh-TW" altLang="en-US" dirty="0"/>
+          </a:p>
+        </p:txBody>
+      </p:sp>
+    </p:spTree>
+    <p:extLst>
+      <p:ext uri="{BB962C8B-B14F-4D97-AF65-F5344CB8AC3E}">
+        <p14:creationId xmlns:p14="http://schemas.microsoft.com/office/powerpoint/2010/main" val="3782383416"/>
+      </p:ext>
+    </p:extLst>
+  </p:cSld>
+  <p:clrMapOvr>
+    <a:masterClrMapping/>
+  </p:clrMapOvr>
+</p:sld>
+</file>
+
+<file path=ppt/slides/slide5.xml><?xml version="1.0" encoding="utf-8"?>
+<p:sld xmlns:a="http://schemas.openxmlformats.org/drawingml/2006/main" xmlns:r="http://schemas.openxmlformats.org/officeDocument/2006/relationships" xmlns:p="http://schemas.openxmlformats.org/presentationml/2006/main">
+  <p:cSld>
+    <p:spTree>
+      <p:nvGrpSpPr>
+        <p:cNvPr id="1" name=""/>
+        <p:cNvGrpSpPr/>
+        <p:nvPr/>
+      </p:nvGrpSpPr>
+      <p:grpSpPr>
+        <a:xfrm>
+          <a:off x="0" y="0"/>
+          <a:ext cx="0" cy="0"/>
+          <a:chOff x="0" y="0"/>
+          <a:chExt cx="0" cy="0"/>
+        </a:xfrm>
+      </p:grpSpPr>
+      <p:sp>
+        <p:nvSpPr>
+          <p:cNvPr id="2" name="標題 1">
+            <a:extLst>
+              <a:ext uri="{FF2B5EF4-FFF2-40B4-BE49-F238E27FC236}">
+                <a16:creationId xmlns:a16="http://schemas.microsoft.com/office/drawing/2014/main" id="{53999CB7-69DB-4B49-9362-86D8C9322A57}"/>
+              </a:ext>
+            </a:extLst>
+          </p:cNvPr>
+          <p:cNvSpPr>
+            <a:spLocks noGrp="1"/>
+          </p:cNvSpPr>
+          <p:nvPr>
+            <p:ph type="title"/>
+          </p:nvPr>
+        </p:nvSpPr>
+        <p:spPr/>
+        <p:txBody>
+          <a:bodyPr/>
+          <a:lstStyle/>
+          <a:p>
+            <a:r>
+              <a:rPr lang="en-US" altLang="zh-TW" dirty="0"/>
+              <a:t>SVN </a:t>
+            </a:r>
+            <a:r>
+              <a:rPr lang="zh-TW" altLang="en-US" dirty="0"/>
+              <a:t>集中管理</a:t>
+            </a:r>
+          </a:p>
+        </p:txBody>
+      </p:sp>
+      <p:pic>
+        <p:nvPicPr>
+          <p:cNvPr id="6" name="內容版面配置區 5">
+            <a:extLst>
+              <a:ext uri="{FF2B5EF4-FFF2-40B4-BE49-F238E27FC236}">
+                <a16:creationId xmlns:a16="http://schemas.microsoft.com/office/drawing/2014/main" id="{A6DDEF7C-4CBD-49CB-9449-02BF4B3FBE8E}"/>
+              </a:ext>
+            </a:extLst>
+          </p:cNvPr>
+          <p:cNvPicPr>
+            <a:picLocks noGrp="1" noChangeAspect="1"/>
+          </p:cNvPicPr>
+          <p:nvPr>
+            <p:ph idx="1"/>
+          </p:nvPr>
+        </p:nvPicPr>
+        <p:blipFill>
+          <a:blip r:embed="rId2">
+            <a:extLst>
+              <a:ext uri="{28A0092B-C50C-407E-A947-70E740481C1C}">
+                <a14:useLocalDpi xmlns:a14="http://schemas.microsoft.com/office/drawing/2010/main" val="0"/>
+              </a:ext>
+            </a:extLst>
+          </a:blip>
+          <a:stretch>
+            <a:fillRect/>
+          </a:stretch>
+        </p:blipFill>
+        <p:spPr>
+          <a:xfrm>
+            <a:off x="457200" y="1340768"/>
+            <a:ext cx="8229600" cy="3634982"/>
+          </a:xfrm>
+        </p:spPr>
+      </p:pic>
+      <p:sp>
+        <p:nvSpPr>
+          <p:cNvPr id="4" name="頁尾版面配置區 3">
+            <a:extLst>
+              <a:ext uri="{FF2B5EF4-FFF2-40B4-BE49-F238E27FC236}">
+                <a16:creationId xmlns:a16="http://schemas.microsoft.com/office/drawing/2014/main" id="{6719643B-FEEF-410A-BEB2-1BDDAC8BA14B}"/>
+              </a:ext>
+            </a:extLst>
+          </p:cNvPr>
+          <p:cNvSpPr>
+            <a:spLocks noGrp="1"/>
+          </p:cNvSpPr>
+          <p:nvPr>
+            <p:ph type="ftr" sz="quarter" idx="11"/>
+          </p:nvPr>
+        </p:nvSpPr>
+        <p:spPr/>
+        <p:txBody>
+          <a:bodyPr/>
+          <a:lstStyle/>
+          <a:p>
+            <a:r>
+              <a:rPr lang="en-US" altLang="zh-TW"/>
+              <a:t>104</a:t>
+            </a:r>
+            <a:r>
+              <a:rPr lang="zh-TW" altLang="en-US"/>
+              <a:t>人資學院  </a:t>
+            </a:r>
+            <a:r>
+              <a:rPr lang="en-US" altLang="zh-TW"/>
+              <a:t>All Rights Reserved</a:t>
+            </a:r>
+            <a:endParaRPr lang="zh-TW" altLang="en-US"/>
+          </a:p>
+        </p:txBody>
+      </p:sp>
+      <p:sp>
+        <p:nvSpPr>
+          <p:cNvPr id="7" name="文字方塊 6">
+            <a:extLst>
+              <a:ext uri="{FF2B5EF4-FFF2-40B4-BE49-F238E27FC236}">
+                <a16:creationId xmlns:a16="http://schemas.microsoft.com/office/drawing/2014/main" id="{52EAA2B1-FDE0-471A-A906-D3885C8AD42F}"/>
+              </a:ext>
+            </a:extLst>
+          </p:cNvPr>
+          <p:cNvSpPr txBox="1"/>
+          <p:nvPr/>
+        </p:nvSpPr>
+        <p:spPr>
+          <a:xfrm>
+            <a:off x="5705237" y="5279192"/>
+            <a:ext cx="2661306" cy="369332"/>
+          </a:xfrm>
+          <a:prstGeom prst="rect">
+            <a:avLst/>
+          </a:prstGeom>
+          <a:noFill/>
+        </p:spPr>
+        <p:txBody>
+          <a:bodyPr wrap="none" rtlCol="0">
+            <a:spAutoFit/>
+          </a:bodyPr>
+          <a:lstStyle/>
+          <a:p>
+            <a:r>
+              <a:rPr lang="en-US" altLang="zh-TW" dirty="0"/>
+              <a:t>*</a:t>
+            </a:r>
+            <a:r>
+              <a:rPr lang="zh-TW" altLang="en-US" dirty="0"/>
+              <a:t>兩個程式庫</a:t>
+            </a:r>
+            <a:r>
+              <a:rPr lang="en-US" altLang="zh-TW" dirty="0"/>
+              <a:t>(</a:t>
+            </a:r>
+            <a:r>
+              <a:rPr lang="zh-TW" altLang="en-US" dirty="0"/>
+              <a:t>公司</a:t>
+            </a:r>
+            <a:r>
+              <a:rPr lang="en-US" altLang="zh-TW" dirty="0"/>
+              <a:t>/</a:t>
+            </a:r>
+            <a:r>
+              <a:rPr lang="zh-TW" altLang="en-US" dirty="0"/>
+              <a:t>用戶</a:t>
+            </a:r>
+            <a:r>
+              <a:rPr lang="en-US" altLang="zh-TW" dirty="0"/>
+              <a:t>)</a:t>
+            </a:r>
+            <a:endParaRPr lang="zh-TW" altLang="en-US" dirty="0"/>
+          </a:p>
+        </p:txBody>
+      </p:sp>
+      <p:sp>
+        <p:nvSpPr>
+          <p:cNvPr id="8" name="文字方塊 7">
+            <a:extLst>
+              <a:ext uri="{FF2B5EF4-FFF2-40B4-BE49-F238E27FC236}">
+                <a16:creationId xmlns:a16="http://schemas.microsoft.com/office/drawing/2014/main" id="{52ED857D-5E74-478C-A09C-C241CA048932}"/>
+              </a:ext>
+            </a:extLst>
+          </p:cNvPr>
+          <p:cNvSpPr txBox="1"/>
+          <p:nvPr/>
+        </p:nvSpPr>
+        <p:spPr>
+          <a:xfrm>
+            <a:off x="5705237" y="5660536"/>
+            <a:ext cx="3365024" cy="369332"/>
+          </a:xfrm>
+          <a:prstGeom prst="rect">
+            <a:avLst/>
+          </a:prstGeom>
+          <a:noFill/>
+        </p:spPr>
+        <p:txBody>
+          <a:bodyPr wrap="none" rtlCol="0">
+            <a:spAutoFit/>
+          </a:bodyPr>
+          <a:lstStyle/>
+          <a:p>
+            <a:r>
+              <a:rPr lang="en-US" altLang="zh-TW" dirty="0"/>
+              <a:t>*</a:t>
+            </a:r>
+            <a:r>
+              <a:rPr lang="zh-TW" altLang="en-US" dirty="0"/>
+              <a:t>離開</a:t>
+            </a:r>
+            <a:r>
+              <a:rPr lang="en-US" altLang="zh-TW" dirty="0"/>
+              <a:t>SVN</a:t>
+            </a:r>
+            <a:r>
+              <a:rPr lang="zh-TW" altLang="en-US" dirty="0"/>
+              <a:t>後無法作業</a:t>
+            </a:r>
+            <a:r>
+              <a:rPr lang="en-US" altLang="zh-TW" dirty="0"/>
+              <a:t>(</a:t>
+            </a:r>
+            <a:r>
+              <a:rPr lang="zh-TW" altLang="en-US" dirty="0"/>
+              <a:t>無法加班</a:t>
+            </a:r>
+            <a:r>
+              <a:rPr lang="en-US" altLang="zh-TW" dirty="0"/>
+              <a:t>)</a:t>
+            </a:r>
+            <a:endParaRPr lang="zh-TW" altLang="en-US" dirty="0"/>
+          </a:p>
+        </p:txBody>
+      </p:sp>
+      <p:sp>
+        <p:nvSpPr>
+          <p:cNvPr id="9" name="文字方塊 8">
+            <a:extLst>
+              <a:ext uri="{FF2B5EF4-FFF2-40B4-BE49-F238E27FC236}">
+                <a16:creationId xmlns:a16="http://schemas.microsoft.com/office/drawing/2014/main" id="{0FE15FC9-9F51-420B-BD55-C84C26ECF072}"/>
+              </a:ext>
+            </a:extLst>
+          </p:cNvPr>
+          <p:cNvSpPr txBox="1"/>
+          <p:nvPr/>
+        </p:nvSpPr>
+        <p:spPr>
+          <a:xfrm>
+            <a:off x="5705237" y="6041880"/>
+            <a:ext cx="3441968" cy="369332"/>
+          </a:xfrm>
+          <a:prstGeom prst="rect">
+            <a:avLst/>
+          </a:prstGeom>
+          <a:noFill/>
+        </p:spPr>
+        <p:txBody>
+          <a:bodyPr wrap="none" rtlCol="0">
+            <a:spAutoFit/>
+          </a:bodyPr>
+          <a:lstStyle/>
+          <a:p>
+            <a:r>
+              <a:rPr lang="en-US" altLang="zh-TW" dirty="0"/>
+              <a:t>*</a:t>
+            </a:r>
+            <a:r>
+              <a:rPr lang="zh-TW" altLang="en-US" dirty="0"/>
+              <a:t>程式碼錯誤影響作業</a:t>
+            </a:r>
+            <a:r>
+              <a:rPr lang="en-US" altLang="zh-TW" dirty="0"/>
+              <a:t>(</a:t>
+            </a:r>
+            <a:r>
+              <a:rPr lang="zh-TW" altLang="en-US" dirty="0"/>
+              <a:t>個別排除</a:t>
+            </a:r>
+            <a:r>
+              <a:rPr lang="en-US" altLang="zh-TW" dirty="0"/>
+              <a:t>)</a:t>
+            </a:r>
+            <a:endParaRPr lang="zh-TW" altLang="en-US" dirty="0"/>
+          </a:p>
+        </p:txBody>
+      </p:sp>
+    </p:spTree>
+    <p:extLst>
+      <p:ext uri="{BB962C8B-B14F-4D97-AF65-F5344CB8AC3E}">
+        <p14:creationId xmlns:p14="http://schemas.microsoft.com/office/powerpoint/2010/main" val="4135814375"/>
+      </p:ext>
+    </p:extLst>
+  </p:cSld>
+  <p:clrMapOvr>
+    <a:masterClrMapping/>
+  </p:clrMapOvr>
+</p:sld>
+</file>
+
+<file path=ppt/slides/slide6.xml><?xml version="1.0" encoding="utf-8"?>
+<p:sld xmlns:a="http://schemas.openxmlformats.org/drawingml/2006/main" xmlns:r="http://schemas.openxmlformats.org/officeDocument/2006/relationships" xmlns:p="http://schemas.openxmlformats.org/presentationml/2006/main">
+  <p:cSld>
+    <p:spTree>
+      <p:nvGrpSpPr>
+        <p:cNvPr id="1" name=""/>
+        <p:cNvGrpSpPr/>
+        <p:nvPr/>
+      </p:nvGrpSpPr>
+      <p:grpSpPr>
+        <a:xfrm>
+          <a:off x="0" y="0"/>
+          <a:ext cx="0" cy="0"/>
+          <a:chOff x="0" y="0"/>
+          <a:chExt cx="0" cy="0"/>
+        </a:xfrm>
+      </p:grpSpPr>
+      <p:sp>
+        <p:nvSpPr>
+          <p:cNvPr id="2" name="標題 1">
+            <a:extLst>
+              <a:ext uri="{FF2B5EF4-FFF2-40B4-BE49-F238E27FC236}">
+                <a16:creationId xmlns:a16="http://schemas.microsoft.com/office/drawing/2014/main" id="{1F53BFC4-38C1-46A5-8967-4D5F3CB1B717}"/>
+              </a:ext>
+            </a:extLst>
+          </p:cNvPr>
+          <p:cNvSpPr>
+            <a:spLocks noGrp="1"/>
+          </p:cNvSpPr>
+          <p:nvPr>
+            <p:ph type="title"/>
+          </p:nvPr>
+        </p:nvSpPr>
+        <p:spPr/>
+        <p:txBody>
+          <a:bodyPr/>
+          <a:lstStyle/>
+          <a:p>
+            <a:r>
+              <a:rPr lang="en-US" altLang="zh-TW" dirty="0"/>
+              <a:t>Promise </a:t>
+            </a:r>
+            <a:r>
+              <a:rPr lang="en-US" altLang="zh-TW" dirty="0" err="1"/>
+              <a:t>concat</a:t>
+            </a:r>
+            <a:endParaRPr lang="zh-TW" altLang="en-US" dirty="0"/>
+          </a:p>
+        </p:txBody>
+      </p:sp>
+      <p:sp>
+        <p:nvSpPr>
+          <p:cNvPr id="3" name="內容版面配置區 2">
+            <a:extLst>
+              <a:ext uri="{FF2B5EF4-FFF2-40B4-BE49-F238E27FC236}">
+                <a16:creationId xmlns:a16="http://schemas.microsoft.com/office/drawing/2014/main" id="{ED6A5C43-F74E-4DBC-AC33-4FB90C3BE8D6}"/>
+              </a:ext>
+            </a:extLst>
+          </p:cNvPr>
+          <p:cNvSpPr>
+            <a:spLocks noGrp="1"/>
+          </p:cNvSpPr>
+          <p:nvPr>
+            <p:ph idx="1"/>
+          </p:nvPr>
+        </p:nvSpPr>
+        <p:spPr/>
+        <p:txBody>
+          <a:bodyPr/>
+          <a:lstStyle/>
+          <a:p>
+            <a:r>
+              <a:rPr lang="en-US" altLang="zh-TW" dirty="0">
+                <a:sym typeface="Wingdings" panose="05000000000000000000" pitchFamily="2" charset="2"/>
+              </a:rPr>
+              <a:t>/Ehrms2portal_SC/api-auth-acUser.js LINE </a:t>
+            </a:r>
+            <a:r>
+              <a:rPr lang="en-US" altLang="zh-TW" dirty="0">
+                <a:sym typeface="Wingdings" panose="05000000000000000000" pitchFamily="2" charset="2"/>
+                <a:hlinkClick r:id="rId2"/>
+              </a:rPr>
+              <a:t>927</a:t>
+            </a:r>
+            <a:endParaRPr lang="en-US" altLang="zh-TW" dirty="0">
+              <a:sym typeface="Wingdings" panose="05000000000000000000" pitchFamily="2" charset="2"/>
+            </a:endParaRPr>
+          </a:p>
+          <a:p>
+            <a:endParaRPr lang="en-US" altLang="zh-TW" dirty="0">
+              <a:sym typeface="Wingdings" panose="05000000000000000000" pitchFamily="2" charset="2"/>
+            </a:endParaRPr>
+          </a:p>
+        </p:txBody>
+      </p:sp>
+      <p:sp>
+        <p:nvSpPr>
+          <p:cNvPr id="4" name="頁尾版面配置區 3">
+            <a:extLst>
+              <a:ext uri="{FF2B5EF4-FFF2-40B4-BE49-F238E27FC236}">
+                <a16:creationId xmlns:a16="http://schemas.microsoft.com/office/drawing/2014/main" id="{9C15FB9A-0695-4774-8738-81A625865030}"/>
+              </a:ext>
+            </a:extLst>
+          </p:cNvPr>
+          <p:cNvSpPr>
+            <a:spLocks noGrp="1"/>
+          </p:cNvSpPr>
+          <p:nvPr>
+            <p:ph type="ftr" sz="quarter" idx="11"/>
+          </p:nvPr>
+        </p:nvSpPr>
+        <p:spPr/>
+        <p:txBody>
+          <a:bodyPr/>
+          <a:lstStyle/>
+          <a:p>
+            <a:r>
+              <a:rPr lang="en-US" altLang="zh-TW"/>
+              <a:t>104</a:t>
+            </a:r>
+            <a:r>
+              <a:rPr lang="zh-TW" altLang="en-US"/>
+              <a:t>人資學院  </a:t>
+            </a:r>
+            <a:r>
+              <a:rPr lang="en-US" altLang="zh-TW"/>
+              <a:t>All Rights Reserved</a:t>
+            </a:r>
+            <a:endParaRPr lang="zh-TW" altLang="en-US"/>
+          </a:p>
+        </p:txBody>
+      </p:sp>
+      <p:pic>
+        <p:nvPicPr>
+          <p:cNvPr id="5" name="圖片 4">
+            <a:extLst>
+              <a:ext uri="{FF2B5EF4-FFF2-40B4-BE49-F238E27FC236}">
+                <a16:creationId xmlns:a16="http://schemas.microsoft.com/office/drawing/2014/main" id="{58663B3E-3A13-4FFA-B551-C659A514A42A}"/>
+              </a:ext>
+            </a:extLst>
+          </p:cNvPr>
+          <p:cNvPicPr>
+            <a:picLocks noChangeAspect="1"/>
+          </p:cNvPicPr>
+          <p:nvPr/>
+        </p:nvPicPr>
+        <p:blipFill>
+          <a:blip r:embed="rId3"/>
+          <a:stretch>
+            <a:fillRect/>
+          </a:stretch>
+        </p:blipFill>
+        <p:spPr>
+          <a:xfrm>
+            <a:off x="505244" y="2276872"/>
+            <a:ext cx="8269654" cy="4052746"/>
+          </a:xfrm>
+          <a:prstGeom prst="rect">
+            <a:avLst/>
+          </a:prstGeom>
+        </p:spPr>
+      </p:pic>
+    </p:spTree>
+    <p:extLst>
+      <p:ext uri="{BB962C8B-B14F-4D97-AF65-F5344CB8AC3E}">
+        <p14:creationId xmlns:p14="http://schemas.microsoft.com/office/powerpoint/2010/main" val="280376510"/>
+      </p:ext>
+    </p:extLst>
+  </p:cSld>
+  <p:clrMapOvr>
+    <a:masterClrMapping/>
+  </p:clrMapOvr>
+</p:sld>
+</file>
+
+<file path=ppt/slides/slide7.xml><?xml version="1.0" encoding="utf-8"?>
+<p:sld xmlns:a="http://schemas.openxmlformats.org/drawingml/2006/main" xmlns:r="http://schemas.openxmlformats.org/officeDocument/2006/relationships" xmlns:p="http://schemas.openxmlformats.org/presentationml/2006/main">
+  <p:cSld>
+    <p:spTree>
+      <p:nvGrpSpPr>
+        <p:cNvPr id="1" name=""/>
+        <p:cNvGrpSpPr/>
+        <p:nvPr/>
+      </p:nvGrpSpPr>
+      <p:grpSpPr>
+        <a:xfrm>
+          <a:off x="0" y="0"/>
+          <a:ext cx="0" cy="0"/>
+          <a:chOff x="0" y="0"/>
+          <a:chExt cx="0" cy="0"/>
+        </a:xfrm>
+      </p:grpSpPr>
+      <p:sp>
+        <p:nvSpPr>
+          <p:cNvPr id="2" name="標題 1">
+            <a:extLst>
+              <a:ext uri="{FF2B5EF4-FFF2-40B4-BE49-F238E27FC236}">
+                <a16:creationId xmlns:a16="http://schemas.microsoft.com/office/drawing/2014/main" id="{51841209-40F9-48A5-9D1B-ED5369596D62}"/>
+              </a:ext>
+            </a:extLst>
+          </p:cNvPr>
+          <p:cNvSpPr>
+            <a:spLocks noGrp="1"/>
+          </p:cNvSpPr>
+          <p:nvPr>
+            <p:ph type="title"/>
+          </p:nvPr>
+        </p:nvSpPr>
+        <p:spPr/>
+        <p:txBody>
+          <a:bodyPr/>
+          <a:lstStyle/>
+          <a:p>
+            <a:r>
+              <a:rPr lang="en-US" altLang="zh-TW" dirty="0" err="1"/>
+              <a:t>Async</a:t>
+            </a:r>
+            <a:r>
+              <a:rPr lang="en-US" altLang="zh-TW" dirty="0"/>
+              <a:t> try-catch-finally</a:t>
+            </a:r>
+            <a:endParaRPr lang="zh-TW" altLang="en-US" dirty="0"/>
+          </a:p>
+        </p:txBody>
+      </p:sp>
+      <p:sp>
+        <p:nvSpPr>
+          <p:cNvPr id="3" name="內容版面配置區 2">
+            <a:extLst>
+              <a:ext uri="{FF2B5EF4-FFF2-40B4-BE49-F238E27FC236}">
+                <a16:creationId xmlns:a16="http://schemas.microsoft.com/office/drawing/2014/main" id="{F478725F-0E0D-47B3-9E2B-1F4D255BF391}"/>
+              </a:ext>
+            </a:extLst>
+          </p:cNvPr>
+          <p:cNvSpPr>
+            <a:spLocks noGrp="1"/>
+          </p:cNvSpPr>
+          <p:nvPr>
+            <p:ph idx="1"/>
+          </p:nvPr>
+        </p:nvSpPr>
+        <p:spPr/>
+        <p:txBody>
+          <a:bodyPr/>
+          <a:lstStyle/>
+          <a:p>
+            <a:r>
+              <a:rPr lang="en-US" altLang="zh-TW" dirty="0">
+                <a:sym typeface="Wingdings" panose="05000000000000000000" pitchFamily="2" charset="2"/>
+              </a:rPr>
+              <a:t>/Ehrms2portal_SC/api-auth-acUser.js LINE </a:t>
+            </a:r>
+            <a:r>
+              <a:rPr lang="en-US" altLang="zh-TW" dirty="0">
+                <a:sym typeface="Wingdings" panose="05000000000000000000" pitchFamily="2" charset="2"/>
+                <a:hlinkClick r:id="rId2"/>
+              </a:rPr>
+              <a:t>954</a:t>
+            </a:r>
+            <a:br>
+              <a:rPr lang="en-US" altLang="zh-TW" dirty="0">
+                <a:sym typeface="Wingdings" panose="05000000000000000000" pitchFamily="2" charset="2"/>
+              </a:rPr>
+            </a:br>
+            <a:br>
+              <a:rPr lang="en-US" altLang="zh-TW" dirty="0">
+                <a:sym typeface="Wingdings" panose="05000000000000000000" pitchFamily="2" charset="2"/>
+              </a:rPr>
+            </a:br>
+            <a:endParaRPr lang="en-US" altLang="zh-TW" dirty="0">
+              <a:sym typeface="Wingdings" panose="05000000000000000000" pitchFamily="2" charset="2"/>
+            </a:endParaRPr>
+          </a:p>
+        </p:txBody>
+      </p:sp>
+      <p:sp>
+        <p:nvSpPr>
+          <p:cNvPr id="4" name="頁尾版面配置區 3">
+            <a:extLst>
+              <a:ext uri="{FF2B5EF4-FFF2-40B4-BE49-F238E27FC236}">
+                <a16:creationId xmlns:a16="http://schemas.microsoft.com/office/drawing/2014/main" id="{F27157E0-4972-47AE-BAEE-01518FBF20C6}"/>
+              </a:ext>
+            </a:extLst>
+          </p:cNvPr>
+          <p:cNvSpPr>
+            <a:spLocks noGrp="1"/>
+          </p:cNvSpPr>
+          <p:nvPr>
+            <p:ph type="ftr" sz="quarter" idx="11"/>
+          </p:nvPr>
+        </p:nvSpPr>
+        <p:spPr/>
+        <p:txBody>
+          <a:bodyPr/>
+          <a:lstStyle/>
+          <a:p>
+            <a:r>
+              <a:rPr lang="en-US" altLang="zh-TW"/>
+              <a:t>104</a:t>
+            </a:r>
+            <a:r>
+              <a:rPr lang="zh-TW" altLang="en-US"/>
+              <a:t>人資學院  </a:t>
+            </a:r>
+            <a:r>
+              <a:rPr lang="en-US" altLang="zh-TW"/>
+              <a:t>All Rights Reserved</a:t>
+            </a:r>
+            <a:endParaRPr lang="zh-TW" altLang="en-US"/>
+          </a:p>
+        </p:txBody>
+      </p:sp>
+      <p:pic>
+        <p:nvPicPr>
+          <p:cNvPr id="5" name="圖片 4">
+            <a:extLst>
+              <a:ext uri="{FF2B5EF4-FFF2-40B4-BE49-F238E27FC236}">
+                <a16:creationId xmlns:a16="http://schemas.microsoft.com/office/drawing/2014/main" id="{35A7F754-E147-45E8-8627-5B09F096336F}"/>
+              </a:ext>
+            </a:extLst>
+          </p:cNvPr>
+          <p:cNvPicPr>
+            <a:picLocks noChangeAspect="1"/>
+          </p:cNvPicPr>
+          <p:nvPr/>
+        </p:nvPicPr>
+        <p:blipFill>
+          <a:blip r:embed="rId3"/>
+          <a:stretch>
+            <a:fillRect/>
+          </a:stretch>
+        </p:blipFill>
+        <p:spPr>
+          <a:xfrm>
+            <a:off x="228158" y="2564904"/>
+            <a:ext cx="8645615" cy="3743821"/>
+          </a:xfrm>
+          <a:prstGeom prst="rect">
+            <a:avLst/>
+          </a:prstGeom>
+        </p:spPr>
+      </p:pic>
+    </p:spTree>
+    <p:extLst>
+      <p:ext uri="{BB962C8B-B14F-4D97-AF65-F5344CB8AC3E}">
+        <p14:creationId xmlns:p14="http://schemas.microsoft.com/office/powerpoint/2010/main" val="909642701"/>
+      </p:ext>
+    </p:extLst>
+  </p:cSld>
+  <p:clrMapOvr>
+    <a:masterClrMapping/>
+  </p:clrMapOvr>
+</p:sld>
+</file>
+
+<file path=ppt/slides/slide8.xml><?xml version="1.0" encoding="utf-8"?>
+<p:sld xmlns:a="http://schemas.openxmlformats.org/drawingml/2006/main" xmlns:r="http://schemas.openxmlformats.org/officeDocument/2006/relationships" xmlns:p="http://schemas.openxmlformats.org/presentationml/2006/main">
+  <p:cSld>
+    <p:spTree>
+      <p:nvGrpSpPr>
+        <p:cNvPr id="1" name=""/>
+        <p:cNvGrpSpPr/>
+        <p:nvPr/>
+      </p:nvGrpSpPr>
+      <p:grpSpPr>
+        <a:xfrm>
+          <a:off x="0" y="0"/>
+          <a:ext cx="0" cy="0"/>
+          <a:chOff x="0" y="0"/>
+          <a:chExt cx="0" cy="0"/>
+        </a:xfrm>
+      </p:grpSpPr>
+      <p:sp>
+        <p:nvSpPr>
+          <p:cNvPr id="2" name="標題 1">
+            <a:extLst>
+              <a:ext uri="{FF2B5EF4-FFF2-40B4-BE49-F238E27FC236}">
+                <a16:creationId xmlns:a16="http://schemas.microsoft.com/office/drawing/2014/main" id="{1765C254-721E-4166-AA1E-F93E7AD9AEF6}"/>
+              </a:ext>
+            </a:extLst>
+          </p:cNvPr>
+          <p:cNvSpPr>
+            <a:spLocks noGrp="1"/>
+          </p:cNvSpPr>
+          <p:nvPr>
+            <p:ph type="title"/>
+          </p:nvPr>
+        </p:nvSpPr>
+        <p:spPr/>
+        <p:txBody>
+          <a:bodyPr/>
+          <a:lstStyle/>
+          <a:p>
+            <a:r>
+              <a:rPr lang="en-US" altLang="zh-TW" dirty="0" err="1"/>
+              <a:t>Async.Waterfall</a:t>
+            </a:r>
+            <a:r>
+              <a:rPr lang="en-US" altLang="zh-TW" dirty="0"/>
+              <a:t> </a:t>
+            </a:r>
+            <a:endParaRPr lang="zh-TW" altLang="en-US" dirty="0"/>
+          </a:p>
+        </p:txBody>
+      </p:sp>
+      <p:sp>
+        <p:nvSpPr>
+          <p:cNvPr id="3" name="內容版面配置區 2">
+            <a:extLst>
+              <a:ext uri="{FF2B5EF4-FFF2-40B4-BE49-F238E27FC236}">
+                <a16:creationId xmlns:a16="http://schemas.microsoft.com/office/drawing/2014/main" id="{6C92636B-C021-4799-85C3-9700D8CBB79B}"/>
+              </a:ext>
+            </a:extLst>
+          </p:cNvPr>
+          <p:cNvSpPr>
+            <a:spLocks noGrp="1"/>
+          </p:cNvSpPr>
+          <p:nvPr>
+            <p:ph idx="1"/>
+          </p:nvPr>
+        </p:nvSpPr>
+        <p:spPr/>
+        <p:txBody>
+          <a:bodyPr/>
+          <a:lstStyle/>
+          <a:p>
+            <a:r>
+              <a:rPr lang="en-US" altLang="zh-TW" dirty="0">
+                <a:sym typeface="Wingdings" panose="05000000000000000000" pitchFamily="2" charset="2"/>
+              </a:rPr>
+              <a:t>/Ehrms2portal_SC/api-auth-acPwdRule.js LINE </a:t>
+            </a:r>
+            <a:r>
+              <a:rPr lang="en-US" altLang="zh-TW" dirty="0">
+                <a:sym typeface="Wingdings" panose="05000000000000000000" pitchFamily="2" charset="2"/>
+                <a:hlinkClick r:id="rId2"/>
+              </a:rPr>
+              <a:t>531</a:t>
+            </a:r>
+            <a:br>
+              <a:rPr lang="en-US" altLang="zh-TW" dirty="0">
+                <a:sym typeface="Wingdings" panose="05000000000000000000" pitchFamily="2" charset="2"/>
+              </a:rPr>
+            </a:br>
+            <a:br>
+              <a:rPr lang="en-US" altLang="zh-TW" dirty="0">
+                <a:sym typeface="Wingdings" panose="05000000000000000000" pitchFamily="2" charset="2"/>
+              </a:rPr>
+            </a:br>
+            <a:endParaRPr lang="en-US" altLang="zh-TW" dirty="0">
+              <a:sym typeface="Wingdings" panose="05000000000000000000" pitchFamily="2" charset="2"/>
+            </a:endParaRPr>
+          </a:p>
+          <a:p>
+            <a:endParaRPr lang="zh-TW" altLang="en-US" dirty="0"/>
+          </a:p>
+        </p:txBody>
+      </p:sp>
+      <p:sp>
+        <p:nvSpPr>
+          <p:cNvPr id="4" name="頁尾版面配置區 3">
+            <a:extLst>
+              <a:ext uri="{FF2B5EF4-FFF2-40B4-BE49-F238E27FC236}">
+                <a16:creationId xmlns:a16="http://schemas.microsoft.com/office/drawing/2014/main" id="{B4E2C0EB-CD7F-4DE2-AAF7-9F290C4E6697}"/>
+              </a:ext>
+            </a:extLst>
+          </p:cNvPr>
+          <p:cNvSpPr>
+            <a:spLocks noGrp="1"/>
+          </p:cNvSpPr>
+          <p:nvPr>
+            <p:ph type="ftr" sz="quarter" idx="11"/>
+          </p:nvPr>
+        </p:nvSpPr>
+        <p:spPr/>
+        <p:txBody>
+          <a:bodyPr/>
+          <a:lstStyle/>
+          <a:p>
+            <a:r>
+              <a:rPr lang="en-US" altLang="zh-TW"/>
+              <a:t>104</a:t>
+            </a:r>
+            <a:r>
+              <a:rPr lang="zh-TW" altLang="en-US"/>
+              <a:t>人資學院  </a:t>
+            </a:r>
+            <a:r>
+              <a:rPr lang="en-US" altLang="zh-TW"/>
+              <a:t>All Rights Reserved</a:t>
+            </a:r>
+            <a:endParaRPr lang="zh-TW" altLang="en-US"/>
+          </a:p>
+        </p:txBody>
+      </p:sp>
+      <p:pic>
+        <p:nvPicPr>
+          <p:cNvPr id="5" name="圖片 4">
+            <a:extLst>
+              <a:ext uri="{FF2B5EF4-FFF2-40B4-BE49-F238E27FC236}">
+                <a16:creationId xmlns:a16="http://schemas.microsoft.com/office/drawing/2014/main" id="{33488B55-F97A-4C63-921A-A7408E2D6A35}"/>
+              </a:ext>
+            </a:extLst>
+          </p:cNvPr>
+          <p:cNvPicPr>
+            <a:picLocks noChangeAspect="1"/>
+          </p:cNvPicPr>
+          <p:nvPr/>
+        </p:nvPicPr>
+        <p:blipFill>
+          <a:blip r:embed="rId3"/>
+          <a:stretch>
+            <a:fillRect/>
+          </a:stretch>
+        </p:blipFill>
+        <p:spPr>
+          <a:xfrm>
+            <a:off x="533005" y="2852936"/>
+            <a:ext cx="8153796" cy="3530848"/>
+          </a:xfrm>
+          <a:prstGeom prst="rect">
+            <a:avLst/>
+          </a:prstGeom>
+        </p:spPr>
+      </p:pic>
+    </p:spTree>
+    <p:extLst>
+      <p:ext uri="{BB962C8B-B14F-4D97-AF65-F5344CB8AC3E}">
+        <p14:creationId xmlns:p14="http://schemas.microsoft.com/office/powerpoint/2010/main" val="1886309669"/>
+      </p:ext>
+    </p:extLst>
+  </p:cSld>
+  <p:clrMapOvr>
+    <a:masterClrMapping/>
+  </p:clrMapOvr>
+</p:sld>
+</file>
+
+<file path=ppt/slides/slide9.xml><?xml version="1.0" encoding="utf-8"?>
+<p:sld xmlns:a="http://schemas.openxmlformats.org/drawingml/2006/main" xmlns:r="http://schemas.openxmlformats.org/officeDocument/2006/relationships" xmlns:p="http://schemas.openxmlformats.org/presentationml/2006/main">
+  <p:cSld>
+    <p:spTree>
+      <p:nvGrpSpPr>
+        <p:cNvPr id="1" name=""/>
+        <p:cNvGrpSpPr/>
+        <p:nvPr/>
+      </p:nvGrpSpPr>
+      <p:grpSpPr>
+        <a:xfrm>
+          <a:off x="0" y="0"/>
+          <a:ext cx="0" cy="0"/>
+          <a:chOff x="0" y="0"/>
+          <a:chExt cx="0" cy="0"/>
+        </a:xfrm>
+      </p:grpSpPr>
+      <p:sp>
+        <p:nvSpPr>
+          <p:cNvPr id="2" name="標題 1">
+            <a:extLst>
+              <a:ext uri="{FF2B5EF4-FFF2-40B4-BE49-F238E27FC236}">
+                <a16:creationId xmlns:a16="http://schemas.microsoft.com/office/drawing/2014/main" id="{647F4C66-668A-4D8A-8F51-F198A2B4C458}"/>
+              </a:ext>
+            </a:extLst>
+          </p:cNvPr>
+          <p:cNvSpPr>
+            <a:spLocks noGrp="1"/>
+          </p:cNvSpPr>
+          <p:nvPr>
+            <p:ph type="title"/>
+          </p:nvPr>
+        </p:nvSpPr>
+        <p:spPr/>
+        <p:txBody>
+          <a:bodyPr/>
+          <a:lstStyle/>
+          <a:p>
+            <a:r>
+              <a:rPr lang="en-US" altLang="zh-TW" dirty="0"/>
+              <a:t>ASYNC</a:t>
+            </a:r>
+            <a:r>
+              <a:rPr lang="zh-TW" altLang="en-US" dirty="0"/>
+              <a:t>整理</a:t>
+            </a:r>
+          </a:p>
+        </p:txBody>
+      </p:sp>
+      <p:sp>
+        <p:nvSpPr>
+          <p:cNvPr id="3" name="內容版面配置區 2">
+            <a:extLst>
+              <a:ext uri="{FF2B5EF4-FFF2-40B4-BE49-F238E27FC236}">
+                <a16:creationId xmlns:a16="http://schemas.microsoft.com/office/drawing/2014/main" id="{67B283EE-D519-443B-B399-B4DAAC0EE76D}"/>
+              </a:ext>
+            </a:extLst>
+          </p:cNvPr>
+          <p:cNvSpPr>
+            <a:spLocks noGrp="1"/>
+          </p:cNvSpPr>
+          <p:nvPr>
+            <p:ph idx="1"/>
+          </p:nvPr>
+        </p:nvSpPr>
+        <p:spPr/>
+        <p:txBody>
+          <a:bodyPr/>
+          <a:lstStyle/>
+          <a:p>
+            <a:r>
+              <a:rPr lang="en-US" altLang="zh-TW" dirty="0" err="1"/>
+              <a:t>CallBack</a:t>
+            </a:r>
+            <a:r>
+              <a:rPr lang="en-US" altLang="zh-TW" dirty="0"/>
+              <a:t> </a:t>
+            </a:r>
+            <a:r>
+              <a:rPr lang="zh-TW" altLang="en-US" dirty="0"/>
+              <a:t>是</a:t>
+            </a:r>
+            <a:r>
+              <a:rPr lang="en-US" altLang="zh-TW" dirty="0" err="1"/>
+              <a:t>js</a:t>
+            </a:r>
+            <a:r>
+              <a:rPr lang="zh-TW" altLang="en-US" dirty="0"/>
+              <a:t>在處理</a:t>
+            </a:r>
+            <a:r>
+              <a:rPr lang="en-US" altLang="zh-TW" dirty="0"/>
+              <a:t>non-</a:t>
+            </a:r>
+            <a:r>
+              <a:rPr lang="en-US" altLang="zh-TW" dirty="0" err="1"/>
+              <a:t>blockin</a:t>
+            </a:r>
+            <a:r>
+              <a:rPr lang="zh-TW" altLang="en-US" dirty="0"/>
+              <a:t>的設計方式</a:t>
+            </a:r>
+            <a:r>
+              <a:rPr lang="en-US" altLang="zh-TW" dirty="0"/>
+              <a:t>(</a:t>
+            </a:r>
+            <a:r>
+              <a:rPr lang="en-US" altLang="zh-TW" dirty="0" err="1"/>
+              <a:t>async</a:t>
+            </a:r>
+            <a:r>
+              <a:rPr lang="en-US" altLang="zh-TW" dirty="0"/>
+              <a:t>)</a:t>
+            </a:r>
+          </a:p>
+          <a:p>
+            <a:r>
+              <a:rPr lang="zh-TW" altLang="en-US" dirty="0"/>
+              <a:t>解決</a:t>
+            </a:r>
+            <a:r>
+              <a:rPr lang="en-US" altLang="zh-TW" dirty="0" err="1"/>
+              <a:t>CallBack</a:t>
+            </a:r>
+            <a:r>
+              <a:rPr lang="zh-TW" altLang="en-US" dirty="0"/>
+              <a:t> </a:t>
+            </a:r>
+            <a:r>
+              <a:rPr lang="en-US" altLang="zh-TW" dirty="0"/>
+              <a:t>Hell</a:t>
+            </a:r>
+          </a:p>
+          <a:p>
+            <a:pPr lvl="1"/>
+            <a:r>
+              <a:rPr lang="en-US" altLang="zh-TW" dirty="0"/>
+              <a:t>ES6 </a:t>
+            </a:r>
+            <a:r>
+              <a:rPr lang="en-US" altLang="zh-TW" dirty="0">
+                <a:sym typeface="Wingdings" panose="05000000000000000000" pitchFamily="2" charset="2"/>
+              </a:rPr>
+              <a:t> </a:t>
+            </a:r>
+            <a:r>
+              <a:rPr lang="en-US" altLang="zh-TW" dirty="0"/>
+              <a:t>promise</a:t>
+            </a:r>
+          </a:p>
+          <a:p>
+            <a:pPr lvl="1"/>
+            <a:r>
+              <a:rPr lang="en-US" altLang="zh-TW" dirty="0" err="1"/>
+              <a:t>Async</a:t>
+            </a:r>
+            <a:r>
+              <a:rPr lang="en-US" altLang="zh-TW" dirty="0"/>
+              <a:t> </a:t>
+            </a:r>
+            <a:r>
+              <a:rPr lang="en-US" altLang="zh-TW" dirty="0">
+                <a:sym typeface="Wingdings" panose="05000000000000000000" pitchFamily="2" charset="2"/>
+              </a:rPr>
+              <a:t> waterfall, each …</a:t>
+            </a:r>
+            <a:endParaRPr lang="en-US" altLang="zh-TW" dirty="0"/>
+          </a:p>
+          <a:p>
+            <a:pPr lvl="1"/>
+            <a:r>
+              <a:rPr lang="en-US" altLang="zh-TW" dirty="0"/>
+              <a:t>ES7 </a:t>
+            </a:r>
+            <a:r>
+              <a:rPr lang="en-US" altLang="zh-TW" dirty="0">
+                <a:sym typeface="Wingdings" panose="05000000000000000000" pitchFamily="2" charset="2"/>
+              </a:rPr>
+              <a:t> </a:t>
+            </a:r>
+            <a:r>
+              <a:rPr lang="en-US" altLang="zh-TW" dirty="0" err="1"/>
+              <a:t>async</a:t>
+            </a:r>
+            <a:r>
+              <a:rPr lang="en-US" altLang="zh-TW" dirty="0"/>
+              <a:t> await</a:t>
+            </a:r>
+          </a:p>
+          <a:p>
+            <a:pPr lvl="1"/>
+            <a:r>
+              <a:rPr lang="en-US" altLang="zh-TW" dirty="0" err="1"/>
+              <a:t>nodejs</a:t>
+            </a:r>
+            <a:r>
+              <a:rPr lang="en-US" altLang="zh-TW" dirty="0">
+                <a:sym typeface="Wingdings" panose="05000000000000000000" pitchFamily="2" charset="2"/>
+              </a:rPr>
+              <a:t>  </a:t>
+            </a:r>
+            <a:r>
+              <a:rPr lang="en-US" altLang="zh-TW" dirty="0" err="1">
+                <a:sym typeface="Wingdings" panose="05000000000000000000" pitchFamily="2" charset="2"/>
+              </a:rPr>
+              <a:t>promisify</a:t>
+            </a:r>
+            <a:endParaRPr lang="en-US" altLang="zh-TW" dirty="0"/>
+          </a:p>
+        </p:txBody>
+      </p:sp>
+      <p:sp>
+        <p:nvSpPr>
+          <p:cNvPr id="4" name="頁尾版面配置區 3">
+            <a:extLst>
+              <a:ext uri="{FF2B5EF4-FFF2-40B4-BE49-F238E27FC236}">
+                <a16:creationId xmlns:a16="http://schemas.microsoft.com/office/drawing/2014/main" id="{06890AFF-36AE-4479-A2BD-6831DAAAB459}"/>
+              </a:ext>
+            </a:extLst>
+          </p:cNvPr>
+          <p:cNvSpPr>
+            <a:spLocks noGrp="1"/>
+          </p:cNvSpPr>
+          <p:nvPr>
+            <p:ph type="ftr" sz="quarter" idx="11"/>
+          </p:nvPr>
+        </p:nvSpPr>
+        <p:spPr/>
+        <p:txBody>
+          <a:bodyPr/>
+          <a:lstStyle/>
+          <a:p>
+            <a:r>
+              <a:rPr lang="en-US" altLang="zh-TW"/>
+              <a:t>104</a:t>
+            </a:r>
+            <a:r>
+              <a:rPr lang="zh-TW" altLang="en-US"/>
+              <a:t>人資學院  </a:t>
+            </a:r>
+            <a:r>
+              <a:rPr lang="en-US" altLang="zh-TW"/>
+              <a:t>All Rights Reserved</a:t>
+            </a:r>
+            <a:endParaRPr lang="zh-TW" altLang="en-US"/>
+          </a:p>
+        </p:txBody>
+      </p:sp>
+    </p:spTree>
+    <p:extLst>
+      <p:ext uri="{BB962C8B-B14F-4D97-AF65-F5344CB8AC3E}">
+        <p14:creationId xmlns:p14="http://schemas.microsoft.com/office/powerpoint/2010/main" val="477108725"/>
       </p:ext>
     </p:extLst>
   </p:cSld>

--- a/2019_0627_Git_Share_HA.pptx
+++ b/2019_0627_Git_Share_HA.pptx
@@ -5,7 +5,7 @@
     <p:sldMasterId id="2147483648" r:id="rId1"/>
   </p:sldMasterIdLst>
   <p:notesMasterIdLst>
-    <p:notesMasterId r:id="rId13"/>
+    <p:notesMasterId r:id="rId16"/>
   </p:notesMasterIdLst>
   <p:sldIdLst>
     <p:sldId id="256" r:id="rId2"/>
@@ -13,12 +13,15 @@
     <p:sldId id="259" r:id="rId4"/>
     <p:sldId id="265" r:id="rId5"/>
     <p:sldId id="266" r:id="rId6"/>
-    <p:sldId id="260" r:id="rId7"/>
-    <p:sldId id="261" r:id="rId8"/>
-    <p:sldId id="262" r:id="rId9"/>
-    <p:sldId id="264" r:id="rId10"/>
-    <p:sldId id="263" r:id="rId11"/>
-    <p:sldId id="258" r:id="rId12"/>
+    <p:sldId id="267" r:id="rId7"/>
+    <p:sldId id="268" r:id="rId8"/>
+    <p:sldId id="269" r:id="rId9"/>
+    <p:sldId id="260" r:id="rId10"/>
+    <p:sldId id="261" r:id="rId11"/>
+    <p:sldId id="262" r:id="rId12"/>
+    <p:sldId id="264" r:id="rId13"/>
+    <p:sldId id="263" r:id="rId14"/>
+    <p:sldId id="258" r:id="rId15"/>
   </p:sldIdLst>
   <p:sldSz cx="9144000" cy="6858000" type="screen4x3"/>
   <p:notesSz cx="6858000" cy="9144000"/>
@@ -3890,6 +3893,630 @@
           <p:cNvPr id="2" name="標題 1">
             <a:extLst>
               <a:ext uri="{FF2B5EF4-FFF2-40B4-BE49-F238E27FC236}">
+                <a16:creationId xmlns:a16="http://schemas.microsoft.com/office/drawing/2014/main" id="{51841209-40F9-48A5-9D1B-ED5369596D62}"/>
+              </a:ext>
+            </a:extLst>
+          </p:cNvPr>
+          <p:cNvSpPr>
+            <a:spLocks noGrp="1"/>
+          </p:cNvSpPr>
+          <p:nvPr>
+            <p:ph type="title"/>
+          </p:nvPr>
+        </p:nvSpPr>
+        <p:spPr/>
+        <p:txBody>
+          <a:bodyPr/>
+          <a:lstStyle/>
+          <a:p>
+            <a:r>
+              <a:rPr lang="en-US" altLang="zh-TW" dirty="0" err="1"/>
+              <a:t>Async</a:t>
+            </a:r>
+            <a:r>
+              <a:rPr lang="en-US" altLang="zh-TW" dirty="0"/>
+              <a:t> try-catch-finally</a:t>
+            </a:r>
+            <a:endParaRPr lang="zh-TW" altLang="en-US" dirty="0"/>
+          </a:p>
+        </p:txBody>
+      </p:sp>
+      <p:sp>
+        <p:nvSpPr>
+          <p:cNvPr id="3" name="內容版面配置區 2">
+            <a:extLst>
+              <a:ext uri="{FF2B5EF4-FFF2-40B4-BE49-F238E27FC236}">
+                <a16:creationId xmlns:a16="http://schemas.microsoft.com/office/drawing/2014/main" id="{F478725F-0E0D-47B3-9E2B-1F4D255BF391}"/>
+              </a:ext>
+            </a:extLst>
+          </p:cNvPr>
+          <p:cNvSpPr>
+            <a:spLocks noGrp="1"/>
+          </p:cNvSpPr>
+          <p:nvPr>
+            <p:ph idx="1"/>
+          </p:nvPr>
+        </p:nvSpPr>
+        <p:spPr/>
+        <p:txBody>
+          <a:bodyPr/>
+          <a:lstStyle/>
+          <a:p>
+            <a:r>
+              <a:rPr lang="en-US" altLang="zh-TW" dirty="0">
+                <a:sym typeface="Wingdings" panose="05000000000000000000" pitchFamily="2" charset="2"/>
+              </a:rPr>
+              <a:t>/Ehrms2portal_SC/api-auth-acUser.js LINE </a:t>
+            </a:r>
+            <a:r>
+              <a:rPr lang="en-US" altLang="zh-TW" dirty="0">
+                <a:sym typeface="Wingdings" panose="05000000000000000000" pitchFamily="2" charset="2"/>
+                <a:hlinkClick r:id="rId2"/>
+              </a:rPr>
+              <a:t>954</a:t>
+            </a:r>
+            <a:br>
+              <a:rPr lang="en-US" altLang="zh-TW" dirty="0">
+                <a:sym typeface="Wingdings" panose="05000000000000000000" pitchFamily="2" charset="2"/>
+              </a:rPr>
+            </a:br>
+            <a:br>
+              <a:rPr lang="en-US" altLang="zh-TW" dirty="0">
+                <a:sym typeface="Wingdings" panose="05000000000000000000" pitchFamily="2" charset="2"/>
+              </a:rPr>
+            </a:br>
+            <a:endParaRPr lang="en-US" altLang="zh-TW" dirty="0">
+              <a:sym typeface="Wingdings" panose="05000000000000000000" pitchFamily="2" charset="2"/>
+            </a:endParaRPr>
+          </a:p>
+        </p:txBody>
+      </p:sp>
+      <p:sp>
+        <p:nvSpPr>
+          <p:cNvPr id="4" name="頁尾版面配置區 3">
+            <a:extLst>
+              <a:ext uri="{FF2B5EF4-FFF2-40B4-BE49-F238E27FC236}">
+                <a16:creationId xmlns:a16="http://schemas.microsoft.com/office/drawing/2014/main" id="{F27157E0-4972-47AE-BAEE-01518FBF20C6}"/>
+              </a:ext>
+            </a:extLst>
+          </p:cNvPr>
+          <p:cNvSpPr>
+            <a:spLocks noGrp="1"/>
+          </p:cNvSpPr>
+          <p:nvPr>
+            <p:ph type="ftr" sz="quarter" idx="11"/>
+          </p:nvPr>
+        </p:nvSpPr>
+        <p:spPr/>
+        <p:txBody>
+          <a:bodyPr/>
+          <a:lstStyle/>
+          <a:p>
+            <a:r>
+              <a:rPr lang="en-US" altLang="zh-TW"/>
+              <a:t>104</a:t>
+            </a:r>
+            <a:r>
+              <a:rPr lang="zh-TW" altLang="en-US"/>
+              <a:t>人資學院  </a:t>
+            </a:r>
+            <a:r>
+              <a:rPr lang="en-US" altLang="zh-TW"/>
+              <a:t>All Rights Reserved</a:t>
+            </a:r>
+            <a:endParaRPr lang="zh-TW" altLang="en-US"/>
+          </a:p>
+        </p:txBody>
+      </p:sp>
+      <p:pic>
+        <p:nvPicPr>
+          <p:cNvPr id="5" name="圖片 4">
+            <a:extLst>
+              <a:ext uri="{FF2B5EF4-FFF2-40B4-BE49-F238E27FC236}">
+                <a16:creationId xmlns:a16="http://schemas.microsoft.com/office/drawing/2014/main" id="{35A7F754-E147-45E8-8627-5B09F096336F}"/>
+              </a:ext>
+            </a:extLst>
+          </p:cNvPr>
+          <p:cNvPicPr>
+            <a:picLocks noChangeAspect="1"/>
+          </p:cNvPicPr>
+          <p:nvPr/>
+        </p:nvPicPr>
+        <p:blipFill>
+          <a:blip r:embed="rId3"/>
+          <a:stretch>
+            <a:fillRect/>
+          </a:stretch>
+        </p:blipFill>
+        <p:spPr>
+          <a:xfrm>
+            <a:off x="228158" y="2564904"/>
+            <a:ext cx="8645615" cy="3743821"/>
+          </a:xfrm>
+          <a:prstGeom prst="rect">
+            <a:avLst/>
+          </a:prstGeom>
+        </p:spPr>
+      </p:pic>
+    </p:spTree>
+    <p:extLst>
+      <p:ext uri="{BB962C8B-B14F-4D97-AF65-F5344CB8AC3E}">
+        <p14:creationId xmlns:p14="http://schemas.microsoft.com/office/powerpoint/2010/main" val="909642701"/>
+      </p:ext>
+    </p:extLst>
+  </p:cSld>
+  <p:clrMapOvr>
+    <a:masterClrMapping/>
+  </p:clrMapOvr>
+</p:sld>
+</file>
+
+<file path=ppt/slides/slide11.xml><?xml version="1.0" encoding="utf-8"?>
+<p:sld xmlns:a="http://schemas.openxmlformats.org/drawingml/2006/main" xmlns:r="http://schemas.openxmlformats.org/officeDocument/2006/relationships" xmlns:p="http://schemas.openxmlformats.org/presentationml/2006/main">
+  <p:cSld>
+    <p:spTree>
+      <p:nvGrpSpPr>
+        <p:cNvPr id="1" name=""/>
+        <p:cNvGrpSpPr/>
+        <p:nvPr/>
+      </p:nvGrpSpPr>
+      <p:grpSpPr>
+        <a:xfrm>
+          <a:off x="0" y="0"/>
+          <a:ext cx="0" cy="0"/>
+          <a:chOff x="0" y="0"/>
+          <a:chExt cx="0" cy="0"/>
+        </a:xfrm>
+      </p:grpSpPr>
+      <p:sp>
+        <p:nvSpPr>
+          <p:cNvPr id="2" name="標題 1">
+            <a:extLst>
+              <a:ext uri="{FF2B5EF4-FFF2-40B4-BE49-F238E27FC236}">
+                <a16:creationId xmlns:a16="http://schemas.microsoft.com/office/drawing/2014/main" id="{1765C254-721E-4166-AA1E-F93E7AD9AEF6}"/>
+              </a:ext>
+            </a:extLst>
+          </p:cNvPr>
+          <p:cNvSpPr>
+            <a:spLocks noGrp="1"/>
+          </p:cNvSpPr>
+          <p:nvPr>
+            <p:ph type="title"/>
+          </p:nvPr>
+        </p:nvSpPr>
+        <p:spPr/>
+        <p:txBody>
+          <a:bodyPr/>
+          <a:lstStyle/>
+          <a:p>
+            <a:r>
+              <a:rPr lang="en-US" altLang="zh-TW" dirty="0" err="1"/>
+              <a:t>Async.Waterfall</a:t>
+            </a:r>
+            <a:r>
+              <a:rPr lang="en-US" altLang="zh-TW" dirty="0"/>
+              <a:t> </a:t>
+            </a:r>
+            <a:endParaRPr lang="zh-TW" altLang="en-US" dirty="0"/>
+          </a:p>
+        </p:txBody>
+      </p:sp>
+      <p:sp>
+        <p:nvSpPr>
+          <p:cNvPr id="3" name="內容版面配置區 2">
+            <a:extLst>
+              <a:ext uri="{FF2B5EF4-FFF2-40B4-BE49-F238E27FC236}">
+                <a16:creationId xmlns:a16="http://schemas.microsoft.com/office/drawing/2014/main" id="{6C92636B-C021-4799-85C3-9700D8CBB79B}"/>
+              </a:ext>
+            </a:extLst>
+          </p:cNvPr>
+          <p:cNvSpPr>
+            <a:spLocks noGrp="1"/>
+          </p:cNvSpPr>
+          <p:nvPr>
+            <p:ph idx="1"/>
+          </p:nvPr>
+        </p:nvSpPr>
+        <p:spPr/>
+        <p:txBody>
+          <a:bodyPr/>
+          <a:lstStyle/>
+          <a:p>
+            <a:r>
+              <a:rPr lang="en-US" altLang="zh-TW" dirty="0">
+                <a:sym typeface="Wingdings" panose="05000000000000000000" pitchFamily="2" charset="2"/>
+              </a:rPr>
+              <a:t>/Ehrms2portal_SC/api-auth-acPwdRule.js LINE </a:t>
+            </a:r>
+            <a:r>
+              <a:rPr lang="en-US" altLang="zh-TW" dirty="0">
+                <a:sym typeface="Wingdings" panose="05000000000000000000" pitchFamily="2" charset="2"/>
+                <a:hlinkClick r:id="rId2"/>
+              </a:rPr>
+              <a:t>531</a:t>
+            </a:r>
+            <a:br>
+              <a:rPr lang="en-US" altLang="zh-TW" dirty="0">
+                <a:sym typeface="Wingdings" panose="05000000000000000000" pitchFamily="2" charset="2"/>
+              </a:rPr>
+            </a:br>
+            <a:br>
+              <a:rPr lang="en-US" altLang="zh-TW" dirty="0">
+                <a:sym typeface="Wingdings" panose="05000000000000000000" pitchFamily="2" charset="2"/>
+              </a:rPr>
+            </a:br>
+            <a:endParaRPr lang="en-US" altLang="zh-TW" dirty="0">
+              <a:sym typeface="Wingdings" panose="05000000000000000000" pitchFamily="2" charset="2"/>
+            </a:endParaRPr>
+          </a:p>
+          <a:p>
+            <a:endParaRPr lang="zh-TW" altLang="en-US" dirty="0"/>
+          </a:p>
+        </p:txBody>
+      </p:sp>
+      <p:sp>
+        <p:nvSpPr>
+          <p:cNvPr id="4" name="頁尾版面配置區 3">
+            <a:extLst>
+              <a:ext uri="{FF2B5EF4-FFF2-40B4-BE49-F238E27FC236}">
+                <a16:creationId xmlns:a16="http://schemas.microsoft.com/office/drawing/2014/main" id="{B4E2C0EB-CD7F-4DE2-AAF7-9F290C4E6697}"/>
+              </a:ext>
+            </a:extLst>
+          </p:cNvPr>
+          <p:cNvSpPr>
+            <a:spLocks noGrp="1"/>
+          </p:cNvSpPr>
+          <p:nvPr>
+            <p:ph type="ftr" sz="quarter" idx="11"/>
+          </p:nvPr>
+        </p:nvSpPr>
+        <p:spPr/>
+        <p:txBody>
+          <a:bodyPr/>
+          <a:lstStyle/>
+          <a:p>
+            <a:r>
+              <a:rPr lang="en-US" altLang="zh-TW"/>
+              <a:t>104</a:t>
+            </a:r>
+            <a:r>
+              <a:rPr lang="zh-TW" altLang="en-US"/>
+              <a:t>人資學院  </a:t>
+            </a:r>
+            <a:r>
+              <a:rPr lang="en-US" altLang="zh-TW"/>
+              <a:t>All Rights Reserved</a:t>
+            </a:r>
+            <a:endParaRPr lang="zh-TW" altLang="en-US"/>
+          </a:p>
+        </p:txBody>
+      </p:sp>
+      <p:pic>
+        <p:nvPicPr>
+          <p:cNvPr id="5" name="圖片 4">
+            <a:extLst>
+              <a:ext uri="{FF2B5EF4-FFF2-40B4-BE49-F238E27FC236}">
+                <a16:creationId xmlns:a16="http://schemas.microsoft.com/office/drawing/2014/main" id="{33488B55-F97A-4C63-921A-A7408E2D6A35}"/>
+              </a:ext>
+            </a:extLst>
+          </p:cNvPr>
+          <p:cNvPicPr>
+            <a:picLocks noChangeAspect="1"/>
+          </p:cNvPicPr>
+          <p:nvPr/>
+        </p:nvPicPr>
+        <p:blipFill>
+          <a:blip r:embed="rId3"/>
+          <a:stretch>
+            <a:fillRect/>
+          </a:stretch>
+        </p:blipFill>
+        <p:spPr>
+          <a:xfrm>
+            <a:off x="533005" y="2852936"/>
+            <a:ext cx="8153796" cy="3530848"/>
+          </a:xfrm>
+          <a:prstGeom prst="rect">
+            <a:avLst/>
+          </a:prstGeom>
+        </p:spPr>
+      </p:pic>
+    </p:spTree>
+    <p:extLst>
+      <p:ext uri="{BB962C8B-B14F-4D97-AF65-F5344CB8AC3E}">
+        <p14:creationId xmlns:p14="http://schemas.microsoft.com/office/powerpoint/2010/main" val="1886309669"/>
+      </p:ext>
+    </p:extLst>
+  </p:cSld>
+  <p:clrMapOvr>
+    <a:masterClrMapping/>
+  </p:clrMapOvr>
+</p:sld>
+</file>
+
+<file path=ppt/slides/slide12.xml><?xml version="1.0" encoding="utf-8"?>
+<p:sld xmlns:a="http://schemas.openxmlformats.org/drawingml/2006/main" xmlns:r="http://schemas.openxmlformats.org/officeDocument/2006/relationships" xmlns:p="http://schemas.openxmlformats.org/presentationml/2006/main">
+  <p:cSld>
+    <p:spTree>
+      <p:nvGrpSpPr>
+        <p:cNvPr id="1" name=""/>
+        <p:cNvGrpSpPr/>
+        <p:nvPr/>
+      </p:nvGrpSpPr>
+      <p:grpSpPr>
+        <a:xfrm>
+          <a:off x="0" y="0"/>
+          <a:ext cx="0" cy="0"/>
+          <a:chOff x="0" y="0"/>
+          <a:chExt cx="0" cy="0"/>
+        </a:xfrm>
+      </p:grpSpPr>
+      <p:sp>
+        <p:nvSpPr>
+          <p:cNvPr id="2" name="標題 1">
+            <a:extLst>
+              <a:ext uri="{FF2B5EF4-FFF2-40B4-BE49-F238E27FC236}">
+                <a16:creationId xmlns:a16="http://schemas.microsoft.com/office/drawing/2014/main" id="{647F4C66-668A-4D8A-8F51-F198A2B4C458}"/>
+              </a:ext>
+            </a:extLst>
+          </p:cNvPr>
+          <p:cNvSpPr>
+            <a:spLocks noGrp="1"/>
+          </p:cNvSpPr>
+          <p:nvPr>
+            <p:ph type="title"/>
+          </p:nvPr>
+        </p:nvSpPr>
+        <p:spPr/>
+        <p:txBody>
+          <a:bodyPr/>
+          <a:lstStyle/>
+          <a:p>
+            <a:r>
+              <a:rPr lang="en-US" altLang="zh-TW" dirty="0"/>
+              <a:t>ASYNC</a:t>
+            </a:r>
+            <a:r>
+              <a:rPr lang="zh-TW" altLang="en-US" dirty="0"/>
+              <a:t>整理</a:t>
+            </a:r>
+          </a:p>
+        </p:txBody>
+      </p:sp>
+      <p:sp>
+        <p:nvSpPr>
+          <p:cNvPr id="3" name="內容版面配置區 2">
+            <a:extLst>
+              <a:ext uri="{FF2B5EF4-FFF2-40B4-BE49-F238E27FC236}">
+                <a16:creationId xmlns:a16="http://schemas.microsoft.com/office/drawing/2014/main" id="{67B283EE-D519-443B-B399-B4DAAC0EE76D}"/>
+              </a:ext>
+            </a:extLst>
+          </p:cNvPr>
+          <p:cNvSpPr>
+            <a:spLocks noGrp="1"/>
+          </p:cNvSpPr>
+          <p:nvPr>
+            <p:ph idx="1"/>
+          </p:nvPr>
+        </p:nvSpPr>
+        <p:spPr/>
+        <p:txBody>
+          <a:bodyPr/>
+          <a:lstStyle/>
+          <a:p>
+            <a:r>
+              <a:rPr lang="en-US" altLang="zh-TW" dirty="0" err="1"/>
+              <a:t>CallBack</a:t>
+            </a:r>
+            <a:r>
+              <a:rPr lang="en-US" altLang="zh-TW" dirty="0"/>
+              <a:t> </a:t>
+            </a:r>
+            <a:r>
+              <a:rPr lang="zh-TW" altLang="en-US" dirty="0"/>
+              <a:t>是</a:t>
+            </a:r>
+            <a:r>
+              <a:rPr lang="en-US" altLang="zh-TW" dirty="0" err="1"/>
+              <a:t>js</a:t>
+            </a:r>
+            <a:r>
+              <a:rPr lang="zh-TW" altLang="en-US" dirty="0"/>
+              <a:t>在處理</a:t>
+            </a:r>
+            <a:r>
+              <a:rPr lang="en-US" altLang="zh-TW" dirty="0"/>
+              <a:t>non-</a:t>
+            </a:r>
+            <a:r>
+              <a:rPr lang="en-US" altLang="zh-TW" dirty="0" err="1"/>
+              <a:t>blockin</a:t>
+            </a:r>
+            <a:r>
+              <a:rPr lang="zh-TW" altLang="en-US" dirty="0"/>
+              <a:t>的設計方式</a:t>
+            </a:r>
+            <a:r>
+              <a:rPr lang="en-US" altLang="zh-TW" dirty="0"/>
+              <a:t>(</a:t>
+            </a:r>
+            <a:r>
+              <a:rPr lang="en-US" altLang="zh-TW" dirty="0" err="1"/>
+              <a:t>async</a:t>
+            </a:r>
+            <a:r>
+              <a:rPr lang="en-US" altLang="zh-TW" dirty="0"/>
+              <a:t>)</a:t>
+            </a:r>
+          </a:p>
+          <a:p>
+            <a:r>
+              <a:rPr lang="zh-TW" altLang="en-US" dirty="0"/>
+              <a:t>解決</a:t>
+            </a:r>
+            <a:r>
+              <a:rPr lang="en-US" altLang="zh-TW" dirty="0" err="1"/>
+              <a:t>CallBack</a:t>
+            </a:r>
+            <a:r>
+              <a:rPr lang="zh-TW" altLang="en-US" dirty="0"/>
+              <a:t> </a:t>
+            </a:r>
+            <a:r>
+              <a:rPr lang="en-US" altLang="zh-TW" dirty="0"/>
+              <a:t>Hell</a:t>
+            </a:r>
+          </a:p>
+          <a:p>
+            <a:pPr lvl="1"/>
+            <a:r>
+              <a:rPr lang="en-US" altLang="zh-TW" dirty="0"/>
+              <a:t>ES6 </a:t>
+            </a:r>
+            <a:r>
+              <a:rPr lang="en-US" altLang="zh-TW" dirty="0">
+                <a:sym typeface="Wingdings" panose="05000000000000000000" pitchFamily="2" charset="2"/>
+              </a:rPr>
+              <a:t> </a:t>
+            </a:r>
+            <a:r>
+              <a:rPr lang="en-US" altLang="zh-TW" dirty="0"/>
+              <a:t>promise</a:t>
+            </a:r>
+          </a:p>
+          <a:p>
+            <a:pPr lvl="1"/>
+            <a:r>
+              <a:rPr lang="en-US" altLang="zh-TW" dirty="0" err="1"/>
+              <a:t>Async</a:t>
+            </a:r>
+            <a:r>
+              <a:rPr lang="en-US" altLang="zh-TW" dirty="0"/>
+              <a:t> </a:t>
+            </a:r>
+            <a:r>
+              <a:rPr lang="en-US" altLang="zh-TW" dirty="0">
+                <a:sym typeface="Wingdings" panose="05000000000000000000" pitchFamily="2" charset="2"/>
+              </a:rPr>
+              <a:t> waterfall, each …</a:t>
+            </a:r>
+            <a:endParaRPr lang="en-US" altLang="zh-TW" dirty="0"/>
+          </a:p>
+          <a:p>
+            <a:pPr lvl="1"/>
+            <a:r>
+              <a:rPr lang="en-US" altLang="zh-TW" dirty="0"/>
+              <a:t>ES7 </a:t>
+            </a:r>
+            <a:r>
+              <a:rPr lang="en-US" altLang="zh-TW" dirty="0">
+                <a:sym typeface="Wingdings" panose="05000000000000000000" pitchFamily="2" charset="2"/>
+              </a:rPr>
+              <a:t> </a:t>
+            </a:r>
+            <a:r>
+              <a:rPr lang="en-US" altLang="zh-TW" dirty="0" err="1"/>
+              <a:t>async</a:t>
+            </a:r>
+            <a:r>
+              <a:rPr lang="en-US" altLang="zh-TW" dirty="0"/>
+              <a:t> await</a:t>
+            </a:r>
+          </a:p>
+          <a:p>
+            <a:pPr lvl="1"/>
+            <a:r>
+              <a:rPr lang="en-US" altLang="zh-TW" dirty="0" err="1"/>
+              <a:t>nodejs</a:t>
+            </a:r>
+            <a:r>
+              <a:rPr lang="en-US" altLang="zh-TW" dirty="0">
+                <a:sym typeface="Wingdings" panose="05000000000000000000" pitchFamily="2" charset="2"/>
+              </a:rPr>
+              <a:t>  </a:t>
+            </a:r>
+            <a:r>
+              <a:rPr lang="en-US" altLang="zh-TW" dirty="0" err="1">
+                <a:sym typeface="Wingdings" panose="05000000000000000000" pitchFamily="2" charset="2"/>
+              </a:rPr>
+              <a:t>promisify</a:t>
+            </a:r>
+            <a:endParaRPr lang="en-US" altLang="zh-TW" dirty="0"/>
+          </a:p>
+        </p:txBody>
+      </p:sp>
+      <p:sp>
+        <p:nvSpPr>
+          <p:cNvPr id="4" name="頁尾版面配置區 3">
+            <a:extLst>
+              <a:ext uri="{FF2B5EF4-FFF2-40B4-BE49-F238E27FC236}">
+                <a16:creationId xmlns:a16="http://schemas.microsoft.com/office/drawing/2014/main" id="{06890AFF-36AE-4479-A2BD-6831DAAAB459}"/>
+              </a:ext>
+            </a:extLst>
+          </p:cNvPr>
+          <p:cNvSpPr>
+            <a:spLocks noGrp="1"/>
+          </p:cNvSpPr>
+          <p:nvPr>
+            <p:ph type="ftr" sz="quarter" idx="11"/>
+          </p:nvPr>
+        </p:nvSpPr>
+        <p:spPr/>
+        <p:txBody>
+          <a:bodyPr/>
+          <a:lstStyle/>
+          <a:p>
+            <a:r>
+              <a:rPr lang="en-US" altLang="zh-TW"/>
+              <a:t>104</a:t>
+            </a:r>
+            <a:r>
+              <a:rPr lang="zh-TW" altLang="en-US"/>
+              <a:t>人資學院  </a:t>
+            </a:r>
+            <a:r>
+              <a:rPr lang="en-US" altLang="zh-TW"/>
+              <a:t>All Rights Reserved</a:t>
+            </a:r>
+            <a:endParaRPr lang="zh-TW" altLang="en-US"/>
+          </a:p>
+        </p:txBody>
+      </p:sp>
+    </p:spTree>
+    <p:extLst>
+      <p:ext uri="{BB962C8B-B14F-4D97-AF65-F5344CB8AC3E}">
+        <p14:creationId xmlns:p14="http://schemas.microsoft.com/office/powerpoint/2010/main" val="477108725"/>
+      </p:ext>
+    </p:extLst>
+  </p:cSld>
+  <p:clrMapOvr>
+    <a:masterClrMapping/>
+  </p:clrMapOvr>
+</p:sld>
+</file>
+
+<file path=ppt/slides/slide13.xml><?xml version="1.0" encoding="utf-8"?>
+<p:sld xmlns:a="http://schemas.openxmlformats.org/drawingml/2006/main" xmlns:r="http://schemas.openxmlformats.org/officeDocument/2006/relationships" xmlns:p="http://schemas.openxmlformats.org/presentationml/2006/main">
+  <p:cSld>
+    <p:spTree>
+      <p:nvGrpSpPr>
+        <p:cNvPr id="1" name=""/>
+        <p:cNvGrpSpPr/>
+        <p:nvPr/>
+      </p:nvGrpSpPr>
+      <p:grpSpPr>
+        <a:xfrm>
+          <a:off x="0" y="0"/>
+          <a:ext cx="0" cy="0"/>
+          <a:chOff x="0" y="0"/>
+          <a:chExt cx="0" cy="0"/>
+        </a:xfrm>
+      </p:grpSpPr>
+      <p:sp>
+        <p:nvSpPr>
+          <p:cNvPr id="2" name="標題 1">
+            <a:extLst>
+              <a:ext uri="{FF2B5EF4-FFF2-40B4-BE49-F238E27FC236}">
                 <a16:creationId xmlns:a16="http://schemas.microsoft.com/office/drawing/2014/main" id="{50FD158A-3005-4C2F-9E0B-172513459AB0}"/>
               </a:ext>
             </a:extLst>
@@ -4097,7 +4724,7 @@
 </p:sld>
 </file>
 
-<file path=ppt/slides/slide11.xml><?xml version="1.0" encoding="utf-8"?>
+<file path=ppt/slides/slide14.xml><?xml version="1.0" encoding="utf-8"?>
 <p:sld xmlns:a="http://schemas.openxmlformats.org/drawingml/2006/main" xmlns:r="http://schemas.openxmlformats.org/officeDocument/2006/relationships" xmlns:p="http://schemas.openxmlformats.org/presentationml/2006/main">
   <p:cSld>
     <p:spTree>
@@ -5223,6 +5850,471 @@
           <p:cNvPr id="2" name="標題 1">
             <a:extLst>
               <a:ext uri="{FF2B5EF4-FFF2-40B4-BE49-F238E27FC236}">
+                <a16:creationId xmlns:a16="http://schemas.microsoft.com/office/drawing/2014/main" id="{881671FE-17FB-4B91-8D15-9FF4FD321A79}"/>
+              </a:ext>
+            </a:extLst>
+          </p:cNvPr>
+          <p:cNvSpPr>
+            <a:spLocks noGrp="1"/>
+          </p:cNvSpPr>
+          <p:nvPr>
+            <p:ph type="title"/>
+          </p:nvPr>
+        </p:nvSpPr>
+        <p:spPr/>
+        <p:txBody>
+          <a:bodyPr/>
+          <a:lstStyle/>
+          <a:p>
+            <a:r>
+              <a:rPr lang="en-US" altLang="zh-TW" dirty="0"/>
+              <a:t>Git</a:t>
+            </a:r>
+            <a:r>
+              <a:rPr lang="zh-TW" altLang="en-US" dirty="0"/>
+              <a:t> 分散式管理</a:t>
+            </a:r>
+          </a:p>
+        </p:txBody>
+      </p:sp>
+      <p:pic>
+        <p:nvPicPr>
+          <p:cNvPr id="6" name="內容版面配置區 5">
+            <a:extLst>
+              <a:ext uri="{FF2B5EF4-FFF2-40B4-BE49-F238E27FC236}">
+                <a16:creationId xmlns:a16="http://schemas.microsoft.com/office/drawing/2014/main" id="{98AFC50C-92E5-49F7-A878-A917E0F6A6F4}"/>
+              </a:ext>
+            </a:extLst>
+          </p:cNvPr>
+          <p:cNvPicPr>
+            <a:picLocks noGrp="1" noChangeAspect="1"/>
+          </p:cNvPicPr>
+          <p:nvPr>
+            <p:ph idx="1"/>
+          </p:nvPr>
+        </p:nvPicPr>
+        <p:blipFill>
+          <a:blip r:embed="rId2" cstate="print">
+            <a:extLst>
+              <a:ext uri="{28A0092B-C50C-407E-A947-70E740481C1C}">
+                <a14:useLocalDpi xmlns:a14="http://schemas.microsoft.com/office/drawing/2010/main" val="0"/>
+              </a:ext>
+            </a:extLst>
+          </a:blip>
+          <a:stretch>
+            <a:fillRect/>
+          </a:stretch>
+        </p:blipFill>
+        <p:spPr>
+          <a:xfrm>
+            <a:off x="294150" y="2060848"/>
+            <a:ext cx="8555700" cy="2913296"/>
+          </a:xfrm>
+        </p:spPr>
+      </p:pic>
+      <p:sp>
+        <p:nvSpPr>
+          <p:cNvPr id="4" name="頁尾版面配置區 3">
+            <a:extLst>
+              <a:ext uri="{FF2B5EF4-FFF2-40B4-BE49-F238E27FC236}">
+                <a16:creationId xmlns:a16="http://schemas.microsoft.com/office/drawing/2014/main" id="{9AD946C6-9CE2-4E85-957B-A0FBA129C022}"/>
+              </a:ext>
+            </a:extLst>
+          </p:cNvPr>
+          <p:cNvSpPr>
+            <a:spLocks noGrp="1"/>
+          </p:cNvSpPr>
+          <p:nvPr>
+            <p:ph type="ftr" sz="quarter" idx="11"/>
+          </p:nvPr>
+        </p:nvSpPr>
+        <p:spPr/>
+        <p:txBody>
+          <a:bodyPr/>
+          <a:lstStyle/>
+          <a:p>
+            <a:r>
+              <a:rPr lang="en-US" altLang="zh-TW"/>
+              <a:t>104</a:t>
+            </a:r>
+            <a:r>
+              <a:rPr lang="zh-TW" altLang="en-US"/>
+              <a:t>人資學院  </a:t>
+            </a:r>
+            <a:r>
+              <a:rPr lang="en-US" altLang="zh-TW"/>
+              <a:t>All Rights Reserved</a:t>
+            </a:r>
+            <a:endParaRPr lang="zh-TW" altLang="en-US"/>
+          </a:p>
+        </p:txBody>
+      </p:sp>
+    </p:spTree>
+    <p:extLst>
+      <p:ext uri="{BB962C8B-B14F-4D97-AF65-F5344CB8AC3E}">
+        <p14:creationId xmlns:p14="http://schemas.microsoft.com/office/powerpoint/2010/main" val="1778109297"/>
+      </p:ext>
+    </p:extLst>
+  </p:cSld>
+  <p:clrMapOvr>
+    <a:masterClrMapping/>
+  </p:clrMapOvr>
+</p:sld>
+</file>
+
+<file path=ppt/slides/slide7.xml><?xml version="1.0" encoding="utf-8"?>
+<p:sld xmlns:a="http://schemas.openxmlformats.org/drawingml/2006/main" xmlns:r="http://schemas.openxmlformats.org/officeDocument/2006/relationships" xmlns:p="http://schemas.openxmlformats.org/presentationml/2006/main">
+  <p:cSld>
+    <p:spTree>
+      <p:nvGrpSpPr>
+        <p:cNvPr id="1" name=""/>
+        <p:cNvGrpSpPr/>
+        <p:nvPr/>
+      </p:nvGrpSpPr>
+      <p:grpSpPr>
+        <a:xfrm>
+          <a:off x="0" y="0"/>
+          <a:ext cx="0" cy="0"/>
+          <a:chOff x="0" y="0"/>
+          <a:chExt cx="0" cy="0"/>
+        </a:xfrm>
+      </p:grpSpPr>
+      <p:sp>
+        <p:nvSpPr>
+          <p:cNvPr id="2" name="標題 1">
+            <a:extLst>
+              <a:ext uri="{FF2B5EF4-FFF2-40B4-BE49-F238E27FC236}">
+                <a16:creationId xmlns:a16="http://schemas.microsoft.com/office/drawing/2014/main" id="{0EFEFC5F-A149-46BF-A6D3-71032B891A76}"/>
+              </a:ext>
+            </a:extLst>
+          </p:cNvPr>
+          <p:cNvSpPr>
+            <a:spLocks noGrp="1"/>
+          </p:cNvSpPr>
+          <p:nvPr>
+            <p:ph type="title"/>
+          </p:nvPr>
+        </p:nvSpPr>
+        <p:spPr/>
+        <p:txBody>
+          <a:bodyPr/>
+          <a:lstStyle/>
+          <a:p>
+            <a:r>
+              <a:rPr lang="en-US" altLang="zh-TW" dirty="0"/>
+              <a:t>Git Branch</a:t>
+            </a:r>
+            <a:endParaRPr lang="zh-TW" altLang="en-US" dirty="0"/>
+          </a:p>
+        </p:txBody>
+      </p:sp>
+      <p:sp>
+        <p:nvSpPr>
+          <p:cNvPr id="4" name="頁尾版面配置區 3">
+            <a:extLst>
+              <a:ext uri="{FF2B5EF4-FFF2-40B4-BE49-F238E27FC236}">
+                <a16:creationId xmlns:a16="http://schemas.microsoft.com/office/drawing/2014/main" id="{FEBC89AA-B2FE-4B55-9B27-E16F0E3B9B0B}"/>
+              </a:ext>
+            </a:extLst>
+          </p:cNvPr>
+          <p:cNvSpPr>
+            <a:spLocks noGrp="1"/>
+          </p:cNvSpPr>
+          <p:nvPr>
+            <p:ph type="ftr" sz="quarter" idx="11"/>
+          </p:nvPr>
+        </p:nvSpPr>
+        <p:spPr/>
+        <p:txBody>
+          <a:bodyPr/>
+          <a:lstStyle/>
+          <a:p>
+            <a:r>
+              <a:rPr lang="en-US" altLang="zh-TW"/>
+              <a:t>104</a:t>
+            </a:r>
+            <a:r>
+              <a:rPr lang="zh-TW" altLang="en-US"/>
+              <a:t>人資學院  </a:t>
+            </a:r>
+            <a:r>
+              <a:rPr lang="en-US" altLang="zh-TW"/>
+              <a:t>All Rights Reserved</a:t>
+            </a:r>
+            <a:endParaRPr lang="zh-TW" altLang="en-US"/>
+          </a:p>
+        </p:txBody>
+      </p:sp>
+      <p:pic>
+        <p:nvPicPr>
+          <p:cNvPr id="6" name="內容版面配置區 5">
+            <a:extLst>
+              <a:ext uri="{FF2B5EF4-FFF2-40B4-BE49-F238E27FC236}">
+                <a16:creationId xmlns:a16="http://schemas.microsoft.com/office/drawing/2014/main" id="{51BB6CCA-66CF-4617-958B-CD4934199EF3}"/>
+              </a:ext>
+            </a:extLst>
+          </p:cNvPr>
+          <p:cNvPicPr>
+            <a:picLocks noGrp="1" noChangeAspect="1"/>
+          </p:cNvPicPr>
+          <p:nvPr>
+            <p:ph idx="1"/>
+          </p:nvPr>
+        </p:nvPicPr>
+        <p:blipFill>
+          <a:blip r:embed="rId2">
+            <a:extLst>
+              <a:ext uri="{28A0092B-C50C-407E-A947-70E740481C1C}">
+                <a14:useLocalDpi xmlns:a14="http://schemas.microsoft.com/office/drawing/2010/main" val="0"/>
+              </a:ext>
+            </a:extLst>
+          </a:blip>
+          <a:stretch>
+            <a:fillRect/>
+          </a:stretch>
+        </p:blipFill>
+        <p:spPr>
+          <a:xfrm>
+            <a:off x="1594869" y="1417638"/>
+            <a:ext cx="5436102" cy="1306076"/>
+          </a:xfrm>
+        </p:spPr>
+      </p:pic>
+      <p:pic>
+        <p:nvPicPr>
+          <p:cNvPr id="10" name="圖片 9">
+            <a:extLst>
+              <a:ext uri="{FF2B5EF4-FFF2-40B4-BE49-F238E27FC236}">
+                <a16:creationId xmlns:a16="http://schemas.microsoft.com/office/drawing/2014/main" id="{BB7D2301-2FCF-4E50-B12C-3A24DF060276}"/>
+              </a:ext>
+            </a:extLst>
+          </p:cNvPr>
+          <p:cNvPicPr>
+            <a:picLocks noChangeAspect="1"/>
+          </p:cNvPicPr>
+          <p:nvPr/>
+        </p:nvPicPr>
+        <p:blipFill>
+          <a:blip r:embed="rId3">
+            <a:extLst>
+              <a:ext uri="{28A0092B-C50C-407E-A947-70E740481C1C}">
+                <a14:useLocalDpi xmlns:a14="http://schemas.microsoft.com/office/drawing/2010/main" val="0"/>
+              </a:ext>
+            </a:extLst>
+          </a:blip>
+          <a:stretch>
+            <a:fillRect/>
+          </a:stretch>
+        </p:blipFill>
+        <p:spPr>
+          <a:xfrm>
+            <a:off x="1979712" y="3068960"/>
+            <a:ext cx="4666416" cy="3149831"/>
+          </a:xfrm>
+          <a:prstGeom prst="rect">
+            <a:avLst/>
+          </a:prstGeom>
+        </p:spPr>
+      </p:pic>
+    </p:spTree>
+    <p:extLst>
+      <p:ext uri="{BB962C8B-B14F-4D97-AF65-F5344CB8AC3E}">
+        <p14:creationId xmlns:p14="http://schemas.microsoft.com/office/powerpoint/2010/main" val="3891178806"/>
+      </p:ext>
+    </p:extLst>
+  </p:cSld>
+  <p:clrMapOvr>
+    <a:masterClrMapping/>
+  </p:clrMapOvr>
+</p:sld>
+</file>
+
+<file path=ppt/slides/slide8.xml><?xml version="1.0" encoding="utf-8"?>
+<p:sld xmlns:a="http://schemas.openxmlformats.org/drawingml/2006/main" xmlns:r="http://schemas.openxmlformats.org/officeDocument/2006/relationships" xmlns:p="http://schemas.openxmlformats.org/presentationml/2006/main">
+  <p:cSld>
+    <p:spTree>
+      <p:nvGrpSpPr>
+        <p:cNvPr id="1" name=""/>
+        <p:cNvGrpSpPr/>
+        <p:nvPr/>
+      </p:nvGrpSpPr>
+      <p:grpSpPr>
+        <a:xfrm>
+          <a:off x="0" y="0"/>
+          <a:ext cx="0" cy="0"/>
+          <a:chOff x="0" y="0"/>
+          <a:chExt cx="0" cy="0"/>
+        </a:xfrm>
+      </p:grpSpPr>
+      <p:sp>
+        <p:nvSpPr>
+          <p:cNvPr id="2" name="標題 1">
+            <a:extLst>
+              <a:ext uri="{FF2B5EF4-FFF2-40B4-BE49-F238E27FC236}">
+                <a16:creationId xmlns:a16="http://schemas.microsoft.com/office/drawing/2014/main" id="{9A83B037-71A1-404A-84BF-15AA5488A60F}"/>
+              </a:ext>
+            </a:extLst>
+          </p:cNvPr>
+          <p:cNvSpPr>
+            <a:spLocks noGrp="1"/>
+          </p:cNvSpPr>
+          <p:nvPr>
+            <p:ph type="title"/>
+          </p:nvPr>
+        </p:nvSpPr>
+        <p:spPr/>
+        <p:txBody>
+          <a:bodyPr/>
+          <a:lstStyle/>
+          <a:p>
+            <a:r>
+              <a:rPr lang="en-US" altLang="zh-TW" dirty="0"/>
+              <a:t>Git clone</a:t>
+            </a:r>
+            <a:endParaRPr lang="zh-TW" altLang="en-US" dirty="0"/>
+          </a:p>
+        </p:txBody>
+      </p:sp>
+      <p:sp>
+        <p:nvSpPr>
+          <p:cNvPr id="3" name="內容版面配置區 2">
+            <a:extLst>
+              <a:ext uri="{FF2B5EF4-FFF2-40B4-BE49-F238E27FC236}">
+                <a16:creationId xmlns:a16="http://schemas.microsoft.com/office/drawing/2014/main" id="{2CF5E14C-CA2E-4EC8-A498-C612918104A1}"/>
+              </a:ext>
+            </a:extLst>
+          </p:cNvPr>
+          <p:cNvSpPr>
+            <a:spLocks noGrp="1"/>
+          </p:cNvSpPr>
+          <p:nvPr>
+            <p:ph idx="1"/>
+          </p:nvPr>
+        </p:nvSpPr>
+        <p:spPr/>
+        <p:txBody>
+          <a:bodyPr>
+            <a:normAutofit/>
+          </a:bodyPr>
+          <a:lstStyle/>
+          <a:p>
+            <a:r>
+              <a:rPr lang="en-US" altLang="zh-TW" dirty="0"/>
+              <a:t>git clone &lt;path&gt;</a:t>
+            </a:r>
+          </a:p>
+          <a:p>
+            <a:endParaRPr lang="en-US" altLang="zh-TW" dirty="0"/>
+          </a:p>
+          <a:p>
+            <a:r>
+              <a:rPr lang="en-US" altLang="zh-TW" dirty="0"/>
+              <a:t>git </a:t>
+            </a:r>
+            <a:r>
+              <a:rPr lang="en-US" altLang="zh-TW" dirty="0" err="1"/>
+              <a:t>init</a:t>
+            </a:r>
+            <a:endParaRPr lang="en-US" altLang="zh-TW" dirty="0"/>
+          </a:p>
+          <a:p>
+            <a:r>
+              <a:rPr lang="en-US" altLang="zh-TW" dirty="0"/>
+              <a:t>git remote add origin &lt;path&gt;</a:t>
+            </a:r>
+          </a:p>
+          <a:p>
+            <a:r>
+              <a:rPr lang="en-US" altLang="zh-TW" dirty="0"/>
+              <a:t>git checkout –b master</a:t>
+            </a:r>
+          </a:p>
+          <a:p>
+            <a:r>
+              <a:rPr lang="en-US" altLang="zh-TW" dirty="0"/>
+              <a:t>git branch –u origin master</a:t>
+            </a:r>
+          </a:p>
+          <a:p>
+            <a:r>
+              <a:rPr lang="en-US" altLang="zh-TW" dirty="0"/>
+              <a:t>git pull</a:t>
+            </a:r>
+          </a:p>
+        </p:txBody>
+      </p:sp>
+      <p:sp>
+        <p:nvSpPr>
+          <p:cNvPr id="4" name="頁尾版面配置區 3">
+            <a:extLst>
+              <a:ext uri="{FF2B5EF4-FFF2-40B4-BE49-F238E27FC236}">
+                <a16:creationId xmlns:a16="http://schemas.microsoft.com/office/drawing/2014/main" id="{0A2E904B-9214-4F78-A947-A210A6AB43B2}"/>
+              </a:ext>
+            </a:extLst>
+          </p:cNvPr>
+          <p:cNvSpPr>
+            <a:spLocks noGrp="1"/>
+          </p:cNvSpPr>
+          <p:nvPr>
+            <p:ph type="ftr" sz="quarter" idx="11"/>
+          </p:nvPr>
+        </p:nvSpPr>
+        <p:spPr/>
+        <p:txBody>
+          <a:bodyPr/>
+          <a:lstStyle/>
+          <a:p>
+            <a:r>
+              <a:rPr lang="en-US" altLang="zh-TW"/>
+              <a:t>104</a:t>
+            </a:r>
+            <a:r>
+              <a:rPr lang="zh-TW" altLang="en-US"/>
+              <a:t>人資學院  </a:t>
+            </a:r>
+            <a:r>
+              <a:rPr lang="en-US" altLang="zh-TW"/>
+              <a:t>All Rights Reserved</a:t>
+            </a:r>
+            <a:endParaRPr lang="zh-TW" altLang="en-US"/>
+          </a:p>
+        </p:txBody>
+      </p:sp>
+    </p:spTree>
+    <p:extLst>
+      <p:ext uri="{BB962C8B-B14F-4D97-AF65-F5344CB8AC3E}">
+        <p14:creationId xmlns:p14="http://schemas.microsoft.com/office/powerpoint/2010/main" val="947446790"/>
+      </p:ext>
+    </p:extLst>
+  </p:cSld>
+  <p:clrMapOvr>
+    <a:masterClrMapping/>
+  </p:clrMapOvr>
+</p:sld>
+</file>
+
+<file path=ppt/slides/slide9.xml><?xml version="1.0" encoding="utf-8"?>
+<p:sld xmlns:a="http://schemas.openxmlformats.org/drawingml/2006/main" xmlns:r="http://schemas.openxmlformats.org/officeDocument/2006/relationships" xmlns:p="http://schemas.openxmlformats.org/presentationml/2006/main">
+  <p:cSld>
+    <p:spTree>
+      <p:nvGrpSpPr>
+        <p:cNvPr id="1" name=""/>
+        <p:cNvGrpSpPr/>
+        <p:nvPr/>
+      </p:nvGrpSpPr>
+      <p:grpSpPr>
+        <a:xfrm>
+          <a:off x="0" y="0"/>
+          <a:ext cx="0" cy="0"/>
+          <a:chOff x="0" y="0"/>
+          <a:chExt cx="0" cy="0"/>
+        </a:xfrm>
+      </p:grpSpPr>
+      <p:sp>
+        <p:nvSpPr>
+          <p:cNvPr id="2" name="標題 1">
+            <a:extLst>
+              <a:ext uri="{FF2B5EF4-FFF2-40B4-BE49-F238E27FC236}">
                 <a16:creationId xmlns:a16="http://schemas.microsoft.com/office/drawing/2014/main" id="{1F53BFC4-38C1-46A5-8967-4D5F3CB1B717}"/>
               </a:ext>
             </a:extLst>
@@ -5367,630 +6459,6 @@
     <p:extLst>
       <p:ext uri="{BB962C8B-B14F-4D97-AF65-F5344CB8AC3E}">
         <p14:creationId xmlns:p14="http://schemas.microsoft.com/office/powerpoint/2010/main" val="280376510"/>
-      </p:ext>
-    </p:extLst>
-  </p:cSld>
-  <p:clrMapOvr>
-    <a:masterClrMapping/>
-  </p:clrMapOvr>
-</p:sld>
-</file>
-
-<file path=ppt/slides/slide7.xml><?xml version="1.0" encoding="utf-8"?>
-<p:sld xmlns:a="http://schemas.openxmlformats.org/drawingml/2006/main" xmlns:r="http://schemas.openxmlformats.org/officeDocument/2006/relationships" xmlns:p="http://schemas.openxmlformats.org/presentationml/2006/main">
-  <p:cSld>
-    <p:spTree>
-      <p:nvGrpSpPr>
-        <p:cNvPr id="1" name=""/>
-        <p:cNvGrpSpPr/>
-        <p:nvPr/>
-      </p:nvGrpSpPr>
-      <p:grpSpPr>
-        <a:xfrm>
-          <a:off x="0" y="0"/>
-          <a:ext cx="0" cy="0"/>
-          <a:chOff x="0" y="0"/>
-          <a:chExt cx="0" cy="0"/>
-        </a:xfrm>
-      </p:grpSpPr>
-      <p:sp>
-        <p:nvSpPr>
-          <p:cNvPr id="2" name="標題 1">
-            <a:extLst>
-              <a:ext uri="{FF2B5EF4-FFF2-40B4-BE49-F238E27FC236}">
-                <a16:creationId xmlns:a16="http://schemas.microsoft.com/office/drawing/2014/main" id="{51841209-40F9-48A5-9D1B-ED5369596D62}"/>
-              </a:ext>
-            </a:extLst>
-          </p:cNvPr>
-          <p:cNvSpPr>
-            <a:spLocks noGrp="1"/>
-          </p:cNvSpPr>
-          <p:nvPr>
-            <p:ph type="title"/>
-          </p:nvPr>
-        </p:nvSpPr>
-        <p:spPr/>
-        <p:txBody>
-          <a:bodyPr/>
-          <a:lstStyle/>
-          <a:p>
-            <a:r>
-              <a:rPr lang="en-US" altLang="zh-TW" dirty="0" err="1"/>
-              <a:t>Async</a:t>
-            </a:r>
-            <a:r>
-              <a:rPr lang="en-US" altLang="zh-TW" dirty="0"/>
-              <a:t> try-catch-finally</a:t>
-            </a:r>
-            <a:endParaRPr lang="zh-TW" altLang="en-US" dirty="0"/>
-          </a:p>
-        </p:txBody>
-      </p:sp>
-      <p:sp>
-        <p:nvSpPr>
-          <p:cNvPr id="3" name="內容版面配置區 2">
-            <a:extLst>
-              <a:ext uri="{FF2B5EF4-FFF2-40B4-BE49-F238E27FC236}">
-                <a16:creationId xmlns:a16="http://schemas.microsoft.com/office/drawing/2014/main" id="{F478725F-0E0D-47B3-9E2B-1F4D255BF391}"/>
-              </a:ext>
-            </a:extLst>
-          </p:cNvPr>
-          <p:cNvSpPr>
-            <a:spLocks noGrp="1"/>
-          </p:cNvSpPr>
-          <p:nvPr>
-            <p:ph idx="1"/>
-          </p:nvPr>
-        </p:nvSpPr>
-        <p:spPr/>
-        <p:txBody>
-          <a:bodyPr/>
-          <a:lstStyle/>
-          <a:p>
-            <a:r>
-              <a:rPr lang="en-US" altLang="zh-TW" dirty="0">
-                <a:sym typeface="Wingdings" panose="05000000000000000000" pitchFamily="2" charset="2"/>
-              </a:rPr>
-              <a:t>/Ehrms2portal_SC/api-auth-acUser.js LINE </a:t>
-            </a:r>
-            <a:r>
-              <a:rPr lang="en-US" altLang="zh-TW" dirty="0">
-                <a:sym typeface="Wingdings" panose="05000000000000000000" pitchFamily="2" charset="2"/>
-                <a:hlinkClick r:id="rId2"/>
-              </a:rPr>
-              <a:t>954</a:t>
-            </a:r>
-            <a:br>
-              <a:rPr lang="en-US" altLang="zh-TW" dirty="0">
-                <a:sym typeface="Wingdings" panose="05000000000000000000" pitchFamily="2" charset="2"/>
-              </a:rPr>
-            </a:br>
-            <a:br>
-              <a:rPr lang="en-US" altLang="zh-TW" dirty="0">
-                <a:sym typeface="Wingdings" panose="05000000000000000000" pitchFamily="2" charset="2"/>
-              </a:rPr>
-            </a:br>
-            <a:endParaRPr lang="en-US" altLang="zh-TW" dirty="0">
-              <a:sym typeface="Wingdings" panose="05000000000000000000" pitchFamily="2" charset="2"/>
-            </a:endParaRPr>
-          </a:p>
-        </p:txBody>
-      </p:sp>
-      <p:sp>
-        <p:nvSpPr>
-          <p:cNvPr id="4" name="頁尾版面配置區 3">
-            <a:extLst>
-              <a:ext uri="{FF2B5EF4-FFF2-40B4-BE49-F238E27FC236}">
-                <a16:creationId xmlns:a16="http://schemas.microsoft.com/office/drawing/2014/main" id="{F27157E0-4972-47AE-BAEE-01518FBF20C6}"/>
-              </a:ext>
-            </a:extLst>
-          </p:cNvPr>
-          <p:cNvSpPr>
-            <a:spLocks noGrp="1"/>
-          </p:cNvSpPr>
-          <p:nvPr>
-            <p:ph type="ftr" sz="quarter" idx="11"/>
-          </p:nvPr>
-        </p:nvSpPr>
-        <p:spPr/>
-        <p:txBody>
-          <a:bodyPr/>
-          <a:lstStyle/>
-          <a:p>
-            <a:r>
-              <a:rPr lang="en-US" altLang="zh-TW"/>
-              <a:t>104</a:t>
-            </a:r>
-            <a:r>
-              <a:rPr lang="zh-TW" altLang="en-US"/>
-              <a:t>人資學院  </a:t>
-            </a:r>
-            <a:r>
-              <a:rPr lang="en-US" altLang="zh-TW"/>
-              <a:t>All Rights Reserved</a:t>
-            </a:r>
-            <a:endParaRPr lang="zh-TW" altLang="en-US"/>
-          </a:p>
-        </p:txBody>
-      </p:sp>
-      <p:pic>
-        <p:nvPicPr>
-          <p:cNvPr id="5" name="圖片 4">
-            <a:extLst>
-              <a:ext uri="{FF2B5EF4-FFF2-40B4-BE49-F238E27FC236}">
-                <a16:creationId xmlns:a16="http://schemas.microsoft.com/office/drawing/2014/main" id="{35A7F754-E147-45E8-8627-5B09F096336F}"/>
-              </a:ext>
-            </a:extLst>
-          </p:cNvPr>
-          <p:cNvPicPr>
-            <a:picLocks noChangeAspect="1"/>
-          </p:cNvPicPr>
-          <p:nvPr/>
-        </p:nvPicPr>
-        <p:blipFill>
-          <a:blip r:embed="rId3"/>
-          <a:stretch>
-            <a:fillRect/>
-          </a:stretch>
-        </p:blipFill>
-        <p:spPr>
-          <a:xfrm>
-            <a:off x="228158" y="2564904"/>
-            <a:ext cx="8645615" cy="3743821"/>
-          </a:xfrm>
-          <a:prstGeom prst="rect">
-            <a:avLst/>
-          </a:prstGeom>
-        </p:spPr>
-      </p:pic>
-    </p:spTree>
-    <p:extLst>
-      <p:ext uri="{BB962C8B-B14F-4D97-AF65-F5344CB8AC3E}">
-        <p14:creationId xmlns:p14="http://schemas.microsoft.com/office/powerpoint/2010/main" val="909642701"/>
-      </p:ext>
-    </p:extLst>
-  </p:cSld>
-  <p:clrMapOvr>
-    <a:masterClrMapping/>
-  </p:clrMapOvr>
-</p:sld>
-</file>
-
-<file path=ppt/slides/slide8.xml><?xml version="1.0" encoding="utf-8"?>
-<p:sld xmlns:a="http://schemas.openxmlformats.org/drawingml/2006/main" xmlns:r="http://schemas.openxmlformats.org/officeDocument/2006/relationships" xmlns:p="http://schemas.openxmlformats.org/presentationml/2006/main">
-  <p:cSld>
-    <p:spTree>
-      <p:nvGrpSpPr>
-        <p:cNvPr id="1" name=""/>
-        <p:cNvGrpSpPr/>
-        <p:nvPr/>
-      </p:nvGrpSpPr>
-      <p:grpSpPr>
-        <a:xfrm>
-          <a:off x="0" y="0"/>
-          <a:ext cx="0" cy="0"/>
-          <a:chOff x="0" y="0"/>
-          <a:chExt cx="0" cy="0"/>
-        </a:xfrm>
-      </p:grpSpPr>
-      <p:sp>
-        <p:nvSpPr>
-          <p:cNvPr id="2" name="標題 1">
-            <a:extLst>
-              <a:ext uri="{FF2B5EF4-FFF2-40B4-BE49-F238E27FC236}">
-                <a16:creationId xmlns:a16="http://schemas.microsoft.com/office/drawing/2014/main" id="{1765C254-721E-4166-AA1E-F93E7AD9AEF6}"/>
-              </a:ext>
-            </a:extLst>
-          </p:cNvPr>
-          <p:cNvSpPr>
-            <a:spLocks noGrp="1"/>
-          </p:cNvSpPr>
-          <p:nvPr>
-            <p:ph type="title"/>
-          </p:nvPr>
-        </p:nvSpPr>
-        <p:spPr/>
-        <p:txBody>
-          <a:bodyPr/>
-          <a:lstStyle/>
-          <a:p>
-            <a:r>
-              <a:rPr lang="en-US" altLang="zh-TW" dirty="0" err="1"/>
-              <a:t>Async.Waterfall</a:t>
-            </a:r>
-            <a:r>
-              <a:rPr lang="en-US" altLang="zh-TW" dirty="0"/>
-              <a:t> </a:t>
-            </a:r>
-            <a:endParaRPr lang="zh-TW" altLang="en-US" dirty="0"/>
-          </a:p>
-        </p:txBody>
-      </p:sp>
-      <p:sp>
-        <p:nvSpPr>
-          <p:cNvPr id="3" name="內容版面配置區 2">
-            <a:extLst>
-              <a:ext uri="{FF2B5EF4-FFF2-40B4-BE49-F238E27FC236}">
-                <a16:creationId xmlns:a16="http://schemas.microsoft.com/office/drawing/2014/main" id="{6C92636B-C021-4799-85C3-9700D8CBB79B}"/>
-              </a:ext>
-            </a:extLst>
-          </p:cNvPr>
-          <p:cNvSpPr>
-            <a:spLocks noGrp="1"/>
-          </p:cNvSpPr>
-          <p:nvPr>
-            <p:ph idx="1"/>
-          </p:nvPr>
-        </p:nvSpPr>
-        <p:spPr/>
-        <p:txBody>
-          <a:bodyPr/>
-          <a:lstStyle/>
-          <a:p>
-            <a:r>
-              <a:rPr lang="en-US" altLang="zh-TW" dirty="0">
-                <a:sym typeface="Wingdings" panose="05000000000000000000" pitchFamily="2" charset="2"/>
-              </a:rPr>
-              <a:t>/Ehrms2portal_SC/api-auth-acPwdRule.js LINE </a:t>
-            </a:r>
-            <a:r>
-              <a:rPr lang="en-US" altLang="zh-TW" dirty="0">
-                <a:sym typeface="Wingdings" panose="05000000000000000000" pitchFamily="2" charset="2"/>
-                <a:hlinkClick r:id="rId2"/>
-              </a:rPr>
-              <a:t>531</a:t>
-            </a:r>
-            <a:br>
-              <a:rPr lang="en-US" altLang="zh-TW" dirty="0">
-                <a:sym typeface="Wingdings" panose="05000000000000000000" pitchFamily="2" charset="2"/>
-              </a:rPr>
-            </a:br>
-            <a:br>
-              <a:rPr lang="en-US" altLang="zh-TW" dirty="0">
-                <a:sym typeface="Wingdings" panose="05000000000000000000" pitchFamily="2" charset="2"/>
-              </a:rPr>
-            </a:br>
-            <a:endParaRPr lang="en-US" altLang="zh-TW" dirty="0">
-              <a:sym typeface="Wingdings" panose="05000000000000000000" pitchFamily="2" charset="2"/>
-            </a:endParaRPr>
-          </a:p>
-          <a:p>
-            <a:endParaRPr lang="zh-TW" altLang="en-US" dirty="0"/>
-          </a:p>
-        </p:txBody>
-      </p:sp>
-      <p:sp>
-        <p:nvSpPr>
-          <p:cNvPr id="4" name="頁尾版面配置區 3">
-            <a:extLst>
-              <a:ext uri="{FF2B5EF4-FFF2-40B4-BE49-F238E27FC236}">
-                <a16:creationId xmlns:a16="http://schemas.microsoft.com/office/drawing/2014/main" id="{B4E2C0EB-CD7F-4DE2-AAF7-9F290C4E6697}"/>
-              </a:ext>
-            </a:extLst>
-          </p:cNvPr>
-          <p:cNvSpPr>
-            <a:spLocks noGrp="1"/>
-          </p:cNvSpPr>
-          <p:nvPr>
-            <p:ph type="ftr" sz="quarter" idx="11"/>
-          </p:nvPr>
-        </p:nvSpPr>
-        <p:spPr/>
-        <p:txBody>
-          <a:bodyPr/>
-          <a:lstStyle/>
-          <a:p>
-            <a:r>
-              <a:rPr lang="en-US" altLang="zh-TW"/>
-              <a:t>104</a:t>
-            </a:r>
-            <a:r>
-              <a:rPr lang="zh-TW" altLang="en-US"/>
-              <a:t>人資學院  </a:t>
-            </a:r>
-            <a:r>
-              <a:rPr lang="en-US" altLang="zh-TW"/>
-              <a:t>All Rights Reserved</a:t>
-            </a:r>
-            <a:endParaRPr lang="zh-TW" altLang="en-US"/>
-          </a:p>
-        </p:txBody>
-      </p:sp>
-      <p:pic>
-        <p:nvPicPr>
-          <p:cNvPr id="5" name="圖片 4">
-            <a:extLst>
-              <a:ext uri="{FF2B5EF4-FFF2-40B4-BE49-F238E27FC236}">
-                <a16:creationId xmlns:a16="http://schemas.microsoft.com/office/drawing/2014/main" id="{33488B55-F97A-4C63-921A-A7408E2D6A35}"/>
-              </a:ext>
-            </a:extLst>
-          </p:cNvPr>
-          <p:cNvPicPr>
-            <a:picLocks noChangeAspect="1"/>
-          </p:cNvPicPr>
-          <p:nvPr/>
-        </p:nvPicPr>
-        <p:blipFill>
-          <a:blip r:embed="rId3"/>
-          <a:stretch>
-            <a:fillRect/>
-          </a:stretch>
-        </p:blipFill>
-        <p:spPr>
-          <a:xfrm>
-            <a:off x="533005" y="2852936"/>
-            <a:ext cx="8153796" cy="3530848"/>
-          </a:xfrm>
-          <a:prstGeom prst="rect">
-            <a:avLst/>
-          </a:prstGeom>
-        </p:spPr>
-      </p:pic>
-    </p:spTree>
-    <p:extLst>
-      <p:ext uri="{BB962C8B-B14F-4D97-AF65-F5344CB8AC3E}">
-        <p14:creationId xmlns:p14="http://schemas.microsoft.com/office/powerpoint/2010/main" val="1886309669"/>
-      </p:ext>
-    </p:extLst>
-  </p:cSld>
-  <p:clrMapOvr>
-    <a:masterClrMapping/>
-  </p:clrMapOvr>
-</p:sld>
-</file>
-
-<file path=ppt/slides/slide9.xml><?xml version="1.0" encoding="utf-8"?>
-<p:sld xmlns:a="http://schemas.openxmlformats.org/drawingml/2006/main" xmlns:r="http://schemas.openxmlformats.org/officeDocument/2006/relationships" xmlns:p="http://schemas.openxmlformats.org/presentationml/2006/main">
-  <p:cSld>
-    <p:spTree>
-      <p:nvGrpSpPr>
-        <p:cNvPr id="1" name=""/>
-        <p:cNvGrpSpPr/>
-        <p:nvPr/>
-      </p:nvGrpSpPr>
-      <p:grpSpPr>
-        <a:xfrm>
-          <a:off x="0" y="0"/>
-          <a:ext cx="0" cy="0"/>
-          <a:chOff x="0" y="0"/>
-          <a:chExt cx="0" cy="0"/>
-        </a:xfrm>
-      </p:grpSpPr>
-      <p:sp>
-        <p:nvSpPr>
-          <p:cNvPr id="2" name="標題 1">
-            <a:extLst>
-              <a:ext uri="{FF2B5EF4-FFF2-40B4-BE49-F238E27FC236}">
-                <a16:creationId xmlns:a16="http://schemas.microsoft.com/office/drawing/2014/main" id="{647F4C66-668A-4D8A-8F51-F198A2B4C458}"/>
-              </a:ext>
-            </a:extLst>
-          </p:cNvPr>
-          <p:cNvSpPr>
-            <a:spLocks noGrp="1"/>
-          </p:cNvSpPr>
-          <p:nvPr>
-            <p:ph type="title"/>
-          </p:nvPr>
-        </p:nvSpPr>
-        <p:spPr/>
-        <p:txBody>
-          <a:bodyPr/>
-          <a:lstStyle/>
-          <a:p>
-            <a:r>
-              <a:rPr lang="en-US" altLang="zh-TW" dirty="0"/>
-              <a:t>ASYNC</a:t>
-            </a:r>
-            <a:r>
-              <a:rPr lang="zh-TW" altLang="en-US" dirty="0"/>
-              <a:t>整理</a:t>
-            </a:r>
-          </a:p>
-        </p:txBody>
-      </p:sp>
-      <p:sp>
-        <p:nvSpPr>
-          <p:cNvPr id="3" name="內容版面配置區 2">
-            <a:extLst>
-              <a:ext uri="{FF2B5EF4-FFF2-40B4-BE49-F238E27FC236}">
-                <a16:creationId xmlns:a16="http://schemas.microsoft.com/office/drawing/2014/main" id="{67B283EE-D519-443B-B399-B4DAAC0EE76D}"/>
-              </a:ext>
-            </a:extLst>
-          </p:cNvPr>
-          <p:cNvSpPr>
-            <a:spLocks noGrp="1"/>
-          </p:cNvSpPr>
-          <p:nvPr>
-            <p:ph idx="1"/>
-          </p:nvPr>
-        </p:nvSpPr>
-        <p:spPr/>
-        <p:txBody>
-          <a:bodyPr/>
-          <a:lstStyle/>
-          <a:p>
-            <a:r>
-              <a:rPr lang="en-US" altLang="zh-TW" dirty="0" err="1"/>
-              <a:t>CallBack</a:t>
-            </a:r>
-            <a:r>
-              <a:rPr lang="en-US" altLang="zh-TW" dirty="0"/>
-              <a:t> </a:t>
-            </a:r>
-            <a:r>
-              <a:rPr lang="zh-TW" altLang="en-US" dirty="0"/>
-              <a:t>是</a:t>
-            </a:r>
-            <a:r>
-              <a:rPr lang="en-US" altLang="zh-TW" dirty="0" err="1"/>
-              <a:t>js</a:t>
-            </a:r>
-            <a:r>
-              <a:rPr lang="zh-TW" altLang="en-US" dirty="0"/>
-              <a:t>在處理</a:t>
-            </a:r>
-            <a:r>
-              <a:rPr lang="en-US" altLang="zh-TW" dirty="0"/>
-              <a:t>non-</a:t>
-            </a:r>
-            <a:r>
-              <a:rPr lang="en-US" altLang="zh-TW" dirty="0" err="1"/>
-              <a:t>blockin</a:t>
-            </a:r>
-            <a:r>
-              <a:rPr lang="zh-TW" altLang="en-US" dirty="0"/>
-              <a:t>的設計方式</a:t>
-            </a:r>
-            <a:r>
-              <a:rPr lang="en-US" altLang="zh-TW" dirty="0"/>
-              <a:t>(</a:t>
-            </a:r>
-            <a:r>
-              <a:rPr lang="en-US" altLang="zh-TW" dirty="0" err="1"/>
-              <a:t>async</a:t>
-            </a:r>
-            <a:r>
-              <a:rPr lang="en-US" altLang="zh-TW" dirty="0"/>
-              <a:t>)</a:t>
-            </a:r>
-          </a:p>
-          <a:p>
-            <a:r>
-              <a:rPr lang="zh-TW" altLang="en-US" dirty="0"/>
-              <a:t>解決</a:t>
-            </a:r>
-            <a:r>
-              <a:rPr lang="en-US" altLang="zh-TW" dirty="0" err="1"/>
-              <a:t>CallBack</a:t>
-            </a:r>
-            <a:r>
-              <a:rPr lang="zh-TW" altLang="en-US" dirty="0"/>
-              <a:t> </a:t>
-            </a:r>
-            <a:r>
-              <a:rPr lang="en-US" altLang="zh-TW" dirty="0"/>
-              <a:t>Hell</a:t>
-            </a:r>
-          </a:p>
-          <a:p>
-            <a:pPr lvl="1"/>
-            <a:r>
-              <a:rPr lang="en-US" altLang="zh-TW" dirty="0"/>
-              <a:t>ES6 </a:t>
-            </a:r>
-            <a:r>
-              <a:rPr lang="en-US" altLang="zh-TW" dirty="0">
-                <a:sym typeface="Wingdings" panose="05000000000000000000" pitchFamily="2" charset="2"/>
-              </a:rPr>
-              <a:t> </a:t>
-            </a:r>
-            <a:r>
-              <a:rPr lang="en-US" altLang="zh-TW" dirty="0"/>
-              <a:t>promise</a:t>
-            </a:r>
-          </a:p>
-          <a:p>
-            <a:pPr lvl="1"/>
-            <a:r>
-              <a:rPr lang="en-US" altLang="zh-TW" dirty="0" err="1"/>
-              <a:t>Async</a:t>
-            </a:r>
-            <a:r>
-              <a:rPr lang="en-US" altLang="zh-TW" dirty="0"/>
-              <a:t> </a:t>
-            </a:r>
-            <a:r>
-              <a:rPr lang="en-US" altLang="zh-TW" dirty="0">
-                <a:sym typeface="Wingdings" panose="05000000000000000000" pitchFamily="2" charset="2"/>
-              </a:rPr>
-              <a:t> waterfall, each …</a:t>
-            </a:r>
-            <a:endParaRPr lang="en-US" altLang="zh-TW" dirty="0"/>
-          </a:p>
-          <a:p>
-            <a:pPr lvl="1"/>
-            <a:r>
-              <a:rPr lang="en-US" altLang="zh-TW" dirty="0"/>
-              <a:t>ES7 </a:t>
-            </a:r>
-            <a:r>
-              <a:rPr lang="en-US" altLang="zh-TW" dirty="0">
-                <a:sym typeface="Wingdings" panose="05000000000000000000" pitchFamily="2" charset="2"/>
-              </a:rPr>
-              <a:t> </a:t>
-            </a:r>
-            <a:r>
-              <a:rPr lang="en-US" altLang="zh-TW" dirty="0" err="1"/>
-              <a:t>async</a:t>
-            </a:r>
-            <a:r>
-              <a:rPr lang="en-US" altLang="zh-TW" dirty="0"/>
-              <a:t> await</a:t>
-            </a:r>
-          </a:p>
-          <a:p>
-            <a:pPr lvl="1"/>
-            <a:r>
-              <a:rPr lang="en-US" altLang="zh-TW" dirty="0" err="1"/>
-              <a:t>nodejs</a:t>
-            </a:r>
-            <a:r>
-              <a:rPr lang="en-US" altLang="zh-TW" dirty="0">
-                <a:sym typeface="Wingdings" panose="05000000000000000000" pitchFamily="2" charset="2"/>
-              </a:rPr>
-              <a:t>  </a:t>
-            </a:r>
-            <a:r>
-              <a:rPr lang="en-US" altLang="zh-TW" dirty="0" err="1">
-                <a:sym typeface="Wingdings" panose="05000000000000000000" pitchFamily="2" charset="2"/>
-              </a:rPr>
-              <a:t>promisify</a:t>
-            </a:r>
-            <a:endParaRPr lang="en-US" altLang="zh-TW" dirty="0"/>
-          </a:p>
-        </p:txBody>
-      </p:sp>
-      <p:sp>
-        <p:nvSpPr>
-          <p:cNvPr id="4" name="頁尾版面配置區 3">
-            <a:extLst>
-              <a:ext uri="{FF2B5EF4-FFF2-40B4-BE49-F238E27FC236}">
-                <a16:creationId xmlns:a16="http://schemas.microsoft.com/office/drawing/2014/main" id="{06890AFF-36AE-4479-A2BD-6831DAAAB459}"/>
-              </a:ext>
-            </a:extLst>
-          </p:cNvPr>
-          <p:cNvSpPr>
-            <a:spLocks noGrp="1"/>
-          </p:cNvSpPr>
-          <p:nvPr>
-            <p:ph type="ftr" sz="quarter" idx="11"/>
-          </p:nvPr>
-        </p:nvSpPr>
-        <p:spPr/>
-        <p:txBody>
-          <a:bodyPr/>
-          <a:lstStyle/>
-          <a:p>
-            <a:r>
-              <a:rPr lang="en-US" altLang="zh-TW"/>
-              <a:t>104</a:t>
-            </a:r>
-            <a:r>
-              <a:rPr lang="zh-TW" altLang="en-US"/>
-              <a:t>人資學院  </a:t>
-            </a:r>
-            <a:r>
-              <a:rPr lang="en-US" altLang="zh-TW"/>
-              <a:t>All Rights Reserved</a:t>
-            </a:r>
-            <a:endParaRPr lang="zh-TW" altLang="en-US"/>
-          </a:p>
-        </p:txBody>
-      </p:sp>
-    </p:spTree>
-    <p:extLst>
-      <p:ext uri="{BB962C8B-B14F-4D97-AF65-F5344CB8AC3E}">
-        <p14:creationId xmlns:p14="http://schemas.microsoft.com/office/powerpoint/2010/main" val="477108725"/>
       </p:ext>
     </p:extLst>
   </p:cSld>

--- a/2019_0627_Git_Share_HA.pptx
+++ b/2019_0627_Git_Share_HA.pptx
@@ -5,7 +5,7 @@
     <p:sldMasterId id="2147483648" r:id="rId1"/>
   </p:sldMasterIdLst>
   <p:notesMasterIdLst>
-    <p:notesMasterId r:id="rId16"/>
+    <p:notesMasterId r:id="rId18"/>
   </p:notesMasterIdLst>
   <p:sldIdLst>
     <p:sldId id="256" r:id="rId2"/>
@@ -16,12 +16,14 @@
     <p:sldId id="267" r:id="rId7"/>
     <p:sldId id="268" r:id="rId8"/>
     <p:sldId id="269" r:id="rId9"/>
-    <p:sldId id="260" r:id="rId10"/>
-    <p:sldId id="261" r:id="rId11"/>
-    <p:sldId id="262" r:id="rId12"/>
-    <p:sldId id="264" r:id="rId13"/>
-    <p:sldId id="263" r:id="rId14"/>
-    <p:sldId id="258" r:id="rId15"/>
+    <p:sldId id="270" r:id="rId10"/>
+    <p:sldId id="271" r:id="rId11"/>
+    <p:sldId id="260" r:id="rId12"/>
+    <p:sldId id="261" r:id="rId13"/>
+    <p:sldId id="262" r:id="rId14"/>
+    <p:sldId id="264" r:id="rId15"/>
+    <p:sldId id="263" r:id="rId16"/>
+    <p:sldId id="258" r:id="rId17"/>
   </p:sldIdLst>
   <p:sldSz cx="9144000" cy="6858000" type="screen4x3"/>
   <p:notesSz cx="6858000" cy="9144000"/>
@@ -3893,6 +3895,312 @@
           <p:cNvPr id="2" name="標題 1">
             <a:extLst>
               <a:ext uri="{FF2B5EF4-FFF2-40B4-BE49-F238E27FC236}">
+                <a16:creationId xmlns:a16="http://schemas.microsoft.com/office/drawing/2014/main" id="{F4C8D03F-7BF2-443A-B34B-E942512AB6D4}"/>
+              </a:ext>
+            </a:extLst>
+          </p:cNvPr>
+          <p:cNvSpPr>
+            <a:spLocks noGrp="1"/>
+          </p:cNvSpPr>
+          <p:nvPr>
+            <p:ph type="title"/>
+          </p:nvPr>
+        </p:nvSpPr>
+        <p:spPr/>
+        <p:txBody>
+          <a:bodyPr/>
+          <a:lstStyle/>
+          <a:p>
+            <a:r>
+              <a:rPr lang="en-US" altLang="zh-TW" dirty="0"/>
+              <a:t>commit</a:t>
+            </a:r>
+            <a:endParaRPr lang="zh-TW" altLang="en-US" dirty="0"/>
+          </a:p>
+        </p:txBody>
+      </p:sp>
+      <p:pic>
+        <p:nvPicPr>
+          <p:cNvPr id="6" name="內容版面配置區 5">
+            <a:extLst>
+              <a:ext uri="{FF2B5EF4-FFF2-40B4-BE49-F238E27FC236}">
+                <a16:creationId xmlns:a16="http://schemas.microsoft.com/office/drawing/2014/main" id="{F20E7E57-F871-4A50-99C2-39C61EF9AABE}"/>
+              </a:ext>
+            </a:extLst>
+          </p:cNvPr>
+          <p:cNvPicPr>
+            <a:picLocks noGrp="1" noChangeAspect="1"/>
+          </p:cNvPicPr>
+          <p:nvPr>
+            <p:ph idx="1"/>
+          </p:nvPr>
+        </p:nvPicPr>
+        <p:blipFill>
+          <a:blip r:embed="rId2">
+            <a:extLst>
+              <a:ext uri="{28A0092B-C50C-407E-A947-70E740481C1C}">
+                <a14:useLocalDpi xmlns:a14="http://schemas.microsoft.com/office/drawing/2010/main" val="0"/>
+              </a:ext>
+            </a:extLst>
+          </a:blip>
+          <a:stretch>
+            <a:fillRect/>
+          </a:stretch>
+        </p:blipFill>
+        <p:spPr>
+          <a:xfrm>
+            <a:off x="799573" y="2243705"/>
+            <a:ext cx="7544853" cy="3238952"/>
+          </a:xfrm>
+        </p:spPr>
+      </p:pic>
+      <p:sp>
+        <p:nvSpPr>
+          <p:cNvPr id="4" name="頁尾版面配置區 3">
+            <a:extLst>
+              <a:ext uri="{FF2B5EF4-FFF2-40B4-BE49-F238E27FC236}">
+                <a16:creationId xmlns:a16="http://schemas.microsoft.com/office/drawing/2014/main" id="{F22D0A4E-9104-421C-B2EC-E5932C5BF52D}"/>
+              </a:ext>
+            </a:extLst>
+          </p:cNvPr>
+          <p:cNvSpPr>
+            <a:spLocks noGrp="1"/>
+          </p:cNvSpPr>
+          <p:nvPr>
+            <p:ph type="ftr" sz="quarter" idx="11"/>
+          </p:nvPr>
+        </p:nvSpPr>
+        <p:spPr/>
+        <p:txBody>
+          <a:bodyPr/>
+          <a:lstStyle/>
+          <a:p>
+            <a:r>
+              <a:rPr lang="en-US" altLang="zh-TW"/>
+              <a:t>104</a:t>
+            </a:r>
+            <a:r>
+              <a:rPr lang="zh-TW" altLang="en-US"/>
+              <a:t>人資學院  </a:t>
+            </a:r>
+            <a:r>
+              <a:rPr lang="en-US" altLang="zh-TW"/>
+              <a:t>All Rights Reserved</a:t>
+            </a:r>
+            <a:endParaRPr lang="zh-TW" altLang="en-US"/>
+          </a:p>
+        </p:txBody>
+      </p:sp>
+    </p:spTree>
+    <p:extLst>
+      <p:ext uri="{BB962C8B-B14F-4D97-AF65-F5344CB8AC3E}">
+        <p14:creationId xmlns:p14="http://schemas.microsoft.com/office/powerpoint/2010/main" val="2254284079"/>
+      </p:ext>
+    </p:extLst>
+  </p:cSld>
+  <p:clrMapOvr>
+    <a:masterClrMapping/>
+  </p:clrMapOvr>
+</p:sld>
+</file>
+
+<file path=ppt/slides/slide11.xml><?xml version="1.0" encoding="utf-8"?>
+<p:sld xmlns:a="http://schemas.openxmlformats.org/drawingml/2006/main" xmlns:r="http://schemas.openxmlformats.org/officeDocument/2006/relationships" xmlns:p="http://schemas.openxmlformats.org/presentationml/2006/main">
+  <p:cSld>
+    <p:spTree>
+      <p:nvGrpSpPr>
+        <p:cNvPr id="1" name=""/>
+        <p:cNvGrpSpPr/>
+        <p:nvPr/>
+      </p:nvGrpSpPr>
+      <p:grpSpPr>
+        <a:xfrm>
+          <a:off x="0" y="0"/>
+          <a:ext cx="0" cy="0"/>
+          <a:chOff x="0" y="0"/>
+          <a:chExt cx="0" cy="0"/>
+        </a:xfrm>
+      </p:grpSpPr>
+      <p:sp>
+        <p:nvSpPr>
+          <p:cNvPr id="2" name="標題 1">
+            <a:extLst>
+              <a:ext uri="{FF2B5EF4-FFF2-40B4-BE49-F238E27FC236}">
+                <a16:creationId xmlns:a16="http://schemas.microsoft.com/office/drawing/2014/main" id="{1F53BFC4-38C1-46A5-8967-4D5F3CB1B717}"/>
+              </a:ext>
+            </a:extLst>
+          </p:cNvPr>
+          <p:cNvSpPr>
+            <a:spLocks noGrp="1"/>
+          </p:cNvSpPr>
+          <p:nvPr>
+            <p:ph type="title"/>
+          </p:nvPr>
+        </p:nvSpPr>
+        <p:spPr/>
+        <p:txBody>
+          <a:bodyPr/>
+          <a:lstStyle/>
+          <a:p>
+            <a:r>
+              <a:rPr lang="en-US" altLang="zh-TW" dirty="0"/>
+              <a:t>Promise </a:t>
+            </a:r>
+            <a:r>
+              <a:rPr lang="en-US" altLang="zh-TW" dirty="0" err="1"/>
+              <a:t>concat</a:t>
+            </a:r>
+            <a:endParaRPr lang="zh-TW" altLang="en-US" dirty="0"/>
+          </a:p>
+        </p:txBody>
+      </p:sp>
+      <p:sp>
+        <p:nvSpPr>
+          <p:cNvPr id="3" name="內容版面配置區 2">
+            <a:extLst>
+              <a:ext uri="{FF2B5EF4-FFF2-40B4-BE49-F238E27FC236}">
+                <a16:creationId xmlns:a16="http://schemas.microsoft.com/office/drawing/2014/main" id="{ED6A5C43-F74E-4DBC-AC33-4FB90C3BE8D6}"/>
+              </a:ext>
+            </a:extLst>
+          </p:cNvPr>
+          <p:cNvSpPr>
+            <a:spLocks noGrp="1"/>
+          </p:cNvSpPr>
+          <p:nvPr>
+            <p:ph idx="1"/>
+          </p:nvPr>
+        </p:nvSpPr>
+        <p:spPr/>
+        <p:txBody>
+          <a:bodyPr/>
+          <a:lstStyle/>
+          <a:p>
+            <a:r>
+              <a:rPr lang="en-US" altLang="zh-TW" dirty="0">
+                <a:sym typeface="Wingdings" panose="05000000000000000000" pitchFamily="2" charset="2"/>
+              </a:rPr>
+              <a:t>/Ehrms2portal_SC/api-auth-acUser.js LINE </a:t>
+            </a:r>
+            <a:r>
+              <a:rPr lang="en-US" altLang="zh-TW" dirty="0">
+                <a:sym typeface="Wingdings" panose="05000000000000000000" pitchFamily="2" charset="2"/>
+                <a:hlinkClick r:id="rId2"/>
+              </a:rPr>
+              <a:t>927</a:t>
+            </a:r>
+            <a:endParaRPr lang="en-US" altLang="zh-TW" dirty="0">
+              <a:sym typeface="Wingdings" panose="05000000000000000000" pitchFamily="2" charset="2"/>
+            </a:endParaRPr>
+          </a:p>
+          <a:p>
+            <a:endParaRPr lang="en-US" altLang="zh-TW" dirty="0">
+              <a:sym typeface="Wingdings" panose="05000000000000000000" pitchFamily="2" charset="2"/>
+            </a:endParaRPr>
+          </a:p>
+        </p:txBody>
+      </p:sp>
+      <p:sp>
+        <p:nvSpPr>
+          <p:cNvPr id="4" name="頁尾版面配置區 3">
+            <a:extLst>
+              <a:ext uri="{FF2B5EF4-FFF2-40B4-BE49-F238E27FC236}">
+                <a16:creationId xmlns:a16="http://schemas.microsoft.com/office/drawing/2014/main" id="{9C15FB9A-0695-4774-8738-81A625865030}"/>
+              </a:ext>
+            </a:extLst>
+          </p:cNvPr>
+          <p:cNvSpPr>
+            <a:spLocks noGrp="1"/>
+          </p:cNvSpPr>
+          <p:nvPr>
+            <p:ph type="ftr" sz="quarter" idx="11"/>
+          </p:nvPr>
+        </p:nvSpPr>
+        <p:spPr/>
+        <p:txBody>
+          <a:bodyPr/>
+          <a:lstStyle/>
+          <a:p>
+            <a:r>
+              <a:rPr lang="en-US" altLang="zh-TW"/>
+              <a:t>104</a:t>
+            </a:r>
+            <a:r>
+              <a:rPr lang="zh-TW" altLang="en-US"/>
+              <a:t>人資學院  </a:t>
+            </a:r>
+            <a:r>
+              <a:rPr lang="en-US" altLang="zh-TW"/>
+              <a:t>All Rights Reserved</a:t>
+            </a:r>
+            <a:endParaRPr lang="zh-TW" altLang="en-US"/>
+          </a:p>
+        </p:txBody>
+      </p:sp>
+      <p:pic>
+        <p:nvPicPr>
+          <p:cNvPr id="5" name="圖片 4">
+            <a:extLst>
+              <a:ext uri="{FF2B5EF4-FFF2-40B4-BE49-F238E27FC236}">
+                <a16:creationId xmlns:a16="http://schemas.microsoft.com/office/drawing/2014/main" id="{58663B3E-3A13-4FFA-B551-C659A514A42A}"/>
+              </a:ext>
+            </a:extLst>
+          </p:cNvPr>
+          <p:cNvPicPr>
+            <a:picLocks noChangeAspect="1"/>
+          </p:cNvPicPr>
+          <p:nvPr/>
+        </p:nvPicPr>
+        <p:blipFill>
+          <a:blip r:embed="rId3"/>
+          <a:stretch>
+            <a:fillRect/>
+          </a:stretch>
+        </p:blipFill>
+        <p:spPr>
+          <a:xfrm>
+            <a:off x="505244" y="2276872"/>
+            <a:ext cx="8269654" cy="4052746"/>
+          </a:xfrm>
+          <a:prstGeom prst="rect">
+            <a:avLst/>
+          </a:prstGeom>
+        </p:spPr>
+      </p:pic>
+    </p:spTree>
+    <p:extLst>
+      <p:ext uri="{BB962C8B-B14F-4D97-AF65-F5344CB8AC3E}">
+        <p14:creationId xmlns:p14="http://schemas.microsoft.com/office/powerpoint/2010/main" val="280376510"/>
+      </p:ext>
+    </p:extLst>
+  </p:cSld>
+  <p:clrMapOvr>
+    <a:masterClrMapping/>
+  </p:clrMapOvr>
+</p:sld>
+</file>
+
+<file path=ppt/slides/slide12.xml><?xml version="1.0" encoding="utf-8"?>
+<p:sld xmlns:a="http://schemas.openxmlformats.org/drawingml/2006/main" xmlns:r="http://schemas.openxmlformats.org/officeDocument/2006/relationships" xmlns:p="http://schemas.openxmlformats.org/presentationml/2006/main">
+  <p:cSld>
+    <p:spTree>
+      <p:nvGrpSpPr>
+        <p:cNvPr id="1" name=""/>
+        <p:cNvGrpSpPr/>
+        <p:nvPr/>
+      </p:nvGrpSpPr>
+      <p:grpSpPr>
+        <a:xfrm>
+          <a:off x="0" y="0"/>
+          <a:ext cx="0" cy="0"/>
+          <a:chOff x="0" y="0"/>
+          <a:chExt cx="0" cy="0"/>
+        </a:xfrm>
+      </p:grpSpPr>
+      <p:sp>
+        <p:nvSpPr>
+          <p:cNvPr id="2" name="標題 1">
+            <a:extLst>
+              <a:ext uri="{FF2B5EF4-FFF2-40B4-BE49-F238E27FC236}">
                 <a16:creationId xmlns:a16="http://schemas.microsoft.com/office/drawing/2014/main" id="{51841209-40F9-48A5-9D1B-ED5369596D62}"/>
               </a:ext>
             </a:extLst>
@@ -4051,7 +4359,7 @@
 </p:sld>
 </file>
 
-<file path=ppt/slides/slide11.xml><?xml version="1.0" encoding="utf-8"?>
+<file path=ppt/slides/slide13.xml><?xml version="1.0" encoding="utf-8"?>
 <p:sld xmlns:a="http://schemas.openxmlformats.org/drawingml/2006/main" xmlns:r="http://schemas.openxmlformats.org/officeDocument/2006/relationships" xmlns:p="http://schemas.openxmlformats.org/presentationml/2006/main">
   <p:cSld>
     <p:spTree>
@@ -4234,7 +4542,7 @@
 </p:sld>
 </file>
 
-<file path=ppt/slides/slide12.xml><?xml version="1.0" encoding="utf-8"?>
+<file path=ppt/slides/slide14.xml><?xml version="1.0" encoding="utf-8"?>
 <p:sld xmlns:a="http://schemas.openxmlformats.org/drawingml/2006/main" xmlns:r="http://schemas.openxmlformats.org/officeDocument/2006/relationships" xmlns:p="http://schemas.openxmlformats.org/presentationml/2006/main">
   <p:cSld>
     <p:spTree>
@@ -4495,7 +4803,7 @@
 </p:sld>
 </file>
 
-<file path=ppt/slides/slide13.xml><?xml version="1.0" encoding="utf-8"?>
+<file path=ppt/slides/slide15.xml><?xml version="1.0" encoding="utf-8"?>
 <p:sld xmlns:a="http://schemas.openxmlformats.org/drawingml/2006/main" xmlns:r="http://schemas.openxmlformats.org/officeDocument/2006/relationships" xmlns:p="http://schemas.openxmlformats.org/presentationml/2006/main">
   <p:cSld>
     <p:spTree>
@@ -4724,7 +5032,7 @@
 </p:sld>
 </file>
 
-<file path=ppt/slides/slide14.xml><?xml version="1.0" encoding="utf-8"?>
+<file path=ppt/slides/slide16.xml><?xml version="1.0" encoding="utf-8"?>
 <p:sld xmlns:a="http://schemas.openxmlformats.org/drawingml/2006/main" xmlns:r="http://schemas.openxmlformats.org/officeDocument/2006/relationships" xmlns:p="http://schemas.openxmlformats.org/presentationml/2006/main">
   <p:cSld>
     <p:spTree>
@@ -6315,7 +6623,7 @@
           <p:cNvPr id="2" name="標題 1">
             <a:extLst>
               <a:ext uri="{FF2B5EF4-FFF2-40B4-BE49-F238E27FC236}">
-                <a16:creationId xmlns:a16="http://schemas.microsoft.com/office/drawing/2014/main" id="{1F53BFC4-38C1-46A5-8967-4D5F3CB1B717}"/>
+                <a16:creationId xmlns:a16="http://schemas.microsoft.com/office/drawing/2014/main" id="{BFFEE0E3-D896-49FC-AD42-28E39E9F6684}"/>
               </a:ext>
             </a:extLst>
           </p:cNvPr>
@@ -6333,132 +6641,88 @@
           <a:p>
             <a:r>
               <a:rPr lang="en-US" altLang="zh-TW" dirty="0"/>
-              <a:t>Promise </a:t>
-            </a:r>
-            <a:r>
-              <a:rPr lang="en-US" altLang="zh-TW" dirty="0" err="1"/>
-              <a:t>concat</a:t>
+              <a:t>commit</a:t>
             </a:r>
             <a:endParaRPr lang="zh-TW" altLang="en-US" dirty="0"/>
           </a:p>
         </p:txBody>
       </p:sp>
-      <p:sp>
-        <p:nvSpPr>
-          <p:cNvPr id="3" name="內容版面配置區 2">
+      <p:pic>
+        <p:nvPicPr>
+          <p:cNvPr id="6" name="內容版面配置區 5">
             <a:extLst>
               <a:ext uri="{FF2B5EF4-FFF2-40B4-BE49-F238E27FC236}">
-                <a16:creationId xmlns:a16="http://schemas.microsoft.com/office/drawing/2014/main" id="{ED6A5C43-F74E-4DBC-AC33-4FB90C3BE8D6}"/>
-              </a:ext>
-            </a:extLst>
-          </p:cNvPr>
-          <p:cNvSpPr>
-            <a:spLocks noGrp="1"/>
-          </p:cNvSpPr>
-          <p:nvPr>
-            <p:ph idx="1"/>
-          </p:nvPr>
-        </p:nvSpPr>
-        <p:spPr/>
-        <p:txBody>
-          <a:bodyPr/>
-          <a:lstStyle/>
-          <a:p>
-            <a:r>
-              <a:rPr lang="en-US" altLang="zh-TW" dirty="0">
-                <a:sym typeface="Wingdings" panose="05000000000000000000" pitchFamily="2" charset="2"/>
-              </a:rPr>
-              <a:t>/Ehrms2portal_SC/api-auth-acUser.js LINE </a:t>
-            </a:r>
-            <a:r>
-              <a:rPr lang="en-US" altLang="zh-TW" dirty="0">
-                <a:sym typeface="Wingdings" panose="05000000000000000000" pitchFamily="2" charset="2"/>
-                <a:hlinkClick r:id="rId2"/>
-              </a:rPr>
-              <a:t>927</a:t>
-            </a:r>
-            <a:endParaRPr lang="en-US" altLang="zh-TW" dirty="0">
-              <a:sym typeface="Wingdings" panose="05000000000000000000" pitchFamily="2" charset="2"/>
-            </a:endParaRPr>
-          </a:p>
-          <a:p>
-            <a:endParaRPr lang="en-US" altLang="zh-TW" dirty="0">
-              <a:sym typeface="Wingdings" panose="05000000000000000000" pitchFamily="2" charset="2"/>
-            </a:endParaRPr>
-          </a:p>
-        </p:txBody>
-      </p:sp>
-      <p:sp>
-        <p:nvSpPr>
-          <p:cNvPr id="4" name="頁尾版面配置區 3">
-            <a:extLst>
-              <a:ext uri="{FF2B5EF4-FFF2-40B4-BE49-F238E27FC236}">
-                <a16:creationId xmlns:a16="http://schemas.microsoft.com/office/drawing/2014/main" id="{9C15FB9A-0695-4774-8738-81A625865030}"/>
-              </a:ext>
-            </a:extLst>
-          </p:cNvPr>
-          <p:cNvSpPr>
-            <a:spLocks noGrp="1"/>
-          </p:cNvSpPr>
-          <p:nvPr>
-            <p:ph type="ftr" sz="quarter" idx="11"/>
-          </p:nvPr>
-        </p:nvSpPr>
-        <p:spPr/>
-        <p:txBody>
-          <a:bodyPr/>
-          <a:lstStyle/>
-          <a:p>
-            <a:r>
-              <a:rPr lang="en-US" altLang="zh-TW"/>
-              <a:t>104</a:t>
-            </a:r>
-            <a:r>
-              <a:rPr lang="zh-TW" altLang="en-US"/>
-              <a:t>人資學院  </a:t>
-            </a:r>
-            <a:r>
-              <a:rPr lang="en-US" altLang="zh-TW"/>
-              <a:t>All Rights Reserved</a:t>
-            </a:r>
-            <a:endParaRPr lang="zh-TW" altLang="en-US"/>
-          </a:p>
-        </p:txBody>
-      </p:sp>
-      <p:pic>
-        <p:nvPicPr>
-          <p:cNvPr id="5" name="圖片 4">
-            <a:extLst>
-              <a:ext uri="{FF2B5EF4-FFF2-40B4-BE49-F238E27FC236}">
-                <a16:creationId xmlns:a16="http://schemas.microsoft.com/office/drawing/2014/main" id="{58663B3E-3A13-4FFA-B551-C659A514A42A}"/>
+                <a16:creationId xmlns:a16="http://schemas.microsoft.com/office/drawing/2014/main" id="{3A551CA5-4852-4D58-BD45-5A55C6098D88}"/>
               </a:ext>
             </a:extLst>
           </p:cNvPr>
           <p:cNvPicPr>
-            <a:picLocks noChangeAspect="1"/>
+            <a:picLocks noGrp="1" noChangeAspect="1"/>
           </p:cNvPicPr>
-          <p:nvPr/>
+          <p:nvPr>
+            <p:ph idx="1"/>
+          </p:nvPr>
         </p:nvPicPr>
         <p:blipFill>
-          <a:blip r:embed="rId3"/>
+          <a:blip r:embed="rId2">
+            <a:extLst>
+              <a:ext uri="{28A0092B-C50C-407E-A947-70E740481C1C}">
+                <a14:useLocalDpi xmlns:a14="http://schemas.microsoft.com/office/drawing/2010/main" val="0"/>
+              </a:ext>
+            </a:extLst>
+          </a:blip>
           <a:stretch>
             <a:fillRect/>
           </a:stretch>
         </p:blipFill>
         <p:spPr>
           <a:xfrm>
-            <a:off x="505244" y="2276872"/>
-            <a:ext cx="8269654" cy="4052746"/>
+            <a:off x="1626592" y="1916832"/>
+            <a:ext cx="5890815" cy="3982191"/>
           </a:xfrm>
-          <a:prstGeom prst="rect">
-            <a:avLst/>
-          </a:prstGeom>
         </p:spPr>
       </p:pic>
+      <p:sp>
+        <p:nvSpPr>
+          <p:cNvPr id="4" name="頁尾版面配置區 3">
+            <a:extLst>
+              <a:ext uri="{FF2B5EF4-FFF2-40B4-BE49-F238E27FC236}">
+                <a16:creationId xmlns:a16="http://schemas.microsoft.com/office/drawing/2014/main" id="{65E62AEC-C8E7-49D7-AEC4-504FDCB9DE5C}"/>
+              </a:ext>
+            </a:extLst>
+          </p:cNvPr>
+          <p:cNvSpPr>
+            <a:spLocks noGrp="1"/>
+          </p:cNvSpPr>
+          <p:nvPr>
+            <p:ph type="ftr" sz="quarter" idx="11"/>
+          </p:nvPr>
+        </p:nvSpPr>
+        <p:spPr/>
+        <p:txBody>
+          <a:bodyPr/>
+          <a:lstStyle/>
+          <a:p>
+            <a:r>
+              <a:rPr lang="en-US" altLang="zh-TW"/>
+              <a:t>104</a:t>
+            </a:r>
+            <a:r>
+              <a:rPr lang="zh-TW" altLang="en-US"/>
+              <a:t>人資學院  </a:t>
+            </a:r>
+            <a:r>
+              <a:rPr lang="en-US" altLang="zh-TW"/>
+              <a:t>All Rights Reserved</a:t>
+            </a:r>
+            <a:endParaRPr lang="zh-TW" altLang="en-US"/>
+          </a:p>
+        </p:txBody>
+      </p:sp>
     </p:spTree>
     <p:extLst>
       <p:ext uri="{BB962C8B-B14F-4D97-AF65-F5344CB8AC3E}">
-        <p14:creationId xmlns:p14="http://schemas.microsoft.com/office/powerpoint/2010/main" val="280376510"/>
+        <p14:creationId xmlns:p14="http://schemas.microsoft.com/office/powerpoint/2010/main" val="2471281583"/>
       </p:ext>
     </p:extLst>
   </p:cSld>

--- a/2019_0627_Git_Share_HA.pptx
+++ b/2019_0627_Git_Share_HA.pptx
@@ -5,7 +5,7 @@
     <p:sldMasterId id="2147483648" r:id="rId1"/>
   </p:sldMasterIdLst>
   <p:notesMasterIdLst>
-    <p:notesMasterId r:id="rId18"/>
+    <p:notesMasterId r:id="rId16"/>
   </p:notesMasterIdLst>
   <p:sldIdLst>
     <p:sldId id="256" r:id="rId2"/>
@@ -18,12 +18,10 @@
     <p:sldId id="269" r:id="rId9"/>
     <p:sldId id="270" r:id="rId10"/>
     <p:sldId id="271" r:id="rId11"/>
-    <p:sldId id="260" r:id="rId12"/>
-    <p:sldId id="261" r:id="rId13"/>
-    <p:sldId id="262" r:id="rId14"/>
-    <p:sldId id="264" r:id="rId15"/>
-    <p:sldId id="263" r:id="rId16"/>
-    <p:sldId id="258" r:id="rId17"/>
+    <p:sldId id="272" r:id="rId12"/>
+    <p:sldId id="273" r:id="rId13"/>
+    <p:sldId id="263" r:id="rId14"/>
+    <p:sldId id="258" r:id="rId15"/>
   </p:sldIdLst>
   <p:sldSz cx="9144000" cy="6858000" type="screen4x3"/>
   <p:notesSz cx="6858000" cy="9144000"/>
@@ -3919,21 +3917,90 @@
           </a:p>
         </p:txBody>
       </p:sp>
+      <p:sp>
+        <p:nvSpPr>
+          <p:cNvPr id="4" name="頁尾版面配置區 3">
+            <a:extLst>
+              <a:ext uri="{FF2B5EF4-FFF2-40B4-BE49-F238E27FC236}">
+                <a16:creationId xmlns:a16="http://schemas.microsoft.com/office/drawing/2014/main" id="{F22D0A4E-9104-421C-B2EC-E5932C5BF52D}"/>
+              </a:ext>
+            </a:extLst>
+          </p:cNvPr>
+          <p:cNvSpPr>
+            <a:spLocks noGrp="1"/>
+          </p:cNvSpPr>
+          <p:nvPr>
+            <p:ph type="ftr" sz="quarter" idx="11"/>
+          </p:nvPr>
+        </p:nvSpPr>
+        <p:spPr/>
+        <p:txBody>
+          <a:bodyPr/>
+          <a:lstStyle/>
+          <a:p>
+            <a:r>
+              <a:rPr lang="en-US" altLang="zh-TW"/>
+              <a:t>104</a:t>
+            </a:r>
+            <a:r>
+              <a:rPr lang="zh-TW" altLang="en-US"/>
+              <a:t>人資學院  </a:t>
+            </a:r>
+            <a:r>
+              <a:rPr lang="en-US" altLang="zh-TW"/>
+              <a:t>All Rights Reserved</a:t>
+            </a:r>
+            <a:endParaRPr lang="zh-TW" altLang="en-US"/>
+          </a:p>
+        </p:txBody>
+      </p:sp>
+      <p:sp>
+        <p:nvSpPr>
+          <p:cNvPr id="8" name="內容版面配置區 7">
+            <a:extLst>
+              <a:ext uri="{FF2B5EF4-FFF2-40B4-BE49-F238E27FC236}">
+                <a16:creationId xmlns:a16="http://schemas.microsoft.com/office/drawing/2014/main" id="{E657D714-AC9F-4963-9721-E48B1BD94B3D}"/>
+              </a:ext>
+            </a:extLst>
+          </p:cNvPr>
+          <p:cNvSpPr>
+            <a:spLocks noGrp="1"/>
+          </p:cNvSpPr>
+          <p:nvPr>
+            <p:ph idx="1"/>
+          </p:nvPr>
+        </p:nvSpPr>
+        <p:spPr/>
+        <p:txBody>
+          <a:bodyPr/>
+          <a:lstStyle/>
+          <a:p>
+            <a:r>
+              <a:rPr lang="en-US" altLang="zh-TW" dirty="0"/>
+              <a:t>git add &lt;file&gt; / git reset -- &lt;file&gt;</a:t>
+            </a:r>
+          </a:p>
+          <a:p>
+            <a:r>
+              <a:rPr lang="en-US" altLang="zh-TW" dirty="0"/>
+              <a:t>git commit / git reset HEAD^</a:t>
+            </a:r>
+          </a:p>
+        </p:txBody>
+      </p:sp>
       <p:pic>
         <p:nvPicPr>
-          <p:cNvPr id="6" name="內容版面配置區 5">
+          <p:cNvPr id="10" name="圖片 9">
             <a:extLst>
               <a:ext uri="{FF2B5EF4-FFF2-40B4-BE49-F238E27FC236}">
-                <a16:creationId xmlns:a16="http://schemas.microsoft.com/office/drawing/2014/main" id="{F20E7E57-F871-4A50-99C2-39C61EF9AABE}"/>
+                <a16:creationId xmlns:a16="http://schemas.microsoft.com/office/drawing/2014/main" id="{E8F073B9-3951-4DF2-AB89-270F11395BF4}"/>
               </a:ext>
             </a:extLst>
           </p:cNvPr>
           <p:cNvPicPr>
-            <a:picLocks noGrp="1" noChangeAspect="1"/>
+            <a:picLocks noChangeAspect="1"/>
           </p:cNvPicPr>
-          <p:nvPr>
-            <p:ph idx="1"/>
-          </p:nvPr>
+          <p:nvPr/>
         </p:nvPicPr>
         <p:blipFill>
           <a:blip r:embed="rId2">
@@ -3949,48 +4016,14 @@
         </p:blipFill>
         <p:spPr>
           <a:xfrm>
-            <a:off x="799573" y="2243705"/>
-            <a:ext cx="7544853" cy="3238952"/>
+            <a:off x="1367644" y="2996952"/>
+            <a:ext cx="6408712" cy="2751214"/>
           </a:xfrm>
+          <a:prstGeom prst="rect">
+            <a:avLst/>
+          </a:prstGeom>
         </p:spPr>
       </p:pic>
-      <p:sp>
-        <p:nvSpPr>
-          <p:cNvPr id="4" name="頁尾版面配置區 3">
-            <a:extLst>
-              <a:ext uri="{FF2B5EF4-FFF2-40B4-BE49-F238E27FC236}">
-                <a16:creationId xmlns:a16="http://schemas.microsoft.com/office/drawing/2014/main" id="{F22D0A4E-9104-421C-B2EC-E5932C5BF52D}"/>
-              </a:ext>
-            </a:extLst>
-          </p:cNvPr>
-          <p:cNvSpPr>
-            <a:spLocks noGrp="1"/>
-          </p:cNvSpPr>
-          <p:nvPr>
-            <p:ph type="ftr" sz="quarter" idx="11"/>
-          </p:nvPr>
-        </p:nvSpPr>
-        <p:spPr/>
-        <p:txBody>
-          <a:bodyPr/>
-          <a:lstStyle/>
-          <a:p>
-            <a:r>
-              <a:rPr lang="en-US" altLang="zh-TW"/>
-              <a:t>104</a:t>
-            </a:r>
-            <a:r>
-              <a:rPr lang="zh-TW" altLang="en-US"/>
-              <a:t>人資學院  </a:t>
-            </a:r>
-            <a:r>
-              <a:rPr lang="en-US" altLang="zh-TW"/>
-              <a:t>All Rights Reserved</a:t>
-            </a:r>
-            <a:endParaRPr lang="zh-TW" altLang="en-US"/>
-          </a:p>
-        </p:txBody>
-      </p:sp>
     </p:spTree>
     <p:extLst>
       <p:ext uri="{BB962C8B-B14F-4D97-AF65-F5344CB8AC3E}">
@@ -4026,7 +4059,7 @@
           <p:cNvPr id="2" name="標題 1">
             <a:extLst>
               <a:ext uri="{FF2B5EF4-FFF2-40B4-BE49-F238E27FC236}">
-                <a16:creationId xmlns:a16="http://schemas.microsoft.com/office/drawing/2014/main" id="{1F53BFC4-38C1-46A5-8967-4D5F3CB1B717}"/>
+                <a16:creationId xmlns:a16="http://schemas.microsoft.com/office/drawing/2014/main" id="{8D10DC92-7764-4D0E-8724-C70EE87849CE}"/>
               </a:ext>
             </a:extLst>
           </p:cNvPr>
@@ -4044,13 +4077,12 @@
           <a:p>
             <a:r>
               <a:rPr lang="en-US" altLang="zh-TW" dirty="0"/>
-              <a:t>Promise </a:t>
-            </a:r>
-            <a:r>
-              <a:rPr lang="en-US" altLang="zh-TW" dirty="0" err="1"/>
-              <a:t>concat</a:t>
-            </a:r>
-            <a:endParaRPr lang="zh-TW" altLang="en-US" dirty="0"/>
+              <a:t>Git</a:t>
+            </a:r>
+            <a:r>
+              <a:rPr lang="zh-TW" altLang="en-US" dirty="0"/>
+              <a:t>移除追蹤的檔案</a:t>
+            </a:r>
           </a:p>
         </p:txBody>
       </p:sp>
@@ -4059,7 +4091,7 @@
           <p:cNvPr id="3" name="內容版面配置區 2">
             <a:extLst>
               <a:ext uri="{FF2B5EF4-FFF2-40B4-BE49-F238E27FC236}">
-                <a16:creationId xmlns:a16="http://schemas.microsoft.com/office/drawing/2014/main" id="{ED6A5C43-F74E-4DBC-AC33-4FB90C3BE8D6}"/>
+                <a16:creationId xmlns:a16="http://schemas.microsoft.com/office/drawing/2014/main" id="{E7F92427-39A5-4749-AABB-3AC4001068E9}"/>
               </a:ext>
             </a:extLst>
           </p:cNvPr>
@@ -4076,26 +4108,10 @@
           <a:lstStyle/>
           <a:p>
             <a:r>
-              <a:rPr lang="en-US" altLang="zh-TW" dirty="0">
-                <a:sym typeface="Wingdings" panose="05000000000000000000" pitchFamily="2" charset="2"/>
-              </a:rPr>
-              <a:t>/Ehrms2portal_SC/api-auth-acUser.js LINE </a:t>
-            </a:r>
-            <a:r>
-              <a:rPr lang="en-US" altLang="zh-TW" dirty="0">
-                <a:sym typeface="Wingdings" panose="05000000000000000000" pitchFamily="2" charset="2"/>
-                <a:hlinkClick r:id="rId2"/>
-              </a:rPr>
-              <a:t>927</a:t>
-            </a:r>
-            <a:endParaRPr lang="en-US" altLang="zh-TW" dirty="0">
-              <a:sym typeface="Wingdings" panose="05000000000000000000" pitchFamily="2" charset="2"/>
-            </a:endParaRPr>
-          </a:p>
-          <a:p>
-            <a:endParaRPr lang="en-US" altLang="zh-TW" dirty="0">
-              <a:sym typeface="Wingdings" panose="05000000000000000000" pitchFamily="2" charset="2"/>
-            </a:endParaRPr>
+              <a:rPr lang="en-US" altLang="zh-TW" dirty="0"/>
+              <a:t>assume-unchanged</a:t>
+            </a:r>
+            <a:endParaRPr lang="zh-TW" altLang="en-US" dirty="0"/>
           </a:p>
         </p:txBody>
       </p:sp>
@@ -4104,7 +4120,7 @@
           <p:cNvPr id="4" name="頁尾版面配置區 3">
             <a:extLst>
               <a:ext uri="{FF2B5EF4-FFF2-40B4-BE49-F238E27FC236}">
-                <a16:creationId xmlns:a16="http://schemas.microsoft.com/office/drawing/2014/main" id="{9C15FB9A-0695-4774-8738-81A625865030}"/>
+                <a16:creationId xmlns:a16="http://schemas.microsoft.com/office/drawing/2014/main" id="{B0ED7CF5-5849-4879-A573-65C6280A8671}"/>
               </a:ext>
             </a:extLst>
           </p:cNvPr>
@@ -4136,40 +4152,10 @@
           </a:p>
         </p:txBody>
       </p:sp>
-      <p:pic>
-        <p:nvPicPr>
-          <p:cNvPr id="5" name="圖片 4">
-            <a:extLst>
-              <a:ext uri="{FF2B5EF4-FFF2-40B4-BE49-F238E27FC236}">
-                <a16:creationId xmlns:a16="http://schemas.microsoft.com/office/drawing/2014/main" id="{58663B3E-3A13-4FFA-B551-C659A514A42A}"/>
-              </a:ext>
-            </a:extLst>
-          </p:cNvPr>
-          <p:cNvPicPr>
-            <a:picLocks noChangeAspect="1"/>
-          </p:cNvPicPr>
-          <p:nvPr/>
-        </p:nvPicPr>
-        <p:blipFill>
-          <a:blip r:embed="rId3"/>
-          <a:stretch>
-            <a:fillRect/>
-          </a:stretch>
-        </p:blipFill>
-        <p:spPr>
-          <a:xfrm>
-            <a:off x="505244" y="2276872"/>
-            <a:ext cx="8269654" cy="4052746"/>
-          </a:xfrm>
-          <a:prstGeom prst="rect">
-            <a:avLst/>
-          </a:prstGeom>
-        </p:spPr>
-      </p:pic>
     </p:spTree>
     <p:extLst>
       <p:ext uri="{BB962C8B-B14F-4D97-AF65-F5344CB8AC3E}">
-        <p14:creationId xmlns:p14="http://schemas.microsoft.com/office/powerpoint/2010/main" val="280376510"/>
+        <p14:creationId xmlns:p14="http://schemas.microsoft.com/office/powerpoint/2010/main" val="4183670075"/>
       </p:ext>
     </p:extLst>
   </p:cSld>
@@ -4201,7 +4187,7 @@
           <p:cNvPr id="2" name="標題 1">
             <a:extLst>
               <a:ext uri="{FF2B5EF4-FFF2-40B4-BE49-F238E27FC236}">
-                <a16:creationId xmlns:a16="http://schemas.microsoft.com/office/drawing/2014/main" id="{51841209-40F9-48A5-9D1B-ED5369596D62}"/>
+                <a16:creationId xmlns:a16="http://schemas.microsoft.com/office/drawing/2014/main" id="{D1D9ED34-5D42-4500-842D-89CB8051F884}"/>
               </a:ext>
             </a:extLst>
           </p:cNvPr>
@@ -4218,12 +4204,8 @@
           <a:lstStyle/>
           <a:p>
             <a:r>
-              <a:rPr lang="en-US" altLang="zh-TW" dirty="0" err="1"/>
-              <a:t>Async</a:t>
-            </a:r>
-            <a:r>
               <a:rPr lang="en-US" altLang="zh-TW" dirty="0"/>
-              <a:t> try-catch-finally</a:t>
+              <a:t>Commit operator</a:t>
             </a:r>
             <a:endParaRPr lang="zh-TW" altLang="en-US" dirty="0"/>
           </a:p>
@@ -4234,7 +4216,7 @@
           <p:cNvPr id="3" name="內容版面配置區 2">
             <a:extLst>
               <a:ext uri="{FF2B5EF4-FFF2-40B4-BE49-F238E27FC236}">
-                <a16:creationId xmlns:a16="http://schemas.microsoft.com/office/drawing/2014/main" id="{F478725F-0E0D-47B3-9E2B-1F4D255BF391}"/>
+                <a16:creationId xmlns:a16="http://schemas.microsoft.com/office/drawing/2014/main" id="{D57A5CF3-D76B-495C-B30E-9B19AFF6026C}"/>
               </a:ext>
             </a:extLst>
           </p:cNvPr>
@@ -4250,32 +4232,7 @@
           <a:bodyPr/>
           <a:lstStyle/>
           <a:p>
-            <a:r>
-              <a:rPr lang="en-US" altLang="zh-TW" dirty="0">
-                <a:sym typeface="Wingdings" panose="05000000000000000000" pitchFamily="2" charset="2"/>
-              </a:rPr>
-              <a:t>/Ehrms2portal_SC/api-auth-acUser.js LINE </a:t>
-            </a:r>
-            <a:r>
-              <a:rPr lang="en-US" altLang="zh-TW" dirty="0">
-                <a:sym typeface="Wingdings" panose="05000000000000000000" pitchFamily="2" charset="2"/>
-                <a:hlinkClick r:id="rId2"/>
-              </a:rPr>
-              <a:t>954</a:t>
-            </a:r>
-            <a:br>
-              <a:rPr lang="en-US" altLang="zh-TW" dirty="0">
-                <a:sym typeface="Wingdings" panose="05000000000000000000" pitchFamily="2" charset="2"/>
-              </a:rPr>
-            </a:br>
-            <a:br>
-              <a:rPr lang="en-US" altLang="zh-TW" dirty="0">
-                <a:sym typeface="Wingdings" panose="05000000000000000000" pitchFamily="2" charset="2"/>
-              </a:rPr>
-            </a:br>
-            <a:endParaRPr lang="en-US" altLang="zh-TW" dirty="0">
-              <a:sym typeface="Wingdings" panose="05000000000000000000" pitchFamily="2" charset="2"/>
-            </a:endParaRPr>
+            <a:endParaRPr lang="zh-TW" altLang="en-US" dirty="0"/>
           </a:p>
         </p:txBody>
       </p:sp>
@@ -4284,7 +4241,7 @@
           <p:cNvPr id="4" name="頁尾版面配置區 3">
             <a:extLst>
               <a:ext uri="{FF2B5EF4-FFF2-40B4-BE49-F238E27FC236}">
-                <a16:creationId xmlns:a16="http://schemas.microsoft.com/office/drawing/2014/main" id="{F27157E0-4972-47AE-BAEE-01518FBF20C6}"/>
+                <a16:creationId xmlns:a16="http://schemas.microsoft.com/office/drawing/2014/main" id="{0D8B14B7-D929-4FC7-9AC6-F3A563AC18CA}"/>
               </a:ext>
             </a:extLst>
           </p:cNvPr>
@@ -4316,40 +4273,10 @@
           </a:p>
         </p:txBody>
       </p:sp>
-      <p:pic>
-        <p:nvPicPr>
-          <p:cNvPr id="5" name="圖片 4">
-            <a:extLst>
-              <a:ext uri="{FF2B5EF4-FFF2-40B4-BE49-F238E27FC236}">
-                <a16:creationId xmlns:a16="http://schemas.microsoft.com/office/drawing/2014/main" id="{35A7F754-E147-45E8-8627-5B09F096336F}"/>
-              </a:ext>
-            </a:extLst>
-          </p:cNvPr>
-          <p:cNvPicPr>
-            <a:picLocks noChangeAspect="1"/>
-          </p:cNvPicPr>
-          <p:nvPr/>
-        </p:nvPicPr>
-        <p:blipFill>
-          <a:blip r:embed="rId3"/>
-          <a:stretch>
-            <a:fillRect/>
-          </a:stretch>
-        </p:blipFill>
-        <p:spPr>
-          <a:xfrm>
-            <a:off x="228158" y="2564904"/>
-            <a:ext cx="8645615" cy="3743821"/>
-          </a:xfrm>
-          <a:prstGeom prst="rect">
-            <a:avLst/>
-          </a:prstGeom>
-        </p:spPr>
-      </p:pic>
     </p:spTree>
     <p:extLst>
       <p:ext uri="{BB962C8B-B14F-4D97-AF65-F5344CB8AC3E}">
-        <p14:creationId xmlns:p14="http://schemas.microsoft.com/office/powerpoint/2010/main" val="909642701"/>
+        <p14:creationId xmlns:p14="http://schemas.microsoft.com/office/powerpoint/2010/main" val="762188724"/>
       </p:ext>
     </p:extLst>
   </p:cSld>
@@ -4381,450 +4308,6 @@
           <p:cNvPr id="2" name="標題 1">
             <a:extLst>
               <a:ext uri="{FF2B5EF4-FFF2-40B4-BE49-F238E27FC236}">
-                <a16:creationId xmlns:a16="http://schemas.microsoft.com/office/drawing/2014/main" id="{1765C254-721E-4166-AA1E-F93E7AD9AEF6}"/>
-              </a:ext>
-            </a:extLst>
-          </p:cNvPr>
-          <p:cNvSpPr>
-            <a:spLocks noGrp="1"/>
-          </p:cNvSpPr>
-          <p:nvPr>
-            <p:ph type="title"/>
-          </p:nvPr>
-        </p:nvSpPr>
-        <p:spPr/>
-        <p:txBody>
-          <a:bodyPr/>
-          <a:lstStyle/>
-          <a:p>
-            <a:r>
-              <a:rPr lang="en-US" altLang="zh-TW" dirty="0" err="1"/>
-              <a:t>Async.Waterfall</a:t>
-            </a:r>
-            <a:r>
-              <a:rPr lang="en-US" altLang="zh-TW" dirty="0"/>
-              <a:t> </a:t>
-            </a:r>
-            <a:endParaRPr lang="zh-TW" altLang="en-US" dirty="0"/>
-          </a:p>
-        </p:txBody>
-      </p:sp>
-      <p:sp>
-        <p:nvSpPr>
-          <p:cNvPr id="3" name="內容版面配置區 2">
-            <a:extLst>
-              <a:ext uri="{FF2B5EF4-FFF2-40B4-BE49-F238E27FC236}">
-                <a16:creationId xmlns:a16="http://schemas.microsoft.com/office/drawing/2014/main" id="{6C92636B-C021-4799-85C3-9700D8CBB79B}"/>
-              </a:ext>
-            </a:extLst>
-          </p:cNvPr>
-          <p:cNvSpPr>
-            <a:spLocks noGrp="1"/>
-          </p:cNvSpPr>
-          <p:nvPr>
-            <p:ph idx="1"/>
-          </p:nvPr>
-        </p:nvSpPr>
-        <p:spPr/>
-        <p:txBody>
-          <a:bodyPr/>
-          <a:lstStyle/>
-          <a:p>
-            <a:r>
-              <a:rPr lang="en-US" altLang="zh-TW" dirty="0">
-                <a:sym typeface="Wingdings" panose="05000000000000000000" pitchFamily="2" charset="2"/>
-              </a:rPr>
-              <a:t>/Ehrms2portal_SC/api-auth-acPwdRule.js LINE </a:t>
-            </a:r>
-            <a:r>
-              <a:rPr lang="en-US" altLang="zh-TW" dirty="0">
-                <a:sym typeface="Wingdings" panose="05000000000000000000" pitchFamily="2" charset="2"/>
-                <a:hlinkClick r:id="rId2"/>
-              </a:rPr>
-              <a:t>531</a:t>
-            </a:r>
-            <a:br>
-              <a:rPr lang="en-US" altLang="zh-TW" dirty="0">
-                <a:sym typeface="Wingdings" panose="05000000000000000000" pitchFamily="2" charset="2"/>
-              </a:rPr>
-            </a:br>
-            <a:br>
-              <a:rPr lang="en-US" altLang="zh-TW" dirty="0">
-                <a:sym typeface="Wingdings" panose="05000000000000000000" pitchFamily="2" charset="2"/>
-              </a:rPr>
-            </a:br>
-            <a:endParaRPr lang="en-US" altLang="zh-TW" dirty="0">
-              <a:sym typeface="Wingdings" panose="05000000000000000000" pitchFamily="2" charset="2"/>
-            </a:endParaRPr>
-          </a:p>
-          <a:p>
-            <a:endParaRPr lang="zh-TW" altLang="en-US" dirty="0"/>
-          </a:p>
-        </p:txBody>
-      </p:sp>
-      <p:sp>
-        <p:nvSpPr>
-          <p:cNvPr id="4" name="頁尾版面配置區 3">
-            <a:extLst>
-              <a:ext uri="{FF2B5EF4-FFF2-40B4-BE49-F238E27FC236}">
-                <a16:creationId xmlns:a16="http://schemas.microsoft.com/office/drawing/2014/main" id="{B4E2C0EB-CD7F-4DE2-AAF7-9F290C4E6697}"/>
-              </a:ext>
-            </a:extLst>
-          </p:cNvPr>
-          <p:cNvSpPr>
-            <a:spLocks noGrp="1"/>
-          </p:cNvSpPr>
-          <p:nvPr>
-            <p:ph type="ftr" sz="quarter" idx="11"/>
-          </p:nvPr>
-        </p:nvSpPr>
-        <p:spPr/>
-        <p:txBody>
-          <a:bodyPr/>
-          <a:lstStyle/>
-          <a:p>
-            <a:r>
-              <a:rPr lang="en-US" altLang="zh-TW"/>
-              <a:t>104</a:t>
-            </a:r>
-            <a:r>
-              <a:rPr lang="zh-TW" altLang="en-US"/>
-              <a:t>人資學院  </a:t>
-            </a:r>
-            <a:r>
-              <a:rPr lang="en-US" altLang="zh-TW"/>
-              <a:t>All Rights Reserved</a:t>
-            </a:r>
-            <a:endParaRPr lang="zh-TW" altLang="en-US"/>
-          </a:p>
-        </p:txBody>
-      </p:sp>
-      <p:pic>
-        <p:nvPicPr>
-          <p:cNvPr id="5" name="圖片 4">
-            <a:extLst>
-              <a:ext uri="{FF2B5EF4-FFF2-40B4-BE49-F238E27FC236}">
-                <a16:creationId xmlns:a16="http://schemas.microsoft.com/office/drawing/2014/main" id="{33488B55-F97A-4C63-921A-A7408E2D6A35}"/>
-              </a:ext>
-            </a:extLst>
-          </p:cNvPr>
-          <p:cNvPicPr>
-            <a:picLocks noChangeAspect="1"/>
-          </p:cNvPicPr>
-          <p:nvPr/>
-        </p:nvPicPr>
-        <p:blipFill>
-          <a:blip r:embed="rId3"/>
-          <a:stretch>
-            <a:fillRect/>
-          </a:stretch>
-        </p:blipFill>
-        <p:spPr>
-          <a:xfrm>
-            <a:off x="533005" y="2852936"/>
-            <a:ext cx="8153796" cy="3530848"/>
-          </a:xfrm>
-          <a:prstGeom prst="rect">
-            <a:avLst/>
-          </a:prstGeom>
-        </p:spPr>
-      </p:pic>
-    </p:spTree>
-    <p:extLst>
-      <p:ext uri="{BB962C8B-B14F-4D97-AF65-F5344CB8AC3E}">
-        <p14:creationId xmlns:p14="http://schemas.microsoft.com/office/powerpoint/2010/main" val="1886309669"/>
-      </p:ext>
-    </p:extLst>
-  </p:cSld>
-  <p:clrMapOvr>
-    <a:masterClrMapping/>
-  </p:clrMapOvr>
-</p:sld>
-</file>
-
-<file path=ppt/slides/slide14.xml><?xml version="1.0" encoding="utf-8"?>
-<p:sld xmlns:a="http://schemas.openxmlformats.org/drawingml/2006/main" xmlns:r="http://schemas.openxmlformats.org/officeDocument/2006/relationships" xmlns:p="http://schemas.openxmlformats.org/presentationml/2006/main">
-  <p:cSld>
-    <p:spTree>
-      <p:nvGrpSpPr>
-        <p:cNvPr id="1" name=""/>
-        <p:cNvGrpSpPr/>
-        <p:nvPr/>
-      </p:nvGrpSpPr>
-      <p:grpSpPr>
-        <a:xfrm>
-          <a:off x="0" y="0"/>
-          <a:ext cx="0" cy="0"/>
-          <a:chOff x="0" y="0"/>
-          <a:chExt cx="0" cy="0"/>
-        </a:xfrm>
-      </p:grpSpPr>
-      <p:sp>
-        <p:nvSpPr>
-          <p:cNvPr id="2" name="標題 1">
-            <a:extLst>
-              <a:ext uri="{FF2B5EF4-FFF2-40B4-BE49-F238E27FC236}">
-                <a16:creationId xmlns:a16="http://schemas.microsoft.com/office/drawing/2014/main" id="{647F4C66-668A-4D8A-8F51-F198A2B4C458}"/>
-              </a:ext>
-            </a:extLst>
-          </p:cNvPr>
-          <p:cNvSpPr>
-            <a:spLocks noGrp="1"/>
-          </p:cNvSpPr>
-          <p:nvPr>
-            <p:ph type="title"/>
-          </p:nvPr>
-        </p:nvSpPr>
-        <p:spPr/>
-        <p:txBody>
-          <a:bodyPr/>
-          <a:lstStyle/>
-          <a:p>
-            <a:r>
-              <a:rPr lang="en-US" altLang="zh-TW" dirty="0"/>
-              <a:t>ASYNC</a:t>
-            </a:r>
-            <a:r>
-              <a:rPr lang="zh-TW" altLang="en-US" dirty="0"/>
-              <a:t>整理</a:t>
-            </a:r>
-          </a:p>
-        </p:txBody>
-      </p:sp>
-      <p:sp>
-        <p:nvSpPr>
-          <p:cNvPr id="3" name="內容版面配置區 2">
-            <a:extLst>
-              <a:ext uri="{FF2B5EF4-FFF2-40B4-BE49-F238E27FC236}">
-                <a16:creationId xmlns:a16="http://schemas.microsoft.com/office/drawing/2014/main" id="{67B283EE-D519-443B-B399-B4DAAC0EE76D}"/>
-              </a:ext>
-            </a:extLst>
-          </p:cNvPr>
-          <p:cNvSpPr>
-            <a:spLocks noGrp="1"/>
-          </p:cNvSpPr>
-          <p:nvPr>
-            <p:ph idx="1"/>
-          </p:nvPr>
-        </p:nvSpPr>
-        <p:spPr/>
-        <p:txBody>
-          <a:bodyPr/>
-          <a:lstStyle/>
-          <a:p>
-            <a:r>
-              <a:rPr lang="en-US" altLang="zh-TW" dirty="0" err="1"/>
-              <a:t>CallBack</a:t>
-            </a:r>
-            <a:r>
-              <a:rPr lang="en-US" altLang="zh-TW" dirty="0"/>
-              <a:t> </a:t>
-            </a:r>
-            <a:r>
-              <a:rPr lang="zh-TW" altLang="en-US" dirty="0"/>
-              <a:t>是</a:t>
-            </a:r>
-            <a:r>
-              <a:rPr lang="en-US" altLang="zh-TW" dirty="0" err="1"/>
-              <a:t>js</a:t>
-            </a:r>
-            <a:r>
-              <a:rPr lang="zh-TW" altLang="en-US" dirty="0"/>
-              <a:t>在處理</a:t>
-            </a:r>
-            <a:r>
-              <a:rPr lang="en-US" altLang="zh-TW" dirty="0"/>
-              <a:t>non-</a:t>
-            </a:r>
-            <a:r>
-              <a:rPr lang="en-US" altLang="zh-TW" dirty="0" err="1"/>
-              <a:t>blockin</a:t>
-            </a:r>
-            <a:r>
-              <a:rPr lang="zh-TW" altLang="en-US" dirty="0"/>
-              <a:t>的設計方式</a:t>
-            </a:r>
-            <a:r>
-              <a:rPr lang="en-US" altLang="zh-TW" dirty="0"/>
-              <a:t>(</a:t>
-            </a:r>
-            <a:r>
-              <a:rPr lang="en-US" altLang="zh-TW" dirty="0" err="1"/>
-              <a:t>async</a:t>
-            </a:r>
-            <a:r>
-              <a:rPr lang="en-US" altLang="zh-TW" dirty="0"/>
-              <a:t>)</a:t>
-            </a:r>
-          </a:p>
-          <a:p>
-            <a:r>
-              <a:rPr lang="zh-TW" altLang="en-US" dirty="0"/>
-              <a:t>解決</a:t>
-            </a:r>
-            <a:r>
-              <a:rPr lang="en-US" altLang="zh-TW" dirty="0" err="1"/>
-              <a:t>CallBack</a:t>
-            </a:r>
-            <a:r>
-              <a:rPr lang="zh-TW" altLang="en-US" dirty="0"/>
-              <a:t> </a:t>
-            </a:r>
-            <a:r>
-              <a:rPr lang="en-US" altLang="zh-TW" dirty="0"/>
-              <a:t>Hell</a:t>
-            </a:r>
-          </a:p>
-          <a:p>
-            <a:pPr lvl="1"/>
-            <a:r>
-              <a:rPr lang="en-US" altLang="zh-TW" dirty="0"/>
-              <a:t>ES6 </a:t>
-            </a:r>
-            <a:r>
-              <a:rPr lang="en-US" altLang="zh-TW" dirty="0">
-                <a:sym typeface="Wingdings" panose="05000000000000000000" pitchFamily="2" charset="2"/>
-              </a:rPr>
-              <a:t> </a:t>
-            </a:r>
-            <a:r>
-              <a:rPr lang="en-US" altLang="zh-TW" dirty="0"/>
-              <a:t>promise</a:t>
-            </a:r>
-          </a:p>
-          <a:p>
-            <a:pPr lvl="1"/>
-            <a:r>
-              <a:rPr lang="en-US" altLang="zh-TW" dirty="0" err="1"/>
-              <a:t>Async</a:t>
-            </a:r>
-            <a:r>
-              <a:rPr lang="en-US" altLang="zh-TW" dirty="0"/>
-              <a:t> </a:t>
-            </a:r>
-            <a:r>
-              <a:rPr lang="en-US" altLang="zh-TW" dirty="0">
-                <a:sym typeface="Wingdings" panose="05000000000000000000" pitchFamily="2" charset="2"/>
-              </a:rPr>
-              <a:t> waterfall, each …</a:t>
-            </a:r>
-            <a:endParaRPr lang="en-US" altLang="zh-TW" dirty="0"/>
-          </a:p>
-          <a:p>
-            <a:pPr lvl="1"/>
-            <a:r>
-              <a:rPr lang="en-US" altLang="zh-TW" dirty="0"/>
-              <a:t>ES7 </a:t>
-            </a:r>
-            <a:r>
-              <a:rPr lang="en-US" altLang="zh-TW" dirty="0">
-                <a:sym typeface="Wingdings" panose="05000000000000000000" pitchFamily="2" charset="2"/>
-              </a:rPr>
-              <a:t> </a:t>
-            </a:r>
-            <a:r>
-              <a:rPr lang="en-US" altLang="zh-TW" dirty="0" err="1"/>
-              <a:t>async</a:t>
-            </a:r>
-            <a:r>
-              <a:rPr lang="en-US" altLang="zh-TW" dirty="0"/>
-              <a:t> await</a:t>
-            </a:r>
-          </a:p>
-          <a:p>
-            <a:pPr lvl="1"/>
-            <a:r>
-              <a:rPr lang="en-US" altLang="zh-TW" dirty="0" err="1"/>
-              <a:t>nodejs</a:t>
-            </a:r>
-            <a:r>
-              <a:rPr lang="en-US" altLang="zh-TW" dirty="0">
-                <a:sym typeface="Wingdings" panose="05000000000000000000" pitchFamily="2" charset="2"/>
-              </a:rPr>
-              <a:t>  </a:t>
-            </a:r>
-            <a:r>
-              <a:rPr lang="en-US" altLang="zh-TW" dirty="0" err="1">
-                <a:sym typeface="Wingdings" panose="05000000000000000000" pitchFamily="2" charset="2"/>
-              </a:rPr>
-              <a:t>promisify</a:t>
-            </a:r>
-            <a:endParaRPr lang="en-US" altLang="zh-TW" dirty="0"/>
-          </a:p>
-        </p:txBody>
-      </p:sp>
-      <p:sp>
-        <p:nvSpPr>
-          <p:cNvPr id="4" name="頁尾版面配置區 3">
-            <a:extLst>
-              <a:ext uri="{FF2B5EF4-FFF2-40B4-BE49-F238E27FC236}">
-                <a16:creationId xmlns:a16="http://schemas.microsoft.com/office/drawing/2014/main" id="{06890AFF-36AE-4479-A2BD-6831DAAAB459}"/>
-              </a:ext>
-            </a:extLst>
-          </p:cNvPr>
-          <p:cNvSpPr>
-            <a:spLocks noGrp="1"/>
-          </p:cNvSpPr>
-          <p:nvPr>
-            <p:ph type="ftr" sz="quarter" idx="11"/>
-          </p:nvPr>
-        </p:nvSpPr>
-        <p:spPr/>
-        <p:txBody>
-          <a:bodyPr/>
-          <a:lstStyle/>
-          <a:p>
-            <a:r>
-              <a:rPr lang="en-US" altLang="zh-TW"/>
-              <a:t>104</a:t>
-            </a:r>
-            <a:r>
-              <a:rPr lang="zh-TW" altLang="en-US"/>
-              <a:t>人資學院  </a:t>
-            </a:r>
-            <a:r>
-              <a:rPr lang="en-US" altLang="zh-TW"/>
-              <a:t>All Rights Reserved</a:t>
-            </a:r>
-            <a:endParaRPr lang="zh-TW" altLang="en-US"/>
-          </a:p>
-        </p:txBody>
-      </p:sp>
-    </p:spTree>
-    <p:extLst>
-      <p:ext uri="{BB962C8B-B14F-4D97-AF65-F5344CB8AC3E}">
-        <p14:creationId xmlns:p14="http://schemas.microsoft.com/office/powerpoint/2010/main" val="477108725"/>
-      </p:ext>
-    </p:extLst>
-  </p:cSld>
-  <p:clrMapOvr>
-    <a:masterClrMapping/>
-  </p:clrMapOvr>
-</p:sld>
-</file>
-
-<file path=ppt/slides/slide15.xml><?xml version="1.0" encoding="utf-8"?>
-<p:sld xmlns:a="http://schemas.openxmlformats.org/drawingml/2006/main" xmlns:r="http://schemas.openxmlformats.org/officeDocument/2006/relationships" xmlns:p="http://schemas.openxmlformats.org/presentationml/2006/main">
-  <p:cSld>
-    <p:spTree>
-      <p:nvGrpSpPr>
-        <p:cNvPr id="1" name=""/>
-        <p:cNvGrpSpPr/>
-        <p:nvPr/>
-      </p:nvGrpSpPr>
-      <p:grpSpPr>
-        <a:xfrm>
-          <a:off x="0" y="0"/>
-          <a:ext cx="0" cy="0"/>
-          <a:chOff x="0" y="0"/>
-          <a:chExt cx="0" cy="0"/>
-        </a:xfrm>
-      </p:grpSpPr>
-      <p:sp>
-        <p:nvSpPr>
-          <p:cNvPr id="2" name="標題 1">
-            <a:extLst>
-              <a:ext uri="{FF2B5EF4-FFF2-40B4-BE49-F238E27FC236}">
                 <a16:creationId xmlns:a16="http://schemas.microsoft.com/office/drawing/2014/main" id="{50FD158A-3005-4C2F-9E0B-172513459AB0}"/>
               </a:ext>
             </a:extLst>
@@ -5032,7 +4515,7 @@
 </p:sld>
 </file>
 
-<file path=ppt/slides/slide16.xml><?xml version="1.0" encoding="utf-8"?>
+<file path=ppt/slides/slide14.xml><?xml version="1.0" encoding="utf-8"?>
 <p:sld xmlns:a="http://schemas.openxmlformats.org/drawingml/2006/main" xmlns:r="http://schemas.openxmlformats.org/officeDocument/2006/relationships" xmlns:p="http://schemas.openxmlformats.org/presentationml/2006/main">
   <p:cSld>
     <p:spTree>

--- a/2019_0627_Git_Share_HA.pptx
+++ b/2019_0627_Git_Share_HA.pptx
@@ -4231,6 +4231,44 @@
         <p:txBody>
           <a:bodyPr/>
           <a:lstStyle/>
+          <a:p>
+            <a:r>
+              <a:rPr lang="en-US" altLang="zh-TW" dirty="0"/>
+              <a:t>git log</a:t>
+            </a:r>
+          </a:p>
+          <a:p>
+            <a:r>
+              <a:rPr lang="en-US" altLang="zh-TW" dirty="0"/>
+              <a:t>git </a:t>
+            </a:r>
+            <a:r>
+              <a:rPr lang="en-US" altLang="zh-TW" dirty="0" err="1"/>
+              <a:t>reflog</a:t>
+            </a:r>
+            <a:endParaRPr lang="en-US" altLang="zh-TW" dirty="0"/>
+          </a:p>
+          <a:p>
+            <a:endParaRPr lang="en-US" altLang="zh-TW" dirty="0"/>
+          </a:p>
+          <a:p>
+            <a:r>
+              <a:rPr lang="en-US" altLang="zh-TW" dirty="0"/>
+              <a:t>git reset</a:t>
+            </a:r>
+          </a:p>
+          <a:p>
+            <a:r>
+              <a:rPr lang="en-US" altLang="zh-TW" dirty="0"/>
+              <a:t>git revert</a:t>
+            </a:r>
+          </a:p>
+          <a:p>
+            <a:r>
+              <a:rPr lang="en-US" altLang="zh-TW" dirty="0"/>
+              <a:t>git cherry-pick</a:t>
+            </a:r>
+          </a:p>
           <a:p>
             <a:endParaRPr lang="zh-TW" altLang="en-US" dirty="0"/>
           </a:p>

--- a/2019_0627_Git_Share_HA.pptx
+++ b/2019_0627_Git_Share_HA.pptx
@@ -5,7 +5,7 @@
     <p:sldMasterId id="2147483648" r:id="rId1"/>
   </p:sldMasterIdLst>
   <p:notesMasterIdLst>
-    <p:notesMasterId r:id="rId16"/>
+    <p:notesMasterId r:id="rId20"/>
   </p:notesMasterIdLst>
   <p:sldIdLst>
     <p:sldId id="256" r:id="rId2"/>
@@ -16,12 +16,16 @@
     <p:sldId id="267" r:id="rId7"/>
     <p:sldId id="268" r:id="rId8"/>
     <p:sldId id="269" r:id="rId9"/>
-    <p:sldId id="270" r:id="rId10"/>
-    <p:sldId id="271" r:id="rId11"/>
+    <p:sldId id="271" r:id="rId10"/>
+    <p:sldId id="270" r:id="rId11"/>
     <p:sldId id="272" r:id="rId12"/>
     <p:sldId id="273" r:id="rId13"/>
-    <p:sldId id="263" r:id="rId14"/>
-    <p:sldId id="258" r:id="rId15"/>
+    <p:sldId id="274" r:id="rId14"/>
+    <p:sldId id="275" r:id="rId15"/>
+    <p:sldId id="276" r:id="rId16"/>
+    <p:sldId id="277" r:id="rId17"/>
+    <p:sldId id="263" r:id="rId18"/>
+    <p:sldId id="258" r:id="rId19"/>
   </p:sldIdLst>
   <p:sldSz cx="9144000" cy="6858000" type="screen4x3"/>
   <p:notesSz cx="6858000" cy="9144000"/>
@@ -3893,7 +3897,7 @@
           <p:cNvPr id="2" name="標題 1">
             <a:extLst>
               <a:ext uri="{FF2B5EF4-FFF2-40B4-BE49-F238E27FC236}">
-                <a16:creationId xmlns:a16="http://schemas.microsoft.com/office/drawing/2014/main" id="{F4C8D03F-7BF2-443A-B34B-E942512AB6D4}"/>
+                <a16:creationId xmlns:a16="http://schemas.microsoft.com/office/drawing/2014/main" id="{BFFEE0E3-D896-49FC-AD42-28E39E9F6684}"/>
               </a:ext>
             </a:extLst>
           </p:cNvPr>
@@ -3911,96 +3915,30 @@
           <a:p>
             <a:r>
               <a:rPr lang="en-US" altLang="zh-TW" dirty="0"/>
-              <a:t>commit</a:t>
-            </a:r>
-            <a:endParaRPr lang="zh-TW" altLang="en-US" dirty="0"/>
-          </a:p>
-        </p:txBody>
-      </p:sp>
-      <p:sp>
-        <p:nvSpPr>
-          <p:cNvPr id="4" name="頁尾版面配置區 3">
+              <a:t>Commit </a:t>
+            </a:r>
+            <a:r>
+              <a:rPr lang="zh-TW" altLang="en-US" dirty="0"/>
+              <a:t>的結構</a:t>
+            </a:r>
+          </a:p>
+        </p:txBody>
+      </p:sp>
+      <p:pic>
+        <p:nvPicPr>
+          <p:cNvPr id="6" name="內容版面配置區 5">
             <a:extLst>
               <a:ext uri="{FF2B5EF4-FFF2-40B4-BE49-F238E27FC236}">
-                <a16:creationId xmlns:a16="http://schemas.microsoft.com/office/drawing/2014/main" id="{F22D0A4E-9104-421C-B2EC-E5932C5BF52D}"/>
-              </a:ext>
-            </a:extLst>
-          </p:cNvPr>
-          <p:cNvSpPr>
-            <a:spLocks noGrp="1"/>
-          </p:cNvSpPr>
-          <p:nvPr>
-            <p:ph type="ftr" sz="quarter" idx="11"/>
-          </p:nvPr>
-        </p:nvSpPr>
-        <p:spPr/>
-        <p:txBody>
-          <a:bodyPr/>
-          <a:lstStyle/>
-          <a:p>
-            <a:r>
-              <a:rPr lang="en-US" altLang="zh-TW"/>
-              <a:t>104</a:t>
-            </a:r>
-            <a:r>
-              <a:rPr lang="zh-TW" altLang="en-US"/>
-              <a:t>人資學院  </a:t>
-            </a:r>
-            <a:r>
-              <a:rPr lang="en-US" altLang="zh-TW"/>
-              <a:t>All Rights Reserved</a:t>
-            </a:r>
-            <a:endParaRPr lang="zh-TW" altLang="en-US"/>
-          </a:p>
-        </p:txBody>
-      </p:sp>
-      <p:sp>
-        <p:nvSpPr>
-          <p:cNvPr id="8" name="內容版面配置區 7">
-            <a:extLst>
-              <a:ext uri="{FF2B5EF4-FFF2-40B4-BE49-F238E27FC236}">
-                <a16:creationId xmlns:a16="http://schemas.microsoft.com/office/drawing/2014/main" id="{E657D714-AC9F-4963-9721-E48B1BD94B3D}"/>
-              </a:ext>
-            </a:extLst>
-          </p:cNvPr>
-          <p:cNvSpPr>
-            <a:spLocks noGrp="1"/>
-          </p:cNvSpPr>
-          <p:nvPr>
-            <p:ph idx="1"/>
-          </p:nvPr>
-        </p:nvSpPr>
-        <p:spPr/>
-        <p:txBody>
-          <a:bodyPr/>
-          <a:lstStyle/>
-          <a:p>
-            <a:r>
-              <a:rPr lang="en-US" altLang="zh-TW" dirty="0"/>
-              <a:t>git add &lt;file&gt; / git reset -- &lt;file&gt;</a:t>
-            </a:r>
-          </a:p>
-          <a:p>
-            <a:r>
-              <a:rPr lang="en-US" altLang="zh-TW" dirty="0"/>
-              <a:t>git commit / git reset HEAD^</a:t>
-            </a:r>
-          </a:p>
-        </p:txBody>
-      </p:sp>
-      <p:pic>
-        <p:nvPicPr>
-          <p:cNvPr id="10" name="圖片 9">
-            <a:extLst>
-              <a:ext uri="{FF2B5EF4-FFF2-40B4-BE49-F238E27FC236}">
-                <a16:creationId xmlns:a16="http://schemas.microsoft.com/office/drawing/2014/main" id="{E8F073B9-3951-4DF2-AB89-270F11395BF4}"/>
+                <a16:creationId xmlns:a16="http://schemas.microsoft.com/office/drawing/2014/main" id="{3A551CA5-4852-4D58-BD45-5A55C6098D88}"/>
               </a:ext>
             </a:extLst>
           </p:cNvPr>
           <p:cNvPicPr>
-            <a:picLocks noChangeAspect="1"/>
+            <a:picLocks noGrp="1" noChangeAspect="1"/>
           </p:cNvPicPr>
-          <p:nvPr/>
+          <p:nvPr>
+            <p:ph idx="1"/>
+          </p:nvPr>
         </p:nvPicPr>
         <p:blipFill>
           <a:blip r:embed="rId2">
@@ -4016,18 +3954,52 @@
         </p:blipFill>
         <p:spPr>
           <a:xfrm>
-            <a:off x="1367644" y="2996952"/>
-            <a:ext cx="6408712" cy="2751214"/>
+            <a:off x="1626592" y="1916832"/>
+            <a:ext cx="5890815" cy="3982191"/>
           </a:xfrm>
-          <a:prstGeom prst="rect">
-            <a:avLst/>
-          </a:prstGeom>
         </p:spPr>
       </p:pic>
+      <p:sp>
+        <p:nvSpPr>
+          <p:cNvPr id="4" name="頁尾版面配置區 3">
+            <a:extLst>
+              <a:ext uri="{FF2B5EF4-FFF2-40B4-BE49-F238E27FC236}">
+                <a16:creationId xmlns:a16="http://schemas.microsoft.com/office/drawing/2014/main" id="{65E62AEC-C8E7-49D7-AEC4-504FDCB9DE5C}"/>
+              </a:ext>
+            </a:extLst>
+          </p:cNvPr>
+          <p:cNvSpPr>
+            <a:spLocks noGrp="1"/>
+          </p:cNvSpPr>
+          <p:nvPr>
+            <p:ph type="ftr" sz="quarter" idx="11"/>
+          </p:nvPr>
+        </p:nvSpPr>
+        <p:spPr/>
+        <p:txBody>
+          <a:bodyPr/>
+          <a:lstStyle/>
+          <a:p>
+            <a:r>
+              <a:rPr lang="en-US" altLang="zh-TW"/>
+              <a:t>104</a:t>
+            </a:r>
+            <a:r>
+              <a:rPr lang="zh-TW" altLang="en-US"/>
+              <a:t>人資學院  </a:t>
+            </a:r>
+            <a:r>
+              <a:rPr lang="en-US" altLang="zh-TW"/>
+              <a:t>All Rights Reserved</a:t>
+            </a:r>
+            <a:endParaRPr lang="zh-TW" altLang="en-US"/>
+          </a:p>
+        </p:txBody>
+      </p:sp>
     </p:spTree>
     <p:extLst>
       <p:ext uri="{BB962C8B-B14F-4D97-AF65-F5344CB8AC3E}">
-        <p14:creationId xmlns:p14="http://schemas.microsoft.com/office/powerpoint/2010/main" val="2254284079"/>
+        <p14:creationId xmlns:p14="http://schemas.microsoft.com/office/powerpoint/2010/main" val="2471281583"/>
       </p:ext>
     </p:extLst>
   </p:cSld>
@@ -4346,6 +4318,540 @@
           <p:cNvPr id="2" name="標題 1">
             <a:extLst>
               <a:ext uri="{FF2B5EF4-FFF2-40B4-BE49-F238E27FC236}">
+                <a16:creationId xmlns:a16="http://schemas.microsoft.com/office/drawing/2014/main" id="{E18474E4-5251-4C95-988C-ED141435C816}"/>
+              </a:ext>
+            </a:extLst>
+          </p:cNvPr>
+          <p:cNvSpPr>
+            <a:spLocks noGrp="1"/>
+          </p:cNvSpPr>
+          <p:nvPr>
+            <p:ph type="title"/>
+          </p:nvPr>
+        </p:nvSpPr>
+        <p:spPr/>
+        <p:txBody>
+          <a:bodyPr/>
+          <a:lstStyle/>
+          <a:p>
+            <a:r>
+              <a:rPr lang="en-US" altLang="zh-TW" dirty="0"/>
+              <a:t>git reset</a:t>
+            </a:r>
+            <a:endParaRPr lang="zh-TW" altLang="en-US" dirty="0"/>
+          </a:p>
+        </p:txBody>
+      </p:sp>
+      <p:pic>
+        <p:nvPicPr>
+          <p:cNvPr id="6" name="內容版面配置區 5">
+            <a:extLst>
+              <a:ext uri="{FF2B5EF4-FFF2-40B4-BE49-F238E27FC236}">
+                <a16:creationId xmlns:a16="http://schemas.microsoft.com/office/drawing/2014/main" id="{4667679F-9C24-423F-8068-4BEA57B575CF}"/>
+              </a:ext>
+            </a:extLst>
+          </p:cNvPr>
+          <p:cNvPicPr>
+            <a:picLocks noGrp="1" noChangeAspect="1"/>
+          </p:cNvPicPr>
+          <p:nvPr>
+            <p:ph idx="1"/>
+          </p:nvPr>
+        </p:nvPicPr>
+        <p:blipFill>
+          <a:blip r:embed="rId2">
+            <a:extLst>
+              <a:ext uri="{28A0092B-C50C-407E-A947-70E740481C1C}">
+                <a14:useLocalDpi xmlns:a14="http://schemas.microsoft.com/office/drawing/2010/main" val="0"/>
+              </a:ext>
+            </a:extLst>
+          </a:blip>
+          <a:stretch>
+            <a:fillRect/>
+          </a:stretch>
+        </p:blipFill>
+        <p:spPr>
+          <a:xfrm>
+            <a:off x="1184986" y="1340768"/>
+            <a:ext cx="6774028" cy="5044826"/>
+          </a:xfrm>
+        </p:spPr>
+      </p:pic>
+      <p:sp>
+        <p:nvSpPr>
+          <p:cNvPr id="4" name="頁尾版面配置區 3">
+            <a:extLst>
+              <a:ext uri="{FF2B5EF4-FFF2-40B4-BE49-F238E27FC236}">
+                <a16:creationId xmlns:a16="http://schemas.microsoft.com/office/drawing/2014/main" id="{D32FFBB7-342D-4ECE-B696-678EAA8A584A}"/>
+              </a:ext>
+            </a:extLst>
+          </p:cNvPr>
+          <p:cNvSpPr>
+            <a:spLocks noGrp="1"/>
+          </p:cNvSpPr>
+          <p:nvPr>
+            <p:ph type="ftr" sz="quarter" idx="11"/>
+          </p:nvPr>
+        </p:nvSpPr>
+        <p:spPr/>
+        <p:txBody>
+          <a:bodyPr/>
+          <a:lstStyle/>
+          <a:p>
+            <a:r>
+              <a:rPr lang="en-US" altLang="zh-TW"/>
+              <a:t>104</a:t>
+            </a:r>
+            <a:r>
+              <a:rPr lang="zh-TW" altLang="en-US"/>
+              <a:t>人資學院  </a:t>
+            </a:r>
+            <a:r>
+              <a:rPr lang="en-US" altLang="zh-TW"/>
+              <a:t>All Rights Reserved</a:t>
+            </a:r>
+            <a:endParaRPr lang="zh-TW" altLang="en-US"/>
+          </a:p>
+        </p:txBody>
+      </p:sp>
+    </p:spTree>
+    <p:extLst>
+      <p:ext uri="{BB962C8B-B14F-4D97-AF65-F5344CB8AC3E}">
+        <p14:creationId xmlns:p14="http://schemas.microsoft.com/office/powerpoint/2010/main" val="2162669686"/>
+      </p:ext>
+    </p:extLst>
+  </p:cSld>
+  <p:clrMapOvr>
+    <a:masterClrMapping/>
+  </p:clrMapOvr>
+</p:sld>
+</file>
+
+<file path=ppt/slides/slide14.xml><?xml version="1.0" encoding="utf-8"?>
+<p:sld xmlns:a="http://schemas.openxmlformats.org/drawingml/2006/main" xmlns:r="http://schemas.openxmlformats.org/officeDocument/2006/relationships" xmlns:p="http://schemas.openxmlformats.org/presentationml/2006/main">
+  <p:cSld>
+    <p:spTree>
+      <p:nvGrpSpPr>
+        <p:cNvPr id="1" name=""/>
+        <p:cNvGrpSpPr/>
+        <p:nvPr/>
+      </p:nvGrpSpPr>
+      <p:grpSpPr>
+        <a:xfrm>
+          <a:off x="0" y="0"/>
+          <a:ext cx="0" cy="0"/>
+          <a:chOff x="0" y="0"/>
+          <a:chExt cx="0" cy="0"/>
+        </a:xfrm>
+      </p:grpSpPr>
+      <p:sp>
+        <p:nvSpPr>
+          <p:cNvPr id="2" name="標題 1">
+            <a:extLst>
+              <a:ext uri="{FF2B5EF4-FFF2-40B4-BE49-F238E27FC236}">
+                <a16:creationId xmlns:a16="http://schemas.microsoft.com/office/drawing/2014/main" id="{F0926E6E-9B88-4725-9516-94C1C779F3B9}"/>
+              </a:ext>
+            </a:extLst>
+          </p:cNvPr>
+          <p:cNvSpPr>
+            <a:spLocks noGrp="1"/>
+          </p:cNvSpPr>
+          <p:nvPr>
+            <p:ph type="title"/>
+          </p:nvPr>
+        </p:nvSpPr>
+        <p:spPr/>
+        <p:txBody>
+          <a:bodyPr/>
+          <a:lstStyle/>
+          <a:p>
+            <a:r>
+              <a:rPr lang="en-US" altLang="zh-TW" dirty="0"/>
+              <a:t>git revert</a:t>
+            </a:r>
+            <a:endParaRPr lang="zh-TW" altLang="en-US" dirty="0"/>
+          </a:p>
+        </p:txBody>
+      </p:sp>
+      <p:pic>
+        <p:nvPicPr>
+          <p:cNvPr id="6" name="內容版面配置區 5">
+            <a:extLst>
+              <a:ext uri="{FF2B5EF4-FFF2-40B4-BE49-F238E27FC236}">
+                <a16:creationId xmlns:a16="http://schemas.microsoft.com/office/drawing/2014/main" id="{47E815E2-1394-48D9-BED1-79568E143C4B}"/>
+              </a:ext>
+            </a:extLst>
+          </p:cNvPr>
+          <p:cNvPicPr>
+            <a:picLocks noGrp="1" noChangeAspect="1"/>
+          </p:cNvPicPr>
+          <p:nvPr>
+            <p:ph idx="1"/>
+          </p:nvPr>
+        </p:nvPicPr>
+        <p:blipFill>
+          <a:blip r:embed="rId2">
+            <a:extLst>
+              <a:ext uri="{28A0092B-C50C-407E-A947-70E740481C1C}">
+                <a14:useLocalDpi xmlns:a14="http://schemas.microsoft.com/office/drawing/2010/main" val="0"/>
+              </a:ext>
+            </a:extLst>
+          </a:blip>
+          <a:stretch>
+            <a:fillRect/>
+          </a:stretch>
+        </p:blipFill>
+        <p:spPr>
+          <a:xfrm>
+            <a:off x="1201692" y="2060849"/>
+            <a:ext cx="6740616" cy="3604666"/>
+          </a:xfrm>
+        </p:spPr>
+      </p:pic>
+      <p:sp>
+        <p:nvSpPr>
+          <p:cNvPr id="4" name="頁尾版面配置區 3">
+            <a:extLst>
+              <a:ext uri="{FF2B5EF4-FFF2-40B4-BE49-F238E27FC236}">
+                <a16:creationId xmlns:a16="http://schemas.microsoft.com/office/drawing/2014/main" id="{8AD330CA-C329-4FE9-8747-39799FD3D86E}"/>
+              </a:ext>
+            </a:extLst>
+          </p:cNvPr>
+          <p:cNvSpPr>
+            <a:spLocks noGrp="1"/>
+          </p:cNvSpPr>
+          <p:nvPr>
+            <p:ph type="ftr" sz="quarter" idx="11"/>
+          </p:nvPr>
+        </p:nvSpPr>
+        <p:spPr/>
+        <p:txBody>
+          <a:bodyPr/>
+          <a:lstStyle/>
+          <a:p>
+            <a:r>
+              <a:rPr lang="en-US" altLang="zh-TW"/>
+              <a:t>104</a:t>
+            </a:r>
+            <a:r>
+              <a:rPr lang="zh-TW" altLang="en-US"/>
+              <a:t>人資學院  </a:t>
+            </a:r>
+            <a:r>
+              <a:rPr lang="en-US" altLang="zh-TW"/>
+              <a:t>All Rights Reserved</a:t>
+            </a:r>
+            <a:endParaRPr lang="zh-TW" altLang="en-US"/>
+          </a:p>
+        </p:txBody>
+      </p:sp>
+    </p:spTree>
+    <p:extLst>
+      <p:ext uri="{BB962C8B-B14F-4D97-AF65-F5344CB8AC3E}">
+        <p14:creationId xmlns:p14="http://schemas.microsoft.com/office/powerpoint/2010/main" val="673396586"/>
+      </p:ext>
+    </p:extLst>
+  </p:cSld>
+  <p:clrMapOvr>
+    <a:masterClrMapping/>
+  </p:clrMapOvr>
+</p:sld>
+</file>
+
+<file path=ppt/slides/slide15.xml><?xml version="1.0" encoding="utf-8"?>
+<p:sld xmlns:a="http://schemas.openxmlformats.org/drawingml/2006/main" xmlns:r="http://schemas.openxmlformats.org/officeDocument/2006/relationships" xmlns:p="http://schemas.openxmlformats.org/presentationml/2006/main">
+  <p:cSld>
+    <p:spTree>
+      <p:nvGrpSpPr>
+        <p:cNvPr id="1" name=""/>
+        <p:cNvGrpSpPr/>
+        <p:nvPr/>
+      </p:nvGrpSpPr>
+      <p:grpSpPr>
+        <a:xfrm>
+          <a:off x="0" y="0"/>
+          <a:ext cx="0" cy="0"/>
+          <a:chOff x="0" y="0"/>
+          <a:chExt cx="0" cy="0"/>
+        </a:xfrm>
+      </p:grpSpPr>
+      <p:sp>
+        <p:nvSpPr>
+          <p:cNvPr id="2" name="標題 1">
+            <a:extLst>
+              <a:ext uri="{FF2B5EF4-FFF2-40B4-BE49-F238E27FC236}">
+                <a16:creationId xmlns:a16="http://schemas.microsoft.com/office/drawing/2014/main" id="{68EFB24C-0379-4CFF-81D1-16A5BC12F95C}"/>
+              </a:ext>
+            </a:extLst>
+          </p:cNvPr>
+          <p:cNvSpPr>
+            <a:spLocks noGrp="1"/>
+          </p:cNvSpPr>
+          <p:nvPr>
+            <p:ph type="title"/>
+          </p:nvPr>
+        </p:nvSpPr>
+        <p:spPr/>
+        <p:txBody>
+          <a:bodyPr/>
+          <a:lstStyle/>
+          <a:p>
+            <a:r>
+              <a:rPr lang="en-US" altLang="zh-TW" dirty="0"/>
+              <a:t>git cherry-pick</a:t>
+            </a:r>
+            <a:endParaRPr lang="zh-TW" altLang="en-US" dirty="0"/>
+          </a:p>
+        </p:txBody>
+      </p:sp>
+      <p:pic>
+        <p:nvPicPr>
+          <p:cNvPr id="6" name="內容版面配置區 5">
+            <a:extLst>
+              <a:ext uri="{FF2B5EF4-FFF2-40B4-BE49-F238E27FC236}">
+                <a16:creationId xmlns:a16="http://schemas.microsoft.com/office/drawing/2014/main" id="{CA9C99F7-B077-4489-B6ED-7A5EF3ADEE02}"/>
+              </a:ext>
+            </a:extLst>
+          </p:cNvPr>
+          <p:cNvPicPr>
+            <a:picLocks noGrp="1" noChangeAspect="1"/>
+          </p:cNvPicPr>
+          <p:nvPr>
+            <p:ph idx="1"/>
+          </p:nvPr>
+        </p:nvPicPr>
+        <p:blipFill>
+          <a:blip r:embed="rId2">
+            <a:extLst>
+              <a:ext uri="{28A0092B-C50C-407E-A947-70E740481C1C}">
+                <a14:useLocalDpi xmlns:a14="http://schemas.microsoft.com/office/drawing/2010/main" val="0"/>
+              </a:ext>
+            </a:extLst>
+          </a:blip>
+          <a:stretch>
+            <a:fillRect/>
+          </a:stretch>
+        </p:blipFill>
+        <p:spPr>
+          <a:xfrm>
+            <a:off x="1331640" y="1972971"/>
+            <a:ext cx="6480720" cy="3780420"/>
+          </a:xfrm>
+        </p:spPr>
+      </p:pic>
+      <p:sp>
+        <p:nvSpPr>
+          <p:cNvPr id="4" name="頁尾版面配置區 3">
+            <a:extLst>
+              <a:ext uri="{FF2B5EF4-FFF2-40B4-BE49-F238E27FC236}">
+                <a16:creationId xmlns:a16="http://schemas.microsoft.com/office/drawing/2014/main" id="{1749E8FA-7421-4F9A-8813-3D49F426C46C}"/>
+              </a:ext>
+            </a:extLst>
+          </p:cNvPr>
+          <p:cNvSpPr>
+            <a:spLocks noGrp="1"/>
+          </p:cNvSpPr>
+          <p:nvPr>
+            <p:ph type="ftr" sz="quarter" idx="11"/>
+          </p:nvPr>
+        </p:nvSpPr>
+        <p:spPr/>
+        <p:txBody>
+          <a:bodyPr/>
+          <a:lstStyle/>
+          <a:p>
+            <a:r>
+              <a:rPr lang="en-US" altLang="zh-TW"/>
+              <a:t>104</a:t>
+            </a:r>
+            <a:r>
+              <a:rPr lang="zh-TW" altLang="en-US"/>
+              <a:t>人資學院  </a:t>
+            </a:r>
+            <a:r>
+              <a:rPr lang="en-US" altLang="zh-TW"/>
+              <a:t>All Rights Reserved</a:t>
+            </a:r>
+            <a:endParaRPr lang="zh-TW" altLang="en-US"/>
+          </a:p>
+        </p:txBody>
+      </p:sp>
+    </p:spTree>
+    <p:extLst>
+      <p:ext uri="{BB962C8B-B14F-4D97-AF65-F5344CB8AC3E}">
+        <p14:creationId xmlns:p14="http://schemas.microsoft.com/office/powerpoint/2010/main" val="3339302955"/>
+      </p:ext>
+    </p:extLst>
+  </p:cSld>
+  <p:clrMapOvr>
+    <a:masterClrMapping/>
+  </p:clrMapOvr>
+</p:sld>
+</file>
+
+<file path=ppt/slides/slide16.xml><?xml version="1.0" encoding="utf-8"?>
+<p:sld xmlns:a="http://schemas.openxmlformats.org/drawingml/2006/main" xmlns:r="http://schemas.openxmlformats.org/officeDocument/2006/relationships" xmlns:p="http://schemas.openxmlformats.org/presentationml/2006/main">
+  <p:cSld>
+    <p:spTree>
+      <p:nvGrpSpPr>
+        <p:cNvPr id="1" name=""/>
+        <p:cNvGrpSpPr/>
+        <p:nvPr/>
+      </p:nvGrpSpPr>
+      <p:grpSpPr>
+        <a:xfrm>
+          <a:off x="0" y="0"/>
+          <a:ext cx="0" cy="0"/>
+          <a:chOff x="0" y="0"/>
+          <a:chExt cx="0" cy="0"/>
+        </a:xfrm>
+      </p:grpSpPr>
+      <p:sp>
+        <p:nvSpPr>
+          <p:cNvPr id="2" name="標題 1">
+            <a:extLst>
+              <a:ext uri="{FF2B5EF4-FFF2-40B4-BE49-F238E27FC236}">
+                <a16:creationId xmlns:a16="http://schemas.microsoft.com/office/drawing/2014/main" id="{1112BDCB-BE94-4727-941C-E907AEC3328C}"/>
+              </a:ext>
+            </a:extLst>
+          </p:cNvPr>
+          <p:cNvSpPr>
+            <a:spLocks noGrp="1"/>
+          </p:cNvSpPr>
+          <p:nvPr>
+            <p:ph type="title"/>
+          </p:nvPr>
+        </p:nvSpPr>
+        <p:spPr/>
+        <p:txBody>
+          <a:bodyPr/>
+          <a:lstStyle/>
+          <a:p>
+            <a:r>
+              <a:rPr lang="en-US" altLang="zh-TW" dirty="0"/>
+              <a:t>git branch</a:t>
+            </a:r>
+            <a:r>
+              <a:rPr lang="zh-TW" altLang="en-US" dirty="0"/>
+              <a:t> 的相關操作</a:t>
+            </a:r>
+          </a:p>
+        </p:txBody>
+      </p:sp>
+      <p:sp>
+        <p:nvSpPr>
+          <p:cNvPr id="3" name="內容版面配置區 2">
+            <a:extLst>
+              <a:ext uri="{FF2B5EF4-FFF2-40B4-BE49-F238E27FC236}">
+                <a16:creationId xmlns:a16="http://schemas.microsoft.com/office/drawing/2014/main" id="{01FA9E98-7A1B-4DEC-AA24-87357FFA1532}"/>
+              </a:ext>
+            </a:extLst>
+          </p:cNvPr>
+          <p:cNvSpPr>
+            <a:spLocks noGrp="1"/>
+          </p:cNvSpPr>
+          <p:nvPr>
+            <p:ph idx="1"/>
+          </p:nvPr>
+        </p:nvSpPr>
+        <p:spPr/>
+        <p:txBody>
+          <a:bodyPr/>
+          <a:lstStyle/>
+          <a:p>
+            <a:r>
+              <a:rPr lang="en-US" altLang="zh-TW" dirty="0"/>
+              <a:t>git fetch</a:t>
+            </a:r>
+            <a:r>
+              <a:rPr lang="zh-TW" altLang="en-US" dirty="0"/>
+              <a:t> </a:t>
+            </a:r>
+            <a:r>
+              <a:rPr lang="en-US" altLang="zh-TW" dirty="0"/>
+              <a:t>(git pull = git fetch + git merge)</a:t>
+            </a:r>
+          </a:p>
+          <a:p>
+            <a:endParaRPr lang="en-US" altLang="zh-TW" dirty="0"/>
+          </a:p>
+          <a:p>
+            <a:endParaRPr lang="zh-TW" altLang="en-US" dirty="0"/>
+          </a:p>
+        </p:txBody>
+      </p:sp>
+      <p:sp>
+        <p:nvSpPr>
+          <p:cNvPr id="4" name="頁尾版面配置區 3">
+            <a:extLst>
+              <a:ext uri="{FF2B5EF4-FFF2-40B4-BE49-F238E27FC236}">
+                <a16:creationId xmlns:a16="http://schemas.microsoft.com/office/drawing/2014/main" id="{B910B239-2AC6-4CCB-B12B-422DFB75E142}"/>
+              </a:ext>
+            </a:extLst>
+          </p:cNvPr>
+          <p:cNvSpPr>
+            <a:spLocks noGrp="1"/>
+          </p:cNvSpPr>
+          <p:nvPr>
+            <p:ph type="ftr" sz="quarter" idx="11"/>
+          </p:nvPr>
+        </p:nvSpPr>
+        <p:spPr/>
+        <p:txBody>
+          <a:bodyPr/>
+          <a:lstStyle/>
+          <a:p>
+            <a:r>
+              <a:rPr lang="en-US" altLang="zh-TW"/>
+              <a:t>104</a:t>
+            </a:r>
+            <a:r>
+              <a:rPr lang="zh-TW" altLang="en-US"/>
+              <a:t>人資學院  </a:t>
+            </a:r>
+            <a:r>
+              <a:rPr lang="en-US" altLang="zh-TW"/>
+              <a:t>All Rights Reserved</a:t>
+            </a:r>
+            <a:endParaRPr lang="zh-TW" altLang="en-US"/>
+          </a:p>
+        </p:txBody>
+      </p:sp>
+    </p:spTree>
+    <p:extLst>
+      <p:ext uri="{BB962C8B-B14F-4D97-AF65-F5344CB8AC3E}">
+        <p14:creationId xmlns:p14="http://schemas.microsoft.com/office/powerpoint/2010/main" val="94732751"/>
+      </p:ext>
+    </p:extLst>
+  </p:cSld>
+  <p:clrMapOvr>
+    <a:masterClrMapping/>
+  </p:clrMapOvr>
+</p:sld>
+</file>
+
+<file path=ppt/slides/slide17.xml><?xml version="1.0" encoding="utf-8"?>
+<p:sld xmlns:a="http://schemas.openxmlformats.org/drawingml/2006/main" xmlns:r="http://schemas.openxmlformats.org/officeDocument/2006/relationships" xmlns:p="http://schemas.openxmlformats.org/presentationml/2006/main">
+  <p:cSld>
+    <p:spTree>
+      <p:nvGrpSpPr>
+        <p:cNvPr id="1" name=""/>
+        <p:cNvGrpSpPr/>
+        <p:nvPr/>
+      </p:nvGrpSpPr>
+      <p:grpSpPr>
+        <a:xfrm>
+          <a:off x="0" y="0"/>
+          <a:ext cx="0" cy="0"/>
+          <a:chOff x="0" y="0"/>
+          <a:chExt cx="0" cy="0"/>
+        </a:xfrm>
+      </p:grpSpPr>
+      <p:sp>
+        <p:nvSpPr>
+          <p:cNvPr id="2" name="標題 1">
+            <a:extLst>
+              <a:ext uri="{FF2B5EF4-FFF2-40B4-BE49-F238E27FC236}">
                 <a16:creationId xmlns:a16="http://schemas.microsoft.com/office/drawing/2014/main" id="{50FD158A-3005-4C2F-9E0B-172513459AB0}"/>
               </a:ext>
             </a:extLst>
@@ -4553,7 +5059,7 @@
 </p:sld>
 </file>
 
-<file path=ppt/slides/slide14.xml><?xml version="1.0" encoding="utf-8"?>
+<file path=ppt/slides/slide18.xml><?xml version="1.0" encoding="utf-8"?>
 <p:sld xmlns:a="http://schemas.openxmlformats.org/drawingml/2006/main" xmlns:r="http://schemas.openxmlformats.org/officeDocument/2006/relationships" xmlns:p="http://schemas.openxmlformats.org/presentationml/2006/main">
   <p:cSld>
     <p:spTree>
@@ -6144,7 +6650,7 @@
           <p:cNvPr id="2" name="標題 1">
             <a:extLst>
               <a:ext uri="{FF2B5EF4-FFF2-40B4-BE49-F238E27FC236}">
-                <a16:creationId xmlns:a16="http://schemas.microsoft.com/office/drawing/2014/main" id="{BFFEE0E3-D896-49FC-AD42-28E39E9F6684}"/>
+                <a16:creationId xmlns:a16="http://schemas.microsoft.com/office/drawing/2014/main" id="{F4C8D03F-7BF2-443A-B34B-E942512AB6D4}"/>
               </a:ext>
             </a:extLst>
           </p:cNvPr>
@@ -6162,27 +6668,104 @@
           <a:p>
             <a:r>
               <a:rPr lang="en-US" altLang="zh-TW" dirty="0"/>
-              <a:t>commit</a:t>
+              <a:t>Commit</a:t>
+            </a:r>
+            <a:r>
+              <a:rPr lang="zh-TW" altLang="en-US" dirty="0"/>
+              <a:t> </a:t>
+            </a:r>
+            <a:r>
+              <a:rPr lang="en-US" altLang="zh-TW" dirty="0"/>
+              <a:t>work-tree</a:t>
             </a:r>
             <a:endParaRPr lang="zh-TW" altLang="en-US" dirty="0"/>
+          </a:p>
+        </p:txBody>
+      </p:sp>
+      <p:sp>
+        <p:nvSpPr>
+          <p:cNvPr id="4" name="頁尾版面配置區 3">
+            <a:extLst>
+              <a:ext uri="{FF2B5EF4-FFF2-40B4-BE49-F238E27FC236}">
+                <a16:creationId xmlns:a16="http://schemas.microsoft.com/office/drawing/2014/main" id="{F22D0A4E-9104-421C-B2EC-E5932C5BF52D}"/>
+              </a:ext>
+            </a:extLst>
+          </p:cNvPr>
+          <p:cNvSpPr>
+            <a:spLocks noGrp="1"/>
+          </p:cNvSpPr>
+          <p:nvPr>
+            <p:ph type="ftr" sz="quarter" idx="11"/>
+          </p:nvPr>
+        </p:nvSpPr>
+        <p:spPr/>
+        <p:txBody>
+          <a:bodyPr/>
+          <a:lstStyle/>
+          <a:p>
+            <a:r>
+              <a:rPr lang="en-US" altLang="zh-TW"/>
+              <a:t>104</a:t>
+            </a:r>
+            <a:r>
+              <a:rPr lang="zh-TW" altLang="en-US"/>
+              <a:t>人資學院  </a:t>
+            </a:r>
+            <a:r>
+              <a:rPr lang="en-US" altLang="zh-TW"/>
+              <a:t>All Rights Reserved</a:t>
+            </a:r>
+            <a:endParaRPr lang="zh-TW" altLang="en-US"/>
+          </a:p>
+        </p:txBody>
+      </p:sp>
+      <p:sp>
+        <p:nvSpPr>
+          <p:cNvPr id="8" name="內容版面配置區 7">
+            <a:extLst>
+              <a:ext uri="{FF2B5EF4-FFF2-40B4-BE49-F238E27FC236}">
+                <a16:creationId xmlns:a16="http://schemas.microsoft.com/office/drawing/2014/main" id="{E657D714-AC9F-4963-9721-E48B1BD94B3D}"/>
+              </a:ext>
+            </a:extLst>
+          </p:cNvPr>
+          <p:cNvSpPr>
+            <a:spLocks noGrp="1"/>
+          </p:cNvSpPr>
+          <p:nvPr>
+            <p:ph idx="1"/>
+          </p:nvPr>
+        </p:nvSpPr>
+        <p:spPr/>
+        <p:txBody>
+          <a:bodyPr/>
+          <a:lstStyle/>
+          <a:p>
+            <a:r>
+              <a:rPr lang="en-US" altLang="zh-TW" dirty="0"/>
+              <a:t>git add &lt;file&gt; / git reset -- &lt;file&gt;</a:t>
+            </a:r>
+          </a:p>
+          <a:p>
+            <a:r>
+              <a:rPr lang="en-US" altLang="zh-TW" dirty="0"/>
+              <a:t>git commit / git reset HEAD^</a:t>
+            </a:r>
           </a:p>
         </p:txBody>
       </p:sp>
       <p:pic>
         <p:nvPicPr>
-          <p:cNvPr id="6" name="內容版面配置區 5">
+          <p:cNvPr id="10" name="圖片 9">
             <a:extLst>
               <a:ext uri="{FF2B5EF4-FFF2-40B4-BE49-F238E27FC236}">
-                <a16:creationId xmlns:a16="http://schemas.microsoft.com/office/drawing/2014/main" id="{3A551CA5-4852-4D58-BD45-5A55C6098D88}"/>
+                <a16:creationId xmlns:a16="http://schemas.microsoft.com/office/drawing/2014/main" id="{E8F073B9-3951-4DF2-AB89-270F11395BF4}"/>
               </a:ext>
             </a:extLst>
           </p:cNvPr>
           <p:cNvPicPr>
-            <a:picLocks noGrp="1" noChangeAspect="1"/>
+            <a:picLocks noChangeAspect="1"/>
           </p:cNvPicPr>
-          <p:nvPr>
-            <p:ph idx="1"/>
-          </p:nvPr>
+          <p:nvPr/>
         </p:nvPicPr>
         <p:blipFill>
           <a:blip r:embed="rId2">
@@ -6198,52 +6781,18 @@
         </p:blipFill>
         <p:spPr>
           <a:xfrm>
-            <a:off x="1626592" y="1916832"/>
-            <a:ext cx="5890815" cy="3982191"/>
+            <a:off x="1367644" y="2996952"/>
+            <a:ext cx="6408712" cy="2751214"/>
           </a:xfrm>
+          <a:prstGeom prst="rect">
+            <a:avLst/>
+          </a:prstGeom>
         </p:spPr>
       </p:pic>
-      <p:sp>
-        <p:nvSpPr>
-          <p:cNvPr id="4" name="頁尾版面配置區 3">
-            <a:extLst>
-              <a:ext uri="{FF2B5EF4-FFF2-40B4-BE49-F238E27FC236}">
-                <a16:creationId xmlns:a16="http://schemas.microsoft.com/office/drawing/2014/main" id="{65E62AEC-C8E7-49D7-AEC4-504FDCB9DE5C}"/>
-              </a:ext>
-            </a:extLst>
-          </p:cNvPr>
-          <p:cNvSpPr>
-            <a:spLocks noGrp="1"/>
-          </p:cNvSpPr>
-          <p:nvPr>
-            <p:ph type="ftr" sz="quarter" idx="11"/>
-          </p:nvPr>
-        </p:nvSpPr>
-        <p:spPr/>
-        <p:txBody>
-          <a:bodyPr/>
-          <a:lstStyle/>
-          <a:p>
-            <a:r>
-              <a:rPr lang="en-US" altLang="zh-TW"/>
-              <a:t>104</a:t>
-            </a:r>
-            <a:r>
-              <a:rPr lang="zh-TW" altLang="en-US"/>
-              <a:t>人資學院  </a:t>
-            </a:r>
-            <a:r>
-              <a:rPr lang="en-US" altLang="zh-TW"/>
-              <a:t>All Rights Reserved</a:t>
-            </a:r>
-            <a:endParaRPr lang="zh-TW" altLang="en-US"/>
-          </a:p>
-        </p:txBody>
-      </p:sp>
     </p:spTree>
     <p:extLst>
       <p:ext uri="{BB962C8B-B14F-4D97-AF65-F5344CB8AC3E}">
-        <p14:creationId xmlns:p14="http://schemas.microsoft.com/office/powerpoint/2010/main" val="2471281583"/>
+        <p14:creationId xmlns:p14="http://schemas.microsoft.com/office/powerpoint/2010/main" val="2254284079"/>
       </p:ext>
     </p:extLst>
   </p:cSld>

--- a/2019_0627_Git_Share_HA.pptx
+++ b/2019_0627_Git_Share_HA.pptx
@@ -4081,9 +4081,13 @@
           <a:p>
             <a:r>
               <a:rPr lang="en-US" altLang="zh-TW" dirty="0"/>
-              <a:t>assume-unchanged</a:t>
-            </a:r>
-            <a:endParaRPr lang="zh-TW" altLang="en-US" dirty="0"/>
+              <a:t>assume-unchanged	 </a:t>
+            </a:r>
+            <a:r>
+              <a:rPr lang="zh-TW" altLang="en-US" dirty="0"/>
+              <a:t>練習</a:t>
+            </a:r>
+            <a:endParaRPr lang="en-US" altLang="zh-TW" dirty="0"/>
           </a:p>
         </p:txBody>
       </p:sp>
@@ -4754,7 +4758,12 @@
             <p:ph idx="1"/>
           </p:nvPr>
         </p:nvSpPr>
-        <p:spPr/>
+        <p:spPr>
+          <a:xfrm>
+            <a:off x="457200" y="1600200"/>
+            <a:ext cx="8229600" cy="4525963"/>
+          </a:xfrm>
+        </p:spPr>
         <p:txBody>
           <a:bodyPr/>
           <a:lstStyle/>
@@ -4773,10 +4782,34 @@
             </a:r>
           </a:p>
           <a:p>
-            <a:endParaRPr lang="en-US" altLang="zh-TW" dirty="0"/>
-          </a:p>
-          <a:p>
-            <a:endParaRPr lang="zh-TW" altLang="en-US" dirty="0"/>
+            <a:r>
+              <a:rPr lang="en-US" altLang="zh-TW" dirty="0"/>
+              <a:t>git tracking</a:t>
+            </a:r>
+          </a:p>
+          <a:p>
+            <a:r>
+              <a:rPr lang="en-US" altLang="zh-TW" dirty="0"/>
+              <a:t>git merge</a:t>
+            </a:r>
+          </a:p>
+          <a:p>
+            <a:r>
+              <a:rPr lang="en-US" altLang="zh-TW" dirty="0"/>
+              <a:t>git rebase</a:t>
+            </a:r>
+          </a:p>
+          <a:p>
+            <a:r>
+              <a:rPr lang="en-US" altLang="zh-TW" dirty="0"/>
+              <a:t>git pull</a:t>
+            </a:r>
+          </a:p>
+          <a:p>
+            <a:r>
+              <a:rPr lang="en-US" altLang="zh-TW" dirty="0"/>
+              <a:t>git push</a:t>
+            </a:r>
           </a:p>
         </p:txBody>
       </p:sp>

--- a/2019_0627_Git_Share_HA.pptx
+++ b/2019_0627_Git_Share_HA.pptx
@@ -5,7 +5,7 @@
     <p:sldMasterId id="2147483648" r:id="rId1"/>
   </p:sldMasterIdLst>
   <p:notesMasterIdLst>
-    <p:notesMasterId r:id="rId20"/>
+    <p:notesMasterId r:id="rId29"/>
   </p:notesMasterIdLst>
   <p:sldIdLst>
     <p:sldId id="256" r:id="rId2"/>
@@ -24,8 +24,17 @@
     <p:sldId id="275" r:id="rId15"/>
     <p:sldId id="276" r:id="rId16"/>
     <p:sldId id="277" r:id="rId17"/>
-    <p:sldId id="263" r:id="rId18"/>
-    <p:sldId id="258" r:id="rId19"/>
+    <p:sldId id="278" r:id="rId18"/>
+    <p:sldId id="279" r:id="rId19"/>
+    <p:sldId id="280" r:id="rId20"/>
+    <p:sldId id="284" r:id="rId21"/>
+    <p:sldId id="281" r:id="rId22"/>
+    <p:sldId id="283" r:id="rId23"/>
+    <p:sldId id="282" r:id="rId24"/>
+    <p:sldId id="285" r:id="rId25"/>
+    <p:sldId id="286" r:id="rId26"/>
+    <p:sldId id="263" r:id="rId27"/>
+    <p:sldId id="258" r:id="rId28"/>
   </p:sldIdLst>
   <p:sldSz cx="9144000" cy="6858000" type="screen4x3"/>
   <p:notesSz cx="6858000" cy="9144000"/>
@@ -4885,7 +4894,7 @@
           <p:cNvPr id="2" name="標題 1">
             <a:extLst>
               <a:ext uri="{FF2B5EF4-FFF2-40B4-BE49-F238E27FC236}">
-                <a16:creationId xmlns:a16="http://schemas.microsoft.com/office/drawing/2014/main" id="{50FD158A-3005-4C2F-9E0B-172513459AB0}"/>
+                <a16:creationId xmlns:a16="http://schemas.microsoft.com/office/drawing/2014/main" id="{7EA3A339-93E4-4F6B-8189-7736125937DC}"/>
               </a:ext>
             </a:extLst>
           </p:cNvPr>
@@ -4903,151 +4912,53 @@
           <a:p>
             <a:r>
               <a:rPr lang="en-US" altLang="zh-TW" dirty="0"/>
-              <a:t>Reference</a:t>
+              <a:t>git branch</a:t>
             </a:r>
             <a:endParaRPr lang="zh-TW" altLang="en-US" dirty="0"/>
           </a:p>
         </p:txBody>
       </p:sp>
-      <p:sp>
-        <p:nvSpPr>
-          <p:cNvPr id="3" name="內容版面配置區 2">
+      <p:pic>
+        <p:nvPicPr>
+          <p:cNvPr id="6" name="內容版面配置區 5">
             <a:extLst>
               <a:ext uri="{FF2B5EF4-FFF2-40B4-BE49-F238E27FC236}">
-                <a16:creationId xmlns:a16="http://schemas.microsoft.com/office/drawing/2014/main" id="{609D8A0A-9EEF-4512-B2F7-970F90065265}"/>
+                <a16:creationId xmlns:a16="http://schemas.microsoft.com/office/drawing/2014/main" id="{7ED642A9-9990-4B32-9264-662240BA2026}"/>
               </a:ext>
             </a:extLst>
           </p:cNvPr>
-          <p:cNvSpPr>
-            <a:spLocks noGrp="1"/>
-          </p:cNvSpPr>
+          <p:cNvPicPr>
+            <a:picLocks noGrp="1" noChangeAspect="1"/>
+          </p:cNvPicPr>
           <p:nvPr>
             <p:ph idx="1"/>
           </p:nvPr>
-        </p:nvSpPr>
-        <p:spPr/>
-        <p:txBody>
-          <a:bodyPr/>
-          <a:lstStyle/>
-          <a:p>
-            <a:r>
-              <a:rPr lang="en-US" altLang="zh-TW" dirty="0">
-                <a:sym typeface="Wingdings" panose="05000000000000000000" pitchFamily="2" charset="2"/>
-              </a:rPr>
-              <a:t>[</a:t>
-            </a:r>
-            <a:r>
-              <a:rPr lang="zh-TW" altLang="en-US" dirty="0">
-                <a:sym typeface="Wingdings" panose="05000000000000000000" pitchFamily="2" charset="2"/>
-              </a:rPr>
-              <a:t>連猴子都能懂得</a:t>
-            </a:r>
-            <a:r>
-              <a:rPr lang="en-US" altLang="zh-TW" dirty="0">
-                <a:sym typeface="Wingdings" panose="05000000000000000000" pitchFamily="2" charset="2"/>
-              </a:rPr>
-              <a:t>Git</a:t>
-            </a:r>
-            <a:r>
-              <a:rPr lang="zh-TW" altLang="en-US" dirty="0">
-                <a:sym typeface="Wingdings" panose="05000000000000000000" pitchFamily="2" charset="2"/>
-              </a:rPr>
-              <a:t>入門指南</a:t>
-            </a:r>
-            <a:r>
-              <a:rPr lang="en-US" altLang="zh-TW" dirty="0">
-                <a:sym typeface="Wingdings" panose="05000000000000000000" pitchFamily="2" charset="2"/>
-              </a:rPr>
-              <a:t>]</a:t>
-            </a:r>
-            <a:br>
-              <a:rPr lang="en-US" altLang="zh-TW" dirty="0">
-                <a:sym typeface="Wingdings" panose="05000000000000000000" pitchFamily="2" charset="2"/>
-              </a:rPr>
-            </a:br>
-            <a:r>
-              <a:rPr lang="en-US" altLang="zh-TW" dirty="0">
-                <a:sym typeface="Wingdings" panose="05000000000000000000" pitchFamily="2" charset="2"/>
-              </a:rPr>
-              <a:t>(https://backlog.com/git-tutorial/tw/intro/intro2_4.html)</a:t>
-            </a:r>
-          </a:p>
-          <a:p>
-            <a:r>
-              <a:rPr lang="en-US" altLang="zh-TW" dirty="0">
-                <a:sym typeface="Wingdings" panose="05000000000000000000" pitchFamily="2" charset="2"/>
-              </a:rPr>
-              <a:t>[</a:t>
-            </a:r>
-            <a:r>
-              <a:rPr lang="en-US" altLang="zh-TW" dirty="0" err="1">
-                <a:sym typeface="Wingdings" panose="05000000000000000000" pitchFamily="2" charset="2"/>
-              </a:rPr>
-              <a:t>ihower</a:t>
-            </a:r>
-            <a:r>
-              <a:rPr lang="zh-TW" altLang="en-US" dirty="0">
-                <a:sym typeface="Wingdings" panose="05000000000000000000" pitchFamily="2" charset="2"/>
-              </a:rPr>
-              <a:t>的</a:t>
-            </a:r>
-            <a:r>
-              <a:rPr lang="en-US" altLang="zh-TW" dirty="0">
-                <a:sym typeface="Wingdings" panose="05000000000000000000" pitchFamily="2" charset="2"/>
-              </a:rPr>
-              <a:t>Git</a:t>
-            </a:r>
-            <a:r>
-              <a:rPr lang="zh-TW" altLang="en-US" dirty="0">
-                <a:sym typeface="Wingdings" panose="05000000000000000000" pitchFamily="2" charset="2"/>
-              </a:rPr>
-              <a:t>教室</a:t>
-            </a:r>
-            <a:r>
-              <a:rPr lang="en-US" altLang="zh-TW" dirty="0">
-                <a:sym typeface="Wingdings" panose="05000000000000000000" pitchFamily="2" charset="2"/>
-              </a:rPr>
-              <a:t>]</a:t>
-            </a:r>
-            <a:br>
-              <a:rPr lang="en-US" altLang="zh-TW" dirty="0">
-                <a:sym typeface="Wingdings" panose="05000000000000000000" pitchFamily="2" charset="2"/>
-              </a:rPr>
-            </a:br>
-            <a:r>
-              <a:rPr lang="en-US" altLang="zh-TW" dirty="0">
-                <a:sym typeface="Wingdings" panose="05000000000000000000" pitchFamily="2" charset="2"/>
-              </a:rPr>
-              <a:t>(https://ihower.tw/git/index.html)</a:t>
-            </a:r>
-          </a:p>
-          <a:p>
-            <a:r>
-              <a:rPr lang="en-US" altLang="zh-TW" dirty="0">
-                <a:sym typeface="Wingdings" panose="05000000000000000000" pitchFamily="2" charset="2"/>
-              </a:rPr>
-              <a:t>[git-document]</a:t>
-            </a:r>
-            <a:br>
-              <a:rPr lang="en-US" altLang="zh-TW" dirty="0">
-                <a:sym typeface="Wingdings" panose="05000000000000000000" pitchFamily="2" charset="2"/>
-              </a:rPr>
-            </a:br>
-            <a:r>
-              <a:rPr lang="en-US" altLang="zh-TW" dirty="0">
-                <a:sym typeface="Wingdings" panose="05000000000000000000" pitchFamily="2" charset="2"/>
-              </a:rPr>
-              <a:t>(https://git-scm.com/book/en/v2)</a:t>
-            </a:r>
-          </a:p>
-        </p:txBody>
-      </p:sp>
+        </p:nvPicPr>
+        <p:blipFill>
+          <a:blip r:embed="rId2">
+            <a:extLst>
+              <a:ext uri="{28A0092B-C50C-407E-A947-70E740481C1C}">
+                <a14:useLocalDpi xmlns:a14="http://schemas.microsoft.com/office/drawing/2010/main" val="0"/>
+              </a:ext>
+            </a:extLst>
+          </a:blip>
+          <a:stretch>
+            <a:fillRect/>
+          </a:stretch>
+        </p:blipFill>
+        <p:spPr>
+          <a:xfrm>
+            <a:off x="657084" y="1844824"/>
+            <a:ext cx="7829832" cy="4036714"/>
+          </a:xfrm>
+        </p:spPr>
+      </p:pic>
       <p:sp>
         <p:nvSpPr>
           <p:cNvPr id="4" name="頁尾版面配置區 3">
             <a:extLst>
               <a:ext uri="{FF2B5EF4-FFF2-40B4-BE49-F238E27FC236}">
-                <a16:creationId xmlns:a16="http://schemas.microsoft.com/office/drawing/2014/main" id="{545666E0-D575-4F74-B46E-1D256E04A06A}"/>
+                <a16:creationId xmlns:a16="http://schemas.microsoft.com/office/drawing/2014/main" id="{52F01968-3F71-48D2-AB5B-17913594A6E3}"/>
               </a:ext>
             </a:extLst>
           </p:cNvPr>
@@ -5082,7 +4993,7 @@
     </p:spTree>
     <p:extLst>
       <p:ext uri="{BB962C8B-B14F-4D97-AF65-F5344CB8AC3E}">
-        <p14:creationId xmlns:p14="http://schemas.microsoft.com/office/powerpoint/2010/main" val="3400992210"/>
+        <p14:creationId xmlns:p14="http://schemas.microsoft.com/office/powerpoint/2010/main" val="15513713"/>
       </p:ext>
     </p:extLst>
   </p:cSld>
@@ -5109,16 +5020,207 @@
           <a:chExt cx="0" cy="0"/>
         </a:xfrm>
       </p:grpSpPr>
+      <p:sp>
+        <p:nvSpPr>
+          <p:cNvPr id="2" name="標題 1">
+            <a:extLst>
+              <a:ext uri="{FF2B5EF4-FFF2-40B4-BE49-F238E27FC236}">
+                <a16:creationId xmlns:a16="http://schemas.microsoft.com/office/drawing/2014/main" id="{EF107246-D4A2-491A-A265-E2CD45D1D66F}"/>
+              </a:ext>
+            </a:extLst>
+          </p:cNvPr>
+          <p:cNvSpPr>
+            <a:spLocks noGrp="1"/>
+          </p:cNvSpPr>
+          <p:nvPr>
+            <p:ph type="title"/>
+          </p:nvPr>
+        </p:nvSpPr>
+        <p:spPr/>
+        <p:txBody>
+          <a:bodyPr/>
+          <a:lstStyle/>
+          <a:p>
+            <a:r>
+              <a:rPr lang="en-US" altLang="zh-TW" dirty="0"/>
+              <a:t>git branch </a:t>
+            </a:r>
+            <a:r>
+              <a:rPr lang="zh-TW" altLang="en-US" dirty="0"/>
+              <a:t>練習</a:t>
+            </a:r>
+          </a:p>
+        </p:txBody>
+      </p:sp>
+      <p:sp>
+        <p:nvSpPr>
+          <p:cNvPr id="3" name="內容版面配置區 2">
+            <a:extLst>
+              <a:ext uri="{FF2B5EF4-FFF2-40B4-BE49-F238E27FC236}">
+                <a16:creationId xmlns:a16="http://schemas.microsoft.com/office/drawing/2014/main" id="{6674A6E1-D07B-4E14-B586-3ECF90DAF540}"/>
+              </a:ext>
+            </a:extLst>
+          </p:cNvPr>
+          <p:cNvSpPr>
+            <a:spLocks noGrp="1"/>
+          </p:cNvSpPr>
+          <p:nvPr>
+            <p:ph idx="1"/>
+          </p:nvPr>
+        </p:nvSpPr>
+        <p:spPr/>
+        <p:txBody>
+          <a:bodyPr/>
+          <a:lstStyle/>
+          <a:p>
+            <a:r>
+              <a:rPr lang="en-US" altLang="zh-TW" dirty="0"/>
+              <a:t>git branch -b</a:t>
+            </a:r>
+          </a:p>
+          <a:p>
+            <a:r>
+              <a:rPr lang="en-US" altLang="zh-TW" dirty="0"/>
+              <a:t>git branch -d</a:t>
+            </a:r>
+          </a:p>
+          <a:p>
+            <a:r>
+              <a:rPr lang="en-US" altLang="zh-TW" dirty="0"/>
+              <a:t>git branch -D</a:t>
+            </a:r>
+          </a:p>
+          <a:p>
+            <a:r>
+              <a:rPr lang="en-US" altLang="zh-TW" dirty="0"/>
+              <a:t>git branch -u origin/dev</a:t>
+            </a:r>
+          </a:p>
+          <a:p>
+            <a:endParaRPr lang="en-US" altLang="zh-TW" dirty="0"/>
+          </a:p>
+          <a:p>
+            <a:endParaRPr lang="en-US" altLang="zh-TW" dirty="0"/>
+          </a:p>
+          <a:p>
+            <a:endParaRPr lang="zh-TW" altLang="en-US" dirty="0"/>
+          </a:p>
+        </p:txBody>
+      </p:sp>
+      <p:sp>
+        <p:nvSpPr>
+          <p:cNvPr id="4" name="頁尾版面配置區 3">
+            <a:extLst>
+              <a:ext uri="{FF2B5EF4-FFF2-40B4-BE49-F238E27FC236}">
+                <a16:creationId xmlns:a16="http://schemas.microsoft.com/office/drawing/2014/main" id="{34408CDC-7B2E-4D81-9D92-0AAA071EB967}"/>
+              </a:ext>
+            </a:extLst>
+          </p:cNvPr>
+          <p:cNvSpPr>
+            <a:spLocks noGrp="1"/>
+          </p:cNvSpPr>
+          <p:nvPr>
+            <p:ph type="ftr" sz="quarter" idx="11"/>
+          </p:nvPr>
+        </p:nvSpPr>
+        <p:spPr/>
+        <p:txBody>
+          <a:bodyPr/>
+          <a:lstStyle/>
+          <a:p>
+            <a:r>
+              <a:rPr lang="en-US" altLang="zh-TW"/>
+              <a:t>104</a:t>
+            </a:r>
+            <a:r>
+              <a:rPr lang="zh-TW" altLang="en-US"/>
+              <a:t>人資學院  </a:t>
+            </a:r>
+            <a:r>
+              <a:rPr lang="en-US" altLang="zh-TW"/>
+              <a:t>All Rights Reserved</a:t>
+            </a:r>
+            <a:endParaRPr lang="zh-TW" altLang="en-US"/>
+          </a:p>
+        </p:txBody>
+      </p:sp>
+    </p:spTree>
+    <p:extLst>
+      <p:ext uri="{BB962C8B-B14F-4D97-AF65-F5344CB8AC3E}">
+        <p14:creationId xmlns:p14="http://schemas.microsoft.com/office/powerpoint/2010/main" val="336174395"/>
+      </p:ext>
+    </p:extLst>
+  </p:cSld>
+  <p:clrMapOvr>
+    <a:masterClrMapping/>
+  </p:clrMapOvr>
+</p:sld>
+</file>
+
+<file path=ppt/slides/slide19.xml><?xml version="1.0" encoding="utf-8"?>
+<p:sld xmlns:a="http://schemas.openxmlformats.org/drawingml/2006/main" xmlns:r="http://schemas.openxmlformats.org/officeDocument/2006/relationships" xmlns:p="http://schemas.openxmlformats.org/presentationml/2006/main">
+  <p:cSld>
+    <p:spTree>
+      <p:nvGrpSpPr>
+        <p:cNvPr id="1" name=""/>
+        <p:cNvGrpSpPr/>
+        <p:nvPr/>
+      </p:nvGrpSpPr>
+      <p:grpSpPr>
+        <a:xfrm>
+          <a:off x="0" y="0"/>
+          <a:ext cx="0" cy="0"/>
+          <a:chOff x="0" y="0"/>
+          <a:chExt cx="0" cy="0"/>
+        </a:xfrm>
+      </p:grpSpPr>
+      <p:sp>
+        <p:nvSpPr>
+          <p:cNvPr id="2" name="標題 1">
+            <a:extLst>
+              <a:ext uri="{FF2B5EF4-FFF2-40B4-BE49-F238E27FC236}">
+                <a16:creationId xmlns:a16="http://schemas.microsoft.com/office/drawing/2014/main" id="{F85F1577-4338-46CA-80B2-9124F80BC935}"/>
+              </a:ext>
+            </a:extLst>
+          </p:cNvPr>
+          <p:cNvSpPr>
+            <a:spLocks noGrp="1"/>
+          </p:cNvSpPr>
+          <p:nvPr>
+            <p:ph type="title"/>
+          </p:nvPr>
+        </p:nvSpPr>
+        <p:spPr/>
+        <p:txBody>
+          <a:bodyPr/>
+          <a:lstStyle/>
+          <a:p>
+            <a:r>
+              <a:rPr lang="en-US" altLang="zh-TW" dirty="0"/>
+              <a:t>git merge</a:t>
+            </a:r>
+            <a:endParaRPr lang="zh-TW" altLang="en-US" dirty="0"/>
+          </a:p>
+        </p:txBody>
+      </p:sp>
       <p:pic>
         <p:nvPicPr>
-          <p:cNvPr id="6" name="圖片 5"/>
+          <p:cNvPr id="6" name="內容版面配置區 5">
+            <a:extLst>
+              <a:ext uri="{FF2B5EF4-FFF2-40B4-BE49-F238E27FC236}">
+                <a16:creationId xmlns:a16="http://schemas.microsoft.com/office/drawing/2014/main" id="{5A0CF0AF-28F8-4FB2-B1C1-1397B77DEAE9}"/>
+              </a:ext>
+            </a:extLst>
+          </p:cNvPr>
           <p:cNvPicPr>
-            <a:picLocks noChangeAspect="1"/>
+            <a:picLocks noGrp="1" noChangeAspect="1"/>
           </p:cNvPicPr>
-          <p:nvPr/>
+          <p:nvPr>
+            <p:ph idx="1"/>
+          </p:nvPr>
         </p:nvPicPr>
         <p:blipFill>
-          <a:blip r:embed="rId2" cstate="print">
+          <a:blip r:embed="rId2">
             <a:extLst>
               <a:ext uri="{28A0092B-C50C-407E-A947-70E740481C1C}">
                 <a14:useLocalDpi xmlns:a14="http://schemas.microsoft.com/office/drawing/2010/main" val="0"/>
@@ -5131,187 +5233,124 @@
         </p:blipFill>
         <p:spPr>
           <a:xfrm>
-            <a:off x="-2" y="0"/>
-            <a:ext cx="9226570" cy="7101408"/>
+            <a:off x="2571941" y="2060848"/>
+            <a:ext cx="6572059" cy="3762504"/>
+          </a:xfrm>
+        </p:spPr>
+      </p:pic>
+      <p:sp>
+        <p:nvSpPr>
+          <p:cNvPr id="4" name="頁尾版面配置區 3">
+            <a:extLst>
+              <a:ext uri="{FF2B5EF4-FFF2-40B4-BE49-F238E27FC236}">
+                <a16:creationId xmlns:a16="http://schemas.microsoft.com/office/drawing/2014/main" id="{41661178-F4B3-4FC1-A284-0E0E3D3697C6}"/>
+              </a:ext>
+            </a:extLst>
+          </p:cNvPr>
+          <p:cNvSpPr>
+            <a:spLocks noGrp="1"/>
+          </p:cNvSpPr>
+          <p:nvPr>
+            <p:ph type="ftr" sz="quarter" idx="11"/>
+          </p:nvPr>
+        </p:nvSpPr>
+        <p:spPr/>
+        <p:txBody>
+          <a:bodyPr/>
+          <a:lstStyle/>
+          <a:p>
+            <a:r>
+              <a:rPr lang="en-US" altLang="zh-TW"/>
+              <a:t>104</a:t>
+            </a:r>
+            <a:r>
+              <a:rPr lang="zh-TW" altLang="en-US"/>
+              <a:t>人資學院  </a:t>
+            </a:r>
+            <a:r>
+              <a:rPr lang="en-US" altLang="zh-TW"/>
+              <a:t>All Rights Reserved</a:t>
+            </a:r>
+            <a:endParaRPr lang="zh-TW" altLang="en-US"/>
+          </a:p>
+        </p:txBody>
+      </p:sp>
+      <p:sp>
+        <p:nvSpPr>
+          <p:cNvPr id="7" name="文字方塊 6">
+            <a:extLst>
+              <a:ext uri="{FF2B5EF4-FFF2-40B4-BE49-F238E27FC236}">
+                <a16:creationId xmlns:a16="http://schemas.microsoft.com/office/drawing/2014/main" id="{ECEFBAF9-EBCB-456C-A05B-8095E6E2C9CB}"/>
+              </a:ext>
+            </a:extLst>
+          </p:cNvPr>
+          <p:cNvSpPr txBox="1"/>
+          <p:nvPr/>
+        </p:nvSpPr>
+        <p:spPr>
+          <a:xfrm>
+            <a:off x="5720694" y="5939392"/>
+            <a:ext cx="3273076" cy="369332"/>
+          </a:xfrm>
+          <a:prstGeom prst="rect">
+            <a:avLst/>
+          </a:prstGeom>
+          <a:noFill/>
+        </p:spPr>
+        <p:txBody>
+          <a:bodyPr wrap="none" rtlCol="0">
+            <a:spAutoFit/>
+          </a:bodyPr>
+          <a:lstStyle/>
+          <a:p>
+            <a:r>
+              <a:rPr lang="en-US" altLang="zh-TW" dirty="0"/>
+              <a:t>*git merge dev / git merge prod?</a:t>
+            </a:r>
+            <a:endParaRPr lang="zh-TW" altLang="en-US" dirty="0"/>
+          </a:p>
+        </p:txBody>
+      </p:sp>
+      <p:pic>
+        <p:nvPicPr>
+          <p:cNvPr id="9" name="內容版面配置區 5">
+            <a:extLst>
+              <a:ext uri="{FF2B5EF4-FFF2-40B4-BE49-F238E27FC236}">
+                <a16:creationId xmlns:a16="http://schemas.microsoft.com/office/drawing/2014/main" id="{779D4500-8E13-42A5-899F-FB2B092EDC84}"/>
+              </a:ext>
+            </a:extLst>
+          </p:cNvPr>
+          <p:cNvPicPr>
+            <a:picLocks noChangeAspect="1"/>
+          </p:cNvPicPr>
+          <p:nvPr/>
+        </p:nvPicPr>
+        <p:blipFill>
+          <a:blip r:embed="rId3">
+            <a:extLst>
+              <a:ext uri="{28A0092B-C50C-407E-A947-70E740481C1C}">
+                <a14:useLocalDpi xmlns:a14="http://schemas.microsoft.com/office/drawing/2010/main" val="0"/>
+              </a:ext>
+            </a:extLst>
+          </a:blip>
+          <a:stretch>
+            <a:fillRect/>
+          </a:stretch>
+        </p:blipFill>
+        <p:spPr>
+          <a:xfrm>
+            <a:off x="0" y="1223628"/>
+            <a:ext cx="4050445" cy="2088232"/>
           </a:xfrm>
           <a:prstGeom prst="rect">
             <a:avLst/>
           </a:prstGeom>
         </p:spPr>
       </p:pic>
-      <p:sp>
-        <p:nvSpPr>
-          <p:cNvPr id="2" name="標題 1"/>
-          <p:cNvSpPr>
-            <a:spLocks noGrp="1"/>
-          </p:cNvSpPr>
-          <p:nvPr>
-            <p:ph type="title"/>
-          </p:nvPr>
-        </p:nvSpPr>
-        <p:spPr>
-          <a:xfrm>
-            <a:off x="457200" y="2636912"/>
-            <a:ext cx="8229600" cy="1068720"/>
-          </a:xfrm>
-        </p:spPr>
-        <p:txBody>
-          <a:bodyPr/>
-          <a:lstStyle/>
-          <a:p>
-            <a:r>
-              <a:rPr lang="zh-TW" altLang="zh-TW" sz="2800" b="1" dirty="0">
-                <a:solidFill>
-                  <a:schemeClr val="bg1"/>
-                </a:solidFill>
-                <a:latin typeface="微軟正黑體" panose="020B0604030504040204" pitchFamily="34" charset="-120"/>
-                <a:ea typeface="微軟正黑體" panose="020B0604030504040204" pitchFamily="34" charset="-120"/>
-              </a:rPr>
-              <a:t>關心人資．共創價值</a:t>
-            </a:r>
-            <a:br>
-              <a:rPr lang="zh-TW" altLang="zh-TW" sz="2800" dirty="0">
-                <a:solidFill>
-                  <a:schemeClr val="bg1"/>
-                </a:solidFill>
-                <a:latin typeface="微軟正黑體" panose="020B0604030504040204" pitchFamily="34" charset="-120"/>
-                <a:ea typeface="微軟正黑體" panose="020B0604030504040204" pitchFamily="34" charset="-120"/>
-              </a:rPr>
-            </a:br>
-            <a:r>
-              <a:rPr lang="en-US" altLang="zh-TW" sz="1400" dirty="0">
-                <a:solidFill>
-                  <a:schemeClr val="bg1"/>
-                </a:solidFill>
-                <a:latin typeface="微軟正黑體" panose="020B0604030504040204" pitchFamily="34" charset="-120"/>
-                <a:ea typeface="微軟正黑體" panose="020B0604030504040204" pitchFamily="34" charset="-120"/>
-              </a:rPr>
-              <a:t>Define</a:t>
-            </a:r>
-            <a:r>
-              <a:rPr lang="zh-TW" altLang="zh-TW" sz="1400" dirty="0">
-                <a:solidFill>
-                  <a:schemeClr val="bg1"/>
-                </a:solidFill>
-                <a:latin typeface="微軟正黑體" panose="020B0604030504040204" pitchFamily="34" charset="-120"/>
-                <a:ea typeface="微軟正黑體" panose="020B0604030504040204" pitchFamily="34" charset="-120"/>
-              </a:rPr>
-              <a:t>人才標準｜</a:t>
-            </a:r>
-            <a:r>
-              <a:rPr lang="en-US" altLang="zh-TW" sz="1400" dirty="0">
-                <a:solidFill>
-                  <a:schemeClr val="bg1"/>
-                </a:solidFill>
-                <a:latin typeface="微軟正黑體" panose="020B0604030504040204" pitchFamily="34" charset="-120"/>
-                <a:ea typeface="微軟正黑體" panose="020B0604030504040204" pitchFamily="34" charset="-120"/>
-              </a:rPr>
-              <a:t>Discover</a:t>
-            </a:r>
-            <a:r>
-              <a:rPr lang="zh-TW" altLang="zh-TW" sz="1400" dirty="0">
-                <a:solidFill>
-                  <a:schemeClr val="bg1"/>
-                </a:solidFill>
-                <a:latin typeface="微軟正黑體" panose="020B0604030504040204" pitchFamily="34" charset="-120"/>
-                <a:ea typeface="微軟正黑體" panose="020B0604030504040204" pitchFamily="34" charset="-120"/>
-              </a:rPr>
-              <a:t>人才遴選｜</a:t>
-            </a:r>
-            <a:r>
-              <a:rPr lang="en-US" altLang="zh-TW" sz="1400" dirty="0">
-                <a:solidFill>
-                  <a:schemeClr val="bg1"/>
-                </a:solidFill>
-                <a:latin typeface="微軟正黑體" panose="020B0604030504040204" pitchFamily="34" charset="-120"/>
-                <a:ea typeface="微軟正黑體" panose="020B0604030504040204" pitchFamily="34" charset="-120"/>
-              </a:rPr>
-              <a:t>Develop</a:t>
-            </a:r>
-            <a:r>
-              <a:rPr lang="zh-TW" altLang="zh-TW" sz="1400" dirty="0">
-                <a:solidFill>
-                  <a:schemeClr val="bg1"/>
-                </a:solidFill>
-                <a:latin typeface="微軟正黑體" panose="020B0604030504040204" pitchFamily="34" charset="-120"/>
-                <a:ea typeface="微軟正黑體" panose="020B0604030504040204" pitchFamily="34" charset="-120"/>
-              </a:rPr>
-              <a:t>人才發展｜</a:t>
-            </a:r>
-            <a:r>
-              <a:rPr lang="en-US" altLang="zh-TW" sz="1400" dirty="0">
-                <a:solidFill>
-                  <a:schemeClr val="bg1"/>
-                </a:solidFill>
-                <a:latin typeface="微軟正黑體" panose="020B0604030504040204" pitchFamily="34" charset="-120"/>
-                <a:ea typeface="微軟正黑體" panose="020B0604030504040204" pitchFamily="34" charset="-120"/>
-              </a:rPr>
-              <a:t>Deploy</a:t>
-            </a:r>
-            <a:r>
-              <a:rPr lang="zh-TW" altLang="zh-TW" sz="1400" dirty="0">
-                <a:solidFill>
-                  <a:schemeClr val="bg1"/>
-                </a:solidFill>
-                <a:latin typeface="微軟正黑體" panose="020B0604030504040204" pitchFamily="34" charset="-120"/>
-                <a:ea typeface="微軟正黑體" panose="020B0604030504040204" pitchFamily="34" charset="-120"/>
-              </a:rPr>
-              <a:t>人才佈署</a:t>
-            </a:r>
-          </a:p>
-        </p:txBody>
-      </p:sp>
-      <p:sp>
-        <p:nvSpPr>
-          <p:cNvPr id="5" name="頁尾版面配置區 4"/>
-          <p:cNvSpPr>
-            <a:spLocks noGrp="1"/>
-          </p:cNvSpPr>
-          <p:nvPr>
-            <p:ph type="ftr" sz="quarter" idx="11"/>
-          </p:nvPr>
-        </p:nvSpPr>
-        <p:spPr/>
-        <p:txBody>
-          <a:bodyPr/>
-          <a:lstStyle/>
-          <a:p>
-            <a:r>
-              <a:rPr lang="en-US" altLang="zh-TW">
-                <a:solidFill>
-                  <a:schemeClr val="bg1"/>
-                </a:solidFill>
-              </a:rPr>
-              <a:t>104</a:t>
-            </a:r>
-            <a:r>
-              <a:rPr lang="zh-TW" altLang="en-US">
-                <a:solidFill>
-                  <a:schemeClr val="bg1"/>
-                </a:solidFill>
-              </a:rPr>
-              <a:t>人資學院  </a:t>
-            </a:r>
-            <a:r>
-              <a:rPr lang="en-US" altLang="zh-TW">
-                <a:solidFill>
-                  <a:schemeClr val="bg1"/>
-                </a:solidFill>
-              </a:rPr>
-              <a:t>All Rights Reserved</a:t>
-            </a:r>
-            <a:endParaRPr lang="zh-TW" altLang="en-US" dirty="0">
-              <a:solidFill>
-                <a:schemeClr val="bg1"/>
-              </a:solidFill>
-            </a:endParaRPr>
-          </a:p>
-        </p:txBody>
-      </p:sp>
     </p:spTree>
     <p:extLst>
       <p:ext uri="{BB962C8B-B14F-4D97-AF65-F5344CB8AC3E}">
-        <p14:creationId xmlns:p14="http://schemas.microsoft.com/office/powerpoint/2010/main" val="4002757761"/>
+        <p14:creationId xmlns:p14="http://schemas.microsoft.com/office/powerpoint/2010/main" val="122275215"/>
       </p:ext>
     </p:extLst>
   </p:cSld>
@@ -5530,6 +5569,1445 @@
     <p:extLst>
       <p:ext uri="{BB962C8B-B14F-4D97-AF65-F5344CB8AC3E}">
         <p14:creationId xmlns:p14="http://schemas.microsoft.com/office/powerpoint/2010/main" val="4274691960"/>
+      </p:ext>
+    </p:extLst>
+  </p:cSld>
+  <p:clrMapOvr>
+    <a:masterClrMapping/>
+  </p:clrMapOvr>
+</p:sld>
+</file>
+
+<file path=ppt/slides/slide20.xml><?xml version="1.0" encoding="utf-8"?>
+<p:sld xmlns:a="http://schemas.openxmlformats.org/drawingml/2006/main" xmlns:r="http://schemas.openxmlformats.org/officeDocument/2006/relationships" xmlns:p="http://schemas.openxmlformats.org/presentationml/2006/main">
+  <p:cSld>
+    <p:spTree>
+      <p:nvGrpSpPr>
+        <p:cNvPr id="1" name=""/>
+        <p:cNvGrpSpPr/>
+        <p:nvPr/>
+      </p:nvGrpSpPr>
+      <p:grpSpPr>
+        <a:xfrm>
+          <a:off x="0" y="0"/>
+          <a:ext cx="0" cy="0"/>
+          <a:chOff x="0" y="0"/>
+          <a:chExt cx="0" cy="0"/>
+        </a:xfrm>
+      </p:grpSpPr>
+      <p:sp>
+        <p:nvSpPr>
+          <p:cNvPr id="2" name="標題 1">
+            <a:extLst>
+              <a:ext uri="{FF2B5EF4-FFF2-40B4-BE49-F238E27FC236}">
+                <a16:creationId xmlns:a16="http://schemas.microsoft.com/office/drawing/2014/main" id="{B9FDCB03-4DEF-4D35-AD25-397FA421A3FF}"/>
+              </a:ext>
+            </a:extLst>
+          </p:cNvPr>
+          <p:cNvSpPr>
+            <a:spLocks noGrp="1"/>
+          </p:cNvSpPr>
+          <p:nvPr>
+            <p:ph type="title"/>
+          </p:nvPr>
+        </p:nvSpPr>
+        <p:spPr/>
+        <p:txBody>
+          <a:bodyPr/>
+          <a:lstStyle/>
+          <a:p>
+            <a:r>
+              <a:rPr lang="en-US" altLang="zh-TW" dirty="0"/>
+              <a:t>git rebase</a:t>
+            </a:r>
+            <a:endParaRPr lang="zh-TW" altLang="en-US" dirty="0"/>
+          </a:p>
+        </p:txBody>
+      </p:sp>
+      <p:pic>
+        <p:nvPicPr>
+          <p:cNvPr id="6" name="內容版面配置區 5">
+            <a:extLst>
+              <a:ext uri="{FF2B5EF4-FFF2-40B4-BE49-F238E27FC236}">
+                <a16:creationId xmlns:a16="http://schemas.microsoft.com/office/drawing/2014/main" id="{37A831A5-7927-4D52-BE66-03FFB024E94A}"/>
+              </a:ext>
+            </a:extLst>
+          </p:cNvPr>
+          <p:cNvPicPr>
+            <a:picLocks noGrp="1" noChangeAspect="1"/>
+          </p:cNvPicPr>
+          <p:nvPr>
+            <p:ph idx="1"/>
+          </p:nvPr>
+        </p:nvPicPr>
+        <p:blipFill>
+          <a:blip r:embed="rId2">
+            <a:extLst>
+              <a:ext uri="{28A0092B-C50C-407E-A947-70E740481C1C}">
+                <a14:useLocalDpi xmlns:a14="http://schemas.microsoft.com/office/drawing/2010/main" val="0"/>
+              </a:ext>
+            </a:extLst>
+          </a:blip>
+          <a:stretch>
+            <a:fillRect/>
+          </a:stretch>
+        </p:blipFill>
+        <p:spPr>
+          <a:xfrm>
+            <a:off x="1547664" y="2098985"/>
+            <a:ext cx="6048672" cy="3528392"/>
+          </a:xfrm>
+        </p:spPr>
+      </p:pic>
+      <p:sp>
+        <p:nvSpPr>
+          <p:cNvPr id="4" name="頁尾版面配置區 3">
+            <a:extLst>
+              <a:ext uri="{FF2B5EF4-FFF2-40B4-BE49-F238E27FC236}">
+                <a16:creationId xmlns:a16="http://schemas.microsoft.com/office/drawing/2014/main" id="{C6FBEEB9-D10C-4C5C-8760-52A4C2E8A0FA}"/>
+              </a:ext>
+            </a:extLst>
+          </p:cNvPr>
+          <p:cNvSpPr>
+            <a:spLocks noGrp="1"/>
+          </p:cNvSpPr>
+          <p:nvPr>
+            <p:ph type="ftr" sz="quarter" idx="11"/>
+          </p:nvPr>
+        </p:nvSpPr>
+        <p:spPr/>
+        <p:txBody>
+          <a:bodyPr/>
+          <a:lstStyle/>
+          <a:p>
+            <a:r>
+              <a:rPr lang="en-US" altLang="zh-TW"/>
+              <a:t>104</a:t>
+            </a:r>
+            <a:r>
+              <a:rPr lang="zh-TW" altLang="en-US"/>
+              <a:t>人資學院  </a:t>
+            </a:r>
+            <a:r>
+              <a:rPr lang="en-US" altLang="zh-TW"/>
+              <a:t>All Rights Reserved</a:t>
+            </a:r>
+            <a:endParaRPr lang="zh-TW" altLang="en-US"/>
+          </a:p>
+        </p:txBody>
+      </p:sp>
+      <p:sp>
+        <p:nvSpPr>
+          <p:cNvPr id="7" name="文字方塊 6">
+            <a:extLst>
+              <a:ext uri="{FF2B5EF4-FFF2-40B4-BE49-F238E27FC236}">
+                <a16:creationId xmlns:a16="http://schemas.microsoft.com/office/drawing/2014/main" id="{0D73862D-74E6-4CBE-9562-D1B8EADC96A3}"/>
+              </a:ext>
+            </a:extLst>
+          </p:cNvPr>
+          <p:cNvSpPr txBox="1"/>
+          <p:nvPr/>
+        </p:nvSpPr>
+        <p:spPr>
+          <a:xfrm>
+            <a:off x="5720694" y="5939392"/>
+            <a:ext cx="3334887" cy="369332"/>
+          </a:xfrm>
+          <a:prstGeom prst="rect">
+            <a:avLst/>
+          </a:prstGeom>
+          <a:noFill/>
+        </p:spPr>
+        <p:txBody>
+          <a:bodyPr wrap="none" rtlCol="0">
+            <a:spAutoFit/>
+          </a:bodyPr>
+          <a:lstStyle/>
+          <a:p>
+            <a:r>
+              <a:rPr lang="en-US" altLang="zh-TW" dirty="0"/>
+              <a:t>*git rebase dev / git rebase prod?</a:t>
+            </a:r>
+            <a:endParaRPr lang="zh-TW" altLang="en-US" dirty="0"/>
+          </a:p>
+        </p:txBody>
+      </p:sp>
+    </p:spTree>
+    <p:extLst>
+      <p:ext uri="{BB962C8B-B14F-4D97-AF65-F5344CB8AC3E}">
+        <p14:creationId xmlns:p14="http://schemas.microsoft.com/office/powerpoint/2010/main" val="2145113618"/>
+      </p:ext>
+    </p:extLst>
+  </p:cSld>
+  <p:clrMapOvr>
+    <a:masterClrMapping/>
+  </p:clrMapOvr>
+</p:sld>
+</file>
+
+<file path=ppt/slides/slide21.xml><?xml version="1.0" encoding="utf-8"?>
+<p:sld xmlns:a="http://schemas.openxmlformats.org/drawingml/2006/main" xmlns:r="http://schemas.openxmlformats.org/officeDocument/2006/relationships" xmlns:p="http://schemas.openxmlformats.org/presentationml/2006/main">
+  <p:cSld>
+    <p:spTree>
+      <p:nvGrpSpPr>
+        <p:cNvPr id="1" name=""/>
+        <p:cNvGrpSpPr/>
+        <p:nvPr/>
+      </p:nvGrpSpPr>
+      <p:grpSpPr>
+        <a:xfrm>
+          <a:off x="0" y="0"/>
+          <a:ext cx="0" cy="0"/>
+          <a:chOff x="0" y="0"/>
+          <a:chExt cx="0" cy="0"/>
+        </a:xfrm>
+      </p:grpSpPr>
+      <p:sp>
+        <p:nvSpPr>
+          <p:cNvPr id="2" name="標題 1">
+            <a:extLst>
+              <a:ext uri="{FF2B5EF4-FFF2-40B4-BE49-F238E27FC236}">
+                <a16:creationId xmlns:a16="http://schemas.microsoft.com/office/drawing/2014/main" id="{D9E61478-C842-4046-82CB-5DD2098599B7}"/>
+              </a:ext>
+            </a:extLst>
+          </p:cNvPr>
+          <p:cNvSpPr>
+            <a:spLocks noGrp="1"/>
+          </p:cNvSpPr>
+          <p:nvPr>
+            <p:ph type="title"/>
+          </p:nvPr>
+        </p:nvSpPr>
+        <p:spPr/>
+        <p:txBody>
+          <a:bodyPr/>
+          <a:lstStyle/>
+          <a:p>
+            <a:r>
+              <a:rPr lang="en-US" altLang="zh-TW" dirty="0"/>
+              <a:t>git rebase</a:t>
+            </a:r>
+            <a:endParaRPr lang="zh-TW" altLang="en-US" dirty="0"/>
+          </a:p>
+        </p:txBody>
+      </p:sp>
+      <p:sp>
+        <p:nvSpPr>
+          <p:cNvPr id="3" name="內容版面配置區 2">
+            <a:extLst>
+              <a:ext uri="{FF2B5EF4-FFF2-40B4-BE49-F238E27FC236}">
+                <a16:creationId xmlns:a16="http://schemas.microsoft.com/office/drawing/2014/main" id="{74787C06-DBCB-41FC-BDE3-F75BB07D2120}"/>
+              </a:ext>
+            </a:extLst>
+          </p:cNvPr>
+          <p:cNvSpPr>
+            <a:spLocks noGrp="1"/>
+          </p:cNvSpPr>
+          <p:nvPr>
+            <p:ph idx="1"/>
+          </p:nvPr>
+        </p:nvSpPr>
+        <p:spPr/>
+        <p:txBody>
+          <a:bodyPr/>
+          <a:lstStyle/>
+          <a:p>
+            <a:r>
+              <a:rPr lang="zh-TW" altLang="en-US" dirty="0"/>
+              <a:t>為什麼需要</a:t>
+            </a:r>
+            <a:r>
+              <a:rPr lang="en-US" altLang="zh-TW" dirty="0"/>
+              <a:t>rebase?</a:t>
+            </a:r>
+            <a:endParaRPr lang="zh-TW" altLang="en-US" dirty="0"/>
+          </a:p>
+        </p:txBody>
+      </p:sp>
+      <p:sp>
+        <p:nvSpPr>
+          <p:cNvPr id="4" name="頁尾版面配置區 3">
+            <a:extLst>
+              <a:ext uri="{FF2B5EF4-FFF2-40B4-BE49-F238E27FC236}">
+                <a16:creationId xmlns:a16="http://schemas.microsoft.com/office/drawing/2014/main" id="{32962DE4-2800-47F3-B7C9-B9774106FD34}"/>
+              </a:ext>
+            </a:extLst>
+          </p:cNvPr>
+          <p:cNvSpPr>
+            <a:spLocks noGrp="1"/>
+          </p:cNvSpPr>
+          <p:nvPr>
+            <p:ph type="ftr" sz="quarter" idx="11"/>
+          </p:nvPr>
+        </p:nvSpPr>
+        <p:spPr/>
+        <p:txBody>
+          <a:bodyPr/>
+          <a:lstStyle/>
+          <a:p>
+            <a:r>
+              <a:rPr lang="en-US" altLang="zh-TW"/>
+              <a:t>104</a:t>
+            </a:r>
+            <a:r>
+              <a:rPr lang="zh-TW" altLang="en-US"/>
+              <a:t>人資學院  </a:t>
+            </a:r>
+            <a:r>
+              <a:rPr lang="en-US" altLang="zh-TW"/>
+              <a:t>All Rights Reserved</a:t>
+            </a:r>
+            <a:endParaRPr lang="zh-TW" altLang="en-US"/>
+          </a:p>
+        </p:txBody>
+      </p:sp>
+      <p:pic>
+        <p:nvPicPr>
+          <p:cNvPr id="6" name="圖片 5">
+            <a:extLst>
+              <a:ext uri="{FF2B5EF4-FFF2-40B4-BE49-F238E27FC236}">
+                <a16:creationId xmlns:a16="http://schemas.microsoft.com/office/drawing/2014/main" id="{AFA7E2D4-6670-404E-A96A-5F74EE52C8BA}"/>
+              </a:ext>
+            </a:extLst>
+          </p:cNvPr>
+          <p:cNvPicPr>
+            <a:picLocks noChangeAspect="1"/>
+          </p:cNvPicPr>
+          <p:nvPr/>
+        </p:nvPicPr>
+        <p:blipFill>
+          <a:blip r:embed="rId2">
+            <a:extLst>
+              <a:ext uri="{28A0092B-C50C-407E-A947-70E740481C1C}">
+                <a14:useLocalDpi xmlns:a14="http://schemas.microsoft.com/office/drawing/2010/main" val="0"/>
+              </a:ext>
+            </a:extLst>
+          </a:blip>
+          <a:stretch>
+            <a:fillRect/>
+          </a:stretch>
+        </p:blipFill>
+        <p:spPr>
+          <a:xfrm>
+            <a:off x="952314" y="2852936"/>
+            <a:ext cx="7239372" cy="2660787"/>
+          </a:xfrm>
+          <a:prstGeom prst="rect">
+            <a:avLst/>
+          </a:prstGeom>
+        </p:spPr>
+      </p:pic>
+    </p:spTree>
+    <p:extLst>
+      <p:ext uri="{BB962C8B-B14F-4D97-AF65-F5344CB8AC3E}">
+        <p14:creationId xmlns:p14="http://schemas.microsoft.com/office/powerpoint/2010/main" val="3187338834"/>
+      </p:ext>
+    </p:extLst>
+  </p:cSld>
+  <p:clrMapOvr>
+    <a:masterClrMapping/>
+  </p:clrMapOvr>
+</p:sld>
+</file>
+
+<file path=ppt/slides/slide22.xml><?xml version="1.0" encoding="utf-8"?>
+<p:sld xmlns:a="http://schemas.openxmlformats.org/drawingml/2006/main" xmlns:r="http://schemas.openxmlformats.org/officeDocument/2006/relationships" xmlns:p="http://schemas.openxmlformats.org/presentationml/2006/main">
+  <p:cSld>
+    <p:spTree>
+      <p:nvGrpSpPr>
+        <p:cNvPr id="1" name=""/>
+        <p:cNvGrpSpPr/>
+        <p:nvPr/>
+      </p:nvGrpSpPr>
+      <p:grpSpPr>
+        <a:xfrm>
+          <a:off x="0" y="0"/>
+          <a:ext cx="0" cy="0"/>
+          <a:chOff x="0" y="0"/>
+          <a:chExt cx="0" cy="0"/>
+        </a:xfrm>
+      </p:grpSpPr>
+      <p:sp>
+        <p:nvSpPr>
+          <p:cNvPr id="2" name="標題 1">
+            <a:extLst>
+              <a:ext uri="{FF2B5EF4-FFF2-40B4-BE49-F238E27FC236}">
+                <a16:creationId xmlns:a16="http://schemas.microsoft.com/office/drawing/2014/main" id="{D9E61478-C842-4046-82CB-5DD2098599B7}"/>
+              </a:ext>
+            </a:extLst>
+          </p:cNvPr>
+          <p:cNvSpPr>
+            <a:spLocks noGrp="1"/>
+          </p:cNvSpPr>
+          <p:nvPr>
+            <p:ph type="title"/>
+          </p:nvPr>
+        </p:nvSpPr>
+        <p:spPr/>
+        <p:txBody>
+          <a:bodyPr/>
+          <a:lstStyle/>
+          <a:p>
+            <a:r>
+              <a:rPr lang="en-US" altLang="zh-TW" dirty="0"/>
+              <a:t>git rebase</a:t>
+            </a:r>
+            <a:endParaRPr lang="zh-TW" altLang="en-US" dirty="0"/>
+          </a:p>
+        </p:txBody>
+      </p:sp>
+      <p:sp>
+        <p:nvSpPr>
+          <p:cNvPr id="3" name="內容版面配置區 2">
+            <a:extLst>
+              <a:ext uri="{FF2B5EF4-FFF2-40B4-BE49-F238E27FC236}">
+                <a16:creationId xmlns:a16="http://schemas.microsoft.com/office/drawing/2014/main" id="{74787C06-DBCB-41FC-BDE3-F75BB07D2120}"/>
+              </a:ext>
+            </a:extLst>
+          </p:cNvPr>
+          <p:cNvSpPr>
+            <a:spLocks noGrp="1"/>
+          </p:cNvSpPr>
+          <p:nvPr>
+            <p:ph idx="1"/>
+          </p:nvPr>
+        </p:nvSpPr>
+        <p:spPr/>
+        <p:txBody>
+          <a:bodyPr/>
+          <a:lstStyle/>
+          <a:p>
+            <a:r>
+              <a:rPr lang="zh-TW" altLang="en-US" dirty="0"/>
+              <a:t>為什麼需要</a:t>
+            </a:r>
+            <a:r>
+              <a:rPr lang="en-US" altLang="zh-TW" dirty="0"/>
+              <a:t>rebase?</a:t>
+            </a:r>
+            <a:endParaRPr lang="zh-TW" altLang="en-US" dirty="0"/>
+          </a:p>
+        </p:txBody>
+      </p:sp>
+      <p:sp>
+        <p:nvSpPr>
+          <p:cNvPr id="4" name="頁尾版面配置區 3">
+            <a:extLst>
+              <a:ext uri="{FF2B5EF4-FFF2-40B4-BE49-F238E27FC236}">
+                <a16:creationId xmlns:a16="http://schemas.microsoft.com/office/drawing/2014/main" id="{32962DE4-2800-47F3-B7C9-B9774106FD34}"/>
+              </a:ext>
+            </a:extLst>
+          </p:cNvPr>
+          <p:cNvSpPr>
+            <a:spLocks noGrp="1"/>
+          </p:cNvSpPr>
+          <p:nvPr>
+            <p:ph type="ftr" sz="quarter" idx="11"/>
+          </p:nvPr>
+        </p:nvSpPr>
+        <p:spPr/>
+        <p:txBody>
+          <a:bodyPr/>
+          <a:lstStyle/>
+          <a:p>
+            <a:r>
+              <a:rPr lang="en-US" altLang="zh-TW"/>
+              <a:t>104</a:t>
+            </a:r>
+            <a:r>
+              <a:rPr lang="zh-TW" altLang="en-US"/>
+              <a:t>人資學院  </a:t>
+            </a:r>
+            <a:r>
+              <a:rPr lang="en-US" altLang="zh-TW"/>
+              <a:t>All Rights Reserved</a:t>
+            </a:r>
+            <a:endParaRPr lang="zh-TW" altLang="en-US"/>
+          </a:p>
+        </p:txBody>
+      </p:sp>
+      <p:pic>
+        <p:nvPicPr>
+          <p:cNvPr id="7" name="圖片 6">
+            <a:extLst>
+              <a:ext uri="{FF2B5EF4-FFF2-40B4-BE49-F238E27FC236}">
+                <a16:creationId xmlns:a16="http://schemas.microsoft.com/office/drawing/2014/main" id="{502FF66D-F627-4741-8611-1E82B8E30721}"/>
+              </a:ext>
+            </a:extLst>
+          </p:cNvPr>
+          <p:cNvPicPr>
+            <a:picLocks noChangeAspect="1"/>
+          </p:cNvPicPr>
+          <p:nvPr/>
+        </p:nvPicPr>
+        <p:blipFill>
+          <a:blip r:embed="rId2">
+            <a:extLst>
+              <a:ext uri="{28A0092B-C50C-407E-A947-70E740481C1C}">
+                <a14:useLocalDpi xmlns:a14="http://schemas.microsoft.com/office/drawing/2010/main" val="0"/>
+              </a:ext>
+            </a:extLst>
+          </a:blip>
+          <a:stretch>
+            <a:fillRect/>
+          </a:stretch>
+        </p:blipFill>
+        <p:spPr>
+          <a:xfrm>
+            <a:off x="0" y="2770315"/>
+            <a:ext cx="9144000" cy="3355848"/>
+          </a:xfrm>
+          <a:prstGeom prst="rect">
+            <a:avLst/>
+          </a:prstGeom>
+        </p:spPr>
+      </p:pic>
+    </p:spTree>
+    <p:extLst>
+      <p:ext uri="{BB962C8B-B14F-4D97-AF65-F5344CB8AC3E}">
+        <p14:creationId xmlns:p14="http://schemas.microsoft.com/office/powerpoint/2010/main" val="426157598"/>
+      </p:ext>
+    </p:extLst>
+  </p:cSld>
+  <p:clrMapOvr>
+    <a:masterClrMapping/>
+  </p:clrMapOvr>
+</p:sld>
+</file>
+
+<file path=ppt/slides/slide23.xml><?xml version="1.0" encoding="utf-8"?>
+<p:sld xmlns:a="http://schemas.openxmlformats.org/drawingml/2006/main" xmlns:r="http://schemas.openxmlformats.org/officeDocument/2006/relationships" xmlns:p="http://schemas.openxmlformats.org/presentationml/2006/main">
+  <p:cSld>
+    <p:spTree>
+      <p:nvGrpSpPr>
+        <p:cNvPr id="1" name=""/>
+        <p:cNvGrpSpPr/>
+        <p:nvPr/>
+      </p:nvGrpSpPr>
+      <p:grpSpPr>
+        <a:xfrm>
+          <a:off x="0" y="0"/>
+          <a:ext cx="0" cy="0"/>
+          <a:chOff x="0" y="0"/>
+          <a:chExt cx="0" cy="0"/>
+        </a:xfrm>
+      </p:grpSpPr>
+      <p:sp>
+        <p:nvSpPr>
+          <p:cNvPr id="2" name="標題 1">
+            <a:extLst>
+              <a:ext uri="{FF2B5EF4-FFF2-40B4-BE49-F238E27FC236}">
+                <a16:creationId xmlns:a16="http://schemas.microsoft.com/office/drawing/2014/main" id="{D314BB68-9AFA-44D1-A127-971EB993F9B1}"/>
+              </a:ext>
+            </a:extLst>
+          </p:cNvPr>
+          <p:cNvSpPr>
+            <a:spLocks noGrp="1"/>
+          </p:cNvSpPr>
+          <p:nvPr>
+            <p:ph type="title"/>
+          </p:nvPr>
+        </p:nvSpPr>
+        <p:spPr/>
+        <p:txBody>
+          <a:bodyPr/>
+          <a:lstStyle/>
+          <a:p>
+            <a:r>
+              <a:rPr lang="en-US" altLang="zh-TW" dirty="0"/>
+              <a:t>git pull / git push </a:t>
+            </a:r>
+            <a:r>
+              <a:rPr lang="zh-TW" altLang="en-US" dirty="0"/>
+              <a:t>練習</a:t>
+            </a:r>
+          </a:p>
+        </p:txBody>
+      </p:sp>
+      <p:sp>
+        <p:nvSpPr>
+          <p:cNvPr id="3" name="內容版面配置區 2">
+            <a:extLst>
+              <a:ext uri="{FF2B5EF4-FFF2-40B4-BE49-F238E27FC236}">
+                <a16:creationId xmlns:a16="http://schemas.microsoft.com/office/drawing/2014/main" id="{CCBE5932-C38F-4A88-AF59-CFA41508A641}"/>
+              </a:ext>
+            </a:extLst>
+          </p:cNvPr>
+          <p:cNvSpPr>
+            <a:spLocks noGrp="1"/>
+          </p:cNvSpPr>
+          <p:nvPr>
+            <p:ph idx="1"/>
+          </p:nvPr>
+        </p:nvSpPr>
+        <p:spPr/>
+        <p:txBody>
+          <a:bodyPr/>
+          <a:lstStyle/>
+          <a:p>
+            <a:r>
+              <a:rPr lang="en-US" altLang="zh-TW" dirty="0"/>
+              <a:t>git pull</a:t>
+            </a:r>
+          </a:p>
+          <a:p>
+            <a:r>
+              <a:rPr lang="en-US" altLang="zh-TW" dirty="0"/>
+              <a:t>git pull -u origin dev</a:t>
+            </a:r>
+            <a:endParaRPr lang="zh-TW" altLang="en-US" dirty="0"/>
+          </a:p>
+          <a:p>
+            <a:r>
+              <a:rPr lang="en-US" altLang="zh-TW" dirty="0"/>
+              <a:t>git pull –rebase</a:t>
+            </a:r>
+          </a:p>
+          <a:p>
+            <a:r>
+              <a:rPr lang="en-US" altLang="zh-TW" dirty="0"/>
+              <a:t>git push</a:t>
+            </a:r>
+            <a:endParaRPr lang="zh-TW" altLang="en-US" dirty="0"/>
+          </a:p>
+          <a:p>
+            <a:r>
+              <a:rPr lang="en-US" altLang="zh-TW" dirty="0"/>
+              <a:t>git push -u origin dev</a:t>
+            </a:r>
+            <a:endParaRPr lang="zh-TW" altLang="en-US" dirty="0"/>
+          </a:p>
+          <a:p>
+            <a:r>
+              <a:rPr lang="en-US" altLang="zh-TW" dirty="0"/>
+              <a:t>git push -f</a:t>
+            </a:r>
+            <a:endParaRPr lang="zh-TW" altLang="en-US" dirty="0"/>
+          </a:p>
+        </p:txBody>
+      </p:sp>
+      <p:sp>
+        <p:nvSpPr>
+          <p:cNvPr id="4" name="頁尾版面配置區 3">
+            <a:extLst>
+              <a:ext uri="{FF2B5EF4-FFF2-40B4-BE49-F238E27FC236}">
+                <a16:creationId xmlns:a16="http://schemas.microsoft.com/office/drawing/2014/main" id="{40061103-D269-4250-88F8-71633A0902C1}"/>
+              </a:ext>
+            </a:extLst>
+          </p:cNvPr>
+          <p:cNvSpPr>
+            <a:spLocks noGrp="1"/>
+          </p:cNvSpPr>
+          <p:nvPr>
+            <p:ph type="ftr" sz="quarter" idx="11"/>
+          </p:nvPr>
+        </p:nvSpPr>
+        <p:spPr/>
+        <p:txBody>
+          <a:bodyPr/>
+          <a:lstStyle/>
+          <a:p>
+            <a:r>
+              <a:rPr lang="en-US" altLang="zh-TW"/>
+              <a:t>104</a:t>
+            </a:r>
+            <a:r>
+              <a:rPr lang="zh-TW" altLang="en-US"/>
+              <a:t>人資學院  </a:t>
+            </a:r>
+            <a:r>
+              <a:rPr lang="en-US" altLang="zh-TW"/>
+              <a:t>All Rights Reserved</a:t>
+            </a:r>
+            <a:endParaRPr lang="zh-TW" altLang="en-US"/>
+          </a:p>
+        </p:txBody>
+      </p:sp>
+    </p:spTree>
+    <p:extLst>
+      <p:ext uri="{BB962C8B-B14F-4D97-AF65-F5344CB8AC3E}">
+        <p14:creationId xmlns:p14="http://schemas.microsoft.com/office/powerpoint/2010/main" val="2124590132"/>
+      </p:ext>
+    </p:extLst>
+  </p:cSld>
+  <p:clrMapOvr>
+    <a:masterClrMapping/>
+  </p:clrMapOvr>
+</p:sld>
+</file>
+
+<file path=ppt/slides/slide24.xml><?xml version="1.0" encoding="utf-8"?>
+<p:sld xmlns:a="http://schemas.openxmlformats.org/drawingml/2006/main" xmlns:r="http://schemas.openxmlformats.org/officeDocument/2006/relationships" xmlns:p="http://schemas.openxmlformats.org/presentationml/2006/main">
+  <p:cSld>
+    <p:spTree>
+      <p:nvGrpSpPr>
+        <p:cNvPr id="1" name=""/>
+        <p:cNvGrpSpPr/>
+        <p:nvPr/>
+      </p:nvGrpSpPr>
+      <p:grpSpPr>
+        <a:xfrm>
+          <a:off x="0" y="0"/>
+          <a:ext cx="0" cy="0"/>
+          <a:chOff x="0" y="0"/>
+          <a:chExt cx="0" cy="0"/>
+        </a:xfrm>
+      </p:grpSpPr>
+      <p:sp>
+        <p:nvSpPr>
+          <p:cNvPr id="2" name="標題 1">
+            <a:extLst>
+              <a:ext uri="{FF2B5EF4-FFF2-40B4-BE49-F238E27FC236}">
+                <a16:creationId xmlns:a16="http://schemas.microsoft.com/office/drawing/2014/main" id="{EBA2D7F4-0897-4A35-9841-510F2C71E013}"/>
+              </a:ext>
+            </a:extLst>
+          </p:cNvPr>
+          <p:cNvSpPr>
+            <a:spLocks noGrp="1"/>
+          </p:cNvSpPr>
+          <p:nvPr>
+            <p:ph type="title"/>
+          </p:nvPr>
+        </p:nvSpPr>
+        <p:spPr/>
+        <p:txBody>
+          <a:bodyPr/>
+          <a:lstStyle/>
+          <a:p>
+            <a:r>
+              <a:rPr lang="en-US" altLang="zh-TW" dirty="0"/>
+              <a:t>Gitlab </a:t>
+            </a:r>
+            <a:r>
+              <a:rPr lang="zh-TW" altLang="en-US" dirty="0"/>
+              <a:t>練習</a:t>
+            </a:r>
+          </a:p>
+        </p:txBody>
+      </p:sp>
+      <p:sp>
+        <p:nvSpPr>
+          <p:cNvPr id="3" name="內容版面配置區 2">
+            <a:extLst>
+              <a:ext uri="{FF2B5EF4-FFF2-40B4-BE49-F238E27FC236}">
+                <a16:creationId xmlns:a16="http://schemas.microsoft.com/office/drawing/2014/main" id="{06CD4525-861D-46ED-A001-1ED8C27AEFE3}"/>
+              </a:ext>
+            </a:extLst>
+          </p:cNvPr>
+          <p:cNvSpPr>
+            <a:spLocks noGrp="1"/>
+          </p:cNvSpPr>
+          <p:nvPr>
+            <p:ph idx="1"/>
+          </p:nvPr>
+        </p:nvSpPr>
+        <p:spPr/>
+        <p:txBody>
+          <a:bodyPr/>
+          <a:lstStyle/>
+          <a:p>
+            <a:r>
+              <a:rPr lang="en-US" altLang="zh-TW" dirty="0"/>
+              <a:t>Issue tracking</a:t>
+            </a:r>
+          </a:p>
+          <a:p>
+            <a:r>
+              <a:rPr lang="en-US" altLang="zh-TW" dirty="0"/>
+              <a:t>Branch by issue</a:t>
+            </a:r>
+          </a:p>
+          <a:p>
+            <a:r>
+              <a:rPr lang="en-US" altLang="zh-TW" dirty="0"/>
+              <a:t>Pull request</a:t>
+            </a:r>
+            <a:endParaRPr lang="zh-TW" altLang="en-US" dirty="0"/>
+          </a:p>
+        </p:txBody>
+      </p:sp>
+      <p:sp>
+        <p:nvSpPr>
+          <p:cNvPr id="4" name="頁尾版面配置區 3">
+            <a:extLst>
+              <a:ext uri="{FF2B5EF4-FFF2-40B4-BE49-F238E27FC236}">
+                <a16:creationId xmlns:a16="http://schemas.microsoft.com/office/drawing/2014/main" id="{50D8DAFB-9DF6-40F7-9802-C89E028FD1E2}"/>
+              </a:ext>
+            </a:extLst>
+          </p:cNvPr>
+          <p:cNvSpPr>
+            <a:spLocks noGrp="1"/>
+          </p:cNvSpPr>
+          <p:nvPr>
+            <p:ph type="ftr" sz="quarter" idx="11"/>
+          </p:nvPr>
+        </p:nvSpPr>
+        <p:spPr/>
+        <p:txBody>
+          <a:bodyPr/>
+          <a:lstStyle/>
+          <a:p>
+            <a:r>
+              <a:rPr lang="en-US" altLang="zh-TW"/>
+              <a:t>104</a:t>
+            </a:r>
+            <a:r>
+              <a:rPr lang="zh-TW" altLang="en-US"/>
+              <a:t>人資學院  </a:t>
+            </a:r>
+            <a:r>
+              <a:rPr lang="en-US" altLang="zh-TW"/>
+              <a:t>All Rights Reserved</a:t>
+            </a:r>
+            <a:endParaRPr lang="zh-TW" altLang="en-US"/>
+          </a:p>
+        </p:txBody>
+      </p:sp>
+    </p:spTree>
+    <p:extLst>
+      <p:ext uri="{BB962C8B-B14F-4D97-AF65-F5344CB8AC3E}">
+        <p14:creationId xmlns:p14="http://schemas.microsoft.com/office/powerpoint/2010/main" val="1031483944"/>
+      </p:ext>
+    </p:extLst>
+  </p:cSld>
+  <p:clrMapOvr>
+    <a:masterClrMapping/>
+  </p:clrMapOvr>
+</p:sld>
+</file>
+
+<file path=ppt/slides/slide25.xml><?xml version="1.0" encoding="utf-8"?>
+<p:sld xmlns:a="http://schemas.openxmlformats.org/drawingml/2006/main" xmlns:r="http://schemas.openxmlformats.org/officeDocument/2006/relationships" xmlns:p="http://schemas.openxmlformats.org/presentationml/2006/main">
+  <p:cSld>
+    <p:spTree>
+      <p:nvGrpSpPr>
+        <p:cNvPr id="1" name=""/>
+        <p:cNvGrpSpPr/>
+        <p:nvPr/>
+      </p:nvGrpSpPr>
+      <p:grpSpPr>
+        <a:xfrm>
+          <a:off x="0" y="0"/>
+          <a:ext cx="0" cy="0"/>
+          <a:chOff x="0" y="0"/>
+          <a:chExt cx="0" cy="0"/>
+        </a:xfrm>
+      </p:grpSpPr>
+      <p:sp>
+        <p:nvSpPr>
+          <p:cNvPr id="2" name="標題 1">
+            <a:extLst>
+              <a:ext uri="{FF2B5EF4-FFF2-40B4-BE49-F238E27FC236}">
+                <a16:creationId xmlns:a16="http://schemas.microsoft.com/office/drawing/2014/main" id="{3EA48862-7763-4351-B64C-E3CA75C8F291}"/>
+              </a:ext>
+            </a:extLst>
+          </p:cNvPr>
+          <p:cNvSpPr>
+            <a:spLocks noGrp="1"/>
+          </p:cNvSpPr>
+          <p:nvPr>
+            <p:ph type="title"/>
+          </p:nvPr>
+        </p:nvSpPr>
+        <p:spPr/>
+        <p:txBody>
+          <a:bodyPr/>
+          <a:lstStyle/>
+          <a:p>
+            <a:r>
+              <a:rPr lang="zh-TW" altLang="en-US" dirty="0"/>
+              <a:t>補充</a:t>
+            </a:r>
+          </a:p>
+        </p:txBody>
+      </p:sp>
+      <p:sp>
+        <p:nvSpPr>
+          <p:cNvPr id="3" name="內容版面配置區 2">
+            <a:extLst>
+              <a:ext uri="{FF2B5EF4-FFF2-40B4-BE49-F238E27FC236}">
+                <a16:creationId xmlns:a16="http://schemas.microsoft.com/office/drawing/2014/main" id="{578EE055-B9FB-4054-B827-AB16E30D6FD6}"/>
+              </a:ext>
+            </a:extLst>
+          </p:cNvPr>
+          <p:cNvSpPr>
+            <a:spLocks noGrp="1"/>
+          </p:cNvSpPr>
+          <p:nvPr>
+            <p:ph idx="1"/>
+          </p:nvPr>
+        </p:nvSpPr>
+        <p:spPr/>
+        <p:txBody>
+          <a:bodyPr/>
+          <a:lstStyle/>
+          <a:p>
+            <a:r>
+              <a:rPr lang="en-US" altLang="zh-TW" dirty="0"/>
+              <a:t>git config</a:t>
+            </a:r>
+          </a:p>
+          <a:p>
+            <a:r>
+              <a:rPr lang="en-US" altLang="zh-TW" dirty="0"/>
+              <a:t>git ignore</a:t>
+            </a:r>
+          </a:p>
+          <a:p>
+            <a:r>
+              <a:rPr lang="en-US" altLang="zh-TW" dirty="0"/>
+              <a:t>git attributes</a:t>
+            </a:r>
+          </a:p>
+          <a:p>
+            <a:r>
+              <a:rPr lang="en-US" altLang="zh-TW" dirty="0"/>
+              <a:t>git hook</a:t>
+            </a:r>
+          </a:p>
+          <a:p>
+            <a:r>
+              <a:rPr lang="en-US" altLang="zh-TW" dirty="0"/>
+              <a:t>git rev-parse</a:t>
+            </a:r>
+          </a:p>
+          <a:p>
+            <a:r>
+              <a:rPr lang="en-US" altLang="zh-TW" dirty="0"/>
+              <a:t>git rev-</a:t>
+            </a:r>
+            <a:r>
+              <a:rPr lang="en-US" altLang="zh-TW" dirty="0" err="1"/>
+              <a:t>lise</a:t>
+            </a:r>
+            <a:r>
+              <a:rPr lang="en-US" altLang="zh-TW" dirty="0"/>
+              <a:t> --count --all dev</a:t>
+            </a:r>
+            <a:endParaRPr lang="zh-TW" altLang="en-US" dirty="0"/>
+          </a:p>
+        </p:txBody>
+      </p:sp>
+      <p:sp>
+        <p:nvSpPr>
+          <p:cNvPr id="4" name="頁尾版面配置區 3">
+            <a:extLst>
+              <a:ext uri="{FF2B5EF4-FFF2-40B4-BE49-F238E27FC236}">
+                <a16:creationId xmlns:a16="http://schemas.microsoft.com/office/drawing/2014/main" id="{725A4AD6-1BEC-42EE-891F-37F124B20E74}"/>
+              </a:ext>
+            </a:extLst>
+          </p:cNvPr>
+          <p:cNvSpPr>
+            <a:spLocks noGrp="1"/>
+          </p:cNvSpPr>
+          <p:nvPr>
+            <p:ph type="ftr" sz="quarter" idx="11"/>
+          </p:nvPr>
+        </p:nvSpPr>
+        <p:spPr/>
+        <p:txBody>
+          <a:bodyPr/>
+          <a:lstStyle/>
+          <a:p>
+            <a:r>
+              <a:rPr lang="en-US" altLang="zh-TW"/>
+              <a:t>104</a:t>
+            </a:r>
+            <a:r>
+              <a:rPr lang="zh-TW" altLang="en-US"/>
+              <a:t>人資學院  </a:t>
+            </a:r>
+            <a:r>
+              <a:rPr lang="en-US" altLang="zh-TW"/>
+              <a:t>All Rights Reserved</a:t>
+            </a:r>
+            <a:endParaRPr lang="zh-TW" altLang="en-US"/>
+          </a:p>
+        </p:txBody>
+      </p:sp>
+    </p:spTree>
+    <p:extLst>
+      <p:ext uri="{BB962C8B-B14F-4D97-AF65-F5344CB8AC3E}">
+        <p14:creationId xmlns:p14="http://schemas.microsoft.com/office/powerpoint/2010/main" val="2375243887"/>
+      </p:ext>
+    </p:extLst>
+  </p:cSld>
+  <p:clrMapOvr>
+    <a:masterClrMapping/>
+  </p:clrMapOvr>
+</p:sld>
+</file>
+
+<file path=ppt/slides/slide26.xml><?xml version="1.0" encoding="utf-8"?>
+<p:sld xmlns:a="http://schemas.openxmlformats.org/drawingml/2006/main" xmlns:r="http://schemas.openxmlformats.org/officeDocument/2006/relationships" xmlns:p="http://schemas.openxmlformats.org/presentationml/2006/main">
+  <p:cSld>
+    <p:spTree>
+      <p:nvGrpSpPr>
+        <p:cNvPr id="1" name=""/>
+        <p:cNvGrpSpPr/>
+        <p:nvPr/>
+      </p:nvGrpSpPr>
+      <p:grpSpPr>
+        <a:xfrm>
+          <a:off x="0" y="0"/>
+          <a:ext cx="0" cy="0"/>
+          <a:chOff x="0" y="0"/>
+          <a:chExt cx="0" cy="0"/>
+        </a:xfrm>
+      </p:grpSpPr>
+      <p:sp>
+        <p:nvSpPr>
+          <p:cNvPr id="2" name="標題 1">
+            <a:extLst>
+              <a:ext uri="{FF2B5EF4-FFF2-40B4-BE49-F238E27FC236}">
+                <a16:creationId xmlns:a16="http://schemas.microsoft.com/office/drawing/2014/main" id="{50FD158A-3005-4C2F-9E0B-172513459AB0}"/>
+              </a:ext>
+            </a:extLst>
+          </p:cNvPr>
+          <p:cNvSpPr>
+            <a:spLocks noGrp="1"/>
+          </p:cNvSpPr>
+          <p:nvPr>
+            <p:ph type="title"/>
+          </p:nvPr>
+        </p:nvSpPr>
+        <p:spPr/>
+        <p:txBody>
+          <a:bodyPr/>
+          <a:lstStyle/>
+          <a:p>
+            <a:r>
+              <a:rPr lang="en-US" altLang="zh-TW" dirty="0"/>
+              <a:t>Reference</a:t>
+            </a:r>
+            <a:endParaRPr lang="zh-TW" altLang="en-US" dirty="0"/>
+          </a:p>
+        </p:txBody>
+      </p:sp>
+      <p:sp>
+        <p:nvSpPr>
+          <p:cNvPr id="3" name="內容版面配置區 2">
+            <a:extLst>
+              <a:ext uri="{FF2B5EF4-FFF2-40B4-BE49-F238E27FC236}">
+                <a16:creationId xmlns:a16="http://schemas.microsoft.com/office/drawing/2014/main" id="{609D8A0A-9EEF-4512-B2F7-970F90065265}"/>
+              </a:ext>
+            </a:extLst>
+          </p:cNvPr>
+          <p:cNvSpPr>
+            <a:spLocks noGrp="1"/>
+          </p:cNvSpPr>
+          <p:nvPr>
+            <p:ph idx="1"/>
+          </p:nvPr>
+        </p:nvSpPr>
+        <p:spPr/>
+        <p:txBody>
+          <a:bodyPr>
+            <a:normAutofit lnSpcReduction="10000"/>
+          </a:bodyPr>
+          <a:lstStyle/>
+          <a:p>
+            <a:r>
+              <a:rPr lang="en-US" altLang="zh-TW" dirty="0">
+                <a:sym typeface="Wingdings" panose="05000000000000000000" pitchFamily="2" charset="2"/>
+              </a:rPr>
+              <a:t>[</a:t>
+            </a:r>
+            <a:r>
+              <a:rPr lang="zh-TW" altLang="en-US" dirty="0">
+                <a:sym typeface="Wingdings" panose="05000000000000000000" pitchFamily="2" charset="2"/>
+              </a:rPr>
+              <a:t>連猴子都能懂得</a:t>
+            </a:r>
+            <a:r>
+              <a:rPr lang="en-US" altLang="zh-TW" dirty="0">
+                <a:sym typeface="Wingdings" panose="05000000000000000000" pitchFamily="2" charset="2"/>
+              </a:rPr>
+              <a:t>Git</a:t>
+            </a:r>
+            <a:r>
+              <a:rPr lang="zh-TW" altLang="en-US" dirty="0">
+                <a:sym typeface="Wingdings" panose="05000000000000000000" pitchFamily="2" charset="2"/>
+              </a:rPr>
+              <a:t>入門指南</a:t>
+            </a:r>
+            <a:r>
+              <a:rPr lang="en-US" altLang="zh-TW" dirty="0">
+                <a:sym typeface="Wingdings" panose="05000000000000000000" pitchFamily="2" charset="2"/>
+              </a:rPr>
+              <a:t>]</a:t>
+            </a:r>
+            <a:br>
+              <a:rPr lang="en-US" altLang="zh-TW" dirty="0">
+                <a:sym typeface="Wingdings" panose="05000000000000000000" pitchFamily="2" charset="2"/>
+              </a:rPr>
+            </a:br>
+            <a:r>
+              <a:rPr lang="en-US" altLang="zh-TW" dirty="0">
+                <a:sym typeface="Wingdings" panose="05000000000000000000" pitchFamily="2" charset="2"/>
+              </a:rPr>
+              <a:t>(https://backlog.com/git-tutorial/tw/intro/intro2_4.html)</a:t>
+            </a:r>
+          </a:p>
+          <a:p>
+            <a:r>
+              <a:rPr lang="en-US" altLang="zh-TW" dirty="0">
+                <a:sym typeface="Wingdings" panose="05000000000000000000" pitchFamily="2" charset="2"/>
+              </a:rPr>
+              <a:t>[</a:t>
+            </a:r>
+            <a:r>
+              <a:rPr lang="en-US" altLang="zh-TW" dirty="0" err="1">
+                <a:sym typeface="Wingdings" panose="05000000000000000000" pitchFamily="2" charset="2"/>
+              </a:rPr>
+              <a:t>ihower</a:t>
+            </a:r>
+            <a:r>
+              <a:rPr lang="zh-TW" altLang="en-US" dirty="0">
+                <a:sym typeface="Wingdings" panose="05000000000000000000" pitchFamily="2" charset="2"/>
+              </a:rPr>
+              <a:t>的</a:t>
+            </a:r>
+            <a:r>
+              <a:rPr lang="en-US" altLang="zh-TW" dirty="0">
+                <a:sym typeface="Wingdings" panose="05000000000000000000" pitchFamily="2" charset="2"/>
+              </a:rPr>
+              <a:t>Git</a:t>
+            </a:r>
+            <a:r>
+              <a:rPr lang="zh-TW" altLang="en-US" dirty="0">
+                <a:sym typeface="Wingdings" panose="05000000000000000000" pitchFamily="2" charset="2"/>
+              </a:rPr>
+              <a:t>教室</a:t>
+            </a:r>
+            <a:r>
+              <a:rPr lang="en-US" altLang="zh-TW" dirty="0">
+                <a:sym typeface="Wingdings" panose="05000000000000000000" pitchFamily="2" charset="2"/>
+              </a:rPr>
+              <a:t>]</a:t>
+            </a:r>
+            <a:br>
+              <a:rPr lang="en-US" altLang="zh-TW" dirty="0">
+                <a:sym typeface="Wingdings" panose="05000000000000000000" pitchFamily="2" charset="2"/>
+              </a:rPr>
+            </a:br>
+            <a:r>
+              <a:rPr lang="en-US" altLang="zh-TW" dirty="0">
+                <a:sym typeface="Wingdings" panose="05000000000000000000" pitchFamily="2" charset="2"/>
+              </a:rPr>
+              <a:t>(https://ihower.tw/git/index.html)</a:t>
+            </a:r>
+          </a:p>
+          <a:p>
+            <a:r>
+              <a:rPr lang="en-US" altLang="zh-TW" dirty="0">
+                <a:sym typeface="Wingdings" panose="05000000000000000000" pitchFamily="2" charset="2"/>
+              </a:rPr>
+              <a:t>[git-document]</a:t>
+            </a:r>
+            <a:br>
+              <a:rPr lang="en-US" altLang="zh-TW" dirty="0">
+                <a:sym typeface="Wingdings" panose="05000000000000000000" pitchFamily="2" charset="2"/>
+              </a:rPr>
+            </a:br>
+            <a:r>
+              <a:rPr lang="en-US" altLang="zh-TW" dirty="0">
+                <a:sym typeface="Wingdings" panose="05000000000000000000" pitchFamily="2" charset="2"/>
+              </a:rPr>
+              <a:t>(https://git-scm.com/book/en/v2)</a:t>
+            </a:r>
+          </a:p>
+          <a:p>
+            <a:r>
+              <a:rPr lang="en-US" altLang="zh-TW" dirty="0"/>
+              <a:t>[ATLASSIAN](</a:t>
+            </a:r>
+            <a:r>
+              <a:rPr lang="en-US" altLang="zh-TW" u="sng" dirty="0"/>
+              <a:t>https://www.atlassian.com/cs/git/tutorials/learn-git-with-bitbucket-cloud</a:t>
+            </a:r>
+            <a:r>
+              <a:rPr lang="en-US" altLang="zh-TW" dirty="0"/>
+              <a:t>)</a:t>
+            </a:r>
+          </a:p>
+          <a:p>
+            <a:endParaRPr lang="en-US" altLang="zh-TW" dirty="0">
+              <a:sym typeface="Wingdings" panose="05000000000000000000" pitchFamily="2" charset="2"/>
+            </a:endParaRPr>
+          </a:p>
+        </p:txBody>
+      </p:sp>
+      <p:sp>
+        <p:nvSpPr>
+          <p:cNvPr id="4" name="頁尾版面配置區 3">
+            <a:extLst>
+              <a:ext uri="{FF2B5EF4-FFF2-40B4-BE49-F238E27FC236}">
+                <a16:creationId xmlns:a16="http://schemas.microsoft.com/office/drawing/2014/main" id="{545666E0-D575-4F74-B46E-1D256E04A06A}"/>
+              </a:ext>
+            </a:extLst>
+          </p:cNvPr>
+          <p:cNvSpPr>
+            <a:spLocks noGrp="1"/>
+          </p:cNvSpPr>
+          <p:nvPr>
+            <p:ph type="ftr" sz="quarter" idx="11"/>
+          </p:nvPr>
+        </p:nvSpPr>
+        <p:spPr/>
+        <p:txBody>
+          <a:bodyPr/>
+          <a:lstStyle/>
+          <a:p>
+            <a:r>
+              <a:rPr lang="en-US" altLang="zh-TW"/>
+              <a:t>104</a:t>
+            </a:r>
+            <a:r>
+              <a:rPr lang="zh-TW" altLang="en-US"/>
+              <a:t>人資學院  </a:t>
+            </a:r>
+            <a:r>
+              <a:rPr lang="en-US" altLang="zh-TW"/>
+              <a:t>All Rights Reserved</a:t>
+            </a:r>
+            <a:endParaRPr lang="zh-TW" altLang="en-US"/>
+          </a:p>
+        </p:txBody>
+      </p:sp>
+    </p:spTree>
+    <p:extLst>
+      <p:ext uri="{BB962C8B-B14F-4D97-AF65-F5344CB8AC3E}">
+        <p14:creationId xmlns:p14="http://schemas.microsoft.com/office/powerpoint/2010/main" val="3400992210"/>
+      </p:ext>
+    </p:extLst>
+  </p:cSld>
+  <p:clrMapOvr>
+    <a:masterClrMapping/>
+  </p:clrMapOvr>
+</p:sld>
+</file>
+
+<file path=ppt/slides/slide27.xml><?xml version="1.0" encoding="utf-8"?>
+<p:sld xmlns:a="http://schemas.openxmlformats.org/drawingml/2006/main" xmlns:r="http://schemas.openxmlformats.org/officeDocument/2006/relationships" xmlns:p="http://schemas.openxmlformats.org/presentationml/2006/main">
+  <p:cSld>
+    <p:spTree>
+      <p:nvGrpSpPr>
+        <p:cNvPr id="1" name=""/>
+        <p:cNvGrpSpPr/>
+        <p:nvPr/>
+      </p:nvGrpSpPr>
+      <p:grpSpPr>
+        <a:xfrm>
+          <a:off x="0" y="0"/>
+          <a:ext cx="0" cy="0"/>
+          <a:chOff x="0" y="0"/>
+          <a:chExt cx="0" cy="0"/>
+        </a:xfrm>
+      </p:grpSpPr>
+      <p:pic>
+        <p:nvPicPr>
+          <p:cNvPr id="6" name="圖片 5"/>
+          <p:cNvPicPr>
+            <a:picLocks noChangeAspect="1"/>
+          </p:cNvPicPr>
+          <p:nvPr/>
+        </p:nvPicPr>
+        <p:blipFill>
+          <a:blip r:embed="rId2" cstate="print">
+            <a:extLst>
+              <a:ext uri="{28A0092B-C50C-407E-A947-70E740481C1C}">
+                <a14:useLocalDpi xmlns:a14="http://schemas.microsoft.com/office/drawing/2010/main" val="0"/>
+              </a:ext>
+            </a:extLst>
+          </a:blip>
+          <a:stretch>
+            <a:fillRect/>
+          </a:stretch>
+        </p:blipFill>
+        <p:spPr>
+          <a:xfrm>
+            <a:off x="-2" y="0"/>
+            <a:ext cx="9226570" cy="7101408"/>
+          </a:xfrm>
+          <a:prstGeom prst="rect">
+            <a:avLst/>
+          </a:prstGeom>
+        </p:spPr>
+      </p:pic>
+      <p:sp>
+        <p:nvSpPr>
+          <p:cNvPr id="2" name="標題 1"/>
+          <p:cNvSpPr>
+            <a:spLocks noGrp="1"/>
+          </p:cNvSpPr>
+          <p:nvPr>
+            <p:ph type="title"/>
+          </p:nvPr>
+        </p:nvSpPr>
+        <p:spPr>
+          <a:xfrm>
+            <a:off x="457200" y="2636912"/>
+            <a:ext cx="8229600" cy="1068720"/>
+          </a:xfrm>
+        </p:spPr>
+        <p:txBody>
+          <a:bodyPr/>
+          <a:lstStyle/>
+          <a:p>
+            <a:r>
+              <a:rPr lang="zh-TW" altLang="zh-TW" sz="2800" b="1" dirty="0">
+                <a:solidFill>
+                  <a:schemeClr val="bg1"/>
+                </a:solidFill>
+                <a:latin typeface="微軟正黑體" panose="020B0604030504040204" pitchFamily="34" charset="-120"/>
+                <a:ea typeface="微軟正黑體" panose="020B0604030504040204" pitchFamily="34" charset="-120"/>
+              </a:rPr>
+              <a:t>關心人資．共創價值</a:t>
+            </a:r>
+            <a:br>
+              <a:rPr lang="zh-TW" altLang="zh-TW" sz="2800" dirty="0">
+                <a:solidFill>
+                  <a:schemeClr val="bg1"/>
+                </a:solidFill>
+                <a:latin typeface="微軟正黑體" panose="020B0604030504040204" pitchFamily="34" charset="-120"/>
+                <a:ea typeface="微軟正黑體" panose="020B0604030504040204" pitchFamily="34" charset="-120"/>
+              </a:rPr>
+            </a:br>
+            <a:r>
+              <a:rPr lang="en-US" altLang="zh-TW" sz="1400" dirty="0">
+                <a:solidFill>
+                  <a:schemeClr val="bg1"/>
+                </a:solidFill>
+                <a:latin typeface="微軟正黑體" panose="020B0604030504040204" pitchFamily="34" charset="-120"/>
+                <a:ea typeface="微軟正黑體" panose="020B0604030504040204" pitchFamily="34" charset="-120"/>
+              </a:rPr>
+              <a:t>Define</a:t>
+            </a:r>
+            <a:r>
+              <a:rPr lang="zh-TW" altLang="zh-TW" sz="1400" dirty="0">
+                <a:solidFill>
+                  <a:schemeClr val="bg1"/>
+                </a:solidFill>
+                <a:latin typeface="微軟正黑體" panose="020B0604030504040204" pitchFamily="34" charset="-120"/>
+                <a:ea typeface="微軟正黑體" panose="020B0604030504040204" pitchFamily="34" charset="-120"/>
+              </a:rPr>
+              <a:t>人才標準｜</a:t>
+            </a:r>
+            <a:r>
+              <a:rPr lang="en-US" altLang="zh-TW" sz="1400" dirty="0">
+                <a:solidFill>
+                  <a:schemeClr val="bg1"/>
+                </a:solidFill>
+                <a:latin typeface="微軟正黑體" panose="020B0604030504040204" pitchFamily="34" charset="-120"/>
+                <a:ea typeface="微軟正黑體" panose="020B0604030504040204" pitchFamily="34" charset="-120"/>
+              </a:rPr>
+              <a:t>Discover</a:t>
+            </a:r>
+            <a:r>
+              <a:rPr lang="zh-TW" altLang="zh-TW" sz="1400" dirty="0">
+                <a:solidFill>
+                  <a:schemeClr val="bg1"/>
+                </a:solidFill>
+                <a:latin typeface="微軟正黑體" panose="020B0604030504040204" pitchFamily="34" charset="-120"/>
+                <a:ea typeface="微軟正黑體" panose="020B0604030504040204" pitchFamily="34" charset="-120"/>
+              </a:rPr>
+              <a:t>人才遴選｜</a:t>
+            </a:r>
+            <a:r>
+              <a:rPr lang="en-US" altLang="zh-TW" sz="1400" dirty="0">
+                <a:solidFill>
+                  <a:schemeClr val="bg1"/>
+                </a:solidFill>
+                <a:latin typeface="微軟正黑體" panose="020B0604030504040204" pitchFamily="34" charset="-120"/>
+                <a:ea typeface="微軟正黑體" panose="020B0604030504040204" pitchFamily="34" charset="-120"/>
+              </a:rPr>
+              <a:t>Develop</a:t>
+            </a:r>
+            <a:r>
+              <a:rPr lang="zh-TW" altLang="zh-TW" sz="1400" dirty="0">
+                <a:solidFill>
+                  <a:schemeClr val="bg1"/>
+                </a:solidFill>
+                <a:latin typeface="微軟正黑體" panose="020B0604030504040204" pitchFamily="34" charset="-120"/>
+                <a:ea typeface="微軟正黑體" panose="020B0604030504040204" pitchFamily="34" charset="-120"/>
+              </a:rPr>
+              <a:t>人才發展｜</a:t>
+            </a:r>
+            <a:r>
+              <a:rPr lang="en-US" altLang="zh-TW" sz="1400" dirty="0">
+                <a:solidFill>
+                  <a:schemeClr val="bg1"/>
+                </a:solidFill>
+                <a:latin typeface="微軟正黑體" panose="020B0604030504040204" pitchFamily="34" charset="-120"/>
+                <a:ea typeface="微軟正黑體" panose="020B0604030504040204" pitchFamily="34" charset="-120"/>
+              </a:rPr>
+              <a:t>Deploy</a:t>
+            </a:r>
+            <a:r>
+              <a:rPr lang="zh-TW" altLang="zh-TW" sz="1400" dirty="0">
+                <a:solidFill>
+                  <a:schemeClr val="bg1"/>
+                </a:solidFill>
+                <a:latin typeface="微軟正黑體" panose="020B0604030504040204" pitchFamily="34" charset="-120"/>
+                <a:ea typeface="微軟正黑體" panose="020B0604030504040204" pitchFamily="34" charset="-120"/>
+              </a:rPr>
+              <a:t>人才佈署</a:t>
+            </a:r>
+          </a:p>
+        </p:txBody>
+      </p:sp>
+      <p:sp>
+        <p:nvSpPr>
+          <p:cNvPr id="5" name="頁尾版面配置區 4"/>
+          <p:cNvSpPr>
+            <a:spLocks noGrp="1"/>
+          </p:cNvSpPr>
+          <p:nvPr>
+            <p:ph type="ftr" sz="quarter" idx="11"/>
+          </p:nvPr>
+        </p:nvSpPr>
+        <p:spPr/>
+        <p:txBody>
+          <a:bodyPr/>
+          <a:lstStyle/>
+          <a:p>
+            <a:r>
+              <a:rPr lang="en-US" altLang="zh-TW">
+                <a:solidFill>
+                  <a:schemeClr val="bg1"/>
+                </a:solidFill>
+              </a:rPr>
+              <a:t>104</a:t>
+            </a:r>
+            <a:r>
+              <a:rPr lang="zh-TW" altLang="en-US">
+                <a:solidFill>
+                  <a:schemeClr val="bg1"/>
+                </a:solidFill>
+              </a:rPr>
+              <a:t>人資學院  </a:t>
+            </a:r>
+            <a:r>
+              <a:rPr lang="en-US" altLang="zh-TW">
+                <a:solidFill>
+                  <a:schemeClr val="bg1"/>
+                </a:solidFill>
+              </a:rPr>
+              <a:t>All Rights Reserved</a:t>
+            </a:r>
+            <a:endParaRPr lang="zh-TW" altLang="en-US" dirty="0">
+              <a:solidFill>
+                <a:schemeClr val="bg1"/>
+              </a:solidFill>
+            </a:endParaRPr>
+          </a:p>
+        </p:txBody>
+      </p:sp>
+    </p:spTree>
+    <p:extLst>
+      <p:ext uri="{BB962C8B-B14F-4D97-AF65-F5344CB8AC3E}">
+        <p14:creationId xmlns:p14="http://schemas.microsoft.com/office/powerpoint/2010/main" val="4002757761"/>
       </p:ext>
     </p:extLst>
   </p:cSld>

--- a/2019_0627_Git_Share_HA.pptx
+++ b/2019_0627_Git_Share_HA.pptx
@@ -5,7 +5,7 @@
     <p:sldMasterId id="2147483648" r:id="rId1"/>
   </p:sldMasterIdLst>
   <p:notesMasterIdLst>
-    <p:notesMasterId r:id="rId29"/>
+    <p:notesMasterId r:id="rId31"/>
   </p:notesMasterIdLst>
   <p:sldIdLst>
     <p:sldId id="256" r:id="rId2"/>
@@ -33,8 +33,10 @@
     <p:sldId id="282" r:id="rId24"/>
     <p:sldId id="285" r:id="rId25"/>
     <p:sldId id="286" r:id="rId26"/>
-    <p:sldId id="263" r:id="rId27"/>
-    <p:sldId id="258" r:id="rId28"/>
+    <p:sldId id="290" r:id="rId27"/>
+    <p:sldId id="289" r:id="rId28"/>
+    <p:sldId id="263" r:id="rId29"/>
+    <p:sldId id="258" r:id="rId30"/>
   </p:sldIdLst>
   <p:sldSz cx="9144000" cy="6858000" type="screen4x3"/>
   <p:notesSz cx="6858000" cy="9144000"/>
@@ -234,7 +236,7 @@
           <a:p>
             <a:fld id="{1020193D-3E15-4DE7-AF14-4CFBD309F305}" type="datetimeFigureOut">
               <a:rPr lang="zh-TW" altLang="en-US" smtClean="0"/>
-              <a:t>2019/6/26</a:t>
+              <a:t>2019/6/27</a:t>
             </a:fld>
             <a:endParaRPr lang="zh-TW" altLang="en-US"/>
           </a:p>
@@ -683,7 +685,7 @@
           <a:p>
             <a:fld id="{6557CA0B-44A0-46DF-9575-675995B7D994}" type="datetime1">
               <a:rPr lang="zh-TW" altLang="en-US" smtClean="0"/>
-              <a:t>2019/6/26</a:t>
+              <a:t>2019/6/27</a:t>
             </a:fld>
             <a:endParaRPr lang="zh-TW" altLang="en-US"/>
           </a:p>
@@ -871,7 +873,7 @@
           <a:p>
             <a:fld id="{94CE1821-AA83-4DFE-B773-D50ABB5EE20C}" type="datetime1">
               <a:rPr lang="zh-TW" altLang="en-US" smtClean="0"/>
-              <a:t>2019/6/26</a:t>
+              <a:t>2019/6/27</a:t>
             </a:fld>
             <a:endParaRPr lang="zh-TW" altLang="en-US"/>
           </a:p>
@@ -1064,7 +1066,7 @@
           <a:p>
             <a:fld id="{CD5A2D0D-8378-42A6-8CC9-17E6F6BFEBE6}" type="datetime1">
               <a:rPr lang="zh-TW" altLang="en-US" smtClean="0"/>
-              <a:t>2019/6/26</a:t>
+              <a:t>2019/6/27</a:t>
             </a:fld>
             <a:endParaRPr lang="zh-TW" altLang="en-US"/>
           </a:p>
@@ -1252,7 +1254,7 @@
           <a:p>
             <a:fld id="{EF4B4EE8-D012-4A67-8D2F-173E88634E81}" type="datetime1">
               <a:rPr lang="zh-TW" altLang="en-US" smtClean="0"/>
-              <a:t>2019/6/26</a:t>
+              <a:t>2019/6/27</a:t>
             </a:fld>
             <a:endParaRPr lang="zh-TW" altLang="en-US"/>
           </a:p>
@@ -1512,7 +1514,7 @@
           <a:p>
             <a:fld id="{12586C6D-0339-4861-BBBF-642C97DC2484}" type="datetime1">
               <a:rPr lang="zh-TW" altLang="en-US" smtClean="0"/>
-              <a:t>2019/6/26</a:t>
+              <a:t>2019/6/27</a:t>
             </a:fld>
             <a:endParaRPr lang="zh-TW" altLang="en-US"/>
           </a:p>
@@ -1817,7 +1819,7 @@
           <a:p>
             <a:fld id="{0B36E52F-8F45-4325-AE18-B30FC88A2BAC}" type="datetime1">
               <a:rPr lang="zh-TW" altLang="en-US" smtClean="0"/>
-              <a:t>2019/6/26</a:t>
+              <a:t>2019/6/27</a:t>
             </a:fld>
             <a:endParaRPr lang="zh-TW" altLang="en-US"/>
           </a:p>
@@ -2256,7 +2258,7 @@
           <a:p>
             <a:fld id="{E44E3730-7353-4401-90EB-901B141DC3FB}" type="datetime1">
               <a:rPr lang="zh-TW" altLang="en-US" smtClean="0"/>
-              <a:t>2019/6/26</a:t>
+              <a:t>2019/6/27</a:t>
             </a:fld>
             <a:endParaRPr lang="zh-TW" altLang="en-US"/>
           </a:p>
@@ -2393,7 +2395,7 @@
           <a:p>
             <a:fld id="{8AA719F8-B8A0-482A-822A-9860CC09EAB9}" type="datetime1">
               <a:rPr lang="zh-TW" altLang="en-US" smtClean="0"/>
-              <a:t>2019/6/26</a:t>
+              <a:t>2019/6/27</a:t>
             </a:fld>
             <a:endParaRPr lang="zh-TW" altLang="en-US"/>
           </a:p>
@@ -2500,7 +2502,7 @@
           <a:p>
             <a:fld id="{FB67C268-4C5A-4C10-AC41-DDD28B6F209D}" type="datetime1">
               <a:rPr lang="zh-TW" altLang="en-US" smtClean="0"/>
-              <a:t>2019/6/26</a:t>
+              <a:t>2019/6/27</a:t>
             </a:fld>
             <a:endParaRPr lang="zh-TW" altLang="en-US"/>
           </a:p>
@@ -2790,7 +2792,7 @@
           <a:p>
             <a:fld id="{36E9F627-8147-46D9-8817-52518B33E601}" type="datetime1">
               <a:rPr lang="zh-TW" altLang="en-US" smtClean="0"/>
-              <a:t>2019/6/26</a:t>
+              <a:t>2019/6/27</a:t>
             </a:fld>
             <a:endParaRPr lang="zh-TW" altLang="en-US"/>
           </a:p>
@@ -3057,7 +3059,7 @@
           <a:p>
             <a:fld id="{366AC5D3-4E9D-42B0-AA81-8DD878BAC64D}" type="datetime1">
               <a:rPr lang="zh-TW" altLang="en-US" smtClean="0"/>
-              <a:t>2019/6/26</a:t>
+              <a:t>2019/6/27</a:t>
             </a:fld>
             <a:endParaRPr lang="zh-TW" altLang="en-US"/>
           </a:p>
@@ -3248,7 +3250,7 @@
           <a:p>
             <a:fld id="{4DE26776-C032-4FBA-8950-1C40D4FD3E5E}" type="datetime1">
               <a:rPr lang="zh-TW" altLang="en-US" smtClean="0"/>
-              <a:t>2019/6/26</a:t>
+              <a:t>2019/6/27</a:t>
             </a:fld>
             <a:endParaRPr lang="zh-TW" altLang="en-US"/>
           </a:p>
@@ -6484,7 +6486,6 @@
               <a:rPr lang="en-US" altLang="zh-TW" dirty="0"/>
               <a:t> --count --all dev</a:t>
             </a:r>
-            <a:endParaRPr lang="zh-TW" altLang="en-US" dirty="0"/>
           </a:p>
         </p:txBody>
       </p:sp>
@@ -6560,6 +6561,456 @@
           <p:cNvPr id="2" name="標題 1">
             <a:extLst>
               <a:ext uri="{FF2B5EF4-FFF2-40B4-BE49-F238E27FC236}">
+                <a16:creationId xmlns:a16="http://schemas.microsoft.com/office/drawing/2014/main" id="{27134C03-D552-489C-90BC-CA9A7B4CC7A6}"/>
+              </a:ext>
+            </a:extLst>
+          </p:cNvPr>
+          <p:cNvSpPr>
+            <a:spLocks noGrp="1"/>
+          </p:cNvSpPr>
+          <p:nvPr>
+            <p:ph type="title"/>
+          </p:nvPr>
+        </p:nvSpPr>
+        <p:spPr/>
+        <p:txBody>
+          <a:bodyPr/>
+          <a:lstStyle/>
+          <a:p>
+            <a:r>
+              <a:rPr lang="en-US" altLang="zh-TW" dirty="0"/>
+              <a:t>Git relation</a:t>
+            </a:r>
+            <a:endParaRPr lang="zh-TW" altLang="en-US" dirty="0"/>
+          </a:p>
+        </p:txBody>
+      </p:sp>
+      <p:sp>
+        <p:nvSpPr>
+          <p:cNvPr id="3" name="內容版面配置區 2">
+            <a:extLst>
+              <a:ext uri="{FF2B5EF4-FFF2-40B4-BE49-F238E27FC236}">
+                <a16:creationId xmlns:a16="http://schemas.microsoft.com/office/drawing/2014/main" id="{38AB49CD-BA2A-4734-8C5C-809209E7CECC}"/>
+              </a:ext>
+            </a:extLst>
+          </p:cNvPr>
+          <p:cNvSpPr>
+            <a:spLocks noGrp="1"/>
+          </p:cNvSpPr>
+          <p:nvPr>
+            <p:ph sz="half" idx="1"/>
+          </p:nvPr>
+        </p:nvSpPr>
+        <p:spPr/>
+        <p:txBody>
+          <a:bodyPr>
+            <a:normAutofit fontScale="70000" lnSpcReduction="20000"/>
+          </a:bodyPr>
+          <a:lstStyle/>
+          <a:p>
+            <a:r>
+              <a:rPr lang="en-US" altLang="zh-TW" dirty="0"/>
+              <a:t>Service</a:t>
+            </a:r>
+          </a:p>
+          <a:p>
+            <a:pPr lvl="1"/>
+            <a:r>
+              <a:rPr lang="en-US" altLang="zh-TW" dirty="0" err="1"/>
+              <a:t>BerliOS</a:t>
+            </a:r>
+            <a:endParaRPr lang="en-US" altLang="zh-TW" dirty="0"/>
+          </a:p>
+          <a:p>
+            <a:pPr lvl="1"/>
+            <a:r>
+              <a:rPr lang="en-US" altLang="zh-TW" dirty="0"/>
+              <a:t>Beanstalk</a:t>
+            </a:r>
+          </a:p>
+          <a:p>
+            <a:pPr lvl="1"/>
+            <a:r>
+              <a:rPr lang="en-US" altLang="zh-TW" dirty="0"/>
+              <a:t>Bitbucket</a:t>
+            </a:r>
+          </a:p>
+          <a:p>
+            <a:pPr lvl="1"/>
+            <a:r>
+              <a:rPr lang="en-US" altLang="zh-TW" dirty="0" err="1"/>
+              <a:t>CodePlex</a:t>
+            </a:r>
+            <a:endParaRPr lang="en-US" altLang="zh-TW" dirty="0"/>
+          </a:p>
+          <a:p>
+            <a:pPr lvl="1"/>
+            <a:r>
+              <a:rPr lang="en-US" altLang="zh-TW" dirty="0"/>
+              <a:t>GitHub</a:t>
+            </a:r>
+          </a:p>
+          <a:p>
+            <a:pPr lvl="1"/>
+            <a:r>
+              <a:rPr lang="en-US" altLang="zh-TW" dirty="0" err="1"/>
+              <a:t>Gitorious</a:t>
+            </a:r>
+            <a:endParaRPr lang="en-US" altLang="zh-TW" dirty="0"/>
+          </a:p>
+          <a:p>
+            <a:pPr lvl="1"/>
+            <a:r>
+              <a:rPr lang="en-US" altLang="zh-TW" dirty="0"/>
+              <a:t>GUN Savannah</a:t>
+            </a:r>
+          </a:p>
+          <a:p>
+            <a:pPr lvl="1"/>
+            <a:r>
+              <a:rPr lang="en-US" altLang="zh-TW" dirty="0"/>
+              <a:t>Google Code</a:t>
+            </a:r>
+          </a:p>
+          <a:p>
+            <a:pPr lvl="1"/>
+            <a:r>
+              <a:rPr lang="en-US" altLang="zh-TW" dirty="0" err="1"/>
+              <a:t>JavaForge</a:t>
+            </a:r>
+            <a:endParaRPr lang="en-US" altLang="zh-TW" dirty="0"/>
+          </a:p>
+          <a:p>
+            <a:pPr lvl="1"/>
+            <a:r>
+              <a:rPr lang="en-US" altLang="zh-TW" dirty="0" err="1"/>
+              <a:t>Pikacode</a:t>
+            </a:r>
+            <a:endParaRPr lang="en-US" altLang="zh-TW" dirty="0"/>
+          </a:p>
+          <a:p>
+            <a:pPr lvl="1"/>
+            <a:r>
+              <a:rPr lang="en-US" altLang="zh-TW" dirty="0" err="1"/>
+              <a:t>SourceForge</a:t>
+            </a:r>
+            <a:endParaRPr lang="en-US" altLang="zh-TW" dirty="0"/>
+          </a:p>
+          <a:p>
+            <a:pPr lvl="1"/>
+            <a:r>
+              <a:rPr lang="en-US" altLang="zh-TW" dirty="0" err="1"/>
+              <a:t>Gitee</a:t>
+            </a:r>
+            <a:r>
+              <a:rPr lang="en-US" altLang="zh-TW" dirty="0"/>
+              <a:t>[</a:t>
+            </a:r>
+            <a:r>
+              <a:rPr lang="zh-TW" altLang="en-US" dirty="0"/>
+              <a:t>碼雲</a:t>
+            </a:r>
+            <a:r>
+              <a:rPr lang="en-US" altLang="zh-TW" dirty="0"/>
+              <a:t>]</a:t>
+            </a:r>
+          </a:p>
+          <a:p>
+            <a:pPr lvl="1"/>
+            <a:r>
+              <a:rPr lang="en-US" altLang="zh-TW" dirty="0"/>
+              <a:t>CSDN</a:t>
+            </a:r>
+            <a:r>
+              <a:rPr lang="zh-TW" altLang="en-US" dirty="0"/>
+              <a:t> </a:t>
+            </a:r>
+            <a:r>
+              <a:rPr lang="en-US" altLang="zh-TW" dirty="0"/>
+              <a:t>CODE</a:t>
+            </a:r>
+          </a:p>
+          <a:p>
+            <a:pPr lvl="1"/>
+            <a:r>
+              <a:rPr lang="en-US" altLang="zh-TW" dirty="0"/>
+              <a:t>Coding</a:t>
+            </a:r>
+          </a:p>
+          <a:p>
+            <a:pPr lvl="1"/>
+            <a:r>
+              <a:rPr lang="en-US" altLang="zh-TW" dirty="0" err="1"/>
+              <a:t>gitlab</a:t>
+            </a:r>
+            <a:endParaRPr lang="zh-TW" altLang="en-US" dirty="0"/>
+          </a:p>
+        </p:txBody>
+      </p:sp>
+      <p:sp>
+        <p:nvSpPr>
+          <p:cNvPr id="4" name="內容版面配置區 3">
+            <a:extLst>
+              <a:ext uri="{FF2B5EF4-FFF2-40B4-BE49-F238E27FC236}">
+                <a16:creationId xmlns:a16="http://schemas.microsoft.com/office/drawing/2014/main" id="{D2423EB9-013C-46E4-9CC5-FC6223965C71}"/>
+              </a:ext>
+            </a:extLst>
+          </p:cNvPr>
+          <p:cNvSpPr>
+            <a:spLocks noGrp="1"/>
+          </p:cNvSpPr>
+          <p:nvPr>
+            <p:ph sz="half" idx="2"/>
+          </p:nvPr>
+        </p:nvSpPr>
+        <p:spPr/>
+        <p:txBody>
+          <a:bodyPr>
+            <a:normAutofit fontScale="70000" lnSpcReduction="20000"/>
+          </a:bodyPr>
+          <a:lstStyle/>
+          <a:p>
+            <a:r>
+              <a:rPr lang="en-US" altLang="zh-TW" dirty="0"/>
+              <a:t>GIT GUI</a:t>
+            </a:r>
+          </a:p>
+          <a:p>
+            <a:pPr lvl="1"/>
+            <a:r>
+              <a:rPr lang="en-US" altLang="zh-TW" dirty="0"/>
+              <a:t>GitHub Desktop</a:t>
+            </a:r>
+          </a:p>
+          <a:p>
+            <a:pPr lvl="1"/>
+            <a:r>
+              <a:rPr lang="en-US" altLang="zh-TW" dirty="0"/>
+              <a:t>Git for Windows</a:t>
+            </a:r>
+          </a:p>
+          <a:p>
+            <a:pPr lvl="1"/>
+            <a:r>
+              <a:rPr lang="en-US" altLang="zh-TW" dirty="0" err="1"/>
+              <a:t>TortoiseGit</a:t>
+            </a:r>
+            <a:endParaRPr lang="en-US" altLang="zh-TW" dirty="0"/>
+          </a:p>
+          <a:p>
+            <a:pPr lvl="1"/>
+            <a:r>
+              <a:rPr lang="en-US" altLang="zh-TW" dirty="0"/>
+              <a:t>SourceTree</a:t>
+            </a:r>
+          </a:p>
+          <a:p>
+            <a:pPr lvl="1"/>
+            <a:r>
+              <a:rPr lang="en-US" altLang="zh-TW" dirty="0" err="1"/>
+              <a:t>GitEye</a:t>
+            </a:r>
+            <a:endParaRPr lang="zh-TW" altLang="en-US" dirty="0"/>
+          </a:p>
+        </p:txBody>
+      </p:sp>
+      <p:sp>
+        <p:nvSpPr>
+          <p:cNvPr id="5" name="頁尾版面配置區 4">
+            <a:extLst>
+              <a:ext uri="{FF2B5EF4-FFF2-40B4-BE49-F238E27FC236}">
+                <a16:creationId xmlns:a16="http://schemas.microsoft.com/office/drawing/2014/main" id="{8496946B-7053-4266-BE0D-39F37A94E798}"/>
+              </a:ext>
+            </a:extLst>
+          </p:cNvPr>
+          <p:cNvSpPr>
+            <a:spLocks noGrp="1"/>
+          </p:cNvSpPr>
+          <p:nvPr>
+            <p:ph type="ftr" sz="quarter" idx="11"/>
+          </p:nvPr>
+        </p:nvSpPr>
+        <p:spPr/>
+        <p:txBody>
+          <a:bodyPr/>
+          <a:lstStyle/>
+          <a:p>
+            <a:r>
+              <a:rPr lang="en-US" altLang="zh-TW"/>
+              <a:t>104</a:t>
+            </a:r>
+            <a:r>
+              <a:rPr lang="zh-TW" altLang="en-US"/>
+              <a:t>人資學院  </a:t>
+            </a:r>
+            <a:r>
+              <a:rPr lang="en-US" altLang="zh-TW"/>
+              <a:t>All Rights Reserved</a:t>
+            </a:r>
+            <a:endParaRPr lang="zh-TW" altLang="en-US"/>
+          </a:p>
+        </p:txBody>
+      </p:sp>
+    </p:spTree>
+    <p:extLst>
+      <p:ext uri="{BB962C8B-B14F-4D97-AF65-F5344CB8AC3E}">
+        <p14:creationId xmlns:p14="http://schemas.microsoft.com/office/powerpoint/2010/main" val="640493876"/>
+      </p:ext>
+    </p:extLst>
+  </p:cSld>
+  <p:clrMapOvr>
+    <a:masterClrMapping/>
+  </p:clrMapOvr>
+</p:sld>
+</file>
+
+<file path=ppt/slides/slide27.xml><?xml version="1.0" encoding="utf-8"?>
+<p:sld xmlns:a="http://schemas.openxmlformats.org/drawingml/2006/main" xmlns:r="http://schemas.openxmlformats.org/officeDocument/2006/relationships" xmlns:p="http://schemas.openxmlformats.org/presentationml/2006/main">
+  <p:cSld>
+    <p:spTree>
+      <p:nvGrpSpPr>
+        <p:cNvPr id="1" name=""/>
+        <p:cNvGrpSpPr/>
+        <p:nvPr/>
+      </p:nvGrpSpPr>
+      <p:grpSpPr>
+        <a:xfrm>
+          <a:off x="0" y="0"/>
+          <a:ext cx="0" cy="0"/>
+          <a:chOff x="0" y="0"/>
+          <a:chExt cx="0" cy="0"/>
+        </a:xfrm>
+      </p:grpSpPr>
+      <p:sp>
+        <p:nvSpPr>
+          <p:cNvPr id="2" name="標題 1">
+            <a:extLst>
+              <a:ext uri="{FF2B5EF4-FFF2-40B4-BE49-F238E27FC236}">
+                <a16:creationId xmlns:a16="http://schemas.microsoft.com/office/drawing/2014/main" id="{557E8F5A-2052-4D72-8981-E2530CDEAED4}"/>
+              </a:ext>
+            </a:extLst>
+          </p:cNvPr>
+          <p:cNvSpPr>
+            <a:spLocks noGrp="1"/>
+          </p:cNvSpPr>
+          <p:nvPr>
+            <p:ph type="ctrTitle"/>
+          </p:nvPr>
+        </p:nvSpPr>
+        <p:spPr/>
+        <p:txBody>
+          <a:bodyPr/>
+          <a:lstStyle/>
+          <a:p>
+            <a:r>
+              <a:rPr lang="en-US" altLang="zh-TW" dirty="0"/>
+              <a:t>QA</a:t>
+            </a:r>
+            <a:endParaRPr lang="zh-TW" altLang="en-US" dirty="0"/>
+          </a:p>
+        </p:txBody>
+      </p:sp>
+      <p:sp>
+        <p:nvSpPr>
+          <p:cNvPr id="3" name="副標題 2">
+            <a:extLst>
+              <a:ext uri="{FF2B5EF4-FFF2-40B4-BE49-F238E27FC236}">
+                <a16:creationId xmlns:a16="http://schemas.microsoft.com/office/drawing/2014/main" id="{3848E0C8-84E6-46AE-851F-E8B2A2A0F182}"/>
+              </a:ext>
+            </a:extLst>
+          </p:cNvPr>
+          <p:cNvSpPr>
+            <a:spLocks noGrp="1"/>
+          </p:cNvSpPr>
+          <p:nvPr>
+            <p:ph type="subTitle" idx="1"/>
+          </p:nvPr>
+        </p:nvSpPr>
+        <p:spPr/>
+        <p:txBody>
+          <a:bodyPr/>
+          <a:lstStyle/>
+          <a:p>
+            <a:r>
+              <a:rPr lang="en-US" altLang="zh-TW" dirty="0"/>
+              <a:t>Thanks for your time.</a:t>
+            </a:r>
+            <a:endParaRPr lang="zh-TW" altLang="en-US" dirty="0"/>
+          </a:p>
+        </p:txBody>
+      </p:sp>
+      <p:sp>
+        <p:nvSpPr>
+          <p:cNvPr id="4" name="頁尾版面配置區 3">
+            <a:extLst>
+              <a:ext uri="{FF2B5EF4-FFF2-40B4-BE49-F238E27FC236}">
+                <a16:creationId xmlns:a16="http://schemas.microsoft.com/office/drawing/2014/main" id="{ED786E46-525A-47DF-82F6-84940400DD5B}"/>
+              </a:ext>
+            </a:extLst>
+          </p:cNvPr>
+          <p:cNvSpPr>
+            <a:spLocks noGrp="1"/>
+          </p:cNvSpPr>
+          <p:nvPr>
+            <p:ph type="ftr" sz="quarter" idx="11"/>
+          </p:nvPr>
+        </p:nvSpPr>
+        <p:spPr/>
+        <p:txBody>
+          <a:bodyPr/>
+          <a:lstStyle/>
+          <a:p>
+            <a:r>
+              <a:rPr lang="en-US" altLang="zh-TW"/>
+              <a:t>104</a:t>
+            </a:r>
+            <a:r>
+              <a:rPr lang="zh-TW" altLang="en-US"/>
+              <a:t>人資學院  </a:t>
+            </a:r>
+            <a:r>
+              <a:rPr lang="en-US" altLang="zh-TW"/>
+              <a:t>All Rights Reserved</a:t>
+            </a:r>
+            <a:endParaRPr lang="zh-TW" altLang="en-US"/>
+          </a:p>
+        </p:txBody>
+      </p:sp>
+    </p:spTree>
+    <p:extLst>
+      <p:ext uri="{BB962C8B-B14F-4D97-AF65-F5344CB8AC3E}">
+        <p14:creationId xmlns:p14="http://schemas.microsoft.com/office/powerpoint/2010/main" val="394126172"/>
+      </p:ext>
+    </p:extLst>
+  </p:cSld>
+  <p:clrMapOvr>
+    <a:masterClrMapping/>
+  </p:clrMapOvr>
+</p:sld>
+</file>
+
+<file path=ppt/slides/slide28.xml><?xml version="1.0" encoding="utf-8"?>
+<p:sld xmlns:a="http://schemas.openxmlformats.org/drawingml/2006/main" xmlns:r="http://schemas.openxmlformats.org/officeDocument/2006/relationships" xmlns:p="http://schemas.openxmlformats.org/presentationml/2006/main">
+  <p:cSld>
+    <p:spTree>
+      <p:nvGrpSpPr>
+        <p:cNvPr id="1" name=""/>
+        <p:cNvGrpSpPr/>
+        <p:nvPr/>
+      </p:nvGrpSpPr>
+      <p:grpSpPr>
+        <a:xfrm>
+          <a:off x="0" y="0"/>
+          <a:ext cx="0" cy="0"/>
+          <a:chOff x="0" y="0"/>
+          <a:chExt cx="0" cy="0"/>
+        </a:xfrm>
+      </p:grpSpPr>
+      <p:sp>
+        <p:nvSpPr>
+          <p:cNvPr id="2" name="標題 1">
+            <a:extLst>
+              <a:ext uri="{FF2B5EF4-FFF2-40B4-BE49-F238E27FC236}">
                 <a16:creationId xmlns:a16="http://schemas.microsoft.com/office/drawing/2014/main" id="{50FD158A-3005-4C2F-9E0B-172513459AB0}"/>
               </a:ext>
             </a:extLst>
@@ -6788,7 +7239,7 @@
 </p:sld>
 </file>
 
-<file path=ppt/slides/slide27.xml><?xml version="1.0" encoding="utf-8"?>
+<file path=ppt/slides/slide29.xml><?xml version="1.0" encoding="utf-8"?>
 <p:sld xmlns:a="http://schemas.openxmlformats.org/drawingml/2006/main" xmlns:r="http://schemas.openxmlformats.org/officeDocument/2006/relationships" xmlns:p="http://schemas.openxmlformats.org/presentationml/2006/main">
   <p:cSld>
     <p:spTree>

--- a/2019_0627_Git_Share_HA.pptx
+++ b/2019_0627_Git_Share_HA.pptx
@@ -5429,7 +5429,15 @@
             </a:r>
             <a:r>
               <a:rPr lang="zh-TW" altLang="en-US" dirty="0"/>
-              <a:t>的特性 </a:t>
+              <a:t> </a:t>
+            </a:r>
+            <a:r>
+              <a:rPr lang="en-US" altLang="zh-TW" dirty="0"/>
+              <a:t>specialty</a:t>
+            </a:r>
+            <a:r>
+              <a:rPr lang="zh-TW" altLang="en-US" dirty="0"/>
+              <a:t> </a:t>
             </a:r>
             <a:r>
               <a:rPr lang="en-US" altLang="zh-TW" dirty="0"/>

--- a/2019_0627_Git_Share_HA.pptx
+++ b/2019_0627_Git_Share_HA.pptx
@@ -5077,19 +5077,19 @@
           <a:p>
             <a:r>
               <a:rPr lang="en-US" altLang="zh-TW" dirty="0"/>
-              <a:t>git branch -b</a:t>
-            </a:r>
-          </a:p>
-          <a:p>
-            <a:r>
-              <a:rPr lang="en-US" altLang="zh-TW" dirty="0"/>
-              <a:t>git branch -d</a:t>
-            </a:r>
-          </a:p>
-          <a:p>
-            <a:r>
-              <a:rPr lang="en-US" altLang="zh-TW" dirty="0"/>
-              <a:t>git branch -D</a:t>
+              <a:t>git branch –b &gt;&gt; new branch</a:t>
+            </a:r>
+          </a:p>
+          <a:p>
+            <a:r>
+              <a:rPr lang="en-US" altLang="zh-TW" dirty="0"/>
+              <a:t>git branch –d &gt;&gt; delete branch</a:t>
+            </a:r>
+          </a:p>
+          <a:p>
+            <a:r>
+              <a:rPr lang="en-US" altLang="zh-TW" dirty="0"/>
+              <a:t>git branch –D &gt;&gt; force delete branch</a:t>
             </a:r>
           </a:p>
           <a:p>
@@ -5292,7 +5292,7 @@
         <p:spPr>
           <a:xfrm>
             <a:off x="5720694" y="5939392"/>
-            <a:ext cx="3273076" cy="369332"/>
+            <a:ext cx="4095545" cy="369332"/>
           </a:xfrm>
           <a:prstGeom prst="rect">
             <a:avLst/>
@@ -5307,7 +5307,7 @@
           <a:p>
             <a:r>
               <a:rPr lang="en-US" altLang="zh-TW" dirty="0"/>
-              <a:t>*git merge dev / git merge prod?</a:t>
+              <a:t>*(V)git merge feature / git merge master?</a:t>
             </a:r>
             <a:endParaRPr lang="zh-TW" altLang="en-US" dirty="0"/>
           </a:p>
@@ -5526,8 +5526,12 @@
           </a:p>
           <a:p>
             <a:r>
-              <a:rPr lang="en-US" altLang="zh-TW" dirty="0"/>
-              <a:t>Gitlab (issue tracking, branch by issue(?), pull request)</a:t>
+              <a:rPr lang="en-US" altLang="zh-TW" dirty="0" err="1"/>
+              <a:t>Githab</a:t>
+            </a:r>
+            <a:r>
+              <a:rPr lang="en-US" altLang="zh-TW" dirty="0"/>
+              <a:t> (issue tracking, branch by issue(?), pull request)</a:t>
             </a:r>
           </a:p>
           <a:p>
@@ -5721,7 +5725,7 @@
         <p:spPr>
           <a:xfrm>
             <a:off x="5720694" y="5939392"/>
-            <a:ext cx="3334887" cy="369332"/>
+            <a:ext cx="4142031" cy="369332"/>
           </a:xfrm>
           <a:prstGeom prst="rect">
             <a:avLst/>
@@ -5736,7 +5740,7 @@
           <a:p>
             <a:r>
               <a:rPr lang="en-US" altLang="zh-TW" dirty="0"/>
-              <a:t>*git rebase dev / git rebase prod?</a:t>
+              <a:t>*git rebase staging / (V)git rebase master?</a:t>
             </a:r>
             <a:endParaRPr lang="zh-TW" altLang="en-US" dirty="0"/>
           </a:p>
@@ -6170,8 +6174,13 @@
           <a:p>
             <a:r>
               <a:rPr lang="en-US" altLang="zh-TW" dirty="0"/>
-              <a:t>git pull –rebase</a:t>
-            </a:r>
+              <a:t>git pull --rebase	</a:t>
+            </a:r>
+            <a:r>
+              <a:rPr lang="zh-TW" altLang="en-US" dirty="0"/>
+              <a:t>建議加入此動作即可</a:t>
+            </a:r>
+            <a:endParaRPr lang="en-US" altLang="zh-TW" dirty="0"/>
           </a:p>
           <a:p>
             <a:r>
@@ -6190,7 +6199,7 @@
           <a:p>
             <a:r>
               <a:rPr lang="en-US" altLang="zh-TW" dirty="0"/>
-              <a:t>git push -f</a:t>
+              <a:t>git push –f `force push without protect`</a:t>
             </a:r>
             <a:endParaRPr lang="zh-TW" altLang="en-US" dirty="0"/>
           </a:p>
@@ -6454,31 +6463,39 @@
           <a:p>
             <a:r>
               <a:rPr lang="en-US" altLang="zh-TW" dirty="0"/>
-              <a:t>git config</a:t>
-            </a:r>
-          </a:p>
-          <a:p>
-            <a:r>
-              <a:rPr lang="en-US" altLang="zh-TW" dirty="0"/>
-              <a:t>git ignore</a:t>
-            </a:r>
-          </a:p>
-          <a:p>
-            <a:r>
-              <a:rPr lang="en-US" altLang="zh-TW" dirty="0"/>
-              <a:t>git attributes</a:t>
-            </a:r>
-          </a:p>
-          <a:p>
-            <a:r>
-              <a:rPr lang="en-US" altLang="zh-TW" dirty="0"/>
-              <a:t>git hook</a:t>
-            </a:r>
-          </a:p>
-          <a:p>
-            <a:r>
-              <a:rPr lang="en-US" altLang="zh-TW" dirty="0"/>
-              <a:t>git rev-parse</a:t>
+              <a:t>git config	`alias`</a:t>
+            </a:r>
+          </a:p>
+          <a:p>
+            <a:r>
+              <a:rPr lang="en-US" altLang="zh-TW" dirty="0"/>
+              <a:t>git ignore	`~$`, `</a:t>
+            </a:r>
+            <a:r>
+              <a:rPr lang="en-US" altLang="zh-TW" dirty="0" err="1"/>
+              <a:t>node_modules</a:t>
+            </a:r>
+            <a:r>
+              <a:rPr lang="en-US" altLang="zh-TW" dirty="0"/>
+              <a:t>/`</a:t>
+            </a:r>
+          </a:p>
+          <a:p>
+            <a:r>
+              <a:rPr lang="en-US" altLang="zh-TW" dirty="0"/>
+              <a:t>git attributes	`* -text`</a:t>
+            </a:r>
+          </a:p>
+          <a:p>
+            <a:r>
+              <a:rPr lang="en-US" altLang="zh-TW" dirty="0"/>
+              <a:t>git hook		`pre-commit`</a:t>
+            </a:r>
+          </a:p>
+          <a:p>
+            <a:r>
+              <a:rPr lang="en-US" altLang="zh-TW" dirty="0"/>
+              <a:t>git rev-parse    `sha1`</a:t>
             </a:r>
           </a:p>
           <a:p>
@@ -6492,8 +6509,13 @@
             </a:r>
             <a:r>
               <a:rPr lang="en-US" altLang="zh-TW" dirty="0"/>
-              <a:t> --count --all dev</a:t>
-            </a:r>
+              <a:t> --count --</a:t>
+            </a:r>
+            <a:r>
+              <a:rPr lang="en-US" altLang="zh-TW"/>
+              <a:t>all dev   `208`</a:t>
+            </a:r>
+            <a:endParaRPr lang="en-US" altLang="zh-TW" dirty="0"/>
           </a:p>
         </p:txBody>
       </p:sp>
